--- a/Demo 1/Project 4 – Demo 1.pptx
+++ b/Demo 1/Project 4 – Demo 1.pptx
@@ -10,6 +10,7 @@
     <p:sldId id="258" r:id="rId4"/>
     <p:sldId id="259" r:id="rId5"/>
     <p:sldId id="260" r:id="rId6"/>
+    <p:sldId id="261" r:id="rId7"/>
   </p:sldIdLst>
   <p:sldSz cx="12192000" cy="6858000"/>
   <p:notesSz cx="6858000" cy="9144000"/>
@@ -108,7 +109,6597 @@
       </a:defRPr>
     </a:lvl9pPr>
   </p:defaultTextStyle>
+  <p:extLst>
+    <p:ext uri="{EFAFB233-063F-42B5-8137-9DF3F51BA10A}">
+      <p15:sldGuideLst xmlns:p15="http://schemas.microsoft.com/office/powerpoint/2012/main"/>
+    </p:ext>
+  </p:extLst>
 </p:presentation>
+</file>
+
+<file path=ppt/diagrams/colors1.xml><?xml version="1.0" encoding="utf-8"?>
+<dgm:colorsDef xmlns:dgm="http://schemas.openxmlformats.org/drawingml/2006/diagram" xmlns:a="http://schemas.openxmlformats.org/drawingml/2006/main" uniqueId="urn:microsoft.com/office/officeart/2005/8/colors/accent1_2">
+  <dgm:title val=""/>
+  <dgm:desc val=""/>
+  <dgm:catLst>
+    <dgm:cat type="accent1" pri="11200"/>
+  </dgm:catLst>
+  <dgm:styleLbl name="node0">
+    <dgm:fillClrLst meth="repeat">
+      <a:schemeClr val="accent1"/>
+    </dgm:fillClrLst>
+    <dgm:linClrLst meth="repeat">
+      <a:schemeClr val="lt1"/>
+    </dgm:linClrLst>
+    <dgm:effectClrLst/>
+    <dgm:txLinClrLst/>
+    <dgm:txFillClrLst/>
+    <dgm:txEffectClrLst/>
+  </dgm:styleLbl>
+  <dgm:styleLbl name="alignNode1">
+    <dgm:fillClrLst meth="repeat">
+      <a:schemeClr val="accent1"/>
+    </dgm:fillClrLst>
+    <dgm:linClrLst meth="repeat">
+      <a:schemeClr val="accent1"/>
+    </dgm:linClrLst>
+    <dgm:effectClrLst/>
+    <dgm:txLinClrLst/>
+    <dgm:txFillClrLst/>
+    <dgm:txEffectClrLst/>
+  </dgm:styleLbl>
+  <dgm:styleLbl name="node1">
+    <dgm:fillClrLst meth="repeat">
+      <a:schemeClr val="accent1"/>
+    </dgm:fillClrLst>
+    <dgm:linClrLst meth="repeat">
+      <a:schemeClr val="lt1"/>
+    </dgm:linClrLst>
+    <dgm:effectClrLst/>
+    <dgm:txLinClrLst/>
+    <dgm:txFillClrLst/>
+    <dgm:txEffectClrLst/>
+  </dgm:styleLbl>
+  <dgm:styleLbl name="lnNode1">
+    <dgm:fillClrLst meth="repeat">
+      <a:schemeClr val="accent1"/>
+    </dgm:fillClrLst>
+    <dgm:linClrLst meth="repeat">
+      <a:schemeClr val="lt1"/>
+    </dgm:linClrLst>
+    <dgm:effectClrLst/>
+    <dgm:txLinClrLst/>
+    <dgm:txFillClrLst/>
+    <dgm:txEffectClrLst/>
+  </dgm:styleLbl>
+  <dgm:styleLbl name="vennNode1">
+    <dgm:fillClrLst meth="repeat">
+      <a:schemeClr val="accent1">
+        <a:alpha val="50000"/>
+      </a:schemeClr>
+    </dgm:fillClrLst>
+    <dgm:linClrLst meth="repeat">
+      <a:schemeClr val="lt1"/>
+    </dgm:linClrLst>
+    <dgm:effectClrLst/>
+    <dgm:txLinClrLst/>
+    <dgm:txFillClrLst/>
+    <dgm:txEffectClrLst/>
+  </dgm:styleLbl>
+  <dgm:styleLbl name="node2">
+    <dgm:fillClrLst meth="repeat">
+      <a:schemeClr val="accent1"/>
+    </dgm:fillClrLst>
+    <dgm:linClrLst meth="repeat">
+      <a:schemeClr val="lt1"/>
+    </dgm:linClrLst>
+    <dgm:effectClrLst/>
+    <dgm:txLinClrLst/>
+    <dgm:txFillClrLst/>
+    <dgm:txEffectClrLst/>
+  </dgm:styleLbl>
+  <dgm:styleLbl name="node3">
+    <dgm:fillClrLst meth="repeat">
+      <a:schemeClr val="accent1"/>
+    </dgm:fillClrLst>
+    <dgm:linClrLst meth="repeat">
+      <a:schemeClr val="lt1"/>
+    </dgm:linClrLst>
+    <dgm:effectClrLst/>
+    <dgm:txLinClrLst/>
+    <dgm:txFillClrLst/>
+    <dgm:txEffectClrLst/>
+  </dgm:styleLbl>
+  <dgm:styleLbl name="node4">
+    <dgm:fillClrLst meth="repeat">
+      <a:schemeClr val="accent1"/>
+    </dgm:fillClrLst>
+    <dgm:linClrLst meth="repeat">
+      <a:schemeClr val="lt1"/>
+    </dgm:linClrLst>
+    <dgm:effectClrLst/>
+    <dgm:txLinClrLst/>
+    <dgm:txFillClrLst/>
+    <dgm:txEffectClrLst/>
+  </dgm:styleLbl>
+  <dgm:styleLbl name="fgImgPlace1">
+    <dgm:fillClrLst meth="repeat">
+      <a:schemeClr val="accent1">
+        <a:tint val="50000"/>
+      </a:schemeClr>
+    </dgm:fillClrLst>
+    <dgm:linClrLst meth="repeat">
+      <a:schemeClr val="lt1"/>
+    </dgm:linClrLst>
+    <dgm:effectClrLst/>
+    <dgm:txLinClrLst/>
+    <dgm:txFillClrLst meth="repeat">
+      <a:schemeClr val="lt1"/>
+    </dgm:txFillClrLst>
+    <dgm:txEffectClrLst/>
+  </dgm:styleLbl>
+  <dgm:styleLbl name="alignImgPlace1">
+    <dgm:fillClrLst meth="repeat">
+      <a:schemeClr val="accent1">
+        <a:tint val="50000"/>
+      </a:schemeClr>
+    </dgm:fillClrLst>
+    <dgm:linClrLst meth="repeat">
+      <a:schemeClr val="lt1"/>
+    </dgm:linClrLst>
+    <dgm:effectClrLst/>
+    <dgm:txLinClrLst/>
+    <dgm:txFillClrLst meth="repeat">
+      <a:schemeClr val="lt1"/>
+    </dgm:txFillClrLst>
+    <dgm:txEffectClrLst/>
+  </dgm:styleLbl>
+  <dgm:styleLbl name="bgImgPlace1">
+    <dgm:fillClrLst meth="repeat">
+      <a:schemeClr val="accent1">
+        <a:tint val="50000"/>
+      </a:schemeClr>
+    </dgm:fillClrLst>
+    <dgm:linClrLst meth="repeat">
+      <a:schemeClr val="lt1"/>
+    </dgm:linClrLst>
+    <dgm:effectClrLst/>
+    <dgm:txLinClrLst/>
+    <dgm:txFillClrLst meth="repeat">
+      <a:schemeClr val="lt1"/>
+    </dgm:txFillClrLst>
+    <dgm:txEffectClrLst/>
+  </dgm:styleLbl>
+  <dgm:styleLbl name="sibTrans2D1">
+    <dgm:fillClrLst meth="repeat">
+      <a:schemeClr val="accent1">
+        <a:tint val="60000"/>
+      </a:schemeClr>
+    </dgm:fillClrLst>
+    <dgm:linClrLst meth="repeat">
+      <a:schemeClr val="accent1">
+        <a:tint val="60000"/>
+      </a:schemeClr>
+    </dgm:linClrLst>
+    <dgm:effectClrLst/>
+    <dgm:txLinClrLst/>
+    <dgm:txFillClrLst/>
+    <dgm:txEffectClrLst/>
+  </dgm:styleLbl>
+  <dgm:styleLbl name="fgSibTrans2D1">
+    <dgm:fillClrLst meth="repeat">
+      <a:schemeClr val="accent1">
+        <a:tint val="60000"/>
+      </a:schemeClr>
+    </dgm:fillClrLst>
+    <dgm:linClrLst meth="repeat">
+      <a:schemeClr val="accent1">
+        <a:tint val="60000"/>
+      </a:schemeClr>
+    </dgm:linClrLst>
+    <dgm:effectClrLst/>
+    <dgm:txLinClrLst/>
+    <dgm:txFillClrLst/>
+    <dgm:txEffectClrLst/>
+  </dgm:styleLbl>
+  <dgm:styleLbl name="bgSibTrans2D1">
+    <dgm:fillClrLst meth="repeat">
+      <a:schemeClr val="accent1">
+        <a:tint val="60000"/>
+      </a:schemeClr>
+    </dgm:fillClrLst>
+    <dgm:linClrLst meth="repeat">
+      <a:schemeClr val="accent1">
+        <a:tint val="60000"/>
+      </a:schemeClr>
+    </dgm:linClrLst>
+    <dgm:effectClrLst/>
+    <dgm:txLinClrLst/>
+    <dgm:txFillClrLst/>
+    <dgm:txEffectClrLst/>
+  </dgm:styleLbl>
+  <dgm:styleLbl name="sibTrans1D1">
+    <dgm:fillClrLst meth="repeat">
+      <a:schemeClr val="accent1"/>
+    </dgm:fillClrLst>
+    <dgm:linClrLst meth="repeat">
+      <a:schemeClr val="accent1"/>
+    </dgm:linClrLst>
+    <dgm:effectClrLst/>
+    <dgm:txLinClrLst/>
+    <dgm:txFillClrLst meth="repeat">
+      <a:schemeClr val="tx1"/>
+    </dgm:txFillClrLst>
+    <dgm:txEffectClrLst/>
+  </dgm:styleLbl>
+  <dgm:styleLbl name="callout">
+    <dgm:fillClrLst meth="repeat">
+      <a:schemeClr val="accent1"/>
+    </dgm:fillClrLst>
+    <dgm:linClrLst meth="repeat">
+      <a:schemeClr val="accent1">
+        <a:tint val="50000"/>
+      </a:schemeClr>
+    </dgm:linClrLst>
+    <dgm:effectClrLst/>
+    <dgm:txLinClrLst/>
+    <dgm:txFillClrLst meth="repeat">
+      <a:schemeClr val="tx1"/>
+    </dgm:txFillClrLst>
+    <dgm:txEffectClrLst/>
+  </dgm:styleLbl>
+  <dgm:styleLbl name="asst0">
+    <dgm:fillClrLst meth="repeat">
+      <a:schemeClr val="accent1"/>
+    </dgm:fillClrLst>
+    <dgm:linClrLst meth="repeat">
+      <a:schemeClr val="lt1"/>
+    </dgm:linClrLst>
+    <dgm:effectClrLst/>
+    <dgm:txLinClrLst/>
+    <dgm:txFillClrLst/>
+    <dgm:txEffectClrLst/>
+  </dgm:styleLbl>
+  <dgm:styleLbl name="asst1">
+    <dgm:fillClrLst meth="repeat">
+      <a:schemeClr val="accent1"/>
+    </dgm:fillClrLst>
+    <dgm:linClrLst meth="repeat">
+      <a:schemeClr val="lt1"/>
+    </dgm:linClrLst>
+    <dgm:effectClrLst/>
+    <dgm:txLinClrLst/>
+    <dgm:txFillClrLst/>
+    <dgm:txEffectClrLst/>
+  </dgm:styleLbl>
+  <dgm:styleLbl name="asst2">
+    <dgm:fillClrLst meth="repeat">
+      <a:schemeClr val="accent1"/>
+    </dgm:fillClrLst>
+    <dgm:linClrLst meth="repeat">
+      <a:schemeClr val="lt1"/>
+    </dgm:linClrLst>
+    <dgm:effectClrLst/>
+    <dgm:txLinClrLst/>
+    <dgm:txFillClrLst/>
+    <dgm:txEffectClrLst/>
+  </dgm:styleLbl>
+  <dgm:styleLbl name="asst3">
+    <dgm:fillClrLst meth="repeat">
+      <a:schemeClr val="accent1"/>
+    </dgm:fillClrLst>
+    <dgm:linClrLst meth="repeat">
+      <a:schemeClr val="lt1"/>
+    </dgm:linClrLst>
+    <dgm:effectClrLst/>
+    <dgm:txLinClrLst/>
+    <dgm:txFillClrLst/>
+    <dgm:txEffectClrLst/>
+  </dgm:styleLbl>
+  <dgm:styleLbl name="asst4">
+    <dgm:fillClrLst meth="repeat">
+      <a:schemeClr val="accent1"/>
+    </dgm:fillClrLst>
+    <dgm:linClrLst meth="repeat">
+      <a:schemeClr val="lt1"/>
+    </dgm:linClrLst>
+    <dgm:effectClrLst/>
+    <dgm:txLinClrLst/>
+    <dgm:txFillClrLst/>
+    <dgm:txEffectClrLst/>
+  </dgm:styleLbl>
+  <dgm:styleLbl name="parChTrans2D1">
+    <dgm:fillClrLst meth="repeat">
+      <a:schemeClr val="accent1">
+        <a:tint val="60000"/>
+      </a:schemeClr>
+    </dgm:fillClrLst>
+    <dgm:linClrLst meth="repeat">
+      <a:schemeClr val="accent1">
+        <a:tint val="60000"/>
+      </a:schemeClr>
+    </dgm:linClrLst>
+    <dgm:effectClrLst/>
+    <dgm:txLinClrLst/>
+    <dgm:txFillClrLst meth="repeat">
+      <a:schemeClr val="lt1"/>
+    </dgm:txFillClrLst>
+    <dgm:txEffectClrLst/>
+  </dgm:styleLbl>
+  <dgm:styleLbl name="parChTrans2D2">
+    <dgm:fillClrLst meth="repeat">
+      <a:schemeClr val="accent1"/>
+    </dgm:fillClrLst>
+    <dgm:linClrLst meth="repeat">
+      <a:schemeClr val="accent1"/>
+    </dgm:linClrLst>
+    <dgm:effectClrLst/>
+    <dgm:txLinClrLst/>
+    <dgm:txFillClrLst meth="repeat">
+      <a:schemeClr val="lt1"/>
+    </dgm:txFillClrLst>
+    <dgm:txEffectClrLst/>
+  </dgm:styleLbl>
+  <dgm:styleLbl name="parChTrans2D3">
+    <dgm:fillClrLst meth="repeat">
+      <a:schemeClr val="accent1"/>
+    </dgm:fillClrLst>
+    <dgm:linClrLst meth="repeat">
+      <a:schemeClr val="accent1"/>
+    </dgm:linClrLst>
+    <dgm:effectClrLst/>
+    <dgm:txLinClrLst/>
+    <dgm:txFillClrLst meth="repeat">
+      <a:schemeClr val="lt1"/>
+    </dgm:txFillClrLst>
+    <dgm:txEffectClrLst/>
+  </dgm:styleLbl>
+  <dgm:styleLbl name="parChTrans2D4">
+    <dgm:fillClrLst meth="repeat">
+      <a:schemeClr val="accent1"/>
+    </dgm:fillClrLst>
+    <dgm:linClrLst meth="repeat">
+      <a:schemeClr val="accent1"/>
+    </dgm:linClrLst>
+    <dgm:effectClrLst/>
+    <dgm:txLinClrLst/>
+    <dgm:txFillClrLst meth="repeat">
+      <a:schemeClr val="lt1"/>
+    </dgm:txFillClrLst>
+    <dgm:txEffectClrLst/>
+  </dgm:styleLbl>
+  <dgm:styleLbl name="parChTrans1D1">
+    <dgm:fillClrLst meth="repeat">
+      <a:schemeClr val="accent1"/>
+    </dgm:fillClrLst>
+    <dgm:linClrLst meth="repeat">
+      <a:schemeClr val="accent1">
+        <a:shade val="60000"/>
+      </a:schemeClr>
+    </dgm:linClrLst>
+    <dgm:effectClrLst/>
+    <dgm:txLinClrLst/>
+    <dgm:txFillClrLst meth="repeat">
+      <a:schemeClr val="tx1"/>
+    </dgm:txFillClrLst>
+    <dgm:txEffectClrLst/>
+  </dgm:styleLbl>
+  <dgm:styleLbl name="parChTrans1D2">
+    <dgm:fillClrLst meth="repeat">
+      <a:schemeClr val="accent1"/>
+    </dgm:fillClrLst>
+    <dgm:linClrLst meth="repeat">
+      <a:schemeClr val="accent1">
+        <a:shade val="60000"/>
+      </a:schemeClr>
+    </dgm:linClrLst>
+    <dgm:effectClrLst/>
+    <dgm:txLinClrLst/>
+    <dgm:txFillClrLst meth="repeat">
+      <a:schemeClr val="tx1"/>
+    </dgm:txFillClrLst>
+    <dgm:txEffectClrLst/>
+  </dgm:styleLbl>
+  <dgm:styleLbl name="parChTrans1D3">
+    <dgm:fillClrLst meth="repeat">
+      <a:schemeClr val="accent1"/>
+    </dgm:fillClrLst>
+    <dgm:linClrLst meth="repeat">
+      <a:schemeClr val="accent1">
+        <a:shade val="80000"/>
+      </a:schemeClr>
+    </dgm:linClrLst>
+    <dgm:effectClrLst/>
+    <dgm:txLinClrLst/>
+    <dgm:txFillClrLst meth="repeat">
+      <a:schemeClr val="tx1"/>
+    </dgm:txFillClrLst>
+    <dgm:txEffectClrLst/>
+  </dgm:styleLbl>
+  <dgm:styleLbl name="parChTrans1D4">
+    <dgm:fillClrLst meth="repeat">
+      <a:schemeClr val="accent1"/>
+    </dgm:fillClrLst>
+    <dgm:linClrLst meth="repeat">
+      <a:schemeClr val="accent1">
+        <a:shade val="80000"/>
+      </a:schemeClr>
+    </dgm:linClrLst>
+    <dgm:effectClrLst/>
+    <dgm:txLinClrLst/>
+    <dgm:txFillClrLst meth="repeat">
+      <a:schemeClr val="tx1"/>
+    </dgm:txFillClrLst>
+    <dgm:txEffectClrLst/>
+  </dgm:styleLbl>
+  <dgm:styleLbl name="fgAcc1">
+    <dgm:fillClrLst meth="repeat">
+      <a:schemeClr val="lt1">
+        <a:alpha val="90000"/>
+      </a:schemeClr>
+    </dgm:fillClrLst>
+    <dgm:linClrLst meth="repeat">
+      <a:schemeClr val="accent1"/>
+    </dgm:linClrLst>
+    <dgm:effectClrLst/>
+    <dgm:txLinClrLst/>
+    <dgm:txFillClrLst meth="repeat">
+      <a:schemeClr val="dk1"/>
+    </dgm:txFillClrLst>
+    <dgm:txEffectClrLst/>
+  </dgm:styleLbl>
+  <dgm:styleLbl name="conFgAcc1">
+    <dgm:fillClrLst meth="repeat">
+      <a:schemeClr val="lt1">
+        <a:alpha val="90000"/>
+      </a:schemeClr>
+    </dgm:fillClrLst>
+    <dgm:linClrLst meth="repeat">
+      <a:schemeClr val="accent1"/>
+    </dgm:linClrLst>
+    <dgm:effectClrLst/>
+    <dgm:txLinClrLst/>
+    <dgm:txFillClrLst meth="repeat">
+      <a:schemeClr val="dk1"/>
+    </dgm:txFillClrLst>
+    <dgm:txEffectClrLst/>
+  </dgm:styleLbl>
+  <dgm:styleLbl name="alignAcc1">
+    <dgm:fillClrLst meth="repeat">
+      <a:schemeClr val="lt1">
+        <a:alpha val="90000"/>
+      </a:schemeClr>
+    </dgm:fillClrLst>
+    <dgm:linClrLst meth="repeat">
+      <a:schemeClr val="accent1"/>
+    </dgm:linClrLst>
+    <dgm:effectClrLst/>
+    <dgm:txLinClrLst/>
+    <dgm:txFillClrLst meth="repeat">
+      <a:schemeClr val="dk1"/>
+    </dgm:txFillClrLst>
+    <dgm:txEffectClrLst/>
+  </dgm:styleLbl>
+  <dgm:styleLbl name="trAlignAcc1">
+    <dgm:fillClrLst meth="repeat">
+      <a:schemeClr val="lt1">
+        <a:alpha val="40000"/>
+      </a:schemeClr>
+    </dgm:fillClrLst>
+    <dgm:linClrLst meth="repeat">
+      <a:schemeClr val="accent1"/>
+    </dgm:linClrLst>
+    <dgm:effectClrLst/>
+    <dgm:txLinClrLst/>
+    <dgm:txFillClrLst meth="repeat">
+      <a:schemeClr val="dk1"/>
+    </dgm:txFillClrLst>
+    <dgm:txEffectClrLst/>
+  </dgm:styleLbl>
+  <dgm:styleLbl name="bgAcc1">
+    <dgm:fillClrLst meth="repeat">
+      <a:schemeClr val="lt1">
+        <a:alpha val="90000"/>
+      </a:schemeClr>
+    </dgm:fillClrLst>
+    <dgm:linClrLst meth="repeat">
+      <a:schemeClr val="accent1"/>
+    </dgm:linClrLst>
+    <dgm:effectClrLst/>
+    <dgm:txLinClrLst/>
+    <dgm:txFillClrLst meth="repeat">
+      <a:schemeClr val="dk1"/>
+    </dgm:txFillClrLst>
+    <dgm:txEffectClrLst/>
+  </dgm:styleLbl>
+  <dgm:styleLbl name="solidFgAcc1">
+    <dgm:fillClrLst meth="repeat">
+      <a:schemeClr val="lt1"/>
+    </dgm:fillClrLst>
+    <dgm:linClrLst meth="repeat">
+      <a:schemeClr val="accent1"/>
+    </dgm:linClrLst>
+    <dgm:effectClrLst/>
+    <dgm:txLinClrLst/>
+    <dgm:txFillClrLst meth="repeat">
+      <a:schemeClr val="dk1"/>
+    </dgm:txFillClrLst>
+    <dgm:txEffectClrLst/>
+  </dgm:styleLbl>
+  <dgm:styleLbl name="solidAlignAcc1">
+    <dgm:fillClrLst meth="repeat">
+      <a:schemeClr val="lt1"/>
+    </dgm:fillClrLst>
+    <dgm:linClrLst meth="repeat">
+      <a:schemeClr val="accent1"/>
+    </dgm:linClrLst>
+    <dgm:effectClrLst/>
+    <dgm:txLinClrLst/>
+    <dgm:txFillClrLst meth="repeat">
+      <a:schemeClr val="dk1"/>
+    </dgm:txFillClrLst>
+    <dgm:txEffectClrLst/>
+  </dgm:styleLbl>
+  <dgm:styleLbl name="solidBgAcc1">
+    <dgm:fillClrLst meth="repeat">
+      <a:schemeClr val="lt1"/>
+    </dgm:fillClrLst>
+    <dgm:linClrLst meth="repeat">
+      <a:schemeClr val="accent1"/>
+    </dgm:linClrLst>
+    <dgm:effectClrLst/>
+    <dgm:txLinClrLst/>
+    <dgm:txFillClrLst meth="repeat">
+      <a:schemeClr val="dk1"/>
+    </dgm:txFillClrLst>
+    <dgm:txEffectClrLst/>
+  </dgm:styleLbl>
+  <dgm:styleLbl name="fgAccFollowNode1">
+    <dgm:fillClrLst meth="repeat">
+      <a:schemeClr val="accent1">
+        <a:alpha val="90000"/>
+        <a:tint val="40000"/>
+      </a:schemeClr>
+    </dgm:fillClrLst>
+    <dgm:linClrLst meth="repeat">
+      <a:schemeClr val="accent1">
+        <a:alpha val="90000"/>
+        <a:tint val="40000"/>
+      </a:schemeClr>
+    </dgm:linClrLst>
+    <dgm:effectClrLst/>
+    <dgm:txLinClrLst/>
+    <dgm:txFillClrLst meth="repeat">
+      <a:schemeClr val="dk1"/>
+    </dgm:txFillClrLst>
+    <dgm:txEffectClrLst/>
+  </dgm:styleLbl>
+  <dgm:styleLbl name="alignAccFollowNode1">
+    <dgm:fillClrLst meth="repeat">
+      <a:schemeClr val="accent1">
+        <a:alpha val="90000"/>
+        <a:tint val="40000"/>
+      </a:schemeClr>
+    </dgm:fillClrLst>
+    <dgm:linClrLst meth="repeat">
+      <a:schemeClr val="accent1">
+        <a:alpha val="90000"/>
+        <a:tint val="40000"/>
+      </a:schemeClr>
+    </dgm:linClrLst>
+    <dgm:effectClrLst/>
+    <dgm:txLinClrLst/>
+    <dgm:txFillClrLst meth="repeat">
+      <a:schemeClr val="dk1"/>
+    </dgm:txFillClrLst>
+    <dgm:txEffectClrLst/>
+  </dgm:styleLbl>
+  <dgm:styleLbl name="bgAccFollowNode1">
+    <dgm:fillClrLst meth="repeat">
+      <a:schemeClr val="accent1">
+        <a:alpha val="90000"/>
+        <a:tint val="40000"/>
+      </a:schemeClr>
+    </dgm:fillClrLst>
+    <dgm:linClrLst meth="repeat">
+      <a:schemeClr val="accent1">
+        <a:alpha val="90000"/>
+        <a:tint val="40000"/>
+      </a:schemeClr>
+    </dgm:linClrLst>
+    <dgm:effectClrLst/>
+    <dgm:txLinClrLst/>
+    <dgm:txFillClrLst meth="repeat">
+      <a:schemeClr val="dk1"/>
+    </dgm:txFillClrLst>
+    <dgm:txEffectClrLst/>
+  </dgm:styleLbl>
+  <dgm:styleLbl name="fgAcc0">
+    <dgm:fillClrLst meth="repeat">
+      <a:schemeClr val="lt1">
+        <a:alpha val="90000"/>
+      </a:schemeClr>
+    </dgm:fillClrLst>
+    <dgm:linClrLst meth="repeat">
+      <a:schemeClr val="accent1"/>
+    </dgm:linClrLst>
+    <dgm:effectClrLst/>
+    <dgm:txLinClrLst/>
+    <dgm:txFillClrLst meth="repeat">
+      <a:schemeClr val="dk1"/>
+    </dgm:txFillClrLst>
+    <dgm:txEffectClrLst/>
+  </dgm:styleLbl>
+  <dgm:styleLbl name="fgAcc2">
+    <dgm:fillClrLst meth="repeat">
+      <a:schemeClr val="lt1">
+        <a:alpha val="90000"/>
+      </a:schemeClr>
+    </dgm:fillClrLst>
+    <dgm:linClrLst meth="repeat">
+      <a:schemeClr val="accent1"/>
+    </dgm:linClrLst>
+    <dgm:effectClrLst/>
+    <dgm:txLinClrLst/>
+    <dgm:txFillClrLst meth="repeat">
+      <a:schemeClr val="dk1"/>
+    </dgm:txFillClrLst>
+    <dgm:txEffectClrLst/>
+  </dgm:styleLbl>
+  <dgm:styleLbl name="fgAcc3">
+    <dgm:fillClrLst meth="repeat">
+      <a:schemeClr val="lt1">
+        <a:alpha val="90000"/>
+      </a:schemeClr>
+    </dgm:fillClrLst>
+    <dgm:linClrLst meth="repeat">
+      <a:schemeClr val="accent1"/>
+    </dgm:linClrLst>
+    <dgm:effectClrLst/>
+    <dgm:txLinClrLst/>
+    <dgm:txFillClrLst meth="repeat">
+      <a:schemeClr val="dk1"/>
+    </dgm:txFillClrLst>
+    <dgm:txEffectClrLst/>
+  </dgm:styleLbl>
+  <dgm:styleLbl name="fgAcc4">
+    <dgm:fillClrLst meth="repeat">
+      <a:schemeClr val="lt1">
+        <a:alpha val="90000"/>
+      </a:schemeClr>
+    </dgm:fillClrLst>
+    <dgm:linClrLst meth="repeat">
+      <a:schemeClr val="accent1"/>
+    </dgm:linClrLst>
+    <dgm:effectClrLst/>
+    <dgm:txLinClrLst/>
+    <dgm:txFillClrLst meth="repeat">
+      <a:schemeClr val="dk1"/>
+    </dgm:txFillClrLst>
+    <dgm:txEffectClrLst/>
+  </dgm:styleLbl>
+  <dgm:styleLbl name="bgShp">
+    <dgm:fillClrLst meth="repeat">
+      <a:schemeClr val="accent1">
+        <a:tint val="40000"/>
+      </a:schemeClr>
+    </dgm:fillClrLst>
+    <dgm:linClrLst meth="repeat">
+      <a:schemeClr val="accent1"/>
+    </dgm:linClrLst>
+    <dgm:effectClrLst/>
+    <dgm:txLinClrLst/>
+    <dgm:txFillClrLst meth="repeat">
+      <a:schemeClr val="dk1"/>
+    </dgm:txFillClrLst>
+    <dgm:txEffectClrLst/>
+  </dgm:styleLbl>
+  <dgm:styleLbl name="dkBgShp">
+    <dgm:fillClrLst meth="repeat">
+      <a:schemeClr val="accent1">
+        <a:shade val="80000"/>
+      </a:schemeClr>
+    </dgm:fillClrLst>
+    <dgm:linClrLst meth="repeat">
+      <a:schemeClr val="accent1"/>
+    </dgm:linClrLst>
+    <dgm:effectClrLst/>
+    <dgm:txLinClrLst/>
+    <dgm:txFillClrLst meth="repeat">
+      <a:schemeClr val="lt1"/>
+    </dgm:txFillClrLst>
+    <dgm:txEffectClrLst/>
+  </dgm:styleLbl>
+  <dgm:styleLbl name="trBgShp">
+    <dgm:fillClrLst meth="repeat">
+      <a:schemeClr val="accent1">
+        <a:tint val="50000"/>
+        <a:alpha val="40000"/>
+      </a:schemeClr>
+    </dgm:fillClrLst>
+    <dgm:linClrLst meth="repeat">
+      <a:schemeClr val="accent1"/>
+    </dgm:linClrLst>
+    <dgm:effectClrLst/>
+    <dgm:txLinClrLst/>
+    <dgm:txFillClrLst meth="repeat">
+      <a:schemeClr val="lt1"/>
+    </dgm:txFillClrLst>
+    <dgm:txEffectClrLst/>
+  </dgm:styleLbl>
+  <dgm:styleLbl name="fgShp">
+    <dgm:fillClrLst meth="repeat">
+      <a:schemeClr val="accent1">
+        <a:tint val="60000"/>
+      </a:schemeClr>
+    </dgm:fillClrLst>
+    <dgm:linClrLst meth="repeat">
+      <a:schemeClr val="lt1"/>
+    </dgm:linClrLst>
+    <dgm:effectClrLst/>
+    <dgm:txLinClrLst/>
+    <dgm:txFillClrLst meth="repeat">
+      <a:schemeClr val="dk1"/>
+    </dgm:txFillClrLst>
+    <dgm:txEffectClrLst/>
+  </dgm:styleLbl>
+  <dgm:styleLbl name="revTx">
+    <dgm:fillClrLst meth="repeat">
+      <a:schemeClr val="lt1">
+        <a:alpha val="0"/>
+      </a:schemeClr>
+    </dgm:fillClrLst>
+    <dgm:linClrLst meth="repeat">
+      <a:schemeClr val="dk1">
+        <a:alpha val="0"/>
+      </a:schemeClr>
+    </dgm:linClrLst>
+    <dgm:effectClrLst/>
+    <dgm:txLinClrLst/>
+    <dgm:txFillClrLst meth="repeat">
+      <a:schemeClr val="tx1"/>
+    </dgm:txFillClrLst>
+    <dgm:txEffectClrLst/>
+  </dgm:styleLbl>
+</dgm:colorsDef>
+</file>
+
+<file path=ppt/diagrams/colors2.xml><?xml version="1.0" encoding="utf-8"?>
+<dgm:colorsDef xmlns:dgm="http://schemas.openxmlformats.org/drawingml/2006/diagram" xmlns:a="http://schemas.openxmlformats.org/drawingml/2006/main" uniqueId="urn:microsoft.com/office/officeart/2005/8/colors/colorful5">
+  <dgm:title val=""/>
+  <dgm:desc val=""/>
+  <dgm:catLst>
+    <dgm:cat type="colorful" pri="10500"/>
+  </dgm:catLst>
+  <dgm:styleLbl name="node0">
+    <dgm:fillClrLst meth="repeat">
+      <a:schemeClr val="accent4"/>
+    </dgm:fillClrLst>
+    <dgm:linClrLst meth="repeat">
+      <a:schemeClr val="lt1"/>
+    </dgm:linClrLst>
+    <dgm:effectClrLst/>
+    <dgm:txLinClrLst/>
+    <dgm:txFillClrLst/>
+    <dgm:txEffectClrLst/>
+  </dgm:styleLbl>
+  <dgm:styleLbl name="node1">
+    <dgm:fillClrLst>
+      <a:schemeClr val="accent5"/>
+      <a:schemeClr val="accent6"/>
+    </dgm:fillClrLst>
+    <dgm:linClrLst meth="repeat">
+      <a:schemeClr val="lt1"/>
+    </dgm:linClrLst>
+    <dgm:effectClrLst/>
+    <dgm:txLinClrLst/>
+    <dgm:txFillClrLst/>
+    <dgm:txEffectClrLst/>
+  </dgm:styleLbl>
+  <dgm:styleLbl name="alignNode1">
+    <dgm:fillClrLst>
+      <a:schemeClr val="accent5"/>
+      <a:schemeClr val="accent6"/>
+    </dgm:fillClrLst>
+    <dgm:linClrLst>
+      <a:schemeClr val="accent5"/>
+      <a:schemeClr val="accent6"/>
+    </dgm:linClrLst>
+    <dgm:effectClrLst/>
+    <dgm:txLinClrLst/>
+    <dgm:txFillClrLst/>
+    <dgm:txEffectClrLst/>
+  </dgm:styleLbl>
+  <dgm:styleLbl name="lnNode1">
+    <dgm:fillClrLst>
+      <a:schemeClr val="accent5"/>
+      <a:schemeClr val="accent6"/>
+    </dgm:fillClrLst>
+    <dgm:linClrLst meth="repeat">
+      <a:schemeClr val="lt1"/>
+    </dgm:linClrLst>
+    <dgm:effectClrLst/>
+    <dgm:txLinClrLst/>
+    <dgm:txFillClrLst/>
+    <dgm:txEffectClrLst/>
+  </dgm:styleLbl>
+  <dgm:styleLbl name="vennNode1">
+    <dgm:fillClrLst>
+      <a:schemeClr val="accent5">
+        <a:alpha val="50000"/>
+      </a:schemeClr>
+      <a:schemeClr val="accent6">
+        <a:alpha val="50000"/>
+      </a:schemeClr>
+    </dgm:fillClrLst>
+    <dgm:linClrLst meth="repeat">
+      <a:schemeClr val="lt1"/>
+    </dgm:linClrLst>
+    <dgm:effectClrLst/>
+    <dgm:txLinClrLst/>
+    <dgm:txFillClrLst/>
+    <dgm:txEffectClrLst/>
+  </dgm:styleLbl>
+  <dgm:styleLbl name="node2">
+    <dgm:fillClrLst>
+      <a:schemeClr val="accent6"/>
+    </dgm:fillClrLst>
+    <dgm:linClrLst meth="repeat">
+      <a:schemeClr val="lt1"/>
+    </dgm:linClrLst>
+    <dgm:effectClrLst/>
+    <dgm:txLinClrLst/>
+    <dgm:txFillClrLst/>
+    <dgm:txEffectClrLst/>
+  </dgm:styleLbl>
+  <dgm:styleLbl name="node3">
+    <dgm:fillClrLst>
+      <a:schemeClr val="accent1"/>
+    </dgm:fillClrLst>
+    <dgm:linClrLst meth="repeat">
+      <a:schemeClr val="lt1"/>
+    </dgm:linClrLst>
+    <dgm:effectClrLst/>
+    <dgm:txLinClrLst/>
+    <dgm:txFillClrLst/>
+    <dgm:txEffectClrLst/>
+  </dgm:styleLbl>
+  <dgm:styleLbl name="node4">
+    <dgm:fillClrLst>
+      <a:schemeClr val="accent2"/>
+    </dgm:fillClrLst>
+    <dgm:linClrLst meth="repeat">
+      <a:schemeClr val="lt1"/>
+    </dgm:linClrLst>
+    <dgm:effectClrLst/>
+    <dgm:txLinClrLst/>
+    <dgm:txFillClrLst/>
+    <dgm:txEffectClrLst/>
+  </dgm:styleLbl>
+  <dgm:styleLbl name="fgImgPlace1">
+    <dgm:fillClrLst>
+      <a:schemeClr val="accent5">
+        <a:tint val="50000"/>
+      </a:schemeClr>
+      <a:schemeClr val="accent6">
+        <a:tint val="50000"/>
+      </a:schemeClr>
+    </dgm:fillClrLst>
+    <dgm:linClrLst meth="repeat">
+      <a:schemeClr val="lt1"/>
+    </dgm:linClrLst>
+    <dgm:effectClrLst/>
+    <dgm:txLinClrLst/>
+    <dgm:txFillClrLst meth="repeat">
+      <a:schemeClr val="lt1"/>
+    </dgm:txFillClrLst>
+    <dgm:txEffectClrLst/>
+  </dgm:styleLbl>
+  <dgm:styleLbl name="alignImgPlace1">
+    <dgm:fillClrLst>
+      <a:schemeClr val="accent5">
+        <a:tint val="50000"/>
+      </a:schemeClr>
+      <a:schemeClr val="accent6">
+        <a:tint val="20000"/>
+      </a:schemeClr>
+    </dgm:fillClrLst>
+    <dgm:linClrLst meth="repeat">
+      <a:schemeClr val="lt1"/>
+    </dgm:linClrLst>
+    <dgm:effectClrLst/>
+    <dgm:txLinClrLst/>
+    <dgm:txFillClrLst meth="repeat">
+      <a:schemeClr val="lt1"/>
+    </dgm:txFillClrLst>
+    <dgm:txEffectClrLst/>
+  </dgm:styleLbl>
+  <dgm:styleLbl name="bgImgPlace1">
+    <dgm:fillClrLst>
+      <a:schemeClr val="accent5">
+        <a:tint val="50000"/>
+      </a:schemeClr>
+      <a:schemeClr val="accent6">
+        <a:tint val="20000"/>
+      </a:schemeClr>
+    </dgm:fillClrLst>
+    <dgm:linClrLst meth="repeat">
+      <a:schemeClr val="lt1"/>
+    </dgm:linClrLst>
+    <dgm:effectClrLst/>
+    <dgm:txLinClrLst/>
+    <dgm:txFillClrLst meth="repeat">
+      <a:schemeClr val="lt1"/>
+    </dgm:txFillClrLst>
+    <dgm:txEffectClrLst/>
+  </dgm:styleLbl>
+  <dgm:styleLbl name="sibTrans2D1">
+    <dgm:fillClrLst>
+      <a:schemeClr val="accent5"/>
+      <a:schemeClr val="accent6"/>
+    </dgm:fillClrLst>
+    <dgm:linClrLst meth="repeat">
+      <a:schemeClr val="lt1"/>
+    </dgm:linClrLst>
+    <dgm:effectClrLst/>
+    <dgm:txLinClrLst/>
+    <dgm:txFillClrLst/>
+    <dgm:txEffectClrLst/>
+  </dgm:styleLbl>
+  <dgm:styleLbl name="fgSibTrans2D1">
+    <dgm:fillClrLst>
+      <a:schemeClr val="accent5"/>
+      <a:schemeClr val="accent6"/>
+    </dgm:fillClrLst>
+    <dgm:linClrLst meth="repeat">
+      <a:schemeClr val="lt1"/>
+    </dgm:linClrLst>
+    <dgm:effectClrLst/>
+    <dgm:txLinClrLst/>
+    <dgm:txFillClrLst meth="repeat">
+      <a:schemeClr val="lt1"/>
+    </dgm:txFillClrLst>
+    <dgm:txEffectClrLst/>
+  </dgm:styleLbl>
+  <dgm:styleLbl name="bgSibTrans2D1">
+    <dgm:fillClrLst>
+      <a:schemeClr val="accent5"/>
+      <a:schemeClr val="accent6"/>
+    </dgm:fillClrLst>
+    <dgm:linClrLst meth="repeat">
+      <a:schemeClr val="lt1"/>
+    </dgm:linClrLst>
+    <dgm:effectClrLst/>
+    <dgm:txLinClrLst/>
+    <dgm:txFillClrLst meth="repeat">
+      <a:schemeClr val="lt1"/>
+    </dgm:txFillClrLst>
+    <dgm:txEffectClrLst/>
+  </dgm:styleLbl>
+  <dgm:styleLbl name="sibTrans1D1">
+    <dgm:fillClrLst/>
+    <dgm:linClrLst>
+      <a:schemeClr val="accent5"/>
+      <a:schemeClr val="accent6"/>
+    </dgm:linClrLst>
+    <dgm:effectClrLst/>
+    <dgm:txLinClrLst/>
+    <dgm:txFillClrLst meth="repeat">
+      <a:schemeClr val="tx1"/>
+    </dgm:txFillClrLst>
+    <dgm:txEffectClrLst/>
+  </dgm:styleLbl>
+  <dgm:styleLbl name="callout">
+    <dgm:fillClrLst meth="repeat">
+      <a:schemeClr val="accent5"/>
+    </dgm:fillClrLst>
+    <dgm:linClrLst meth="repeat">
+      <a:schemeClr val="accent5">
+        <a:tint val="50000"/>
+      </a:schemeClr>
+    </dgm:linClrLst>
+    <dgm:effectClrLst/>
+    <dgm:txLinClrLst/>
+    <dgm:txFillClrLst meth="repeat">
+      <a:schemeClr val="tx1"/>
+    </dgm:txFillClrLst>
+    <dgm:txEffectClrLst/>
+  </dgm:styleLbl>
+  <dgm:styleLbl name="asst0">
+    <dgm:fillClrLst meth="repeat">
+      <a:schemeClr val="accent5"/>
+    </dgm:fillClrLst>
+    <dgm:linClrLst meth="repeat">
+      <a:schemeClr val="lt1">
+        <a:shade val="80000"/>
+      </a:schemeClr>
+    </dgm:linClrLst>
+    <dgm:effectClrLst/>
+    <dgm:txLinClrLst/>
+    <dgm:txFillClrLst/>
+    <dgm:txEffectClrLst/>
+  </dgm:styleLbl>
+  <dgm:styleLbl name="asst1">
+    <dgm:fillClrLst meth="repeat">
+      <a:schemeClr val="accent6"/>
+    </dgm:fillClrLst>
+    <dgm:linClrLst meth="repeat">
+      <a:schemeClr val="lt1">
+        <a:shade val="80000"/>
+      </a:schemeClr>
+    </dgm:linClrLst>
+    <dgm:effectClrLst/>
+    <dgm:txLinClrLst/>
+    <dgm:txFillClrLst/>
+    <dgm:txEffectClrLst/>
+  </dgm:styleLbl>
+  <dgm:styleLbl name="asst2">
+    <dgm:fillClrLst>
+      <a:schemeClr val="accent1"/>
+    </dgm:fillClrLst>
+    <dgm:linClrLst meth="repeat">
+      <a:schemeClr val="lt1"/>
+    </dgm:linClrLst>
+    <dgm:effectClrLst/>
+    <dgm:txLinClrLst/>
+    <dgm:txFillClrLst/>
+    <dgm:txEffectClrLst/>
+  </dgm:styleLbl>
+  <dgm:styleLbl name="asst3">
+    <dgm:fillClrLst>
+      <a:schemeClr val="accent2"/>
+    </dgm:fillClrLst>
+    <dgm:linClrLst meth="repeat">
+      <a:schemeClr val="lt1"/>
+    </dgm:linClrLst>
+    <dgm:effectClrLst/>
+    <dgm:txLinClrLst/>
+    <dgm:txFillClrLst/>
+    <dgm:txEffectClrLst/>
+  </dgm:styleLbl>
+  <dgm:styleLbl name="asst4">
+    <dgm:fillClrLst>
+      <a:schemeClr val="accent3"/>
+    </dgm:fillClrLst>
+    <dgm:linClrLst meth="repeat">
+      <a:schemeClr val="lt1"/>
+    </dgm:linClrLst>
+    <dgm:effectClrLst/>
+    <dgm:txLinClrLst/>
+    <dgm:txFillClrLst/>
+    <dgm:txEffectClrLst/>
+  </dgm:styleLbl>
+  <dgm:styleLbl name="parChTrans2D1">
+    <dgm:fillClrLst meth="repeat">
+      <a:schemeClr val="accent5"/>
+    </dgm:fillClrLst>
+    <dgm:linClrLst meth="repeat">
+      <a:schemeClr val="lt1"/>
+    </dgm:linClrLst>
+    <dgm:effectClrLst/>
+    <dgm:txLinClrLst/>
+    <dgm:txFillClrLst meth="repeat">
+      <a:schemeClr val="lt1"/>
+    </dgm:txFillClrLst>
+    <dgm:txEffectClrLst/>
+  </dgm:styleLbl>
+  <dgm:styleLbl name="parChTrans2D2">
+    <dgm:fillClrLst meth="repeat">
+      <a:schemeClr val="accent6"/>
+    </dgm:fillClrLst>
+    <dgm:linClrLst meth="repeat">
+      <a:schemeClr val="lt1"/>
+    </dgm:linClrLst>
+    <dgm:effectClrLst/>
+    <dgm:txLinClrLst/>
+    <dgm:txFillClrLst/>
+    <dgm:txEffectClrLst/>
+  </dgm:styleLbl>
+  <dgm:styleLbl name="parChTrans2D3">
+    <dgm:fillClrLst meth="repeat">
+      <a:schemeClr val="accent6"/>
+    </dgm:fillClrLst>
+    <dgm:linClrLst meth="repeat">
+      <a:schemeClr val="lt1"/>
+    </dgm:linClrLst>
+    <dgm:effectClrLst/>
+    <dgm:txLinClrLst/>
+    <dgm:txFillClrLst/>
+    <dgm:txEffectClrLst/>
+  </dgm:styleLbl>
+  <dgm:styleLbl name="parChTrans2D4">
+    <dgm:fillClrLst meth="repeat">
+      <a:schemeClr val="accent1"/>
+    </dgm:fillClrLst>
+    <dgm:linClrLst meth="repeat">
+      <a:schemeClr val="lt1"/>
+    </dgm:linClrLst>
+    <dgm:effectClrLst/>
+    <dgm:txLinClrLst/>
+    <dgm:txFillClrLst meth="repeat">
+      <a:schemeClr val="lt1"/>
+    </dgm:txFillClrLst>
+    <dgm:txEffectClrLst/>
+  </dgm:styleLbl>
+  <dgm:styleLbl name="parChTrans1D1">
+    <dgm:fillClrLst meth="repeat">
+      <a:schemeClr val="accent5"/>
+    </dgm:fillClrLst>
+    <dgm:linClrLst meth="repeat">
+      <a:schemeClr val="accent5"/>
+    </dgm:linClrLst>
+    <dgm:effectClrLst/>
+    <dgm:txLinClrLst/>
+    <dgm:txFillClrLst meth="repeat">
+      <a:schemeClr val="tx1"/>
+    </dgm:txFillClrLst>
+    <dgm:txEffectClrLst/>
+  </dgm:styleLbl>
+  <dgm:styleLbl name="parChTrans1D2">
+    <dgm:fillClrLst meth="repeat">
+      <a:schemeClr val="accent6">
+        <a:tint val="90000"/>
+      </a:schemeClr>
+    </dgm:fillClrLst>
+    <dgm:linClrLst meth="repeat">
+      <a:schemeClr val="accent6"/>
+    </dgm:linClrLst>
+    <dgm:effectClrLst/>
+    <dgm:txLinClrLst/>
+    <dgm:txFillClrLst meth="repeat">
+      <a:schemeClr val="tx1"/>
+    </dgm:txFillClrLst>
+    <dgm:txEffectClrLst/>
+  </dgm:styleLbl>
+  <dgm:styleLbl name="parChTrans1D3">
+    <dgm:fillClrLst meth="repeat">
+      <a:schemeClr val="accent6">
+        <a:tint val="70000"/>
+      </a:schemeClr>
+    </dgm:fillClrLst>
+    <dgm:linClrLst meth="repeat">
+      <a:schemeClr val="accent1"/>
+    </dgm:linClrLst>
+    <dgm:effectClrLst/>
+    <dgm:txLinClrLst/>
+    <dgm:txFillClrLst meth="repeat">
+      <a:schemeClr val="tx1"/>
+    </dgm:txFillClrLst>
+    <dgm:txEffectClrLst/>
+  </dgm:styleLbl>
+  <dgm:styleLbl name="parChTrans1D4">
+    <dgm:fillClrLst meth="repeat">
+      <a:schemeClr val="accent6">
+        <a:tint val="50000"/>
+      </a:schemeClr>
+    </dgm:fillClrLst>
+    <dgm:linClrLst meth="repeat">
+      <a:schemeClr val="accent2"/>
+    </dgm:linClrLst>
+    <dgm:effectClrLst/>
+    <dgm:txLinClrLst/>
+    <dgm:txFillClrLst meth="repeat">
+      <a:schemeClr val="tx1"/>
+    </dgm:txFillClrLst>
+    <dgm:txEffectClrLst/>
+  </dgm:styleLbl>
+  <dgm:styleLbl name="fgAcc1">
+    <dgm:fillClrLst meth="repeat">
+      <a:schemeClr val="lt1">
+        <a:alpha val="90000"/>
+      </a:schemeClr>
+    </dgm:fillClrLst>
+    <dgm:linClrLst>
+      <a:schemeClr val="accent5"/>
+      <a:schemeClr val="accent6"/>
+    </dgm:linClrLst>
+    <dgm:effectClrLst/>
+    <dgm:txLinClrLst/>
+    <dgm:txFillClrLst meth="repeat">
+      <a:schemeClr val="dk1"/>
+    </dgm:txFillClrLst>
+    <dgm:txEffectClrLst/>
+  </dgm:styleLbl>
+  <dgm:styleLbl name="conFgAcc1">
+    <dgm:fillClrLst meth="repeat">
+      <a:schemeClr val="lt1">
+        <a:alpha val="90000"/>
+      </a:schemeClr>
+    </dgm:fillClrLst>
+    <dgm:linClrLst>
+      <a:schemeClr val="accent5"/>
+      <a:schemeClr val="accent6"/>
+    </dgm:linClrLst>
+    <dgm:effectClrLst/>
+    <dgm:txLinClrLst/>
+    <dgm:txFillClrLst meth="repeat">
+      <a:schemeClr val="dk1"/>
+    </dgm:txFillClrLst>
+    <dgm:txEffectClrLst/>
+  </dgm:styleLbl>
+  <dgm:styleLbl name="alignAcc1">
+    <dgm:fillClrLst meth="repeat">
+      <a:schemeClr val="lt1">
+        <a:alpha val="90000"/>
+      </a:schemeClr>
+    </dgm:fillClrLst>
+    <dgm:linClrLst>
+      <a:schemeClr val="accent5"/>
+      <a:schemeClr val="accent6"/>
+    </dgm:linClrLst>
+    <dgm:effectClrLst/>
+    <dgm:txLinClrLst/>
+    <dgm:txFillClrLst meth="repeat">
+      <a:schemeClr val="dk1"/>
+    </dgm:txFillClrLst>
+    <dgm:txEffectClrLst/>
+  </dgm:styleLbl>
+  <dgm:styleLbl name="trAlignAcc1">
+    <dgm:fillClrLst meth="repeat">
+      <a:schemeClr val="lt1">
+        <a:alpha val="40000"/>
+      </a:schemeClr>
+    </dgm:fillClrLst>
+    <dgm:linClrLst meth="repeat">
+      <a:schemeClr val="accent5"/>
+    </dgm:linClrLst>
+    <dgm:effectClrLst/>
+    <dgm:txLinClrLst/>
+    <dgm:txFillClrLst meth="repeat">
+      <a:schemeClr val="dk1"/>
+    </dgm:txFillClrLst>
+    <dgm:txEffectClrLst/>
+  </dgm:styleLbl>
+  <dgm:styleLbl name="bgAcc1">
+    <dgm:fillClrLst meth="repeat">
+      <a:schemeClr val="lt1">
+        <a:alpha val="90000"/>
+      </a:schemeClr>
+    </dgm:fillClrLst>
+    <dgm:linClrLst>
+      <a:schemeClr val="accent5"/>
+      <a:schemeClr val="accent6"/>
+    </dgm:linClrLst>
+    <dgm:effectClrLst/>
+    <dgm:txLinClrLst/>
+    <dgm:txFillClrLst meth="repeat">
+      <a:schemeClr val="dk1"/>
+    </dgm:txFillClrLst>
+    <dgm:txEffectClrLst/>
+  </dgm:styleLbl>
+  <dgm:styleLbl name="solidFgAcc1">
+    <dgm:fillClrLst meth="repeat">
+      <a:schemeClr val="lt1"/>
+    </dgm:fillClrLst>
+    <dgm:linClrLst>
+      <a:schemeClr val="accent5"/>
+      <a:schemeClr val="accent6"/>
+    </dgm:linClrLst>
+    <dgm:effectClrLst/>
+    <dgm:txLinClrLst/>
+    <dgm:txFillClrLst meth="repeat">
+      <a:schemeClr val="dk1"/>
+    </dgm:txFillClrLst>
+    <dgm:txEffectClrLst/>
+  </dgm:styleLbl>
+  <dgm:styleLbl name="solidAlignAcc1">
+    <dgm:fillClrLst meth="repeat">
+      <a:schemeClr val="lt1"/>
+    </dgm:fillClrLst>
+    <dgm:linClrLst>
+      <a:schemeClr val="accent5"/>
+      <a:schemeClr val="accent6"/>
+    </dgm:linClrLst>
+    <dgm:effectClrLst/>
+    <dgm:txLinClrLst/>
+    <dgm:txFillClrLst meth="repeat">
+      <a:schemeClr val="dk1"/>
+    </dgm:txFillClrLst>
+    <dgm:txEffectClrLst/>
+  </dgm:styleLbl>
+  <dgm:styleLbl name="solidBgAcc1">
+    <dgm:fillClrLst meth="repeat">
+      <a:schemeClr val="lt1"/>
+    </dgm:fillClrLst>
+    <dgm:linClrLst>
+      <a:schemeClr val="accent5"/>
+      <a:schemeClr val="accent6"/>
+    </dgm:linClrLst>
+    <dgm:effectClrLst/>
+    <dgm:txLinClrLst/>
+    <dgm:txFillClrLst meth="repeat">
+      <a:schemeClr val="dk1"/>
+    </dgm:txFillClrLst>
+    <dgm:txEffectClrLst/>
+  </dgm:styleLbl>
+  <dgm:styleLbl name="fgAccFollowNode1">
+    <dgm:fillClrLst>
+      <a:schemeClr val="accent5">
+        <a:tint val="40000"/>
+        <a:alpha val="90000"/>
+      </a:schemeClr>
+      <a:schemeClr val="accent6">
+        <a:tint val="40000"/>
+        <a:alpha val="90000"/>
+      </a:schemeClr>
+    </dgm:fillClrLst>
+    <dgm:linClrLst>
+      <a:schemeClr val="accent5">
+        <a:tint val="40000"/>
+        <a:alpha val="90000"/>
+      </a:schemeClr>
+      <a:schemeClr val="accent5">
+        <a:tint val="40000"/>
+        <a:alpha val="90000"/>
+      </a:schemeClr>
+    </dgm:linClrLst>
+    <dgm:effectClrLst/>
+    <dgm:txLinClrLst/>
+    <dgm:txFillClrLst meth="repeat">
+      <a:schemeClr val="dk1"/>
+    </dgm:txFillClrLst>
+    <dgm:txEffectClrLst/>
+  </dgm:styleLbl>
+  <dgm:styleLbl name="alignAccFollowNode1">
+    <dgm:fillClrLst>
+      <a:schemeClr val="accent5">
+        <a:tint val="40000"/>
+        <a:alpha val="90000"/>
+      </a:schemeClr>
+      <a:schemeClr val="accent6">
+        <a:tint val="40000"/>
+        <a:alpha val="90000"/>
+      </a:schemeClr>
+    </dgm:fillClrLst>
+    <dgm:linClrLst>
+      <a:schemeClr val="accent5">
+        <a:tint val="40000"/>
+        <a:alpha val="90000"/>
+      </a:schemeClr>
+      <a:schemeClr val="accent6">
+        <a:tint val="40000"/>
+        <a:alpha val="90000"/>
+      </a:schemeClr>
+    </dgm:linClrLst>
+    <dgm:effectClrLst/>
+    <dgm:txLinClrLst/>
+    <dgm:txFillClrLst meth="repeat">
+      <a:schemeClr val="dk1"/>
+    </dgm:txFillClrLst>
+    <dgm:txEffectClrLst/>
+  </dgm:styleLbl>
+  <dgm:styleLbl name="bgAccFollowNode1">
+    <dgm:fillClrLst>
+      <a:schemeClr val="accent5">
+        <a:tint val="40000"/>
+        <a:alpha val="90000"/>
+      </a:schemeClr>
+      <a:schemeClr val="accent6">
+        <a:tint val="40000"/>
+        <a:alpha val="90000"/>
+      </a:schemeClr>
+    </dgm:fillClrLst>
+    <dgm:linClrLst>
+      <a:schemeClr val="accent5">
+        <a:tint val="40000"/>
+        <a:alpha val="90000"/>
+      </a:schemeClr>
+      <a:schemeClr val="accent6">
+        <a:tint val="40000"/>
+        <a:alpha val="90000"/>
+      </a:schemeClr>
+    </dgm:linClrLst>
+    <dgm:effectClrLst/>
+    <dgm:txLinClrLst/>
+    <dgm:txFillClrLst meth="repeat">
+      <a:schemeClr val="dk1"/>
+    </dgm:txFillClrLst>
+    <dgm:txEffectClrLst/>
+  </dgm:styleLbl>
+  <dgm:styleLbl name="fgAcc0">
+    <dgm:fillClrLst meth="repeat">
+      <a:schemeClr val="lt1">
+        <a:alpha val="90000"/>
+      </a:schemeClr>
+    </dgm:fillClrLst>
+    <dgm:linClrLst>
+      <a:schemeClr val="accent4"/>
+    </dgm:linClrLst>
+    <dgm:effectClrLst/>
+    <dgm:txLinClrLst/>
+    <dgm:txFillClrLst meth="repeat">
+      <a:schemeClr val="dk1"/>
+    </dgm:txFillClrLst>
+    <dgm:txEffectClrLst/>
+  </dgm:styleLbl>
+  <dgm:styleLbl name="fgAcc2">
+    <dgm:fillClrLst meth="repeat">
+      <a:schemeClr val="lt1">
+        <a:alpha val="90000"/>
+      </a:schemeClr>
+    </dgm:fillClrLst>
+    <dgm:linClrLst>
+      <a:schemeClr val="accent6"/>
+    </dgm:linClrLst>
+    <dgm:effectClrLst/>
+    <dgm:txLinClrLst/>
+    <dgm:txFillClrLst meth="repeat">
+      <a:schemeClr val="dk1"/>
+    </dgm:txFillClrLst>
+    <dgm:txEffectClrLst/>
+  </dgm:styleLbl>
+  <dgm:styleLbl name="fgAcc3">
+    <dgm:fillClrLst meth="repeat">
+      <a:schemeClr val="lt1">
+        <a:alpha val="90000"/>
+      </a:schemeClr>
+    </dgm:fillClrLst>
+    <dgm:linClrLst>
+      <a:schemeClr val="accent1"/>
+    </dgm:linClrLst>
+    <dgm:effectClrLst/>
+    <dgm:txLinClrLst/>
+    <dgm:txFillClrLst meth="repeat">
+      <a:schemeClr val="dk1"/>
+    </dgm:txFillClrLst>
+    <dgm:txEffectClrLst/>
+  </dgm:styleLbl>
+  <dgm:styleLbl name="fgAcc4">
+    <dgm:fillClrLst meth="repeat">
+      <a:schemeClr val="lt1">
+        <a:alpha val="90000"/>
+      </a:schemeClr>
+    </dgm:fillClrLst>
+    <dgm:linClrLst>
+      <a:schemeClr val="accent2"/>
+    </dgm:linClrLst>
+    <dgm:effectClrLst/>
+    <dgm:txLinClrLst/>
+    <dgm:txFillClrLst meth="repeat">
+      <a:schemeClr val="dk1"/>
+    </dgm:txFillClrLst>
+    <dgm:txEffectClrLst/>
+  </dgm:styleLbl>
+  <dgm:styleLbl name="bgShp">
+    <dgm:fillClrLst meth="repeat">
+      <a:schemeClr val="accent5">
+        <a:tint val="40000"/>
+      </a:schemeClr>
+    </dgm:fillClrLst>
+    <dgm:linClrLst meth="repeat">
+      <a:schemeClr val="dk1"/>
+    </dgm:linClrLst>
+    <dgm:effectClrLst/>
+    <dgm:txLinClrLst/>
+    <dgm:txFillClrLst meth="repeat">
+      <a:schemeClr val="dk1"/>
+    </dgm:txFillClrLst>
+    <dgm:txEffectClrLst/>
+  </dgm:styleLbl>
+  <dgm:styleLbl name="dkBgShp">
+    <dgm:fillClrLst meth="repeat">
+      <a:schemeClr val="accent5">
+        <a:shade val="90000"/>
+      </a:schemeClr>
+    </dgm:fillClrLst>
+    <dgm:linClrLst meth="repeat">
+      <a:schemeClr val="dk1"/>
+    </dgm:linClrLst>
+    <dgm:effectClrLst/>
+    <dgm:txLinClrLst/>
+    <dgm:txFillClrLst meth="repeat">
+      <a:schemeClr val="lt1"/>
+    </dgm:txFillClrLst>
+    <dgm:txEffectClrLst/>
+  </dgm:styleLbl>
+  <dgm:styleLbl name="trBgShp">
+    <dgm:fillClrLst meth="repeat">
+      <a:schemeClr val="accent5">
+        <a:tint val="50000"/>
+        <a:alpha val="40000"/>
+      </a:schemeClr>
+    </dgm:fillClrLst>
+    <dgm:linClrLst meth="repeat">
+      <a:schemeClr val="accent5"/>
+    </dgm:linClrLst>
+    <dgm:effectClrLst/>
+    <dgm:txLinClrLst/>
+    <dgm:txFillClrLst meth="repeat">
+      <a:schemeClr val="lt1"/>
+    </dgm:txFillClrLst>
+    <dgm:txEffectClrLst/>
+  </dgm:styleLbl>
+  <dgm:styleLbl name="fgShp">
+    <dgm:fillClrLst meth="repeat">
+      <a:schemeClr val="accent5">
+        <a:tint val="40000"/>
+      </a:schemeClr>
+    </dgm:fillClrLst>
+    <dgm:linClrLst meth="repeat">
+      <a:schemeClr val="lt1"/>
+    </dgm:linClrLst>
+    <dgm:effectClrLst/>
+    <dgm:txLinClrLst/>
+    <dgm:txFillClrLst meth="repeat">
+      <a:schemeClr val="dk1"/>
+    </dgm:txFillClrLst>
+    <dgm:txEffectClrLst/>
+  </dgm:styleLbl>
+  <dgm:styleLbl name="revTx">
+    <dgm:fillClrLst meth="repeat">
+      <a:schemeClr val="lt1">
+        <a:alpha val="0"/>
+      </a:schemeClr>
+    </dgm:fillClrLst>
+    <dgm:linClrLst meth="repeat">
+      <a:schemeClr val="dk1">
+        <a:alpha val="0"/>
+      </a:schemeClr>
+    </dgm:linClrLst>
+    <dgm:effectClrLst/>
+    <dgm:txLinClrLst/>
+    <dgm:txFillClrLst meth="repeat">
+      <a:schemeClr val="tx1"/>
+    </dgm:txFillClrLst>
+    <dgm:txEffectClrLst/>
+  </dgm:styleLbl>
+</dgm:colorsDef>
+</file>
+
+<file path=ppt/diagrams/data1.xml><?xml version="1.0" encoding="utf-8"?>
+<dgm:dataModel xmlns:dgm="http://schemas.openxmlformats.org/drawingml/2006/diagram" xmlns:a="http://schemas.openxmlformats.org/drawingml/2006/main">
+  <dgm:ptLst>
+    <dgm:pt modelId="{F95D6A86-FFB6-4463-91F0-CC0B5A8B7775}" type="doc">
+      <dgm:prSet loTypeId="urn:microsoft.com/office/officeart/2005/8/layout/chevron1" loCatId="process" qsTypeId="urn:microsoft.com/office/officeart/2005/8/quickstyle/simple1" qsCatId="simple" csTypeId="urn:microsoft.com/office/officeart/2005/8/colors/accent1_2" csCatId="accent1" phldr="1"/>
+      <dgm:spPr/>
+    </dgm:pt>
+    <dgm:pt modelId="{63D3757C-7D40-438D-9A54-E982EF43587A}">
+      <dgm:prSet phldrT="[Text]"/>
+      <dgm:spPr>
+        <a:solidFill>
+          <a:schemeClr val="bg2"/>
+        </a:solidFill>
+      </dgm:spPr>
+      <dgm:t>
+        <a:bodyPr/>
+        <a:lstStyle/>
+        <a:p>
+          <a:r>
+            <a:rPr lang="en-GB" dirty="0"/>
+            <a:t>User profile created</a:t>
+          </a:r>
+        </a:p>
+      </dgm:t>
+    </dgm:pt>
+    <dgm:pt modelId="{81C8EEF4-4C12-4E40-8488-4E6086E073DC}" type="parTrans" cxnId="{7D12EE4E-CF74-4C55-B8F6-210A445F5DF1}">
+      <dgm:prSet/>
+      <dgm:spPr/>
+      <dgm:t>
+        <a:bodyPr/>
+        <a:lstStyle/>
+        <a:p>
+          <a:endParaRPr lang="en-GB"/>
+        </a:p>
+      </dgm:t>
+    </dgm:pt>
+    <dgm:pt modelId="{D3C1FCD2-9DD7-41F5-B362-DEA362537B03}" type="sibTrans" cxnId="{7D12EE4E-CF74-4C55-B8F6-210A445F5DF1}">
+      <dgm:prSet/>
+      <dgm:spPr/>
+      <dgm:t>
+        <a:bodyPr/>
+        <a:lstStyle/>
+        <a:p>
+          <a:endParaRPr lang="en-GB"/>
+        </a:p>
+      </dgm:t>
+    </dgm:pt>
+    <dgm:pt modelId="{008AF7DB-36C5-4F22-9525-23396E896ECD}">
+      <dgm:prSet phldrT="[Text]"/>
+      <dgm:spPr>
+        <a:solidFill>
+          <a:schemeClr val="bg2"/>
+        </a:solidFill>
+      </dgm:spPr>
+      <dgm:t>
+        <a:bodyPr/>
+        <a:lstStyle/>
+        <a:p>
+          <a:r>
+            <a:rPr lang="en-GB" dirty="0"/>
+            <a:t>Account login authenticated with Spotify</a:t>
+          </a:r>
+        </a:p>
+      </dgm:t>
+    </dgm:pt>
+    <dgm:pt modelId="{32FD8330-216D-40A3-842A-D8EB41A1A123}" type="parTrans" cxnId="{78C044F7-7AC8-47E8-8463-D28DA342968F}">
+      <dgm:prSet/>
+      <dgm:spPr/>
+      <dgm:t>
+        <a:bodyPr/>
+        <a:lstStyle/>
+        <a:p>
+          <a:endParaRPr lang="en-GB"/>
+        </a:p>
+      </dgm:t>
+    </dgm:pt>
+    <dgm:pt modelId="{89108A28-FCE3-450D-BC3D-7B30D96EABF7}" type="sibTrans" cxnId="{78C044F7-7AC8-47E8-8463-D28DA342968F}">
+      <dgm:prSet/>
+      <dgm:spPr/>
+      <dgm:t>
+        <a:bodyPr/>
+        <a:lstStyle/>
+        <a:p>
+          <a:endParaRPr lang="en-GB"/>
+        </a:p>
+      </dgm:t>
+    </dgm:pt>
+    <dgm:pt modelId="{68E22461-5567-4798-994F-2AC477CC25C0}">
+      <dgm:prSet phldrT="[Text]"/>
+      <dgm:spPr>
+        <a:solidFill>
+          <a:schemeClr val="bg2"/>
+        </a:solidFill>
+      </dgm:spPr>
+      <dgm:t>
+        <a:bodyPr/>
+        <a:lstStyle/>
+        <a:p>
+          <a:r>
+            <a:rPr lang="en-GB" dirty="0"/>
+            <a:t>App retrieves user listening history</a:t>
+          </a:r>
+        </a:p>
+      </dgm:t>
+    </dgm:pt>
+    <dgm:pt modelId="{CD04761B-DE1D-4BDC-8ACB-3042EB8DE9D7}" type="parTrans" cxnId="{C2BF5B58-96C5-4D84-B044-DF6B04794B98}">
+      <dgm:prSet/>
+      <dgm:spPr/>
+      <dgm:t>
+        <a:bodyPr/>
+        <a:lstStyle/>
+        <a:p>
+          <a:endParaRPr lang="en-GB"/>
+        </a:p>
+      </dgm:t>
+    </dgm:pt>
+    <dgm:pt modelId="{51EC97DB-3246-4384-A353-329D4D856D33}" type="sibTrans" cxnId="{C2BF5B58-96C5-4D84-B044-DF6B04794B98}">
+      <dgm:prSet/>
+      <dgm:spPr/>
+      <dgm:t>
+        <a:bodyPr/>
+        <a:lstStyle/>
+        <a:p>
+          <a:endParaRPr lang="en-GB"/>
+        </a:p>
+      </dgm:t>
+    </dgm:pt>
+    <dgm:pt modelId="{513579E4-A4C4-4ED6-A6E0-AC57CA127D7E}">
+      <dgm:prSet phldrT="[Text]"/>
+      <dgm:spPr>
+        <a:solidFill>
+          <a:schemeClr val="bg2"/>
+        </a:solidFill>
+      </dgm:spPr>
+      <dgm:t>
+        <a:bodyPr/>
+        <a:lstStyle/>
+        <a:p>
+          <a:r>
+            <a:rPr lang="en-GB" dirty="0"/>
+            <a:t>App analyses song stats and finds similar tracks</a:t>
+          </a:r>
+        </a:p>
+      </dgm:t>
+    </dgm:pt>
+    <dgm:pt modelId="{77D537B9-6260-47CD-8206-E8F39C43E6D7}" type="parTrans" cxnId="{258FB078-E3D9-4DAA-BA89-EC6D3CFCCA33}">
+      <dgm:prSet/>
+      <dgm:spPr/>
+      <dgm:t>
+        <a:bodyPr/>
+        <a:lstStyle/>
+        <a:p>
+          <a:endParaRPr lang="en-GB"/>
+        </a:p>
+      </dgm:t>
+    </dgm:pt>
+    <dgm:pt modelId="{AE9459BE-3A36-4932-900D-873921CA1EB1}" type="sibTrans" cxnId="{258FB078-E3D9-4DAA-BA89-EC6D3CFCCA33}">
+      <dgm:prSet/>
+      <dgm:spPr/>
+      <dgm:t>
+        <a:bodyPr/>
+        <a:lstStyle/>
+        <a:p>
+          <a:endParaRPr lang="en-GB"/>
+        </a:p>
+      </dgm:t>
+    </dgm:pt>
+    <dgm:pt modelId="{14E43834-D1FF-4E01-9D01-1417AAAA4BDB}">
+      <dgm:prSet phldrT="[Text]"/>
+      <dgm:spPr>
+        <a:solidFill>
+          <a:schemeClr val="bg2"/>
+        </a:solidFill>
+      </dgm:spPr>
+      <dgm:t>
+        <a:bodyPr/>
+        <a:lstStyle/>
+        <a:p>
+          <a:r>
+            <a:rPr lang="en-GB" dirty="0"/>
+            <a:t>User song data and suggestions stored in DB</a:t>
+          </a:r>
+        </a:p>
+      </dgm:t>
+    </dgm:pt>
+    <dgm:pt modelId="{8020F358-F281-4F58-8B6A-1F4650E4953D}" type="parTrans" cxnId="{26A30945-9BDF-419E-A26B-0443D4A9A415}">
+      <dgm:prSet/>
+      <dgm:spPr/>
+      <dgm:t>
+        <a:bodyPr/>
+        <a:lstStyle/>
+        <a:p>
+          <a:endParaRPr lang="en-GB"/>
+        </a:p>
+      </dgm:t>
+    </dgm:pt>
+    <dgm:pt modelId="{2B9E9E15-C1DE-4120-8A70-BC3E54C889F0}" type="sibTrans" cxnId="{26A30945-9BDF-419E-A26B-0443D4A9A415}">
+      <dgm:prSet/>
+      <dgm:spPr/>
+      <dgm:t>
+        <a:bodyPr/>
+        <a:lstStyle/>
+        <a:p>
+          <a:endParaRPr lang="en-GB"/>
+        </a:p>
+      </dgm:t>
+    </dgm:pt>
+    <dgm:pt modelId="{F56615D4-6153-48DB-890A-08D139D91869}" type="pres">
+      <dgm:prSet presAssocID="{F95D6A86-FFB6-4463-91F0-CC0B5A8B7775}" presName="Name0" presStyleCnt="0">
+        <dgm:presLayoutVars>
+          <dgm:dir/>
+          <dgm:animLvl val="lvl"/>
+          <dgm:resizeHandles val="exact"/>
+        </dgm:presLayoutVars>
+      </dgm:prSet>
+      <dgm:spPr/>
+    </dgm:pt>
+    <dgm:pt modelId="{097F148B-4D2D-4E77-BDF6-574F0A24D340}" type="pres">
+      <dgm:prSet presAssocID="{63D3757C-7D40-438D-9A54-E982EF43587A}" presName="parTxOnly" presStyleLbl="node1" presStyleIdx="0" presStyleCnt="5" custScaleY="117505">
+        <dgm:presLayoutVars>
+          <dgm:chMax val="0"/>
+          <dgm:chPref val="0"/>
+          <dgm:bulletEnabled val="1"/>
+        </dgm:presLayoutVars>
+      </dgm:prSet>
+      <dgm:spPr/>
+    </dgm:pt>
+    <dgm:pt modelId="{F733FBB6-0448-470D-87F6-F935383E56E4}" type="pres">
+      <dgm:prSet presAssocID="{D3C1FCD2-9DD7-41F5-B362-DEA362537B03}" presName="parTxOnlySpace" presStyleCnt="0"/>
+      <dgm:spPr/>
+    </dgm:pt>
+    <dgm:pt modelId="{96DFF9DF-DA20-466A-98F0-E19C2DEE6B33}" type="pres">
+      <dgm:prSet presAssocID="{008AF7DB-36C5-4F22-9525-23396E896ECD}" presName="parTxOnly" presStyleLbl="node1" presStyleIdx="1" presStyleCnt="5" custScaleY="117505">
+        <dgm:presLayoutVars>
+          <dgm:chMax val="0"/>
+          <dgm:chPref val="0"/>
+          <dgm:bulletEnabled val="1"/>
+        </dgm:presLayoutVars>
+      </dgm:prSet>
+      <dgm:spPr/>
+    </dgm:pt>
+    <dgm:pt modelId="{299C96F5-0913-4273-8CB1-82944BB5B5E9}" type="pres">
+      <dgm:prSet presAssocID="{89108A28-FCE3-450D-BC3D-7B30D96EABF7}" presName="parTxOnlySpace" presStyleCnt="0"/>
+      <dgm:spPr/>
+    </dgm:pt>
+    <dgm:pt modelId="{CB7D4F39-C092-4C4F-ADF3-EB13F2781E97}" type="pres">
+      <dgm:prSet presAssocID="{68E22461-5567-4798-994F-2AC477CC25C0}" presName="parTxOnly" presStyleLbl="node1" presStyleIdx="2" presStyleCnt="5" custScaleY="117505">
+        <dgm:presLayoutVars>
+          <dgm:chMax val="0"/>
+          <dgm:chPref val="0"/>
+          <dgm:bulletEnabled val="1"/>
+        </dgm:presLayoutVars>
+      </dgm:prSet>
+      <dgm:spPr/>
+    </dgm:pt>
+    <dgm:pt modelId="{613F87A7-4733-4361-9A50-C4855A35F436}" type="pres">
+      <dgm:prSet presAssocID="{51EC97DB-3246-4384-A353-329D4D856D33}" presName="parTxOnlySpace" presStyleCnt="0"/>
+      <dgm:spPr/>
+    </dgm:pt>
+    <dgm:pt modelId="{37273045-EE65-4447-B139-A41AE7B2A030}" type="pres">
+      <dgm:prSet presAssocID="{513579E4-A4C4-4ED6-A6E0-AC57CA127D7E}" presName="parTxOnly" presStyleLbl="node1" presStyleIdx="3" presStyleCnt="5" custScaleY="117505">
+        <dgm:presLayoutVars>
+          <dgm:chMax val="0"/>
+          <dgm:chPref val="0"/>
+          <dgm:bulletEnabled val="1"/>
+        </dgm:presLayoutVars>
+      </dgm:prSet>
+      <dgm:spPr/>
+    </dgm:pt>
+    <dgm:pt modelId="{399BE6C1-4A9D-4D7A-9DFB-FA7FB76A0A00}" type="pres">
+      <dgm:prSet presAssocID="{AE9459BE-3A36-4932-900D-873921CA1EB1}" presName="parTxOnlySpace" presStyleCnt="0"/>
+      <dgm:spPr/>
+    </dgm:pt>
+    <dgm:pt modelId="{BA90F8FE-8C07-400E-8779-2EC66F2F5036}" type="pres">
+      <dgm:prSet presAssocID="{14E43834-D1FF-4E01-9D01-1417AAAA4BDB}" presName="parTxOnly" presStyleLbl="node1" presStyleIdx="4" presStyleCnt="5" custScaleY="117505">
+        <dgm:presLayoutVars>
+          <dgm:chMax val="0"/>
+          <dgm:chPref val="0"/>
+          <dgm:bulletEnabled val="1"/>
+        </dgm:presLayoutVars>
+      </dgm:prSet>
+      <dgm:spPr/>
+    </dgm:pt>
+  </dgm:ptLst>
+  <dgm:cxnLst>
+    <dgm:cxn modelId="{6B5F1A02-FA66-4404-9984-29B5AE629360}" type="presOf" srcId="{513579E4-A4C4-4ED6-A6E0-AC57CA127D7E}" destId="{37273045-EE65-4447-B139-A41AE7B2A030}" srcOrd="0" destOrd="0" presId="urn:microsoft.com/office/officeart/2005/8/layout/chevron1"/>
+    <dgm:cxn modelId="{26A30945-9BDF-419E-A26B-0443D4A9A415}" srcId="{F95D6A86-FFB6-4463-91F0-CC0B5A8B7775}" destId="{14E43834-D1FF-4E01-9D01-1417AAAA4BDB}" srcOrd="4" destOrd="0" parTransId="{8020F358-F281-4F58-8B6A-1F4650E4953D}" sibTransId="{2B9E9E15-C1DE-4120-8A70-BC3E54C889F0}"/>
+    <dgm:cxn modelId="{7D12EE4E-CF74-4C55-B8F6-210A445F5DF1}" srcId="{F95D6A86-FFB6-4463-91F0-CC0B5A8B7775}" destId="{63D3757C-7D40-438D-9A54-E982EF43587A}" srcOrd="0" destOrd="0" parTransId="{81C8EEF4-4C12-4E40-8488-4E6086E073DC}" sibTransId="{D3C1FCD2-9DD7-41F5-B362-DEA362537B03}"/>
+    <dgm:cxn modelId="{C2BF5B58-96C5-4D84-B044-DF6B04794B98}" srcId="{F95D6A86-FFB6-4463-91F0-CC0B5A8B7775}" destId="{68E22461-5567-4798-994F-2AC477CC25C0}" srcOrd="2" destOrd="0" parTransId="{CD04761B-DE1D-4BDC-8ACB-3042EB8DE9D7}" sibTransId="{51EC97DB-3246-4384-A353-329D4D856D33}"/>
+    <dgm:cxn modelId="{258FB078-E3D9-4DAA-BA89-EC6D3CFCCA33}" srcId="{F95D6A86-FFB6-4463-91F0-CC0B5A8B7775}" destId="{513579E4-A4C4-4ED6-A6E0-AC57CA127D7E}" srcOrd="3" destOrd="0" parTransId="{77D537B9-6260-47CD-8206-E8F39C43E6D7}" sibTransId="{AE9459BE-3A36-4932-900D-873921CA1EB1}"/>
+    <dgm:cxn modelId="{4362BE82-6C42-4A1A-A6A1-5EE979115844}" type="presOf" srcId="{68E22461-5567-4798-994F-2AC477CC25C0}" destId="{CB7D4F39-C092-4C4F-ADF3-EB13F2781E97}" srcOrd="0" destOrd="0" presId="urn:microsoft.com/office/officeart/2005/8/layout/chevron1"/>
+    <dgm:cxn modelId="{366914B3-2471-4897-8EB7-4BB90F8C7A72}" type="presOf" srcId="{14E43834-D1FF-4E01-9D01-1417AAAA4BDB}" destId="{BA90F8FE-8C07-400E-8779-2EC66F2F5036}" srcOrd="0" destOrd="0" presId="urn:microsoft.com/office/officeart/2005/8/layout/chevron1"/>
+    <dgm:cxn modelId="{BF9950BD-CF85-4AC4-A9FC-27B72D93FC86}" type="presOf" srcId="{F95D6A86-FFB6-4463-91F0-CC0B5A8B7775}" destId="{F56615D4-6153-48DB-890A-08D139D91869}" srcOrd="0" destOrd="0" presId="urn:microsoft.com/office/officeart/2005/8/layout/chevron1"/>
+    <dgm:cxn modelId="{98399ED7-3719-4559-AC09-7669C6BB9075}" type="presOf" srcId="{63D3757C-7D40-438D-9A54-E982EF43587A}" destId="{097F148B-4D2D-4E77-BDF6-574F0A24D340}" srcOrd="0" destOrd="0" presId="urn:microsoft.com/office/officeart/2005/8/layout/chevron1"/>
+    <dgm:cxn modelId="{DC2FB3DE-0799-4620-9490-67342FA76A91}" type="presOf" srcId="{008AF7DB-36C5-4F22-9525-23396E896ECD}" destId="{96DFF9DF-DA20-466A-98F0-E19C2DEE6B33}" srcOrd="0" destOrd="0" presId="urn:microsoft.com/office/officeart/2005/8/layout/chevron1"/>
+    <dgm:cxn modelId="{78C044F7-7AC8-47E8-8463-D28DA342968F}" srcId="{F95D6A86-FFB6-4463-91F0-CC0B5A8B7775}" destId="{008AF7DB-36C5-4F22-9525-23396E896ECD}" srcOrd="1" destOrd="0" parTransId="{32FD8330-216D-40A3-842A-D8EB41A1A123}" sibTransId="{89108A28-FCE3-450D-BC3D-7B30D96EABF7}"/>
+    <dgm:cxn modelId="{BE1C4BC7-F81B-49F0-9D76-A991D437495A}" type="presParOf" srcId="{F56615D4-6153-48DB-890A-08D139D91869}" destId="{097F148B-4D2D-4E77-BDF6-574F0A24D340}" srcOrd="0" destOrd="0" presId="urn:microsoft.com/office/officeart/2005/8/layout/chevron1"/>
+    <dgm:cxn modelId="{1BCC7D39-4158-46C1-BF14-41C44582E5D2}" type="presParOf" srcId="{F56615D4-6153-48DB-890A-08D139D91869}" destId="{F733FBB6-0448-470D-87F6-F935383E56E4}" srcOrd="1" destOrd="0" presId="urn:microsoft.com/office/officeart/2005/8/layout/chevron1"/>
+    <dgm:cxn modelId="{7B3120AF-F7F0-4545-9450-4232693A9685}" type="presParOf" srcId="{F56615D4-6153-48DB-890A-08D139D91869}" destId="{96DFF9DF-DA20-466A-98F0-E19C2DEE6B33}" srcOrd="2" destOrd="0" presId="urn:microsoft.com/office/officeart/2005/8/layout/chevron1"/>
+    <dgm:cxn modelId="{370CC459-BA91-435B-96E9-748D4336691D}" type="presParOf" srcId="{F56615D4-6153-48DB-890A-08D139D91869}" destId="{299C96F5-0913-4273-8CB1-82944BB5B5E9}" srcOrd="3" destOrd="0" presId="urn:microsoft.com/office/officeart/2005/8/layout/chevron1"/>
+    <dgm:cxn modelId="{912F65FE-8D6E-4148-84BC-0144A0D5AC7A}" type="presParOf" srcId="{F56615D4-6153-48DB-890A-08D139D91869}" destId="{CB7D4F39-C092-4C4F-ADF3-EB13F2781E97}" srcOrd="4" destOrd="0" presId="urn:microsoft.com/office/officeart/2005/8/layout/chevron1"/>
+    <dgm:cxn modelId="{C4C4F115-F4DA-44F7-8141-4B62D05EB416}" type="presParOf" srcId="{F56615D4-6153-48DB-890A-08D139D91869}" destId="{613F87A7-4733-4361-9A50-C4855A35F436}" srcOrd="5" destOrd="0" presId="urn:microsoft.com/office/officeart/2005/8/layout/chevron1"/>
+    <dgm:cxn modelId="{DF223D5D-8C7C-4AE5-A8EB-8365F8CB7E96}" type="presParOf" srcId="{F56615D4-6153-48DB-890A-08D139D91869}" destId="{37273045-EE65-4447-B139-A41AE7B2A030}" srcOrd="6" destOrd="0" presId="urn:microsoft.com/office/officeart/2005/8/layout/chevron1"/>
+    <dgm:cxn modelId="{C3F6B767-C8EA-4192-82CE-FE28624CF3AF}" type="presParOf" srcId="{F56615D4-6153-48DB-890A-08D139D91869}" destId="{399BE6C1-4A9D-4D7A-9DFB-FA7FB76A0A00}" srcOrd="7" destOrd="0" presId="urn:microsoft.com/office/officeart/2005/8/layout/chevron1"/>
+    <dgm:cxn modelId="{AA29A9DE-7966-4ED0-8BB5-0C87A6FF9CD6}" type="presParOf" srcId="{F56615D4-6153-48DB-890A-08D139D91869}" destId="{BA90F8FE-8C07-400E-8779-2EC66F2F5036}" srcOrd="8" destOrd="0" presId="urn:microsoft.com/office/officeart/2005/8/layout/chevron1"/>
+  </dgm:cxnLst>
+  <dgm:bg>
+    <a:noFill/>
+  </dgm:bg>
+  <dgm:whole/>
+  <dgm:extLst>
+    <a:ext uri="http://schemas.microsoft.com/office/drawing/2008/diagram">
+      <dsp:dataModelExt xmlns:dsp="http://schemas.microsoft.com/office/drawing/2008/diagram" relId="rId6" minVer="http://schemas.openxmlformats.org/drawingml/2006/diagram"/>
+    </a:ext>
+  </dgm:extLst>
+</dgm:dataModel>
+</file>
+
+<file path=ppt/diagrams/data2.xml><?xml version="1.0" encoding="utf-8"?>
+<dgm:dataModel xmlns:dgm="http://schemas.openxmlformats.org/drawingml/2006/diagram" xmlns:a="http://schemas.openxmlformats.org/drawingml/2006/main">
+  <dgm:ptLst>
+    <dgm:pt modelId="{24DEC1A6-CDCB-4B81-B2DF-88FAC6A6BFF5}" type="doc">
+      <dgm:prSet loTypeId="urn:microsoft.com/office/officeart/2005/8/layout/default" loCatId="list" qsTypeId="urn:microsoft.com/office/officeart/2005/8/quickstyle/simple1" qsCatId="simple" csTypeId="urn:microsoft.com/office/officeart/2005/8/colors/colorful5" csCatId="colorful" phldr="1"/>
+      <dgm:spPr/>
+      <dgm:t>
+        <a:bodyPr/>
+        <a:lstStyle/>
+        <a:p>
+          <a:endParaRPr lang="en-US"/>
+        </a:p>
+      </dgm:t>
+    </dgm:pt>
+    <dgm:pt modelId="{0B526F94-C1CD-4216-BEA9-09E46F443654}">
+      <dgm:prSet/>
+      <dgm:spPr/>
+      <dgm:t>
+        <a:bodyPr/>
+        <a:lstStyle/>
+        <a:p>
+          <a:r>
+            <a:rPr lang="en-GB" dirty="0"/>
+            <a:t>Create </a:t>
+          </a:r>
+          <a:r>
+            <a:rPr lang="en-GB" dirty="0">
+              <a:solidFill>
+                <a:schemeClr val="tx2"/>
+              </a:solidFill>
+            </a:rPr>
+            <a:t>profile</a:t>
+          </a:r>
+          <a:r>
+            <a:rPr lang="en-GB" dirty="0"/>
+            <a:t> &amp; choose icon, </a:t>
+          </a:r>
+          <a:r>
+            <a:rPr lang="en-GB" dirty="0">
+              <a:solidFill>
+                <a:schemeClr val="tx2"/>
+              </a:solidFill>
+            </a:rPr>
+            <a:t>authenticate</a:t>
+          </a:r>
+          <a:r>
+            <a:rPr lang="en-GB" dirty="0"/>
+            <a:t> account with Spotify</a:t>
+          </a:r>
+          <a:endParaRPr lang="en-US" dirty="0"/>
+        </a:p>
+      </dgm:t>
+    </dgm:pt>
+    <dgm:pt modelId="{FAB6F4C5-C641-4317-965E-A049909A73F7}" type="parTrans" cxnId="{0B62B166-6428-425A-A1FD-538CE91BC202}">
+      <dgm:prSet/>
+      <dgm:spPr/>
+      <dgm:t>
+        <a:bodyPr/>
+        <a:lstStyle/>
+        <a:p>
+          <a:endParaRPr lang="en-US"/>
+        </a:p>
+      </dgm:t>
+    </dgm:pt>
+    <dgm:pt modelId="{6E3F12E7-7EFE-4E4D-A8E9-9928A15E0A88}" type="sibTrans" cxnId="{0B62B166-6428-425A-A1FD-538CE91BC202}">
+      <dgm:prSet/>
+      <dgm:spPr/>
+      <dgm:t>
+        <a:bodyPr/>
+        <a:lstStyle/>
+        <a:p>
+          <a:endParaRPr lang="en-US"/>
+        </a:p>
+      </dgm:t>
+    </dgm:pt>
+    <dgm:pt modelId="{26880BEB-4A2C-4FAB-99EF-4C65998DF52A}">
+      <dgm:prSet/>
+      <dgm:spPr/>
+      <dgm:t>
+        <a:bodyPr/>
+        <a:lstStyle/>
+        <a:p>
+          <a:r>
+            <a:rPr lang="en-GB" dirty="0"/>
+            <a:t>‘Scan’ current area for users (</a:t>
+          </a:r>
+          <a:r>
+            <a:rPr lang="en-GB" dirty="0" err="1">
+              <a:solidFill>
+                <a:schemeClr val="tx2"/>
+              </a:solidFill>
+            </a:rPr>
+            <a:t>GeoFire</a:t>
+          </a:r>
+          <a:r>
+            <a:rPr lang="en-GB" dirty="0"/>
+            <a:t>)</a:t>
+          </a:r>
+          <a:endParaRPr lang="en-US" dirty="0"/>
+        </a:p>
+      </dgm:t>
+    </dgm:pt>
+    <dgm:pt modelId="{623E7F23-267C-4EF0-901D-DA9945ADE00C}" type="parTrans" cxnId="{368D8C3E-9081-4DF6-BE58-01D1D041D086}">
+      <dgm:prSet/>
+      <dgm:spPr/>
+      <dgm:t>
+        <a:bodyPr/>
+        <a:lstStyle/>
+        <a:p>
+          <a:endParaRPr lang="en-US"/>
+        </a:p>
+      </dgm:t>
+    </dgm:pt>
+    <dgm:pt modelId="{46A4D0A3-4EF6-4948-9D73-82EA118C078A}" type="sibTrans" cxnId="{368D8C3E-9081-4DF6-BE58-01D1D041D086}">
+      <dgm:prSet/>
+      <dgm:spPr/>
+      <dgm:t>
+        <a:bodyPr/>
+        <a:lstStyle/>
+        <a:p>
+          <a:endParaRPr lang="en-US"/>
+        </a:p>
+      </dgm:t>
+    </dgm:pt>
+    <dgm:pt modelId="{3A4F9620-2FC1-4A54-AEBC-116C38C9F06C}">
+      <dgm:prSet/>
+      <dgm:spPr/>
+      <dgm:t>
+        <a:bodyPr/>
+        <a:lstStyle/>
+        <a:p>
+          <a:r>
+            <a:rPr lang="en-GB" dirty="0">
+              <a:solidFill>
+                <a:schemeClr val="tx2"/>
+              </a:solidFill>
+            </a:rPr>
+            <a:t>Add</a:t>
+          </a:r>
+          <a:r>
+            <a:rPr lang="en-GB" dirty="0"/>
+            <a:t> and approve user to view profile</a:t>
+          </a:r>
+          <a:endParaRPr lang="en-US" dirty="0"/>
+        </a:p>
+      </dgm:t>
+    </dgm:pt>
+    <dgm:pt modelId="{1C96D83E-9035-4773-A03A-571183F80746}" type="parTrans" cxnId="{AEC82DE4-78AA-4B98-B9FF-C499796B006D}">
+      <dgm:prSet/>
+      <dgm:spPr/>
+      <dgm:t>
+        <a:bodyPr/>
+        <a:lstStyle/>
+        <a:p>
+          <a:endParaRPr lang="en-US"/>
+        </a:p>
+      </dgm:t>
+    </dgm:pt>
+    <dgm:pt modelId="{5CE98A19-CE60-4A2E-B391-2762A2DBCC18}" type="sibTrans" cxnId="{AEC82DE4-78AA-4B98-B9FF-C499796B006D}">
+      <dgm:prSet/>
+      <dgm:spPr/>
+      <dgm:t>
+        <a:bodyPr/>
+        <a:lstStyle/>
+        <a:p>
+          <a:endParaRPr lang="en-US"/>
+        </a:p>
+      </dgm:t>
+    </dgm:pt>
+    <dgm:pt modelId="{410A0B4A-E03F-41DB-B321-364170316BD7}">
+      <dgm:prSet/>
+      <dgm:spPr/>
+      <dgm:t>
+        <a:bodyPr/>
+        <a:lstStyle/>
+        <a:p>
+          <a:r>
+            <a:rPr lang="en-GB" dirty="0"/>
+            <a:t>Choose recommendations based on </a:t>
+          </a:r>
+          <a:r>
+            <a:rPr lang="en-GB" dirty="0">
+              <a:solidFill>
+                <a:schemeClr val="tx2"/>
+              </a:solidFill>
+            </a:rPr>
+            <a:t>recently played</a:t>
+          </a:r>
+          <a:r>
+            <a:rPr lang="en-GB" dirty="0"/>
+            <a:t>, top songs or other user </a:t>
+          </a:r>
+          <a:r>
+            <a:rPr lang="en-GB" dirty="0">
+              <a:solidFill>
+                <a:schemeClr val="tx2"/>
+              </a:solidFill>
+            </a:rPr>
+            <a:t>endpoints</a:t>
+          </a:r>
+          <a:endParaRPr lang="en-US" dirty="0">
+            <a:solidFill>
+              <a:schemeClr val="tx2"/>
+            </a:solidFill>
+          </a:endParaRPr>
+        </a:p>
+      </dgm:t>
+    </dgm:pt>
+    <dgm:pt modelId="{0A3DD40F-1AD7-42D7-9BD0-C109FDF0D645}" type="parTrans" cxnId="{1AA9A862-4B98-433E-8AEA-399BBAFCDB72}">
+      <dgm:prSet/>
+      <dgm:spPr/>
+      <dgm:t>
+        <a:bodyPr/>
+        <a:lstStyle/>
+        <a:p>
+          <a:endParaRPr lang="en-US"/>
+        </a:p>
+      </dgm:t>
+    </dgm:pt>
+    <dgm:pt modelId="{B545F18B-175B-446B-857D-38E1CEEB8AA7}" type="sibTrans" cxnId="{1AA9A862-4B98-433E-8AEA-399BBAFCDB72}">
+      <dgm:prSet/>
+      <dgm:spPr/>
+      <dgm:t>
+        <a:bodyPr/>
+        <a:lstStyle/>
+        <a:p>
+          <a:endParaRPr lang="en-US"/>
+        </a:p>
+      </dgm:t>
+    </dgm:pt>
+    <dgm:pt modelId="{51E36C0D-7C72-48FD-AB6A-687E3FC0CC28}">
+      <dgm:prSet/>
+      <dgm:spPr/>
+      <dgm:t>
+        <a:bodyPr/>
+        <a:lstStyle/>
+        <a:p>
+          <a:r>
+            <a:rPr lang="en-GB" dirty="0">
+              <a:solidFill>
+                <a:schemeClr val="tx2"/>
+              </a:solidFill>
+            </a:rPr>
+            <a:t>Play</a:t>
+          </a:r>
+          <a:r>
+            <a:rPr lang="en-GB" dirty="0"/>
+            <a:t> suggested songs through app</a:t>
+          </a:r>
+          <a:endParaRPr lang="en-US" dirty="0"/>
+        </a:p>
+      </dgm:t>
+    </dgm:pt>
+    <dgm:pt modelId="{6A6EC00D-EA31-4BFA-BB04-1DF9AEB87919}" type="parTrans" cxnId="{1B1746A0-8DBD-4AA8-B267-FA08219423B1}">
+      <dgm:prSet/>
+      <dgm:spPr/>
+      <dgm:t>
+        <a:bodyPr/>
+        <a:lstStyle/>
+        <a:p>
+          <a:endParaRPr lang="en-US"/>
+        </a:p>
+      </dgm:t>
+    </dgm:pt>
+    <dgm:pt modelId="{AE60F16A-D730-41C4-9D16-C0F3FE90D8B6}" type="sibTrans" cxnId="{1B1746A0-8DBD-4AA8-B267-FA08219423B1}">
+      <dgm:prSet/>
+      <dgm:spPr/>
+      <dgm:t>
+        <a:bodyPr/>
+        <a:lstStyle/>
+        <a:p>
+          <a:endParaRPr lang="en-US"/>
+        </a:p>
+      </dgm:t>
+    </dgm:pt>
+    <dgm:pt modelId="{A7D3FB00-0F27-4D99-81D5-F8F21FE1688E}">
+      <dgm:prSet/>
+      <dgm:spPr/>
+      <dgm:t>
+        <a:bodyPr/>
+        <a:lstStyle/>
+        <a:p>
+          <a:r>
+            <a:rPr lang="en-GB"/>
+            <a:t>Open songs in Spotify</a:t>
+          </a:r>
+          <a:endParaRPr lang="en-US"/>
+        </a:p>
+      </dgm:t>
+    </dgm:pt>
+    <dgm:pt modelId="{144BEF26-D58A-4FB9-A1E5-799D3CEF5C62}" type="parTrans" cxnId="{37B42974-CCEC-4AD0-B333-D21E22F9A132}">
+      <dgm:prSet/>
+      <dgm:spPr/>
+      <dgm:t>
+        <a:bodyPr/>
+        <a:lstStyle/>
+        <a:p>
+          <a:endParaRPr lang="en-US"/>
+        </a:p>
+      </dgm:t>
+    </dgm:pt>
+    <dgm:pt modelId="{412AE6A8-5D1B-44E2-A658-0781CDD89A77}" type="sibTrans" cxnId="{37B42974-CCEC-4AD0-B333-D21E22F9A132}">
+      <dgm:prSet/>
+      <dgm:spPr/>
+      <dgm:t>
+        <a:bodyPr/>
+        <a:lstStyle/>
+        <a:p>
+          <a:endParaRPr lang="en-US"/>
+        </a:p>
+      </dgm:t>
+    </dgm:pt>
+    <dgm:pt modelId="{A0B771CF-43D3-47BF-B90E-4A844BB8503F}">
+      <dgm:prSet/>
+      <dgm:spPr/>
+      <dgm:t>
+        <a:bodyPr/>
+        <a:lstStyle/>
+        <a:p>
+          <a:r>
+            <a:rPr lang="en-GB" dirty="0">
+              <a:solidFill>
+                <a:schemeClr val="tx2"/>
+              </a:solidFill>
+            </a:rPr>
+            <a:t>Like</a:t>
+          </a:r>
+          <a:r>
+            <a:rPr lang="en-GB" dirty="0"/>
+            <a:t> or </a:t>
+          </a:r>
+          <a:r>
+            <a:rPr lang="en-GB" dirty="0">
+              <a:solidFill>
+                <a:schemeClr val="tx2"/>
+              </a:solidFill>
+            </a:rPr>
+            <a:t>hide</a:t>
+          </a:r>
+          <a:r>
+            <a:rPr lang="en-GB" dirty="0"/>
+            <a:t> song (similar to Spotify daily mix) and </a:t>
+          </a:r>
+          <a:r>
+            <a:rPr lang="en-GB" dirty="0">
+              <a:solidFill>
+                <a:schemeClr val="tx2"/>
+              </a:solidFill>
+            </a:rPr>
+            <a:t>update</a:t>
+          </a:r>
+          <a:r>
+            <a:rPr lang="en-GB" dirty="0"/>
+            <a:t> in Spotify</a:t>
+          </a:r>
+          <a:endParaRPr lang="en-US" dirty="0"/>
+        </a:p>
+      </dgm:t>
+    </dgm:pt>
+    <dgm:pt modelId="{1093AAC7-DF10-4AC2-BF6F-5C7E84243131}" type="parTrans" cxnId="{758EFA72-F1DA-456F-9EF8-A0410BD09970}">
+      <dgm:prSet/>
+      <dgm:spPr/>
+      <dgm:t>
+        <a:bodyPr/>
+        <a:lstStyle/>
+        <a:p>
+          <a:endParaRPr lang="en-US"/>
+        </a:p>
+      </dgm:t>
+    </dgm:pt>
+    <dgm:pt modelId="{5423F0B0-3D5A-47AA-A540-7C2F22FDC2B6}" type="sibTrans" cxnId="{758EFA72-F1DA-456F-9EF8-A0410BD09970}">
+      <dgm:prSet/>
+      <dgm:spPr/>
+      <dgm:t>
+        <a:bodyPr/>
+        <a:lstStyle/>
+        <a:p>
+          <a:endParaRPr lang="en-US"/>
+        </a:p>
+      </dgm:t>
+    </dgm:pt>
+    <dgm:pt modelId="{41E9B846-619D-4212-BAE9-BF1273E1460A}">
+      <dgm:prSet/>
+      <dgm:spPr/>
+      <dgm:t>
+        <a:bodyPr/>
+        <a:lstStyle/>
+        <a:p>
+          <a:r>
+            <a:rPr lang="en-GB" dirty="0"/>
+            <a:t>Add songs to </a:t>
+          </a:r>
+          <a:r>
+            <a:rPr lang="en-GB" dirty="0">
+              <a:solidFill>
+                <a:schemeClr val="tx2"/>
+              </a:solidFill>
+            </a:rPr>
+            <a:t>playlist</a:t>
+          </a:r>
+          <a:r>
+            <a:rPr lang="en-GB" dirty="0"/>
+            <a:t> in Spotify</a:t>
+          </a:r>
+          <a:endParaRPr lang="en-US" dirty="0"/>
+        </a:p>
+      </dgm:t>
+    </dgm:pt>
+    <dgm:pt modelId="{43A89871-B26B-4335-9845-6F3FFC82ABC7}" type="parTrans" cxnId="{0DF74E66-CFC3-428A-A926-A99932DD8AA7}">
+      <dgm:prSet/>
+      <dgm:spPr/>
+      <dgm:t>
+        <a:bodyPr/>
+        <a:lstStyle/>
+        <a:p>
+          <a:endParaRPr lang="en-US"/>
+        </a:p>
+      </dgm:t>
+    </dgm:pt>
+    <dgm:pt modelId="{81E340ED-C24D-410B-8942-E4FE9C0770BA}" type="sibTrans" cxnId="{0DF74E66-CFC3-428A-A926-A99932DD8AA7}">
+      <dgm:prSet/>
+      <dgm:spPr/>
+      <dgm:t>
+        <a:bodyPr/>
+        <a:lstStyle/>
+        <a:p>
+          <a:endParaRPr lang="en-US"/>
+        </a:p>
+      </dgm:t>
+    </dgm:pt>
+    <dgm:pt modelId="{DE248886-C486-4934-B1B2-1D51F34F4B46}">
+      <dgm:prSet/>
+      <dgm:spPr/>
+      <dgm:t>
+        <a:bodyPr/>
+        <a:lstStyle/>
+        <a:p>
+          <a:r>
+            <a:rPr lang="en-GB" dirty="0">
+              <a:solidFill>
+                <a:schemeClr val="tx2"/>
+              </a:solidFill>
+            </a:rPr>
+            <a:t>Data visualisation </a:t>
+          </a:r>
+          <a:r>
+            <a:rPr lang="en-GB" dirty="0"/>
+            <a:t>for current user’s listening habits</a:t>
+          </a:r>
+          <a:endParaRPr lang="en-US" dirty="0"/>
+        </a:p>
+      </dgm:t>
+    </dgm:pt>
+    <dgm:pt modelId="{A11811FB-52FF-43DE-BF01-ECBA7533366E}" type="parTrans" cxnId="{5D69B336-29DA-4344-8543-FC95BAAFA7C1}">
+      <dgm:prSet/>
+      <dgm:spPr/>
+      <dgm:t>
+        <a:bodyPr/>
+        <a:lstStyle/>
+        <a:p>
+          <a:endParaRPr lang="en-US"/>
+        </a:p>
+      </dgm:t>
+    </dgm:pt>
+    <dgm:pt modelId="{1F4FE4CC-D3EE-4C0F-8051-91203D1227FE}" type="sibTrans" cxnId="{5D69B336-29DA-4344-8543-FC95BAAFA7C1}">
+      <dgm:prSet/>
+      <dgm:spPr/>
+      <dgm:t>
+        <a:bodyPr/>
+        <a:lstStyle/>
+        <a:p>
+          <a:endParaRPr lang="en-US"/>
+        </a:p>
+      </dgm:t>
+    </dgm:pt>
+    <dgm:pt modelId="{03E3782D-6F9B-44E6-A53C-9703CFE4C710}">
+      <dgm:prSet/>
+      <dgm:spPr/>
+      <dgm:t>
+        <a:bodyPr/>
+        <a:lstStyle/>
+        <a:p>
+          <a:r>
+            <a:rPr lang="en-GB" dirty="0"/>
+            <a:t>Share to social media</a:t>
+          </a:r>
+          <a:endParaRPr lang="en-US" dirty="0"/>
+        </a:p>
+      </dgm:t>
+    </dgm:pt>
+    <dgm:pt modelId="{086BB462-373F-4531-9129-7ADA3F26FB15}" type="parTrans" cxnId="{232A8423-891A-4C0B-B51C-F46C2601B9E4}">
+      <dgm:prSet/>
+      <dgm:spPr/>
+      <dgm:t>
+        <a:bodyPr/>
+        <a:lstStyle/>
+        <a:p>
+          <a:endParaRPr lang="en-US"/>
+        </a:p>
+      </dgm:t>
+    </dgm:pt>
+    <dgm:pt modelId="{6E5C32C8-92A7-4EB4-8392-A0E752C438D1}" type="sibTrans" cxnId="{232A8423-891A-4C0B-B51C-F46C2601B9E4}">
+      <dgm:prSet/>
+      <dgm:spPr/>
+      <dgm:t>
+        <a:bodyPr/>
+        <a:lstStyle/>
+        <a:p>
+          <a:endParaRPr lang="en-US"/>
+        </a:p>
+      </dgm:t>
+    </dgm:pt>
+    <dgm:pt modelId="{62EFDE8D-C61C-48D8-9DE0-0A50AEEFFE8A}">
+      <dgm:prSet/>
+      <dgm:spPr/>
+      <dgm:t>
+        <a:bodyPr/>
+        <a:lstStyle/>
+        <a:p>
+          <a:r>
+            <a:rPr lang="en-US" dirty="0"/>
+            <a:t>Implement AR UI</a:t>
+          </a:r>
+        </a:p>
+      </dgm:t>
+    </dgm:pt>
+    <dgm:pt modelId="{5DDD6FBC-7017-4908-931A-1FD416CC7A7A}" type="parTrans" cxnId="{01D36073-A9C3-4EA9-A822-F75DA263153D}">
+      <dgm:prSet/>
+      <dgm:spPr/>
+      <dgm:t>
+        <a:bodyPr/>
+        <a:lstStyle/>
+        <a:p>
+          <a:endParaRPr lang="en-GB"/>
+        </a:p>
+      </dgm:t>
+    </dgm:pt>
+    <dgm:pt modelId="{BBB8C699-DEA2-42BC-ADB8-B110F87C71AA}" type="sibTrans" cxnId="{01D36073-A9C3-4EA9-A822-F75DA263153D}">
+      <dgm:prSet/>
+      <dgm:spPr/>
+      <dgm:t>
+        <a:bodyPr/>
+        <a:lstStyle/>
+        <a:p>
+          <a:endParaRPr lang="en-GB"/>
+        </a:p>
+      </dgm:t>
+    </dgm:pt>
+    <dgm:pt modelId="{C2E49675-E31B-4528-B4E1-C81EE02BA139}">
+      <dgm:prSet/>
+      <dgm:spPr/>
+      <dgm:t>
+        <a:bodyPr/>
+        <a:lstStyle/>
+        <a:p>
+          <a:r>
+            <a:rPr lang="en-US" dirty="0"/>
+            <a:t>Use audio analysis endpoint for app graphics</a:t>
+          </a:r>
+        </a:p>
+      </dgm:t>
+    </dgm:pt>
+    <dgm:pt modelId="{2F4F75B1-B3A6-4CCB-B39C-F1D447F62BD2}" type="parTrans" cxnId="{39FF1AAF-6C69-497A-9984-A5DD5961AB6E}">
+      <dgm:prSet/>
+      <dgm:spPr/>
+      <dgm:t>
+        <a:bodyPr/>
+        <a:lstStyle/>
+        <a:p>
+          <a:endParaRPr lang="en-GB"/>
+        </a:p>
+      </dgm:t>
+    </dgm:pt>
+    <dgm:pt modelId="{1B084978-2451-4512-BD47-068E4E7DB92E}" type="sibTrans" cxnId="{39FF1AAF-6C69-497A-9984-A5DD5961AB6E}">
+      <dgm:prSet/>
+      <dgm:spPr/>
+      <dgm:t>
+        <a:bodyPr/>
+        <a:lstStyle/>
+        <a:p>
+          <a:endParaRPr lang="en-GB"/>
+        </a:p>
+      </dgm:t>
+    </dgm:pt>
+    <dgm:pt modelId="{3209E216-59B1-4743-91AF-CBBD3C005439}" type="pres">
+      <dgm:prSet presAssocID="{24DEC1A6-CDCB-4B81-B2DF-88FAC6A6BFF5}" presName="diagram" presStyleCnt="0">
+        <dgm:presLayoutVars>
+          <dgm:dir/>
+          <dgm:resizeHandles val="exact"/>
+        </dgm:presLayoutVars>
+      </dgm:prSet>
+      <dgm:spPr/>
+    </dgm:pt>
+    <dgm:pt modelId="{79A74B70-9364-431B-9D72-C9A06E6672F4}" type="pres">
+      <dgm:prSet presAssocID="{0B526F94-C1CD-4216-BEA9-09E46F443654}" presName="node" presStyleLbl="node1" presStyleIdx="0" presStyleCnt="12">
+        <dgm:presLayoutVars>
+          <dgm:bulletEnabled val="1"/>
+        </dgm:presLayoutVars>
+      </dgm:prSet>
+      <dgm:spPr/>
+    </dgm:pt>
+    <dgm:pt modelId="{7A60D68F-D177-488C-8D21-5D9812ED008F}" type="pres">
+      <dgm:prSet presAssocID="{6E3F12E7-7EFE-4E4D-A8E9-9928A15E0A88}" presName="sibTrans" presStyleCnt="0"/>
+      <dgm:spPr/>
+    </dgm:pt>
+    <dgm:pt modelId="{2EC091B7-5BBE-4E67-B28B-653DB5342A9D}" type="pres">
+      <dgm:prSet presAssocID="{26880BEB-4A2C-4FAB-99EF-4C65998DF52A}" presName="node" presStyleLbl="node1" presStyleIdx="1" presStyleCnt="12">
+        <dgm:presLayoutVars>
+          <dgm:bulletEnabled val="1"/>
+        </dgm:presLayoutVars>
+      </dgm:prSet>
+      <dgm:spPr/>
+    </dgm:pt>
+    <dgm:pt modelId="{B2ECE4E5-8D86-45B2-B7BB-CAD7FD3DC33F}" type="pres">
+      <dgm:prSet presAssocID="{46A4D0A3-4EF6-4948-9D73-82EA118C078A}" presName="sibTrans" presStyleCnt="0"/>
+      <dgm:spPr/>
+    </dgm:pt>
+    <dgm:pt modelId="{62560F28-7531-4F5C-A9EF-DDF9DF0F18D5}" type="pres">
+      <dgm:prSet presAssocID="{3A4F9620-2FC1-4A54-AEBC-116C38C9F06C}" presName="node" presStyleLbl="node1" presStyleIdx="2" presStyleCnt="12">
+        <dgm:presLayoutVars>
+          <dgm:bulletEnabled val="1"/>
+        </dgm:presLayoutVars>
+      </dgm:prSet>
+      <dgm:spPr/>
+    </dgm:pt>
+    <dgm:pt modelId="{4BD2C6B6-9929-45C9-9ED7-3FB61086B393}" type="pres">
+      <dgm:prSet presAssocID="{5CE98A19-CE60-4A2E-B391-2762A2DBCC18}" presName="sibTrans" presStyleCnt="0"/>
+      <dgm:spPr/>
+    </dgm:pt>
+    <dgm:pt modelId="{D5E5A3F0-5E8C-4ECA-B994-CED4F4C7C17B}" type="pres">
+      <dgm:prSet presAssocID="{410A0B4A-E03F-41DB-B321-364170316BD7}" presName="node" presStyleLbl="node1" presStyleIdx="3" presStyleCnt="12">
+        <dgm:presLayoutVars>
+          <dgm:bulletEnabled val="1"/>
+        </dgm:presLayoutVars>
+      </dgm:prSet>
+      <dgm:spPr/>
+    </dgm:pt>
+    <dgm:pt modelId="{8D3B342E-A04B-4FEC-BFE1-5DCC5AFCE3D0}" type="pres">
+      <dgm:prSet presAssocID="{B545F18B-175B-446B-857D-38E1CEEB8AA7}" presName="sibTrans" presStyleCnt="0"/>
+      <dgm:spPr/>
+    </dgm:pt>
+    <dgm:pt modelId="{8BF3F81D-79E0-4547-B58D-06AE1A363C65}" type="pres">
+      <dgm:prSet presAssocID="{51E36C0D-7C72-48FD-AB6A-687E3FC0CC28}" presName="node" presStyleLbl="node1" presStyleIdx="4" presStyleCnt="12">
+        <dgm:presLayoutVars>
+          <dgm:bulletEnabled val="1"/>
+        </dgm:presLayoutVars>
+      </dgm:prSet>
+      <dgm:spPr/>
+    </dgm:pt>
+    <dgm:pt modelId="{87D3EB65-B514-4112-B8C0-B8029D4B4CC6}" type="pres">
+      <dgm:prSet presAssocID="{AE60F16A-D730-41C4-9D16-C0F3FE90D8B6}" presName="sibTrans" presStyleCnt="0"/>
+      <dgm:spPr/>
+    </dgm:pt>
+    <dgm:pt modelId="{11572C20-59F9-4546-9105-4C8404D2BCD8}" type="pres">
+      <dgm:prSet presAssocID="{A7D3FB00-0F27-4D99-81D5-F8F21FE1688E}" presName="node" presStyleLbl="node1" presStyleIdx="5" presStyleCnt="12">
+        <dgm:presLayoutVars>
+          <dgm:bulletEnabled val="1"/>
+        </dgm:presLayoutVars>
+      </dgm:prSet>
+      <dgm:spPr/>
+    </dgm:pt>
+    <dgm:pt modelId="{05A820A6-59AB-4CC5-B08C-7A66D5654B14}" type="pres">
+      <dgm:prSet presAssocID="{412AE6A8-5D1B-44E2-A658-0781CDD89A77}" presName="sibTrans" presStyleCnt="0"/>
+      <dgm:spPr/>
+    </dgm:pt>
+    <dgm:pt modelId="{5708B99E-D049-4C81-8354-98A27C097760}" type="pres">
+      <dgm:prSet presAssocID="{A0B771CF-43D3-47BF-B90E-4A844BB8503F}" presName="node" presStyleLbl="node1" presStyleIdx="6" presStyleCnt="12">
+        <dgm:presLayoutVars>
+          <dgm:bulletEnabled val="1"/>
+        </dgm:presLayoutVars>
+      </dgm:prSet>
+      <dgm:spPr/>
+    </dgm:pt>
+    <dgm:pt modelId="{EB05F1B1-3C6B-48B0-98F2-1950E59FE88A}" type="pres">
+      <dgm:prSet presAssocID="{5423F0B0-3D5A-47AA-A540-7C2F22FDC2B6}" presName="sibTrans" presStyleCnt="0"/>
+      <dgm:spPr/>
+    </dgm:pt>
+    <dgm:pt modelId="{5F8A0AFF-933A-4ADA-BE66-4F7185FDE939}" type="pres">
+      <dgm:prSet presAssocID="{41E9B846-619D-4212-BAE9-BF1273E1460A}" presName="node" presStyleLbl="node1" presStyleIdx="7" presStyleCnt="12">
+        <dgm:presLayoutVars>
+          <dgm:bulletEnabled val="1"/>
+        </dgm:presLayoutVars>
+      </dgm:prSet>
+      <dgm:spPr/>
+    </dgm:pt>
+    <dgm:pt modelId="{E0055308-8532-4E30-AE0E-3FB8AAA9E5B0}" type="pres">
+      <dgm:prSet presAssocID="{81E340ED-C24D-410B-8942-E4FE9C0770BA}" presName="sibTrans" presStyleCnt="0"/>
+      <dgm:spPr/>
+    </dgm:pt>
+    <dgm:pt modelId="{4DE2FE31-813F-4E8F-8ECF-E97B05AEB8F5}" type="pres">
+      <dgm:prSet presAssocID="{DE248886-C486-4934-B1B2-1D51F34F4B46}" presName="node" presStyleLbl="node1" presStyleIdx="8" presStyleCnt="12">
+        <dgm:presLayoutVars>
+          <dgm:bulletEnabled val="1"/>
+        </dgm:presLayoutVars>
+      </dgm:prSet>
+      <dgm:spPr/>
+    </dgm:pt>
+    <dgm:pt modelId="{22C74E53-4D81-4E1F-9A15-389ED872355F}" type="pres">
+      <dgm:prSet presAssocID="{1F4FE4CC-D3EE-4C0F-8051-91203D1227FE}" presName="sibTrans" presStyleCnt="0"/>
+      <dgm:spPr/>
+    </dgm:pt>
+    <dgm:pt modelId="{CDED5CC5-1FD9-4D59-94B8-8977067B5AB5}" type="pres">
+      <dgm:prSet presAssocID="{03E3782D-6F9B-44E6-A53C-9703CFE4C710}" presName="node" presStyleLbl="node1" presStyleIdx="9" presStyleCnt="12">
+        <dgm:presLayoutVars>
+          <dgm:bulletEnabled val="1"/>
+        </dgm:presLayoutVars>
+      </dgm:prSet>
+      <dgm:spPr/>
+    </dgm:pt>
+    <dgm:pt modelId="{DD0F7EAF-714A-421F-A52E-18CF0F352B3D}" type="pres">
+      <dgm:prSet presAssocID="{6E5C32C8-92A7-4EB4-8392-A0E752C438D1}" presName="sibTrans" presStyleCnt="0"/>
+      <dgm:spPr/>
+    </dgm:pt>
+    <dgm:pt modelId="{A43CEC53-AE83-4592-81F0-1723394BE16A}" type="pres">
+      <dgm:prSet presAssocID="{62EFDE8D-C61C-48D8-9DE0-0A50AEEFFE8A}" presName="node" presStyleLbl="node1" presStyleIdx="10" presStyleCnt="12">
+        <dgm:presLayoutVars>
+          <dgm:bulletEnabled val="1"/>
+        </dgm:presLayoutVars>
+      </dgm:prSet>
+      <dgm:spPr/>
+    </dgm:pt>
+    <dgm:pt modelId="{3F663ABA-3BE4-42DE-AAF6-108BD2BA9B05}" type="pres">
+      <dgm:prSet presAssocID="{BBB8C699-DEA2-42BC-ADB8-B110F87C71AA}" presName="sibTrans" presStyleCnt="0"/>
+      <dgm:spPr/>
+    </dgm:pt>
+    <dgm:pt modelId="{6B6D51C8-B12C-4A78-8F9D-9EF7E36000AE}" type="pres">
+      <dgm:prSet presAssocID="{C2E49675-E31B-4528-B4E1-C81EE02BA139}" presName="node" presStyleLbl="node1" presStyleIdx="11" presStyleCnt="12">
+        <dgm:presLayoutVars>
+          <dgm:bulletEnabled val="1"/>
+        </dgm:presLayoutVars>
+      </dgm:prSet>
+      <dgm:spPr/>
+    </dgm:pt>
+  </dgm:ptLst>
+  <dgm:cxnLst>
+    <dgm:cxn modelId="{232A8423-891A-4C0B-B51C-F46C2601B9E4}" srcId="{24DEC1A6-CDCB-4B81-B2DF-88FAC6A6BFF5}" destId="{03E3782D-6F9B-44E6-A53C-9703CFE4C710}" srcOrd="9" destOrd="0" parTransId="{086BB462-373F-4531-9129-7ADA3F26FB15}" sibTransId="{6E5C32C8-92A7-4EB4-8392-A0E752C438D1}"/>
+    <dgm:cxn modelId="{5D69B336-29DA-4344-8543-FC95BAAFA7C1}" srcId="{24DEC1A6-CDCB-4B81-B2DF-88FAC6A6BFF5}" destId="{DE248886-C486-4934-B1B2-1D51F34F4B46}" srcOrd="8" destOrd="0" parTransId="{A11811FB-52FF-43DE-BF01-ECBA7533366E}" sibTransId="{1F4FE4CC-D3EE-4C0F-8051-91203D1227FE}"/>
+    <dgm:cxn modelId="{1C394E3A-8080-461F-8872-673D94C4D5D5}" type="presOf" srcId="{410A0B4A-E03F-41DB-B321-364170316BD7}" destId="{D5E5A3F0-5E8C-4ECA-B994-CED4F4C7C17B}" srcOrd="0" destOrd="0" presId="urn:microsoft.com/office/officeart/2005/8/layout/default"/>
+    <dgm:cxn modelId="{368D8C3E-9081-4DF6-BE58-01D1D041D086}" srcId="{24DEC1A6-CDCB-4B81-B2DF-88FAC6A6BFF5}" destId="{26880BEB-4A2C-4FAB-99EF-4C65998DF52A}" srcOrd="1" destOrd="0" parTransId="{623E7F23-267C-4EF0-901D-DA9945ADE00C}" sibTransId="{46A4D0A3-4EF6-4948-9D73-82EA118C078A}"/>
+    <dgm:cxn modelId="{F2F6DC5E-DF38-43D4-AC38-56FECDFD4A07}" type="presOf" srcId="{C2E49675-E31B-4528-B4E1-C81EE02BA139}" destId="{6B6D51C8-B12C-4A78-8F9D-9EF7E36000AE}" srcOrd="0" destOrd="0" presId="urn:microsoft.com/office/officeart/2005/8/layout/default"/>
+    <dgm:cxn modelId="{877C3F41-E52F-4A30-897C-CDAA0DFDE7C6}" type="presOf" srcId="{A7D3FB00-0F27-4D99-81D5-F8F21FE1688E}" destId="{11572C20-59F9-4546-9105-4C8404D2BCD8}" srcOrd="0" destOrd="0" presId="urn:microsoft.com/office/officeart/2005/8/layout/default"/>
+    <dgm:cxn modelId="{1AA9A862-4B98-433E-8AEA-399BBAFCDB72}" srcId="{24DEC1A6-CDCB-4B81-B2DF-88FAC6A6BFF5}" destId="{410A0B4A-E03F-41DB-B321-364170316BD7}" srcOrd="3" destOrd="0" parTransId="{0A3DD40F-1AD7-42D7-9BD0-C109FDF0D645}" sibTransId="{B545F18B-175B-446B-857D-38E1CEEB8AA7}"/>
+    <dgm:cxn modelId="{0DF74E66-CFC3-428A-A926-A99932DD8AA7}" srcId="{24DEC1A6-CDCB-4B81-B2DF-88FAC6A6BFF5}" destId="{41E9B846-619D-4212-BAE9-BF1273E1460A}" srcOrd="7" destOrd="0" parTransId="{43A89871-B26B-4335-9845-6F3FFC82ABC7}" sibTransId="{81E340ED-C24D-410B-8942-E4FE9C0770BA}"/>
+    <dgm:cxn modelId="{0B62B166-6428-425A-A1FD-538CE91BC202}" srcId="{24DEC1A6-CDCB-4B81-B2DF-88FAC6A6BFF5}" destId="{0B526F94-C1CD-4216-BEA9-09E46F443654}" srcOrd="0" destOrd="0" parTransId="{FAB6F4C5-C641-4317-965E-A049909A73F7}" sibTransId="{6E3F12E7-7EFE-4E4D-A8E9-9928A15E0A88}"/>
+    <dgm:cxn modelId="{D82B6D4B-5F9F-4A66-82CE-E5F0244D68AE}" type="presOf" srcId="{24DEC1A6-CDCB-4B81-B2DF-88FAC6A6BFF5}" destId="{3209E216-59B1-4743-91AF-CBBD3C005439}" srcOrd="0" destOrd="0" presId="urn:microsoft.com/office/officeart/2005/8/layout/default"/>
+    <dgm:cxn modelId="{DB72BF6F-6D70-45A6-A979-28B5BED356E0}" type="presOf" srcId="{3A4F9620-2FC1-4A54-AEBC-116C38C9F06C}" destId="{62560F28-7531-4F5C-A9EF-DDF9DF0F18D5}" srcOrd="0" destOrd="0" presId="urn:microsoft.com/office/officeart/2005/8/layout/default"/>
+    <dgm:cxn modelId="{758EFA72-F1DA-456F-9EF8-A0410BD09970}" srcId="{24DEC1A6-CDCB-4B81-B2DF-88FAC6A6BFF5}" destId="{A0B771CF-43D3-47BF-B90E-4A844BB8503F}" srcOrd="6" destOrd="0" parTransId="{1093AAC7-DF10-4AC2-BF6F-5C7E84243131}" sibTransId="{5423F0B0-3D5A-47AA-A540-7C2F22FDC2B6}"/>
+    <dgm:cxn modelId="{01D36073-A9C3-4EA9-A822-F75DA263153D}" srcId="{24DEC1A6-CDCB-4B81-B2DF-88FAC6A6BFF5}" destId="{62EFDE8D-C61C-48D8-9DE0-0A50AEEFFE8A}" srcOrd="10" destOrd="0" parTransId="{5DDD6FBC-7017-4908-931A-1FD416CC7A7A}" sibTransId="{BBB8C699-DEA2-42BC-ADB8-B110F87C71AA}"/>
+    <dgm:cxn modelId="{37B42974-CCEC-4AD0-B333-D21E22F9A132}" srcId="{24DEC1A6-CDCB-4B81-B2DF-88FAC6A6BFF5}" destId="{A7D3FB00-0F27-4D99-81D5-F8F21FE1688E}" srcOrd="5" destOrd="0" parTransId="{144BEF26-D58A-4FB9-A1E5-799D3CEF5C62}" sibTransId="{412AE6A8-5D1B-44E2-A658-0781CDD89A77}"/>
+    <dgm:cxn modelId="{505E7E5A-EA6E-4AE8-AC15-052CECA28859}" type="presOf" srcId="{03E3782D-6F9B-44E6-A53C-9703CFE4C710}" destId="{CDED5CC5-1FD9-4D59-94B8-8977067B5AB5}" srcOrd="0" destOrd="0" presId="urn:microsoft.com/office/officeart/2005/8/layout/default"/>
+    <dgm:cxn modelId="{D0BA8C7C-C7CC-4FFE-B7FC-933207ED7AD2}" type="presOf" srcId="{DE248886-C486-4934-B1B2-1D51F34F4B46}" destId="{4DE2FE31-813F-4E8F-8ECF-E97B05AEB8F5}" srcOrd="0" destOrd="0" presId="urn:microsoft.com/office/officeart/2005/8/layout/default"/>
+    <dgm:cxn modelId="{F07A7C87-B128-4D17-A27E-9F5870237D93}" type="presOf" srcId="{51E36C0D-7C72-48FD-AB6A-687E3FC0CC28}" destId="{8BF3F81D-79E0-4547-B58D-06AE1A363C65}" srcOrd="0" destOrd="0" presId="urn:microsoft.com/office/officeart/2005/8/layout/default"/>
+    <dgm:cxn modelId="{A7D0868B-DD99-4EBA-B32D-792C460796CC}" type="presOf" srcId="{26880BEB-4A2C-4FAB-99EF-4C65998DF52A}" destId="{2EC091B7-5BBE-4E67-B28B-653DB5342A9D}" srcOrd="0" destOrd="0" presId="urn:microsoft.com/office/officeart/2005/8/layout/default"/>
+    <dgm:cxn modelId="{286D989E-A201-46AD-97B0-DF01CB98AD27}" type="presOf" srcId="{A0B771CF-43D3-47BF-B90E-4A844BB8503F}" destId="{5708B99E-D049-4C81-8354-98A27C097760}" srcOrd="0" destOrd="0" presId="urn:microsoft.com/office/officeart/2005/8/layout/default"/>
+    <dgm:cxn modelId="{1B1746A0-8DBD-4AA8-B267-FA08219423B1}" srcId="{24DEC1A6-CDCB-4B81-B2DF-88FAC6A6BFF5}" destId="{51E36C0D-7C72-48FD-AB6A-687E3FC0CC28}" srcOrd="4" destOrd="0" parTransId="{6A6EC00D-EA31-4BFA-BB04-1DF9AEB87919}" sibTransId="{AE60F16A-D730-41C4-9D16-C0F3FE90D8B6}"/>
+    <dgm:cxn modelId="{39FF1AAF-6C69-497A-9984-A5DD5961AB6E}" srcId="{24DEC1A6-CDCB-4B81-B2DF-88FAC6A6BFF5}" destId="{C2E49675-E31B-4528-B4E1-C81EE02BA139}" srcOrd="11" destOrd="0" parTransId="{2F4F75B1-B3A6-4CCB-B39C-F1D447F62BD2}" sibTransId="{1B084978-2451-4512-BD47-068E4E7DB92E}"/>
+    <dgm:cxn modelId="{140946B7-138F-4490-96B8-9C532345E05E}" type="presOf" srcId="{62EFDE8D-C61C-48D8-9DE0-0A50AEEFFE8A}" destId="{A43CEC53-AE83-4592-81F0-1723394BE16A}" srcOrd="0" destOrd="0" presId="urn:microsoft.com/office/officeart/2005/8/layout/default"/>
+    <dgm:cxn modelId="{531F8CC7-4F22-42D6-A35A-0BDC9E3C38E4}" type="presOf" srcId="{0B526F94-C1CD-4216-BEA9-09E46F443654}" destId="{79A74B70-9364-431B-9D72-C9A06E6672F4}" srcOrd="0" destOrd="0" presId="urn:microsoft.com/office/officeart/2005/8/layout/default"/>
+    <dgm:cxn modelId="{AEC82DE4-78AA-4B98-B9FF-C499796B006D}" srcId="{24DEC1A6-CDCB-4B81-B2DF-88FAC6A6BFF5}" destId="{3A4F9620-2FC1-4A54-AEBC-116C38C9F06C}" srcOrd="2" destOrd="0" parTransId="{1C96D83E-9035-4773-A03A-571183F80746}" sibTransId="{5CE98A19-CE60-4A2E-B391-2762A2DBCC18}"/>
+    <dgm:cxn modelId="{B0E826F2-3933-4B8E-A4A9-32925A70B607}" type="presOf" srcId="{41E9B846-619D-4212-BAE9-BF1273E1460A}" destId="{5F8A0AFF-933A-4ADA-BE66-4F7185FDE939}" srcOrd="0" destOrd="0" presId="urn:microsoft.com/office/officeart/2005/8/layout/default"/>
+    <dgm:cxn modelId="{92BA4C66-FCCA-4E03-8FE8-F217B9451C21}" type="presParOf" srcId="{3209E216-59B1-4743-91AF-CBBD3C005439}" destId="{79A74B70-9364-431B-9D72-C9A06E6672F4}" srcOrd="0" destOrd="0" presId="urn:microsoft.com/office/officeart/2005/8/layout/default"/>
+    <dgm:cxn modelId="{F63A48F1-A050-421F-B17B-EEF8CCFBBEF7}" type="presParOf" srcId="{3209E216-59B1-4743-91AF-CBBD3C005439}" destId="{7A60D68F-D177-488C-8D21-5D9812ED008F}" srcOrd="1" destOrd="0" presId="urn:microsoft.com/office/officeart/2005/8/layout/default"/>
+    <dgm:cxn modelId="{2EC9D352-0ACC-4D0F-9E3D-46C7A77B7259}" type="presParOf" srcId="{3209E216-59B1-4743-91AF-CBBD3C005439}" destId="{2EC091B7-5BBE-4E67-B28B-653DB5342A9D}" srcOrd="2" destOrd="0" presId="urn:microsoft.com/office/officeart/2005/8/layout/default"/>
+    <dgm:cxn modelId="{B9824DC5-AC91-4C42-82BF-EF8E229DAD8F}" type="presParOf" srcId="{3209E216-59B1-4743-91AF-CBBD3C005439}" destId="{B2ECE4E5-8D86-45B2-B7BB-CAD7FD3DC33F}" srcOrd="3" destOrd="0" presId="urn:microsoft.com/office/officeart/2005/8/layout/default"/>
+    <dgm:cxn modelId="{2006843F-4C00-486C-8FF8-A1AD55CA420D}" type="presParOf" srcId="{3209E216-59B1-4743-91AF-CBBD3C005439}" destId="{62560F28-7531-4F5C-A9EF-DDF9DF0F18D5}" srcOrd="4" destOrd="0" presId="urn:microsoft.com/office/officeart/2005/8/layout/default"/>
+    <dgm:cxn modelId="{B2748E50-5170-40DC-B753-F5A54CE35CD2}" type="presParOf" srcId="{3209E216-59B1-4743-91AF-CBBD3C005439}" destId="{4BD2C6B6-9929-45C9-9ED7-3FB61086B393}" srcOrd="5" destOrd="0" presId="urn:microsoft.com/office/officeart/2005/8/layout/default"/>
+    <dgm:cxn modelId="{C9C77DB5-0067-4C11-8D6C-5E508A96C6FE}" type="presParOf" srcId="{3209E216-59B1-4743-91AF-CBBD3C005439}" destId="{D5E5A3F0-5E8C-4ECA-B994-CED4F4C7C17B}" srcOrd="6" destOrd="0" presId="urn:microsoft.com/office/officeart/2005/8/layout/default"/>
+    <dgm:cxn modelId="{38E2B26C-4335-49B4-BDB4-6843A79ABA84}" type="presParOf" srcId="{3209E216-59B1-4743-91AF-CBBD3C005439}" destId="{8D3B342E-A04B-4FEC-BFE1-5DCC5AFCE3D0}" srcOrd="7" destOrd="0" presId="urn:microsoft.com/office/officeart/2005/8/layout/default"/>
+    <dgm:cxn modelId="{0FA47122-EEBF-4C36-8863-B41A5F9D5989}" type="presParOf" srcId="{3209E216-59B1-4743-91AF-CBBD3C005439}" destId="{8BF3F81D-79E0-4547-B58D-06AE1A363C65}" srcOrd="8" destOrd="0" presId="urn:microsoft.com/office/officeart/2005/8/layout/default"/>
+    <dgm:cxn modelId="{5D92A1FD-B567-454B-8E0A-036E0A330B43}" type="presParOf" srcId="{3209E216-59B1-4743-91AF-CBBD3C005439}" destId="{87D3EB65-B514-4112-B8C0-B8029D4B4CC6}" srcOrd="9" destOrd="0" presId="urn:microsoft.com/office/officeart/2005/8/layout/default"/>
+    <dgm:cxn modelId="{E7EDCA80-8AB2-46BB-8335-A24BD25541A9}" type="presParOf" srcId="{3209E216-59B1-4743-91AF-CBBD3C005439}" destId="{11572C20-59F9-4546-9105-4C8404D2BCD8}" srcOrd="10" destOrd="0" presId="urn:microsoft.com/office/officeart/2005/8/layout/default"/>
+    <dgm:cxn modelId="{D727509B-E345-4ADF-9EEB-FE8C8F68F89E}" type="presParOf" srcId="{3209E216-59B1-4743-91AF-CBBD3C005439}" destId="{05A820A6-59AB-4CC5-B08C-7A66D5654B14}" srcOrd="11" destOrd="0" presId="urn:microsoft.com/office/officeart/2005/8/layout/default"/>
+    <dgm:cxn modelId="{E479095A-B31D-4F66-9BE3-AB6CA211CDBE}" type="presParOf" srcId="{3209E216-59B1-4743-91AF-CBBD3C005439}" destId="{5708B99E-D049-4C81-8354-98A27C097760}" srcOrd="12" destOrd="0" presId="urn:microsoft.com/office/officeart/2005/8/layout/default"/>
+    <dgm:cxn modelId="{11690E01-5240-4772-86F8-538E9A98E089}" type="presParOf" srcId="{3209E216-59B1-4743-91AF-CBBD3C005439}" destId="{EB05F1B1-3C6B-48B0-98F2-1950E59FE88A}" srcOrd="13" destOrd="0" presId="urn:microsoft.com/office/officeart/2005/8/layout/default"/>
+    <dgm:cxn modelId="{96955B82-6C96-476F-8B84-9C596FDD6A69}" type="presParOf" srcId="{3209E216-59B1-4743-91AF-CBBD3C005439}" destId="{5F8A0AFF-933A-4ADA-BE66-4F7185FDE939}" srcOrd="14" destOrd="0" presId="urn:microsoft.com/office/officeart/2005/8/layout/default"/>
+    <dgm:cxn modelId="{586D6620-6BC4-4CB0-B2D9-DE75588D2A02}" type="presParOf" srcId="{3209E216-59B1-4743-91AF-CBBD3C005439}" destId="{E0055308-8532-4E30-AE0E-3FB8AAA9E5B0}" srcOrd="15" destOrd="0" presId="urn:microsoft.com/office/officeart/2005/8/layout/default"/>
+    <dgm:cxn modelId="{08154809-2CFB-4BB7-A8A0-44FD56649CEE}" type="presParOf" srcId="{3209E216-59B1-4743-91AF-CBBD3C005439}" destId="{4DE2FE31-813F-4E8F-8ECF-E97B05AEB8F5}" srcOrd="16" destOrd="0" presId="urn:microsoft.com/office/officeart/2005/8/layout/default"/>
+    <dgm:cxn modelId="{26B33829-51F7-449B-99A4-5B1A3D15B836}" type="presParOf" srcId="{3209E216-59B1-4743-91AF-CBBD3C005439}" destId="{22C74E53-4D81-4E1F-9A15-389ED872355F}" srcOrd="17" destOrd="0" presId="urn:microsoft.com/office/officeart/2005/8/layout/default"/>
+    <dgm:cxn modelId="{2810EED0-77B3-4463-8AC2-8242CD570074}" type="presParOf" srcId="{3209E216-59B1-4743-91AF-CBBD3C005439}" destId="{CDED5CC5-1FD9-4D59-94B8-8977067B5AB5}" srcOrd="18" destOrd="0" presId="urn:microsoft.com/office/officeart/2005/8/layout/default"/>
+    <dgm:cxn modelId="{B0EEE196-DB5E-43FC-86A5-16607D9F159E}" type="presParOf" srcId="{3209E216-59B1-4743-91AF-CBBD3C005439}" destId="{DD0F7EAF-714A-421F-A52E-18CF0F352B3D}" srcOrd="19" destOrd="0" presId="urn:microsoft.com/office/officeart/2005/8/layout/default"/>
+    <dgm:cxn modelId="{2B01B196-5724-43D9-8198-C5DAAAA4A944}" type="presParOf" srcId="{3209E216-59B1-4743-91AF-CBBD3C005439}" destId="{A43CEC53-AE83-4592-81F0-1723394BE16A}" srcOrd="20" destOrd="0" presId="urn:microsoft.com/office/officeart/2005/8/layout/default"/>
+    <dgm:cxn modelId="{B85ED92D-5F74-4875-A60F-17CC49B4DD98}" type="presParOf" srcId="{3209E216-59B1-4743-91AF-CBBD3C005439}" destId="{3F663ABA-3BE4-42DE-AAF6-108BD2BA9B05}" srcOrd="21" destOrd="0" presId="urn:microsoft.com/office/officeart/2005/8/layout/default"/>
+    <dgm:cxn modelId="{D4384062-DC98-4055-9F2F-CFE519FC628B}" type="presParOf" srcId="{3209E216-59B1-4743-91AF-CBBD3C005439}" destId="{6B6D51C8-B12C-4A78-8F9D-9EF7E36000AE}" srcOrd="22" destOrd="0" presId="urn:microsoft.com/office/officeart/2005/8/layout/default"/>
+  </dgm:cxnLst>
+  <dgm:bg/>
+  <dgm:whole/>
+  <dgm:extLst>
+    <a:ext uri="http://schemas.microsoft.com/office/drawing/2008/diagram">
+      <dsp:dataModelExt xmlns:dsp="http://schemas.microsoft.com/office/drawing/2008/diagram" relId="rId6" minVer="http://schemas.openxmlformats.org/drawingml/2006/diagram"/>
+    </a:ext>
+  </dgm:extLst>
+</dgm:dataModel>
+</file>
+
+<file path=ppt/diagrams/drawing1.xml><?xml version="1.0" encoding="utf-8"?>
+<dsp:drawing xmlns:dgm="http://schemas.openxmlformats.org/drawingml/2006/diagram" xmlns:dsp="http://schemas.microsoft.com/office/drawing/2008/diagram" xmlns:a="http://schemas.openxmlformats.org/drawingml/2006/main">
+  <dsp:spTree>
+    <dsp:nvGrpSpPr>
+      <dsp:cNvPr id="0" name=""/>
+      <dsp:cNvGrpSpPr/>
+    </dsp:nvGrpSpPr>
+    <dsp:grpSpPr/>
+    <dsp:sp modelId="{097F148B-4D2D-4E77-BDF6-574F0A24D340}">
+      <dsp:nvSpPr>
+        <dsp:cNvPr id="0" name=""/>
+        <dsp:cNvSpPr/>
+      </dsp:nvSpPr>
+      <dsp:spPr>
+        <a:xfrm>
+          <a:off x="1861" y="327283"/>
+          <a:ext cx="1656428" cy="778554"/>
+        </a:xfrm>
+        <a:prstGeom prst="chevron">
+          <a:avLst/>
+        </a:prstGeom>
+        <a:solidFill>
+          <a:schemeClr val="bg2"/>
+        </a:solidFill>
+        <a:ln w="12700" cap="flat" cmpd="sng" algn="in">
+          <a:solidFill>
+            <a:schemeClr val="lt1">
+              <a:hueOff val="0"/>
+              <a:satOff val="0"/>
+              <a:lumOff val="0"/>
+              <a:alphaOff val="0"/>
+            </a:schemeClr>
+          </a:solidFill>
+          <a:prstDash val="solid"/>
+        </a:ln>
+        <a:effectLst/>
+      </dsp:spPr>
+      <dsp:style>
+        <a:lnRef idx="2">
+          <a:scrgbClr r="0" g="0" b="0"/>
+        </a:lnRef>
+        <a:fillRef idx="1">
+          <a:scrgbClr r="0" g="0" b="0"/>
+        </a:fillRef>
+        <a:effectRef idx="0">
+          <a:scrgbClr r="0" g="0" b="0"/>
+        </a:effectRef>
+        <a:fontRef idx="minor">
+          <a:schemeClr val="lt1"/>
+        </a:fontRef>
+      </dsp:style>
+      <dsp:txBody>
+        <a:bodyPr spcFirstLastPara="0" vert="horz" wrap="square" lIns="44006" tIns="14669" rIns="14669" bIns="14669" numCol="1" spcCol="1270" anchor="ctr" anchorCtr="0">
+          <a:noAutofit/>
+        </a:bodyPr>
+        <a:lstStyle/>
+        <a:p>
+          <a:pPr marL="0" lvl="0" indent="0" algn="ctr" defTabSz="488950">
+            <a:lnSpc>
+              <a:spcPct val="90000"/>
+            </a:lnSpc>
+            <a:spcBef>
+              <a:spcPct val="0"/>
+            </a:spcBef>
+            <a:spcAft>
+              <a:spcPct val="35000"/>
+            </a:spcAft>
+            <a:buNone/>
+          </a:pPr>
+          <a:r>
+            <a:rPr lang="en-GB" sz="1100" kern="1200" dirty="0"/>
+            <a:t>User profile created</a:t>
+          </a:r>
+        </a:p>
+      </dsp:txBody>
+      <dsp:txXfrm>
+        <a:off x="391138" y="327283"/>
+        <a:ext cx="877874" cy="778554"/>
+      </dsp:txXfrm>
+    </dsp:sp>
+    <dsp:sp modelId="{96DFF9DF-DA20-466A-98F0-E19C2DEE6B33}">
+      <dsp:nvSpPr>
+        <dsp:cNvPr id="0" name=""/>
+        <dsp:cNvSpPr/>
+      </dsp:nvSpPr>
+      <dsp:spPr>
+        <a:xfrm>
+          <a:off x="1492647" y="327283"/>
+          <a:ext cx="1656428" cy="778554"/>
+        </a:xfrm>
+        <a:prstGeom prst="chevron">
+          <a:avLst/>
+        </a:prstGeom>
+        <a:solidFill>
+          <a:schemeClr val="bg2"/>
+        </a:solidFill>
+        <a:ln w="12700" cap="flat" cmpd="sng" algn="in">
+          <a:solidFill>
+            <a:schemeClr val="lt1">
+              <a:hueOff val="0"/>
+              <a:satOff val="0"/>
+              <a:lumOff val="0"/>
+              <a:alphaOff val="0"/>
+            </a:schemeClr>
+          </a:solidFill>
+          <a:prstDash val="solid"/>
+        </a:ln>
+        <a:effectLst/>
+      </dsp:spPr>
+      <dsp:style>
+        <a:lnRef idx="2">
+          <a:scrgbClr r="0" g="0" b="0"/>
+        </a:lnRef>
+        <a:fillRef idx="1">
+          <a:scrgbClr r="0" g="0" b="0"/>
+        </a:fillRef>
+        <a:effectRef idx="0">
+          <a:scrgbClr r="0" g="0" b="0"/>
+        </a:effectRef>
+        <a:fontRef idx="minor">
+          <a:schemeClr val="lt1"/>
+        </a:fontRef>
+      </dsp:style>
+      <dsp:txBody>
+        <a:bodyPr spcFirstLastPara="0" vert="horz" wrap="square" lIns="44006" tIns="14669" rIns="14669" bIns="14669" numCol="1" spcCol="1270" anchor="ctr" anchorCtr="0">
+          <a:noAutofit/>
+        </a:bodyPr>
+        <a:lstStyle/>
+        <a:p>
+          <a:pPr marL="0" lvl="0" indent="0" algn="ctr" defTabSz="488950">
+            <a:lnSpc>
+              <a:spcPct val="90000"/>
+            </a:lnSpc>
+            <a:spcBef>
+              <a:spcPct val="0"/>
+            </a:spcBef>
+            <a:spcAft>
+              <a:spcPct val="35000"/>
+            </a:spcAft>
+            <a:buNone/>
+          </a:pPr>
+          <a:r>
+            <a:rPr lang="en-GB" sz="1100" kern="1200" dirty="0"/>
+            <a:t>Account login authenticated with Spotify</a:t>
+          </a:r>
+        </a:p>
+      </dsp:txBody>
+      <dsp:txXfrm>
+        <a:off x="1881924" y="327283"/>
+        <a:ext cx="877874" cy="778554"/>
+      </dsp:txXfrm>
+    </dsp:sp>
+    <dsp:sp modelId="{CB7D4F39-C092-4C4F-ADF3-EB13F2781E97}">
+      <dsp:nvSpPr>
+        <dsp:cNvPr id="0" name=""/>
+        <dsp:cNvSpPr/>
+      </dsp:nvSpPr>
+      <dsp:spPr>
+        <a:xfrm>
+          <a:off x="2983433" y="327283"/>
+          <a:ext cx="1656428" cy="778554"/>
+        </a:xfrm>
+        <a:prstGeom prst="chevron">
+          <a:avLst/>
+        </a:prstGeom>
+        <a:solidFill>
+          <a:schemeClr val="bg2"/>
+        </a:solidFill>
+        <a:ln w="12700" cap="flat" cmpd="sng" algn="in">
+          <a:solidFill>
+            <a:schemeClr val="lt1">
+              <a:hueOff val="0"/>
+              <a:satOff val="0"/>
+              <a:lumOff val="0"/>
+              <a:alphaOff val="0"/>
+            </a:schemeClr>
+          </a:solidFill>
+          <a:prstDash val="solid"/>
+        </a:ln>
+        <a:effectLst/>
+      </dsp:spPr>
+      <dsp:style>
+        <a:lnRef idx="2">
+          <a:scrgbClr r="0" g="0" b="0"/>
+        </a:lnRef>
+        <a:fillRef idx="1">
+          <a:scrgbClr r="0" g="0" b="0"/>
+        </a:fillRef>
+        <a:effectRef idx="0">
+          <a:scrgbClr r="0" g="0" b="0"/>
+        </a:effectRef>
+        <a:fontRef idx="minor">
+          <a:schemeClr val="lt1"/>
+        </a:fontRef>
+      </dsp:style>
+      <dsp:txBody>
+        <a:bodyPr spcFirstLastPara="0" vert="horz" wrap="square" lIns="44006" tIns="14669" rIns="14669" bIns="14669" numCol="1" spcCol="1270" anchor="ctr" anchorCtr="0">
+          <a:noAutofit/>
+        </a:bodyPr>
+        <a:lstStyle/>
+        <a:p>
+          <a:pPr marL="0" lvl="0" indent="0" algn="ctr" defTabSz="488950">
+            <a:lnSpc>
+              <a:spcPct val="90000"/>
+            </a:lnSpc>
+            <a:spcBef>
+              <a:spcPct val="0"/>
+            </a:spcBef>
+            <a:spcAft>
+              <a:spcPct val="35000"/>
+            </a:spcAft>
+            <a:buNone/>
+          </a:pPr>
+          <a:r>
+            <a:rPr lang="en-GB" sz="1100" kern="1200" dirty="0"/>
+            <a:t>App retrieves user listening history</a:t>
+          </a:r>
+        </a:p>
+      </dsp:txBody>
+      <dsp:txXfrm>
+        <a:off x="3372710" y="327283"/>
+        <a:ext cx="877874" cy="778554"/>
+      </dsp:txXfrm>
+    </dsp:sp>
+    <dsp:sp modelId="{37273045-EE65-4447-B139-A41AE7B2A030}">
+      <dsp:nvSpPr>
+        <dsp:cNvPr id="0" name=""/>
+        <dsp:cNvSpPr/>
+      </dsp:nvSpPr>
+      <dsp:spPr>
+        <a:xfrm>
+          <a:off x="4474219" y="327283"/>
+          <a:ext cx="1656428" cy="778554"/>
+        </a:xfrm>
+        <a:prstGeom prst="chevron">
+          <a:avLst/>
+        </a:prstGeom>
+        <a:solidFill>
+          <a:schemeClr val="bg2"/>
+        </a:solidFill>
+        <a:ln w="12700" cap="flat" cmpd="sng" algn="in">
+          <a:solidFill>
+            <a:schemeClr val="lt1">
+              <a:hueOff val="0"/>
+              <a:satOff val="0"/>
+              <a:lumOff val="0"/>
+              <a:alphaOff val="0"/>
+            </a:schemeClr>
+          </a:solidFill>
+          <a:prstDash val="solid"/>
+        </a:ln>
+        <a:effectLst/>
+      </dsp:spPr>
+      <dsp:style>
+        <a:lnRef idx="2">
+          <a:scrgbClr r="0" g="0" b="0"/>
+        </a:lnRef>
+        <a:fillRef idx="1">
+          <a:scrgbClr r="0" g="0" b="0"/>
+        </a:fillRef>
+        <a:effectRef idx="0">
+          <a:scrgbClr r="0" g="0" b="0"/>
+        </a:effectRef>
+        <a:fontRef idx="minor">
+          <a:schemeClr val="lt1"/>
+        </a:fontRef>
+      </dsp:style>
+      <dsp:txBody>
+        <a:bodyPr spcFirstLastPara="0" vert="horz" wrap="square" lIns="44006" tIns="14669" rIns="14669" bIns="14669" numCol="1" spcCol="1270" anchor="ctr" anchorCtr="0">
+          <a:noAutofit/>
+        </a:bodyPr>
+        <a:lstStyle/>
+        <a:p>
+          <a:pPr marL="0" lvl="0" indent="0" algn="ctr" defTabSz="488950">
+            <a:lnSpc>
+              <a:spcPct val="90000"/>
+            </a:lnSpc>
+            <a:spcBef>
+              <a:spcPct val="0"/>
+            </a:spcBef>
+            <a:spcAft>
+              <a:spcPct val="35000"/>
+            </a:spcAft>
+            <a:buNone/>
+          </a:pPr>
+          <a:r>
+            <a:rPr lang="en-GB" sz="1100" kern="1200" dirty="0"/>
+            <a:t>App analyses song stats and finds similar tracks</a:t>
+          </a:r>
+        </a:p>
+      </dsp:txBody>
+      <dsp:txXfrm>
+        <a:off x="4863496" y="327283"/>
+        <a:ext cx="877874" cy="778554"/>
+      </dsp:txXfrm>
+    </dsp:sp>
+    <dsp:sp modelId="{BA90F8FE-8C07-400E-8779-2EC66F2F5036}">
+      <dsp:nvSpPr>
+        <dsp:cNvPr id="0" name=""/>
+        <dsp:cNvSpPr/>
+      </dsp:nvSpPr>
+      <dsp:spPr>
+        <a:xfrm>
+          <a:off x="5965004" y="327283"/>
+          <a:ext cx="1656428" cy="778554"/>
+        </a:xfrm>
+        <a:prstGeom prst="chevron">
+          <a:avLst/>
+        </a:prstGeom>
+        <a:solidFill>
+          <a:schemeClr val="bg2"/>
+        </a:solidFill>
+        <a:ln w="12700" cap="flat" cmpd="sng" algn="in">
+          <a:solidFill>
+            <a:schemeClr val="lt1">
+              <a:hueOff val="0"/>
+              <a:satOff val="0"/>
+              <a:lumOff val="0"/>
+              <a:alphaOff val="0"/>
+            </a:schemeClr>
+          </a:solidFill>
+          <a:prstDash val="solid"/>
+        </a:ln>
+        <a:effectLst/>
+      </dsp:spPr>
+      <dsp:style>
+        <a:lnRef idx="2">
+          <a:scrgbClr r="0" g="0" b="0"/>
+        </a:lnRef>
+        <a:fillRef idx="1">
+          <a:scrgbClr r="0" g="0" b="0"/>
+        </a:fillRef>
+        <a:effectRef idx="0">
+          <a:scrgbClr r="0" g="0" b="0"/>
+        </a:effectRef>
+        <a:fontRef idx="minor">
+          <a:schemeClr val="lt1"/>
+        </a:fontRef>
+      </dsp:style>
+      <dsp:txBody>
+        <a:bodyPr spcFirstLastPara="0" vert="horz" wrap="square" lIns="44006" tIns="14669" rIns="14669" bIns="14669" numCol="1" spcCol="1270" anchor="ctr" anchorCtr="0">
+          <a:noAutofit/>
+        </a:bodyPr>
+        <a:lstStyle/>
+        <a:p>
+          <a:pPr marL="0" lvl="0" indent="0" algn="ctr" defTabSz="488950">
+            <a:lnSpc>
+              <a:spcPct val="90000"/>
+            </a:lnSpc>
+            <a:spcBef>
+              <a:spcPct val="0"/>
+            </a:spcBef>
+            <a:spcAft>
+              <a:spcPct val="35000"/>
+            </a:spcAft>
+            <a:buNone/>
+          </a:pPr>
+          <a:r>
+            <a:rPr lang="en-GB" sz="1100" kern="1200" dirty="0"/>
+            <a:t>User song data and suggestions stored in DB</a:t>
+          </a:r>
+        </a:p>
+      </dsp:txBody>
+      <dsp:txXfrm>
+        <a:off x="6354281" y="327283"/>
+        <a:ext cx="877874" cy="778554"/>
+      </dsp:txXfrm>
+    </dsp:sp>
+  </dsp:spTree>
+</dsp:drawing>
+</file>
+
+<file path=ppt/diagrams/drawing2.xml><?xml version="1.0" encoding="utf-8"?>
+<dsp:drawing xmlns:dgm="http://schemas.openxmlformats.org/drawingml/2006/diagram" xmlns:dsp="http://schemas.microsoft.com/office/drawing/2008/diagram" xmlns:a="http://schemas.openxmlformats.org/drawingml/2006/main">
+  <dsp:spTree>
+    <dsp:nvGrpSpPr>
+      <dsp:cNvPr id="0" name=""/>
+      <dsp:cNvGrpSpPr/>
+    </dsp:nvGrpSpPr>
+    <dsp:grpSpPr/>
+    <dsp:sp modelId="{79A74B70-9364-431B-9D72-C9A06E6672F4}">
+      <dsp:nvSpPr>
+        <dsp:cNvPr id="0" name=""/>
+        <dsp:cNvSpPr/>
+      </dsp:nvSpPr>
+      <dsp:spPr>
+        <a:xfrm>
+          <a:off x="0" y="126487"/>
+          <a:ext cx="1970484" cy="1182290"/>
+        </a:xfrm>
+        <a:prstGeom prst="rect">
+          <a:avLst/>
+        </a:prstGeom>
+        <a:solidFill>
+          <a:schemeClr val="accent5">
+            <a:hueOff val="0"/>
+            <a:satOff val="0"/>
+            <a:lumOff val="0"/>
+            <a:alphaOff val="0"/>
+          </a:schemeClr>
+        </a:solidFill>
+        <a:ln w="12700" cap="flat" cmpd="sng" algn="in">
+          <a:solidFill>
+            <a:schemeClr val="lt1">
+              <a:hueOff val="0"/>
+              <a:satOff val="0"/>
+              <a:lumOff val="0"/>
+              <a:alphaOff val="0"/>
+            </a:schemeClr>
+          </a:solidFill>
+          <a:prstDash val="solid"/>
+        </a:ln>
+        <a:effectLst/>
+      </dsp:spPr>
+      <dsp:style>
+        <a:lnRef idx="2">
+          <a:scrgbClr r="0" g="0" b="0"/>
+        </a:lnRef>
+        <a:fillRef idx="1">
+          <a:scrgbClr r="0" g="0" b="0"/>
+        </a:fillRef>
+        <a:effectRef idx="0">
+          <a:scrgbClr r="0" g="0" b="0"/>
+        </a:effectRef>
+        <a:fontRef idx="minor">
+          <a:schemeClr val="lt1"/>
+        </a:fontRef>
+      </dsp:style>
+      <dsp:txBody>
+        <a:bodyPr spcFirstLastPara="0" vert="horz" wrap="square" lIns="57150" tIns="57150" rIns="57150" bIns="57150" numCol="1" spcCol="1270" anchor="ctr" anchorCtr="0">
+          <a:noAutofit/>
+        </a:bodyPr>
+        <a:lstStyle/>
+        <a:p>
+          <a:pPr marL="0" lvl="0" indent="0" algn="ctr" defTabSz="666750">
+            <a:lnSpc>
+              <a:spcPct val="90000"/>
+            </a:lnSpc>
+            <a:spcBef>
+              <a:spcPct val="0"/>
+            </a:spcBef>
+            <a:spcAft>
+              <a:spcPct val="35000"/>
+            </a:spcAft>
+            <a:buNone/>
+          </a:pPr>
+          <a:r>
+            <a:rPr lang="en-GB" sz="1500" kern="1200" dirty="0"/>
+            <a:t>Create </a:t>
+          </a:r>
+          <a:r>
+            <a:rPr lang="en-GB" sz="1500" kern="1200" dirty="0">
+              <a:solidFill>
+                <a:schemeClr val="tx2"/>
+              </a:solidFill>
+            </a:rPr>
+            <a:t>profile</a:t>
+          </a:r>
+          <a:r>
+            <a:rPr lang="en-GB" sz="1500" kern="1200" dirty="0"/>
+            <a:t> &amp; choose icon, </a:t>
+          </a:r>
+          <a:r>
+            <a:rPr lang="en-GB" sz="1500" kern="1200" dirty="0">
+              <a:solidFill>
+                <a:schemeClr val="tx2"/>
+              </a:solidFill>
+            </a:rPr>
+            <a:t>authenticate</a:t>
+          </a:r>
+          <a:r>
+            <a:rPr lang="en-GB" sz="1500" kern="1200" dirty="0"/>
+            <a:t> account with Spotify</a:t>
+          </a:r>
+          <a:endParaRPr lang="en-US" sz="1500" kern="1200" dirty="0"/>
+        </a:p>
+      </dsp:txBody>
+      <dsp:txXfrm>
+        <a:off x="0" y="126487"/>
+        <a:ext cx="1970484" cy="1182290"/>
+      </dsp:txXfrm>
+    </dsp:sp>
+    <dsp:sp modelId="{2EC091B7-5BBE-4E67-B28B-653DB5342A9D}">
+      <dsp:nvSpPr>
+        <dsp:cNvPr id="0" name=""/>
+        <dsp:cNvSpPr/>
+      </dsp:nvSpPr>
+      <dsp:spPr>
+        <a:xfrm>
+          <a:off x="2167532" y="126487"/>
+          <a:ext cx="1970484" cy="1182290"/>
+        </a:xfrm>
+        <a:prstGeom prst="rect">
+          <a:avLst/>
+        </a:prstGeom>
+        <a:solidFill>
+          <a:schemeClr val="accent5">
+            <a:hueOff val="-550871"/>
+            <a:satOff val="-1626"/>
+            <a:lumOff val="-2228"/>
+            <a:alphaOff val="0"/>
+          </a:schemeClr>
+        </a:solidFill>
+        <a:ln w="12700" cap="flat" cmpd="sng" algn="in">
+          <a:solidFill>
+            <a:schemeClr val="lt1">
+              <a:hueOff val="0"/>
+              <a:satOff val="0"/>
+              <a:lumOff val="0"/>
+              <a:alphaOff val="0"/>
+            </a:schemeClr>
+          </a:solidFill>
+          <a:prstDash val="solid"/>
+        </a:ln>
+        <a:effectLst/>
+      </dsp:spPr>
+      <dsp:style>
+        <a:lnRef idx="2">
+          <a:scrgbClr r="0" g="0" b="0"/>
+        </a:lnRef>
+        <a:fillRef idx="1">
+          <a:scrgbClr r="0" g="0" b="0"/>
+        </a:fillRef>
+        <a:effectRef idx="0">
+          <a:scrgbClr r="0" g="0" b="0"/>
+        </a:effectRef>
+        <a:fontRef idx="minor">
+          <a:schemeClr val="lt1"/>
+        </a:fontRef>
+      </dsp:style>
+      <dsp:txBody>
+        <a:bodyPr spcFirstLastPara="0" vert="horz" wrap="square" lIns="57150" tIns="57150" rIns="57150" bIns="57150" numCol="1" spcCol="1270" anchor="ctr" anchorCtr="0">
+          <a:noAutofit/>
+        </a:bodyPr>
+        <a:lstStyle/>
+        <a:p>
+          <a:pPr marL="0" lvl="0" indent="0" algn="ctr" defTabSz="666750">
+            <a:lnSpc>
+              <a:spcPct val="90000"/>
+            </a:lnSpc>
+            <a:spcBef>
+              <a:spcPct val="0"/>
+            </a:spcBef>
+            <a:spcAft>
+              <a:spcPct val="35000"/>
+            </a:spcAft>
+            <a:buNone/>
+          </a:pPr>
+          <a:r>
+            <a:rPr lang="en-GB" sz="1500" kern="1200" dirty="0"/>
+            <a:t>‘Scan’ current area for users (</a:t>
+          </a:r>
+          <a:r>
+            <a:rPr lang="en-GB" sz="1500" kern="1200" dirty="0" err="1">
+              <a:solidFill>
+                <a:schemeClr val="tx2"/>
+              </a:solidFill>
+            </a:rPr>
+            <a:t>GeoFire</a:t>
+          </a:r>
+          <a:r>
+            <a:rPr lang="en-GB" sz="1500" kern="1200" dirty="0"/>
+            <a:t>)</a:t>
+          </a:r>
+          <a:endParaRPr lang="en-US" sz="1500" kern="1200" dirty="0"/>
+        </a:p>
+      </dsp:txBody>
+      <dsp:txXfrm>
+        <a:off x="2167532" y="126487"/>
+        <a:ext cx="1970484" cy="1182290"/>
+      </dsp:txXfrm>
+    </dsp:sp>
+    <dsp:sp modelId="{62560F28-7531-4F5C-A9EF-DDF9DF0F18D5}">
+      <dsp:nvSpPr>
+        <dsp:cNvPr id="0" name=""/>
+        <dsp:cNvSpPr/>
+      </dsp:nvSpPr>
+      <dsp:spPr>
+        <a:xfrm>
+          <a:off x="4335065" y="126487"/>
+          <a:ext cx="1970484" cy="1182290"/>
+        </a:xfrm>
+        <a:prstGeom prst="rect">
+          <a:avLst/>
+        </a:prstGeom>
+        <a:solidFill>
+          <a:schemeClr val="accent5">
+            <a:hueOff val="-1101741"/>
+            <a:satOff val="-3253"/>
+            <a:lumOff val="-4456"/>
+            <a:alphaOff val="0"/>
+          </a:schemeClr>
+        </a:solidFill>
+        <a:ln w="12700" cap="flat" cmpd="sng" algn="in">
+          <a:solidFill>
+            <a:schemeClr val="lt1">
+              <a:hueOff val="0"/>
+              <a:satOff val="0"/>
+              <a:lumOff val="0"/>
+              <a:alphaOff val="0"/>
+            </a:schemeClr>
+          </a:solidFill>
+          <a:prstDash val="solid"/>
+        </a:ln>
+        <a:effectLst/>
+      </dsp:spPr>
+      <dsp:style>
+        <a:lnRef idx="2">
+          <a:scrgbClr r="0" g="0" b="0"/>
+        </a:lnRef>
+        <a:fillRef idx="1">
+          <a:scrgbClr r="0" g="0" b="0"/>
+        </a:fillRef>
+        <a:effectRef idx="0">
+          <a:scrgbClr r="0" g="0" b="0"/>
+        </a:effectRef>
+        <a:fontRef idx="minor">
+          <a:schemeClr val="lt1"/>
+        </a:fontRef>
+      </dsp:style>
+      <dsp:txBody>
+        <a:bodyPr spcFirstLastPara="0" vert="horz" wrap="square" lIns="57150" tIns="57150" rIns="57150" bIns="57150" numCol="1" spcCol="1270" anchor="ctr" anchorCtr="0">
+          <a:noAutofit/>
+        </a:bodyPr>
+        <a:lstStyle/>
+        <a:p>
+          <a:pPr marL="0" lvl="0" indent="0" algn="ctr" defTabSz="666750">
+            <a:lnSpc>
+              <a:spcPct val="90000"/>
+            </a:lnSpc>
+            <a:spcBef>
+              <a:spcPct val="0"/>
+            </a:spcBef>
+            <a:spcAft>
+              <a:spcPct val="35000"/>
+            </a:spcAft>
+            <a:buNone/>
+          </a:pPr>
+          <a:r>
+            <a:rPr lang="en-GB" sz="1500" kern="1200" dirty="0">
+              <a:solidFill>
+                <a:schemeClr val="tx2"/>
+              </a:solidFill>
+            </a:rPr>
+            <a:t>Add</a:t>
+          </a:r>
+          <a:r>
+            <a:rPr lang="en-GB" sz="1500" kern="1200" dirty="0"/>
+            <a:t> and approve user to view profile</a:t>
+          </a:r>
+          <a:endParaRPr lang="en-US" sz="1500" kern="1200" dirty="0"/>
+        </a:p>
+      </dsp:txBody>
+      <dsp:txXfrm>
+        <a:off x="4335065" y="126487"/>
+        <a:ext cx="1970484" cy="1182290"/>
+      </dsp:txXfrm>
+    </dsp:sp>
+    <dsp:sp modelId="{D5E5A3F0-5E8C-4ECA-B994-CED4F4C7C17B}">
+      <dsp:nvSpPr>
+        <dsp:cNvPr id="0" name=""/>
+        <dsp:cNvSpPr/>
+      </dsp:nvSpPr>
+      <dsp:spPr>
+        <a:xfrm>
+          <a:off x="0" y="1505826"/>
+          <a:ext cx="1970484" cy="1182290"/>
+        </a:xfrm>
+        <a:prstGeom prst="rect">
+          <a:avLst/>
+        </a:prstGeom>
+        <a:solidFill>
+          <a:schemeClr val="accent5">
+            <a:hueOff val="-1652612"/>
+            <a:satOff val="-4879"/>
+            <a:lumOff val="-6685"/>
+            <a:alphaOff val="0"/>
+          </a:schemeClr>
+        </a:solidFill>
+        <a:ln w="12700" cap="flat" cmpd="sng" algn="in">
+          <a:solidFill>
+            <a:schemeClr val="lt1">
+              <a:hueOff val="0"/>
+              <a:satOff val="0"/>
+              <a:lumOff val="0"/>
+              <a:alphaOff val="0"/>
+            </a:schemeClr>
+          </a:solidFill>
+          <a:prstDash val="solid"/>
+        </a:ln>
+        <a:effectLst/>
+      </dsp:spPr>
+      <dsp:style>
+        <a:lnRef idx="2">
+          <a:scrgbClr r="0" g="0" b="0"/>
+        </a:lnRef>
+        <a:fillRef idx="1">
+          <a:scrgbClr r="0" g="0" b="0"/>
+        </a:fillRef>
+        <a:effectRef idx="0">
+          <a:scrgbClr r="0" g="0" b="0"/>
+        </a:effectRef>
+        <a:fontRef idx="minor">
+          <a:schemeClr val="lt1"/>
+        </a:fontRef>
+      </dsp:style>
+      <dsp:txBody>
+        <a:bodyPr spcFirstLastPara="0" vert="horz" wrap="square" lIns="57150" tIns="57150" rIns="57150" bIns="57150" numCol="1" spcCol="1270" anchor="ctr" anchorCtr="0">
+          <a:noAutofit/>
+        </a:bodyPr>
+        <a:lstStyle/>
+        <a:p>
+          <a:pPr marL="0" lvl="0" indent="0" algn="ctr" defTabSz="666750">
+            <a:lnSpc>
+              <a:spcPct val="90000"/>
+            </a:lnSpc>
+            <a:spcBef>
+              <a:spcPct val="0"/>
+            </a:spcBef>
+            <a:spcAft>
+              <a:spcPct val="35000"/>
+            </a:spcAft>
+            <a:buNone/>
+          </a:pPr>
+          <a:r>
+            <a:rPr lang="en-GB" sz="1500" kern="1200" dirty="0"/>
+            <a:t>Choose recommendations based on </a:t>
+          </a:r>
+          <a:r>
+            <a:rPr lang="en-GB" sz="1500" kern="1200" dirty="0">
+              <a:solidFill>
+                <a:schemeClr val="tx2"/>
+              </a:solidFill>
+            </a:rPr>
+            <a:t>recently played</a:t>
+          </a:r>
+          <a:r>
+            <a:rPr lang="en-GB" sz="1500" kern="1200" dirty="0"/>
+            <a:t>, top songs or other user </a:t>
+          </a:r>
+          <a:r>
+            <a:rPr lang="en-GB" sz="1500" kern="1200" dirty="0">
+              <a:solidFill>
+                <a:schemeClr val="tx2"/>
+              </a:solidFill>
+            </a:rPr>
+            <a:t>endpoints</a:t>
+          </a:r>
+          <a:endParaRPr lang="en-US" sz="1500" kern="1200" dirty="0">
+            <a:solidFill>
+              <a:schemeClr val="tx2"/>
+            </a:solidFill>
+          </a:endParaRPr>
+        </a:p>
+      </dsp:txBody>
+      <dsp:txXfrm>
+        <a:off x="0" y="1505826"/>
+        <a:ext cx="1970484" cy="1182290"/>
+      </dsp:txXfrm>
+    </dsp:sp>
+    <dsp:sp modelId="{8BF3F81D-79E0-4547-B58D-06AE1A363C65}">
+      <dsp:nvSpPr>
+        <dsp:cNvPr id="0" name=""/>
+        <dsp:cNvSpPr/>
+      </dsp:nvSpPr>
+      <dsp:spPr>
+        <a:xfrm>
+          <a:off x="2167532" y="1505826"/>
+          <a:ext cx="1970484" cy="1182290"/>
+        </a:xfrm>
+        <a:prstGeom prst="rect">
+          <a:avLst/>
+        </a:prstGeom>
+        <a:solidFill>
+          <a:schemeClr val="accent5">
+            <a:hueOff val="-2203482"/>
+            <a:satOff val="-6506"/>
+            <a:lumOff val="-8913"/>
+            <a:alphaOff val="0"/>
+          </a:schemeClr>
+        </a:solidFill>
+        <a:ln w="12700" cap="flat" cmpd="sng" algn="in">
+          <a:solidFill>
+            <a:schemeClr val="lt1">
+              <a:hueOff val="0"/>
+              <a:satOff val="0"/>
+              <a:lumOff val="0"/>
+              <a:alphaOff val="0"/>
+            </a:schemeClr>
+          </a:solidFill>
+          <a:prstDash val="solid"/>
+        </a:ln>
+        <a:effectLst/>
+      </dsp:spPr>
+      <dsp:style>
+        <a:lnRef idx="2">
+          <a:scrgbClr r="0" g="0" b="0"/>
+        </a:lnRef>
+        <a:fillRef idx="1">
+          <a:scrgbClr r="0" g="0" b="0"/>
+        </a:fillRef>
+        <a:effectRef idx="0">
+          <a:scrgbClr r="0" g="0" b="0"/>
+        </a:effectRef>
+        <a:fontRef idx="minor">
+          <a:schemeClr val="lt1"/>
+        </a:fontRef>
+      </dsp:style>
+      <dsp:txBody>
+        <a:bodyPr spcFirstLastPara="0" vert="horz" wrap="square" lIns="57150" tIns="57150" rIns="57150" bIns="57150" numCol="1" spcCol="1270" anchor="ctr" anchorCtr="0">
+          <a:noAutofit/>
+        </a:bodyPr>
+        <a:lstStyle/>
+        <a:p>
+          <a:pPr marL="0" lvl="0" indent="0" algn="ctr" defTabSz="666750">
+            <a:lnSpc>
+              <a:spcPct val="90000"/>
+            </a:lnSpc>
+            <a:spcBef>
+              <a:spcPct val="0"/>
+            </a:spcBef>
+            <a:spcAft>
+              <a:spcPct val="35000"/>
+            </a:spcAft>
+            <a:buNone/>
+          </a:pPr>
+          <a:r>
+            <a:rPr lang="en-GB" sz="1500" kern="1200" dirty="0">
+              <a:solidFill>
+                <a:schemeClr val="tx2"/>
+              </a:solidFill>
+            </a:rPr>
+            <a:t>Play</a:t>
+          </a:r>
+          <a:r>
+            <a:rPr lang="en-GB" sz="1500" kern="1200" dirty="0"/>
+            <a:t> suggested songs through app</a:t>
+          </a:r>
+          <a:endParaRPr lang="en-US" sz="1500" kern="1200" dirty="0"/>
+        </a:p>
+      </dsp:txBody>
+      <dsp:txXfrm>
+        <a:off x="2167532" y="1505826"/>
+        <a:ext cx="1970484" cy="1182290"/>
+      </dsp:txXfrm>
+    </dsp:sp>
+    <dsp:sp modelId="{11572C20-59F9-4546-9105-4C8404D2BCD8}">
+      <dsp:nvSpPr>
+        <dsp:cNvPr id="0" name=""/>
+        <dsp:cNvSpPr/>
+      </dsp:nvSpPr>
+      <dsp:spPr>
+        <a:xfrm>
+          <a:off x="4335065" y="1505826"/>
+          <a:ext cx="1970484" cy="1182290"/>
+        </a:xfrm>
+        <a:prstGeom prst="rect">
+          <a:avLst/>
+        </a:prstGeom>
+        <a:solidFill>
+          <a:schemeClr val="accent5">
+            <a:hueOff val="-2754353"/>
+            <a:satOff val="-8132"/>
+            <a:lumOff val="-11141"/>
+            <a:alphaOff val="0"/>
+          </a:schemeClr>
+        </a:solidFill>
+        <a:ln w="12700" cap="flat" cmpd="sng" algn="in">
+          <a:solidFill>
+            <a:schemeClr val="lt1">
+              <a:hueOff val="0"/>
+              <a:satOff val="0"/>
+              <a:lumOff val="0"/>
+              <a:alphaOff val="0"/>
+            </a:schemeClr>
+          </a:solidFill>
+          <a:prstDash val="solid"/>
+        </a:ln>
+        <a:effectLst/>
+      </dsp:spPr>
+      <dsp:style>
+        <a:lnRef idx="2">
+          <a:scrgbClr r="0" g="0" b="0"/>
+        </a:lnRef>
+        <a:fillRef idx="1">
+          <a:scrgbClr r="0" g="0" b="0"/>
+        </a:fillRef>
+        <a:effectRef idx="0">
+          <a:scrgbClr r="0" g="0" b="0"/>
+        </a:effectRef>
+        <a:fontRef idx="minor">
+          <a:schemeClr val="lt1"/>
+        </a:fontRef>
+      </dsp:style>
+      <dsp:txBody>
+        <a:bodyPr spcFirstLastPara="0" vert="horz" wrap="square" lIns="57150" tIns="57150" rIns="57150" bIns="57150" numCol="1" spcCol="1270" anchor="ctr" anchorCtr="0">
+          <a:noAutofit/>
+        </a:bodyPr>
+        <a:lstStyle/>
+        <a:p>
+          <a:pPr marL="0" lvl="0" indent="0" algn="ctr" defTabSz="666750">
+            <a:lnSpc>
+              <a:spcPct val="90000"/>
+            </a:lnSpc>
+            <a:spcBef>
+              <a:spcPct val="0"/>
+            </a:spcBef>
+            <a:spcAft>
+              <a:spcPct val="35000"/>
+            </a:spcAft>
+            <a:buNone/>
+          </a:pPr>
+          <a:r>
+            <a:rPr lang="en-GB" sz="1500" kern="1200"/>
+            <a:t>Open songs in Spotify</a:t>
+          </a:r>
+          <a:endParaRPr lang="en-US" sz="1500" kern="1200"/>
+        </a:p>
+      </dsp:txBody>
+      <dsp:txXfrm>
+        <a:off x="4335065" y="1505826"/>
+        <a:ext cx="1970484" cy="1182290"/>
+      </dsp:txXfrm>
+    </dsp:sp>
+    <dsp:sp modelId="{5708B99E-D049-4C81-8354-98A27C097760}">
+      <dsp:nvSpPr>
+        <dsp:cNvPr id="0" name=""/>
+        <dsp:cNvSpPr/>
+      </dsp:nvSpPr>
+      <dsp:spPr>
+        <a:xfrm>
+          <a:off x="0" y="2885165"/>
+          <a:ext cx="1970484" cy="1182290"/>
+        </a:xfrm>
+        <a:prstGeom prst="rect">
+          <a:avLst/>
+        </a:prstGeom>
+        <a:solidFill>
+          <a:schemeClr val="accent5">
+            <a:hueOff val="-3305224"/>
+            <a:satOff val="-9759"/>
+            <a:lumOff val="-13369"/>
+            <a:alphaOff val="0"/>
+          </a:schemeClr>
+        </a:solidFill>
+        <a:ln w="12700" cap="flat" cmpd="sng" algn="in">
+          <a:solidFill>
+            <a:schemeClr val="lt1">
+              <a:hueOff val="0"/>
+              <a:satOff val="0"/>
+              <a:lumOff val="0"/>
+              <a:alphaOff val="0"/>
+            </a:schemeClr>
+          </a:solidFill>
+          <a:prstDash val="solid"/>
+        </a:ln>
+        <a:effectLst/>
+      </dsp:spPr>
+      <dsp:style>
+        <a:lnRef idx="2">
+          <a:scrgbClr r="0" g="0" b="0"/>
+        </a:lnRef>
+        <a:fillRef idx="1">
+          <a:scrgbClr r="0" g="0" b="0"/>
+        </a:fillRef>
+        <a:effectRef idx="0">
+          <a:scrgbClr r="0" g="0" b="0"/>
+        </a:effectRef>
+        <a:fontRef idx="minor">
+          <a:schemeClr val="lt1"/>
+        </a:fontRef>
+      </dsp:style>
+      <dsp:txBody>
+        <a:bodyPr spcFirstLastPara="0" vert="horz" wrap="square" lIns="57150" tIns="57150" rIns="57150" bIns="57150" numCol="1" spcCol="1270" anchor="ctr" anchorCtr="0">
+          <a:noAutofit/>
+        </a:bodyPr>
+        <a:lstStyle/>
+        <a:p>
+          <a:pPr marL="0" lvl="0" indent="0" algn="ctr" defTabSz="666750">
+            <a:lnSpc>
+              <a:spcPct val="90000"/>
+            </a:lnSpc>
+            <a:spcBef>
+              <a:spcPct val="0"/>
+            </a:spcBef>
+            <a:spcAft>
+              <a:spcPct val="35000"/>
+            </a:spcAft>
+            <a:buNone/>
+          </a:pPr>
+          <a:r>
+            <a:rPr lang="en-GB" sz="1500" kern="1200" dirty="0">
+              <a:solidFill>
+                <a:schemeClr val="tx2"/>
+              </a:solidFill>
+            </a:rPr>
+            <a:t>Like</a:t>
+          </a:r>
+          <a:r>
+            <a:rPr lang="en-GB" sz="1500" kern="1200" dirty="0"/>
+            <a:t> or </a:t>
+          </a:r>
+          <a:r>
+            <a:rPr lang="en-GB" sz="1500" kern="1200" dirty="0">
+              <a:solidFill>
+                <a:schemeClr val="tx2"/>
+              </a:solidFill>
+            </a:rPr>
+            <a:t>hide</a:t>
+          </a:r>
+          <a:r>
+            <a:rPr lang="en-GB" sz="1500" kern="1200" dirty="0"/>
+            <a:t> song (similar to Spotify daily mix) and </a:t>
+          </a:r>
+          <a:r>
+            <a:rPr lang="en-GB" sz="1500" kern="1200" dirty="0">
+              <a:solidFill>
+                <a:schemeClr val="tx2"/>
+              </a:solidFill>
+            </a:rPr>
+            <a:t>update</a:t>
+          </a:r>
+          <a:r>
+            <a:rPr lang="en-GB" sz="1500" kern="1200" dirty="0"/>
+            <a:t> in Spotify</a:t>
+          </a:r>
+          <a:endParaRPr lang="en-US" sz="1500" kern="1200" dirty="0"/>
+        </a:p>
+      </dsp:txBody>
+      <dsp:txXfrm>
+        <a:off x="0" y="2885165"/>
+        <a:ext cx="1970484" cy="1182290"/>
+      </dsp:txXfrm>
+    </dsp:sp>
+    <dsp:sp modelId="{5F8A0AFF-933A-4ADA-BE66-4F7185FDE939}">
+      <dsp:nvSpPr>
+        <dsp:cNvPr id="0" name=""/>
+        <dsp:cNvSpPr/>
+      </dsp:nvSpPr>
+      <dsp:spPr>
+        <a:xfrm>
+          <a:off x="2167532" y="2885165"/>
+          <a:ext cx="1970484" cy="1182290"/>
+        </a:xfrm>
+        <a:prstGeom prst="rect">
+          <a:avLst/>
+        </a:prstGeom>
+        <a:solidFill>
+          <a:schemeClr val="accent5">
+            <a:hueOff val="-3856094"/>
+            <a:satOff val="-11385"/>
+            <a:lumOff val="-15597"/>
+            <a:alphaOff val="0"/>
+          </a:schemeClr>
+        </a:solidFill>
+        <a:ln w="12700" cap="flat" cmpd="sng" algn="in">
+          <a:solidFill>
+            <a:schemeClr val="lt1">
+              <a:hueOff val="0"/>
+              <a:satOff val="0"/>
+              <a:lumOff val="0"/>
+              <a:alphaOff val="0"/>
+            </a:schemeClr>
+          </a:solidFill>
+          <a:prstDash val="solid"/>
+        </a:ln>
+        <a:effectLst/>
+      </dsp:spPr>
+      <dsp:style>
+        <a:lnRef idx="2">
+          <a:scrgbClr r="0" g="0" b="0"/>
+        </a:lnRef>
+        <a:fillRef idx="1">
+          <a:scrgbClr r="0" g="0" b="0"/>
+        </a:fillRef>
+        <a:effectRef idx="0">
+          <a:scrgbClr r="0" g="0" b="0"/>
+        </a:effectRef>
+        <a:fontRef idx="minor">
+          <a:schemeClr val="lt1"/>
+        </a:fontRef>
+      </dsp:style>
+      <dsp:txBody>
+        <a:bodyPr spcFirstLastPara="0" vert="horz" wrap="square" lIns="57150" tIns="57150" rIns="57150" bIns="57150" numCol="1" spcCol="1270" anchor="ctr" anchorCtr="0">
+          <a:noAutofit/>
+        </a:bodyPr>
+        <a:lstStyle/>
+        <a:p>
+          <a:pPr marL="0" lvl="0" indent="0" algn="ctr" defTabSz="666750">
+            <a:lnSpc>
+              <a:spcPct val="90000"/>
+            </a:lnSpc>
+            <a:spcBef>
+              <a:spcPct val="0"/>
+            </a:spcBef>
+            <a:spcAft>
+              <a:spcPct val="35000"/>
+            </a:spcAft>
+            <a:buNone/>
+          </a:pPr>
+          <a:r>
+            <a:rPr lang="en-GB" sz="1500" kern="1200" dirty="0"/>
+            <a:t>Add songs to </a:t>
+          </a:r>
+          <a:r>
+            <a:rPr lang="en-GB" sz="1500" kern="1200" dirty="0">
+              <a:solidFill>
+                <a:schemeClr val="tx2"/>
+              </a:solidFill>
+            </a:rPr>
+            <a:t>playlist</a:t>
+          </a:r>
+          <a:r>
+            <a:rPr lang="en-GB" sz="1500" kern="1200" dirty="0"/>
+            <a:t> in Spotify</a:t>
+          </a:r>
+          <a:endParaRPr lang="en-US" sz="1500" kern="1200" dirty="0"/>
+        </a:p>
+      </dsp:txBody>
+      <dsp:txXfrm>
+        <a:off x="2167532" y="2885165"/>
+        <a:ext cx="1970484" cy="1182290"/>
+      </dsp:txXfrm>
+    </dsp:sp>
+    <dsp:sp modelId="{4DE2FE31-813F-4E8F-8ECF-E97B05AEB8F5}">
+      <dsp:nvSpPr>
+        <dsp:cNvPr id="0" name=""/>
+        <dsp:cNvSpPr/>
+      </dsp:nvSpPr>
+      <dsp:spPr>
+        <a:xfrm>
+          <a:off x="4335065" y="2885165"/>
+          <a:ext cx="1970484" cy="1182290"/>
+        </a:xfrm>
+        <a:prstGeom prst="rect">
+          <a:avLst/>
+        </a:prstGeom>
+        <a:solidFill>
+          <a:schemeClr val="accent5">
+            <a:hueOff val="-4406965"/>
+            <a:satOff val="-13012"/>
+            <a:lumOff val="-17825"/>
+            <a:alphaOff val="0"/>
+          </a:schemeClr>
+        </a:solidFill>
+        <a:ln w="12700" cap="flat" cmpd="sng" algn="in">
+          <a:solidFill>
+            <a:schemeClr val="lt1">
+              <a:hueOff val="0"/>
+              <a:satOff val="0"/>
+              <a:lumOff val="0"/>
+              <a:alphaOff val="0"/>
+            </a:schemeClr>
+          </a:solidFill>
+          <a:prstDash val="solid"/>
+        </a:ln>
+        <a:effectLst/>
+      </dsp:spPr>
+      <dsp:style>
+        <a:lnRef idx="2">
+          <a:scrgbClr r="0" g="0" b="0"/>
+        </a:lnRef>
+        <a:fillRef idx="1">
+          <a:scrgbClr r="0" g="0" b="0"/>
+        </a:fillRef>
+        <a:effectRef idx="0">
+          <a:scrgbClr r="0" g="0" b="0"/>
+        </a:effectRef>
+        <a:fontRef idx="minor">
+          <a:schemeClr val="lt1"/>
+        </a:fontRef>
+      </dsp:style>
+      <dsp:txBody>
+        <a:bodyPr spcFirstLastPara="0" vert="horz" wrap="square" lIns="57150" tIns="57150" rIns="57150" bIns="57150" numCol="1" spcCol="1270" anchor="ctr" anchorCtr="0">
+          <a:noAutofit/>
+        </a:bodyPr>
+        <a:lstStyle/>
+        <a:p>
+          <a:pPr marL="0" lvl="0" indent="0" algn="ctr" defTabSz="666750">
+            <a:lnSpc>
+              <a:spcPct val="90000"/>
+            </a:lnSpc>
+            <a:spcBef>
+              <a:spcPct val="0"/>
+            </a:spcBef>
+            <a:spcAft>
+              <a:spcPct val="35000"/>
+            </a:spcAft>
+            <a:buNone/>
+          </a:pPr>
+          <a:r>
+            <a:rPr lang="en-GB" sz="1500" kern="1200" dirty="0">
+              <a:solidFill>
+                <a:schemeClr val="tx2"/>
+              </a:solidFill>
+            </a:rPr>
+            <a:t>Data visualisation </a:t>
+          </a:r>
+          <a:r>
+            <a:rPr lang="en-GB" sz="1500" kern="1200" dirty="0"/>
+            <a:t>for current user’s listening habits</a:t>
+          </a:r>
+          <a:endParaRPr lang="en-US" sz="1500" kern="1200" dirty="0"/>
+        </a:p>
+      </dsp:txBody>
+      <dsp:txXfrm>
+        <a:off x="4335065" y="2885165"/>
+        <a:ext cx="1970484" cy="1182290"/>
+      </dsp:txXfrm>
+    </dsp:sp>
+    <dsp:sp modelId="{CDED5CC5-1FD9-4D59-94B8-8977067B5AB5}">
+      <dsp:nvSpPr>
+        <dsp:cNvPr id="0" name=""/>
+        <dsp:cNvSpPr/>
+      </dsp:nvSpPr>
+      <dsp:spPr>
+        <a:xfrm>
+          <a:off x="0" y="4264504"/>
+          <a:ext cx="1970484" cy="1182290"/>
+        </a:xfrm>
+        <a:prstGeom prst="rect">
+          <a:avLst/>
+        </a:prstGeom>
+        <a:solidFill>
+          <a:schemeClr val="accent5">
+            <a:hueOff val="-4957835"/>
+            <a:satOff val="-14638"/>
+            <a:lumOff val="-20054"/>
+            <a:alphaOff val="0"/>
+          </a:schemeClr>
+        </a:solidFill>
+        <a:ln w="12700" cap="flat" cmpd="sng" algn="in">
+          <a:solidFill>
+            <a:schemeClr val="lt1">
+              <a:hueOff val="0"/>
+              <a:satOff val="0"/>
+              <a:lumOff val="0"/>
+              <a:alphaOff val="0"/>
+            </a:schemeClr>
+          </a:solidFill>
+          <a:prstDash val="solid"/>
+        </a:ln>
+        <a:effectLst/>
+      </dsp:spPr>
+      <dsp:style>
+        <a:lnRef idx="2">
+          <a:scrgbClr r="0" g="0" b="0"/>
+        </a:lnRef>
+        <a:fillRef idx="1">
+          <a:scrgbClr r="0" g="0" b="0"/>
+        </a:fillRef>
+        <a:effectRef idx="0">
+          <a:scrgbClr r="0" g="0" b="0"/>
+        </a:effectRef>
+        <a:fontRef idx="minor">
+          <a:schemeClr val="lt1"/>
+        </a:fontRef>
+      </dsp:style>
+      <dsp:txBody>
+        <a:bodyPr spcFirstLastPara="0" vert="horz" wrap="square" lIns="57150" tIns="57150" rIns="57150" bIns="57150" numCol="1" spcCol="1270" anchor="ctr" anchorCtr="0">
+          <a:noAutofit/>
+        </a:bodyPr>
+        <a:lstStyle/>
+        <a:p>
+          <a:pPr marL="0" lvl="0" indent="0" algn="ctr" defTabSz="666750">
+            <a:lnSpc>
+              <a:spcPct val="90000"/>
+            </a:lnSpc>
+            <a:spcBef>
+              <a:spcPct val="0"/>
+            </a:spcBef>
+            <a:spcAft>
+              <a:spcPct val="35000"/>
+            </a:spcAft>
+            <a:buNone/>
+          </a:pPr>
+          <a:r>
+            <a:rPr lang="en-GB" sz="1500" kern="1200" dirty="0"/>
+            <a:t>Share to social media</a:t>
+          </a:r>
+          <a:endParaRPr lang="en-US" sz="1500" kern="1200" dirty="0"/>
+        </a:p>
+      </dsp:txBody>
+      <dsp:txXfrm>
+        <a:off x="0" y="4264504"/>
+        <a:ext cx="1970484" cy="1182290"/>
+      </dsp:txXfrm>
+    </dsp:sp>
+    <dsp:sp modelId="{A43CEC53-AE83-4592-81F0-1723394BE16A}">
+      <dsp:nvSpPr>
+        <dsp:cNvPr id="0" name=""/>
+        <dsp:cNvSpPr/>
+      </dsp:nvSpPr>
+      <dsp:spPr>
+        <a:xfrm>
+          <a:off x="2167532" y="4264504"/>
+          <a:ext cx="1970484" cy="1182290"/>
+        </a:xfrm>
+        <a:prstGeom prst="rect">
+          <a:avLst/>
+        </a:prstGeom>
+        <a:solidFill>
+          <a:schemeClr val="accent5">
+            <a:hueOff val="-5508706"/>
+            <a:satOff val="-16265"/>
+            <a:lumOff val="-22282"/>
+            <a:alphaOff val="0"/>
+          </a:schemeClr>
+        </a:solidFill>
+        <a:ln w="12700" cap="flat" cmpd="sng" algn="in">
+          <a:solidFill>
+            <a:schemeClr val="lt1">
+              <a:hueOff val="0"/>
+              <a:satOff val="0"/>
+              <a:lumOff val="0"/>
+              <a:alphaOff val="0"/>
+            </a:schemeClr>
+          </a:solidFill>
+          <a:prstDash val="solid"/>
+        </a:ln>
+        <a:effectLst/>
+      </dsp:spPr>
+      <dsp:style>
+        <a:lnRef idx="2">
+          <a:scrgbClr r="0" g="0" b="0"/>
+        </a:lnRef>
+        <a:fillRef idx="1">
+          <a:scrgbClr r="0" g="0" b="0"/>
+        </a:fillRef>
+        <a:effectRef idx="0">
+          <a:scrgbClr r="0" g="0" b="0"/>
+        </a:effectRef>
+        <a:fontRef idx="minor">
+          <a:schemeClr val="lt1"/>
+        </a:fontRef>
+      </dsp:style>
+      <dsp:txBody>
+        <a:bodyPr spcFirstLastPara="0" vert="horz" wrap="square" lIns="57150" tIns="57150" rIns="57150" bIns="57150" numCol="1" spcCol="1270" anchor="ctr" anchorCtr="0">
+          <a:noAutofit/>
+        </a:bodyPr>
+        <a:lstStyle/>
+        <a:p>
+          <a:pPr marL="0" lvl="0" indent="0" algn="ctr" defTabSz="666750">
+            <a:lnSpc>
+              <a:spcPct val="90000"/>
+            </a:lnSpc>
+            <a:spcBef>
+              <a:spcPct val="0"/>
+            </a:spcBef>
+            <a:spcAft>
+              <a:spcPct val="35000"/>
+            </a:spcAft>
+            <a:buNone/>
+          </a:pPr>
+          <a:r>
+            <a:rPr lang="en-US" sz="1500" kern="1200" dirty="0"/>
+            <a:t>Implement AR UI</a:t>
+          </a:r>
+        </a:p>
+      </dsp:txBody>
+      <dsp:txXfrm>
+        <a:off x="2167532" y="4264504"/>
+        <a:ext cx="1970484" cy="1182290"/>
+      </dsp:txXfrm>
+    </dsp:sp>
+    <dsp:sp modelId="{6B6D51C8-B12C-4A78-8F9D-9EF7E36000AE}">
+      <dsp:nvSpPr>
+        <dsp:cNvPr id="0" name=""/>
+        <dsp:cNvSpPr/>
+      </dsp:nvSpPr>
+      <dsp:spPr>
+        <a:xfrm>
+          <a:off x="4335065" y="4264504"/>
+          <a:ext cx="1970484" cy="1182290"/>
+        </a:xfrm>
+        <a:prstGeom prst="rect">
+          <a:avLst/>
+        </a:prstGeom>
+        <a:solidFill>
+          <a:schemeClr val="accent5">
+            <a:hueOff val="-6059576"/>
+            <a:satOff val="-17891"/>
+            <a:lumOff val="-24510"/>
+            <a:alphaOff val="0"/>
+          </a:schemeClr>
+        </a:solidFill>
+        <a:ln w="12700" cap="flat" cmpd="sng" algn="in">
+          <a:solidFill>
+            <a:schemeClr val="lt1">
+              <a:hueOff val="0"/>
+              <a:satOff val="0"/>
+              <a:lumOff val="0"/>
+              <a:alphaOff val="0"/>
+            </a:schemeClr>
+          </a:solidFill>
+          <a:prstDash val="solid"/>
+        </a:ln>
+        <a:effectLst/>
+      </dsp:spPr>
+      <dsp:style>
+        <a:lnRef idx="2">
+          <a:scrgbClr r="0" g="0" b="0"/>
+        </a:lnRef>
+        <a:fillRef idx="1">
+          <a:scrgbClr r="0" g="0" b="0"/>
+        </a:fillRef>
+        <a:effectRef idx="0">
+          <a:scrgbClr r="0" g="0" b="0"/>
+        </a:effectRef>
+        <a:fontRef idx="minor">
+          <a:schemeClr val="lt1"/>
+        </a:fontRef>
+      </dsp:style>
+      <dsp:txBody>
+        <a:bodyPr spcFirstLastPara="0" vert="horz" wrap="square" lIns="57150" tIns="57150" rIns="57150" bIns="57150" numCol="1" spcCol="1270" anchor="ctr" anchorCtr="0">
+          <a:noAutofit/>
+        </a:bodyPr>
+        <a:lstStyle/>
+        <a:p>
+          <a:pPr marL="0" lvl="0" indent="0" algn="ctr" defTabSz="666750">
+            <a:lnSpc>
+              <a:spcPct val="90000"/>
+            </a:lnSpc>
+            <a:spcBef>
+              <a:spcPct val="0"/>
+            </a:spcBef>
+            <a:spcAft>
+              <a:spcPct val="35000"/>
+            </a:spcAft>
+            <a:buNone/>
+          </a:pPr>
+          <a:r>
+            <a:rPr lang="en-US" sz="1500" kern="1200" dirty="0"/>
+            <a:t>Use audio analysis endpoint for app graphics</a:t>
+          </a:r>
+        </a:p>
+      </dsp:txBody>
+      <dsp:txXfrm>
+        <a:off x="4335065" y="4264504"/>
+        <a:ext cx="1970484" cy="1182290"/>
+      </dsp:txXfrm>
+    </dsp:sp>
+  </dsp:spTree>
+</dsp:drawing>
+</file>
+
+<file path=ppt/diagrams/layout1.xml><?xml version="1.0" encoding="utf-8"?>
+<dgm:layoutDef xmlns:dgm="http://schemas.openxmlformats.org/drawingml/2006/diagram" xmlns:a="http://schemas.openxmlformats.org/drawingml/2006/main" uniqueId="urn:microsoft.com/office/officeart/2005/8/layout/chevron1">
+  <dgm:title val=""/>
+  <dgm:desc val=""/>
+  <dgm:catLst>
+    <dgm:cat type="process" pri="9000"/>
+  </dgm:catLst>
+  <dgm:sampData useDef="1">
+    <dgm:dataModel>
+      <dgm:ptLst/>
+      <dgm:bg/>
+      <dgm:whole/>
+    </dgm:dataModel>
+  </dgm:sampData>
+  <dgm:styleData>
+    <dgm:dataModel>
+      <dgm:ptLst>
+        <dgm:pt modelId="0" type="doc"/>
+        <dgm:pt modelId="1"/>
+        <dgm:pt modelId="2"/>
+      </dgm:ptLst>
+      <dgm:cxnLst>
+        <dgm:cxn modelId="3" srcId="0" destId="1" srcOrd="0" destOrd="0"/>
+        <dgm:cxn modelId="4" srcId="0" destId="2" srcOrd="1" destOrd="0"/>
+      </dgm:cxnLst>
+      <dgm:bg/>
+      <dgm:whole/>
+    </dgm:dataModel>
+  </dgm:styleData>
+  <dgm:clrData>
+    <dgm:dataModel>
+      <dgm:ptLst>
+        <dgm:pt modelId="0" type="doc"/>
+        <dgm:pt modelId="1"/>
+        <dgm:pt modelId="2"/>
+        <dgm:pt modelId="3"/>
+        <dgm:pt modelId="4"/>
+      </dgm:ptLst>
+      <dgm:cxnLst>
+        <dgm:cxn modelId="5" srcId="0" destId="1" srcOrd="0" destOrd="0"/>
+        <dgm:cxn modelId="6" srcId="0" destId="2" srcOrd="1" destOrd="0"/>
+        <dgm:cxn modelId="7" srcId="0" destId="3" srcOrd="2" destOrd="0"/>
+        <dgm:cxn modelId="8" srcId="0" destId="4" srcOrd="3" destOrd="0"/>
+      </dgm:cxnLst>
+      <dgm:bg/>
+      <dgm:whole/>
+    </dgm:dataModel>
+  </dgm:clrData>
+  <dgm:layoutNode name="Name0">
+    <dgm:varLst>
+      <dgm:dir/>
+      <dgm:animLvl val="lvl"/>
+      <dgm:resizeHandles val="exact"/>
+    </dgm:varLst>
+    <dgm:choose name="Name1">
+      <dgm:if name="Name2" func="var" arg="dir" op="equ" val="norm">
+        <dgm:alg type="lin"/>
+      </dgm:if>
+      <dgm:else name="Name3">
+        <dgm:alg type="lin">
+          <dgm:param type="linDir" val="fromR"/>
+        </dgm:alg>
+      </dgm:else>
+    </dgm:choose>
+    <dgm:shape xmlns:r="http://schemas.openxmlformats.org/officeDocument/2006/relationships" r:blip="">
+      <dgm:adjLst/>
+    </dgm:shape>
+    <dgm:presOf/>
+    <dgm:choose name="Name4">
+      <dgm:if name="Name5" axis="des" func="maxDepth" op="gte" val="2">
+        <dgm:constrLst>
+          <dgm:constr type="h" for="ch" forName="composite" refType="h"/>
+          <dgm:constr type="w" for="ch" forName="composite" refType="w"/>
+          <dgm:constr type="w" for="des" forName="parTx"/>
+          <dgm:constr type="h" for="des" forName="parTx" op="equ"/>
+          <dgm:constr type="w" for="des" forName="desTx"/>
+          <dgm:constr type="h" for="des" forName="desTx" op="equ"/>
+          <dgm:constr type="primFontSz" for="des" forName="parTx" val="65"/>
+          <dgm:constr type="secFontSz" for="des" forName="desTx" refType="primFontSz" refFor="des" refForName="parTx" op="equ"/>
+          <dgm:constr type="h" for="des" forName="parTx" refType="primFontSz" refFor="des" refForName="parTx" fact="1.5"/>
+          <dgm:constr type="h" for="des" forName="desTx" refType="primFontSz" refFor="des" refForName="parTx" fact="0.5"/>
+          <dgm:constr type="w" for="ch" forName="space" op="equ" val="-6"/>
+        </dgm:constrLst>
+        <dgm:ruleLst>
+          <dgm:rule type="w" for="ch" forName="composite" val="0" fact="NaN" max="NaN"/>
+          <dgm:rule type="primFontSz" for="des" forName="parTx" val="5" fact="NaN" max="NaN"/>
+        </dgm:ruleLst>
+        <dgm:forEach name="Name6" axis="ch" ptType="node">
+          <dgm:layoutNode name="composite">
+            <dgm:alg type="composite"/>
+            <dgm:shape xmlns:r="http://schemas.openxmlformats.org/officeDocument/2006/relationships" r:blip="">
+              <dgm:adjLst/>
+            </dgm:shape>
+            <dgm:presOf/>
+            <dgm:choose name="Name7">
+              <dgm:if name="Name8" func="var" arg="dir" op="equ" val="norm">
+                <dgm:constrLst>
+                  <dgm:constr type="l" for="ch" forName="parTx"/>
+                  <dgm:constr type="w" for="ch" forName="parTx" refType="w"/>
+                  <dgm:constr type="t" for="ch" forName="parTx"/>
+                  <dgm:constr type="l" for="ch" forName="desTx"/>
+                  <dgm:constr type="w" for="ch" forName="desTx" refType="w" refFor="ch" refForName="parTx" fact="0.8"/>
+                  <dgm:constr type="t" for="ch" forName="desTx" refType="h" refFor="ch" refForName="parTx" fact="1.125"/>
+                </dgm:constrLst>
+              </dgm:if>
+              <dgm:else name="Name9">
+                <dgm:constrLst>
+                  <dgm:constr type="l" for="ch" forName="parTx"/>
+                  <dgm:constr type="w" for="ch" forName="parTx" refType="w"/>
+                  <dgm:constr type="t" for="ch" forName="parTx"/>
+                  <dgm:constr type="l" for="ch" forName="desTx" refType="w" fact="0.2"/>
+                  <dgm:constr type="w" for="ch" forName="desTx" refType="w" refFor="ch" refForName="parTx" fact="0.8"/>
+                  <dgm:constr type="t" for="ch" forName="desTx" refType="h" refFor="ch" refForName="parTx" fact="1.125"/>
+                </dgm:constrLst>
+              </dgm:else>
+            </dgm:choose>
+            <dgm:ruleLst>
+              <dgm:rule type="h" val="INF" fact="NaN" max="NaN"/>
+            </dgm:ruleLst>
+            <dgm:layoutNode name="parTx">
+              <dgm:varLst>
+                <dgm:chMax val="0"/>
+                <dgm:chPref val="0"/>
+                <dgm:bulletEnabled val="1"/>
+              </dgm:varLst>
+              <dgm:alg type="tx"/>
+              <dgm:choose name="Name10">
+                <dgm:if name="Name11" func="var" arg="dir" op="equ" val="norm">
+                  <dgm:shape xmlns:r="http://schemas.openxmlformats.org/officeDocument/2006/relationships" type="chevron" r:blip="">
+                    <dgm:adjLst/>
+                  </dgm:shape>
+                </dgm:if>
+                <dgm:else name="Name12">
+                  <dgm:shape xmlns:r="http://schemas.openxmlformats.org/officeDocument/2006/relationships" rot="180" type="chevron" r:blip="">
+                    <dgm:adjLst/>
+                  </dgm:shape>
+                </dgm:else>
+              </dgm:choose>
+              <dgm:presOf axis="self" ptType="node"/>
+              <dgm:choose name="Name13">
+                <dgm:if name="Name14" func="var" arg="dir" op="equ" val="norm">
+                  <dgm:constrLst>
+                    <dgm:constr type="h" refType="w" op="lte" fact="0.4"/>
+                    <dgm:constr type="h"/>
+                    <dgm:constr type="tMarg" refType="primFontSz" fact="0.105"/>
+                    <dgm:constr type="bMarg" refType="primFontSz" fact="0.105"/>
+                    <dgm:constr type="lMarg" refType="primFontSz" fact="0.315"/>
+                    <dgm:constr type="rMarg" refType="primFontSz" fact="0.105"/>
+                  </dgm:constrLst>
+                </dgm:if>
+                <dgm:else name="Name15">
+                  <dgm:constrLst>
+                    <dgm:constr type="h" refType="w" op="lte" fact="0.4"/>
+                    <dgm:constr type="h"/>
+                    <dgm:constr type="tMarg" refType="primFontSz" fact="0.105"/>
+                    <dgm:constr type="bMarg" refType="primFontSz" fact="0.105"/>
+                    <dgm:constr type="lMarg" refType="primFontSz" fact="0.105"/>
+                    <dgm:constr type="rMarg" refType="primFontSz" fact="0.315"/>
+                  </dgm:constrLst>
+                </dgm:else>
+              </dgm:choose>
+              <dgm:ruleLst>
+                <dgm:rule type="h" val="INF" fact="NaN" max="NaN"/>
+              </dgm:ruleLst>
+            </dgm:layoutNode>
+            <dgm:layoutNode name="desTx" styleLbl="revTx">
+              <dgm:varLst>
+                <dgm:bulletEnabled val="1"/>
+              </dgm:varLst>
+              <dgm:alg type="tx">
+                <dgm:param type="stBulletLvl" val="1"/>
+              </dgm:alg>
+              <dgm:choose name="Name16">
+                <dgm:if name="Name17" axis="ch" ptType="node" func="cnt" op="gte" val="1">
+                  <dgm:shape xmlns:r="http://schemas.openxmlformats.org/officeDocument/2006/relationships" type="rect" r:blip="">
+                    <dgm:adjLst/>
+                  </dgm:shape>
+                </dgm:if>
+                <dgm:else name="Name18">
+                  <dgm:shape xmlns:r="http://schemas.openxmlformats.org/officeDocument/2006/relationships" type="rect" r:blip="" hideGeom="1">
+                    <dgm:adjLst/>
+                  </dgm:shape>
+                </dgm:else>
+              </dgm:choose>
+              <dgm:presOf axis="des" ptType="node"/>
+              <dgm:constrLst>
+                <dgm:constr type="secFontSz" val="65"/>
+                <dgm:constr type="primFontSz" refType="secFontSz"/>
+                <dgm:constr type="h"/>
+                <dgm:constr type="tMarg"/>
+                <dgm:constr type="bMarg"/>
+                <dgm:constr type="rMarg"/>
+                <dgm:constr type="lMarg"/>
+              </dgm:constrLst>
+              <dgm:ruleLst>
+                <dgm:rule type="h" val="INF" fact="NaN" max="NaN"/>
+              </dgm:ruleLst>
+            </dgm:layoutNode>
+          </dgm:layoutNode>
+          <dgm:forEach name="Name19" axis="followSib" ptType="sibTrans" cnt="1">
+            <dgm:layoutNode name="space">
+              <dgm:alg type="sp"/>
+              <dgm:shape xmlns:r="http://schemas.openxmlformats.org/officeDocument/2006/relationships" r:blip="">
+                <dgm:adjLst/>
+              </dgm:shape>
+              <dgm:presOf/>
+              <dgm:constrLst/>
+              <dgm:ruleLst/>
+            </dgm:layoutNode>
+          </dgm:forEach>
+        </dgm:forEach>
+      </dgm:if>
+      <dgm:else name="Name20">
+        <dgm:constrLst>
+          <dgm:constr type="w" for="ch" forName="parTxOnly" refType="w"/>
+          <dgm:constr type="h" for="des" forName="parTxOnly" op="equ"/>
+          <dgm:constr type="primFontSz" for="des" forName="parTxOnly" op="equ" val="65"/>
+          <dgm:constr type="w" for="ch" forName="parTxOnlySpace" refType="w" refFor="ch" refForName="parTxOnly" fact="-0.1"/>
+        </dgm:constrLst>
+        <dgm:ruleLst/>
+        <dgm:forEach name="Name21" axis="ch" ptType="node">
+          <dgm:layoutNode name="parTxOnly">
+            <dgm:varLst>
+              <dgm:chMax val="0"/>
+              <dgm:chPref val="0"/>
+              <dgm:bulletEnabled val="1"/>
+            </dgm:varLst>
+            <dgm:alg type="tx"/>
+            <dgm:choose name="Name22">
+              <dgm:if name="Name23" func="var" arg="dir" op="equ" val="norm">
+                <dgm:shape xmlns:r="http://schemas.openxmlformats.org/officeDocument/2006/relationships" type="chevron" r:blip="">
+                  <dgm:adjLst/>
+                </dgm:shape>
+              </dgm:if>
+              <dgm:else name="Name24">
+                <dgm:shape xmlns:r="http://schemas.openxmlformats.org/officeDocument/2006/relationships" rot="180" type="chevron" r:blip="">
+                  <dgm:adjLst/>
+                </dgm:shape>
+              </dgm:else>
+            </dgm:choose>
+            <dgm:presOf axis="self" ptType="node"/>
+            <dgm:choose name="Name25">
+              <dgm:if name="Name26" func="var" arg="dir" op="equ" val="norm">
+                <dgm:constrLst>
+                  <dgm:constr type="h" refType="w" op="equ" fact="0.4"/>
+                  <dgm:constr type="tMarg" refType="primFontSz" fact="0.105"/>
+                  <dgm:constr type="bMarg" refType="primFontSz" fact="0.105"/>
+                  <dgm:constr type="lMarg" refType="primFontSz" fact="0.315"/>
+                  <dgm:constr type="rMarg" refType="primFontSz" fact="0.105"/>
+                </dgm:constrLst>
+              </dgm:if>
+              <dgm:else name="Name27">
+                <dgm:constrLst>
+                  <dgm:constr type="h" refType="w" op="equ" fact="0.4"/>
+                  <dgm:constr type="tMarg" refType="primFontSz" fact="0.105"/>
+                  <dgm:constr type="bMarg" refType="primFontSz" fact="0.105"/>
+                  <dgm:constr type="lMarg" refType="primFontSz" fact="0.105"/>
+                  <dgm:constr type="rMarg" refType="primFontSz" fact="0.315"/>
+                </dgm:constrLst>
+              </dgm:else>
+            </dgm:choose>
+            <dgm:ruleLst>
+              <dgm:rule type="primFontSz" val="5" fact="NaN" max="NaN"/>
+            </dgm:ruleLst>
+          </dgm:layoutNode>
+          <dgm:forEach name="Name28" axis="followSib" ptType="sibTrans" cnt="1">
+            <dgm:layoutNode name="parTxOnlySpace">
+              <dgm:alg type="sp"/>
+              <dgm:shape xmlns:r="http://schemas.openxmlformats.org/officeDocument/2006/relationships" r:blip="">
+                <dgm:adjLst/>
+              </dgm:shape>
+              <dgm:presOf/>
+              <dgm:constrLst/>
+              <dgm:ruleLst/>
+            </dgm:layoutNode>
+          </dgm:forEach>
+        </dgm:forEach>
+      </dgm:else>
+    </dgm:choose>
+  </dgm:layoutNode>
+</dgm:layoutDef>
+</file>
+
+<file path=ppt/diagrams/layout2.xml><?xml version="1.0" encoding="utf-8"?>
+<dgm:layoutDef xmlns:dgm="http://schemas.openxmlformats.org/drawingml/2006/diagram" xmlns:a="http://schemas.openxmlformats.org/drawingml/2006/main" uniqueId="urn:microsoft.com/office/officeart/2005/8/layout/default">
+  <dgm:title val=""/>
+  <dgm:desc val=""/>
+  <dgm:catLst>
+    <dgm:cat type="list" pri="400"/>
+  </dgm:catLst>
+  <dgm:sampData>
+    <dgm:dataModel>
+      <dgm:ptLst>
+        <dgm:pt modelId="0" type="doc"/>
+        <dgm:pt modelId="1">
+          <dgm:prSet phldr="1"/>
+        </dgm:pt>
+        <dgm:pt modelId="2">
+          <dgm:prSet phldr="1"/>
+        </dgm:pt>
+        <dgm:pt modelId="3">
+          <dgm:prSet phldr="1"/>
+        </dgm:pt>
+        <dgm:pt modelId="4">
+          <dgm:prSet phldr="1"/>
+        </dgm:pt>
+        <dgm:pt modelId="5">
+          <dgm:prSet phldr="1"/>
+        </dgm:pt>
+      </dgm:ptLst>
+      <dgm:cxnLst>
+        <dgm:cxn modelId="6" srcId="0" destId="1" srcOrd="0" destOrd="0"/>
+        <dgm:cxn modelId="7" srcId="0" destId="2" srcOrd="1" destOrd="0"/>
+        <dgm:cxn modelId="8" srcId="0" destId="3" srcOrd="2" destOrd="0"/>
+        <dgm:cxn modelId="9" srcId="0" destId="4" srcOrd="3" destOrd="0"/>
+        <dgm:cxn modelId="10" srcId="0" destId="5" srcOrd="4" destOrd="0"/>
+      </dgm:cxnLst>
+      <dgm:bg/>
+      <dgm:whole/>
+    </dgm:dataModel>
+  </dgm:sampData>
+  <dgm:styleData>
+    <dgm:dataModel>
+      <dgm:ptLst>
+        <dgm:pt modelId="0" type="doc"/>
+        <dgm:pt modelId="1"/>
+        <dgm:pt modelId="2"/>
+      </dgm:ptLst>
+      <dgm:cxnLst>
+        <dgm:cxn modelId="3" srcId="0" destId="1" srcOrd="0" destOrd="0"/>
+        <dgm:cxn modelId="4" srcId="0" destId="2" srcOrd="1" destOrd="0"/>
+      </dgm:cxnLst>
+      <dgm:bg/>
+      <dgm:whole/>
+    </dgm:dataModel>
+  </dgm:styleData>
+  <dgm:clrData>
+    <dgm:dataModel>
+      <dgm:ptLst>
+        <dgm:pt modelId="0" type="doc"/>
+        <dgm:pt modelId="1"/>
+        <dgm:pt modelId="2"/>
+        <dgm:pt modelId="3"/>
+        <dgm:pt modelId="4"/>
+        <dgm:pt modelId="5"/>
+        <dgm:pt modelId="6"/>
+      </dgm:ptLst>
+      <dgm:cxnLst>
+        <dgm:cxn modelId="7" srcId="0" destId="1" srcOrd="0" destOrd="0"/>
+        <dgm:cxn modelId="8" srcId="0" destId="2" srcOrd="1" destOrd="0"/>
+        <dgm:cxn modelId="9" srcId="0" destId="3" srcOrd="2" destOrd="0"/>
+        <dgm:cxn modelId="10" srcId="0" destId="4" srcOrd="3" destOrd="0"/>
+        <dgm:cxn modelId="11" srcId="0" destId="5" srcOrd="4" destOrd="0"/>
+        <dgm:cxn modelId="12" srcId="0" destId="6" srcOrd="5" destOrd="0"/>
+      </dgm:cxnLst>
+      <dgm:bg/>
+      <dgm:whole/>
+    </dgm:dataModel>
+  </dgm:clrData>
+  <dgm:layoutNode name="diagram">
+    <dgm:varLst>
+      <dgm:dir/>
+      <dgm:resizeHandles val="exact"/>
+    </dgm:varLst>
+    <dgm:choose name="Name0">
+      <dgm:if name="Name1" func="var" arg="dir" op="equ" val="norm">
+        <dgm:alg type="snake">
+          <dgm:param type="grDir" val="tL"/>
+          <dgm:param type="flowDir" val="row"/>
+          <dgm:param type="contDir" val="sameDir"/>
+          <dgm:param type="off" val="ctr"/>
+        </dgm:alg>
+      </dgm:if>
+      <dgm:else name="Name2">
+        <dgm:alg type="snake">
+          <dgm:param type="grDir" val="tR"/>
+          <dgm:param type="flowDir" val="row"/>
+          <dgm:param type="contDir" val="sameDir"/>
+          <dgm:param type="off" val="ctr"/>
+        </dgm:alg>
+      </dgm:else>
+    </dgm:choose>
+    <dgm:shape xmlns:r="http://schemas.openxmlformats.org/officeDocument/2006/relationships" r:blip="">
+      <dgm:adjLst/>
+    </dgm:shape>
+    <dgm:presOf/>
+    <dgm:constrLst>
+      <dgm:constr type="w" for="ch" forName="node" refType="w"/>
+      <dgm:constr type="h" for="ch" forName="node" refType="w" refFor="ch" refForName="node" fact="0.6"/>
+      <dgm:constr type="w" for="ch" forName="sibTrans" refType="w" refFor="ch" refForName="node" fact="0.1"/>
+      <dgm:constr type="sp" refType="w" refFor="ch" refForName="sibTrans"/>
+      <dgm:constr type="primFontSz" for="ch" forName="node" op="equ" val="65"/>
+    </dgm:constrLst>
+    <dgm:ruleLst/>
+    <dgm:forEach name="Name3" axis="ch" ptType="node">
+      <dgm:layoutNode name="node">
+        <dgm:varLst>
+          <dgm:bulletEnabled val="1"/>
+        </dgm:varLst>
+        <dgm:alg type="tx"/>
+        <dgm:shape xmlns:r="http://schemas.openxmlformats.org/officeDocument/2006/relationships" type="rect" r:blip="">
+          <dgm:adjLst/>
+        </dgm:shape>
+        <dgm:presOf axis="desOrSelf" ptType="node"/>
+        <dgm:constrLst>
+          <dgm:constr type="lMarg" refType="primFontSz" fact="0.3"/>
+          <dgm:constr type="rMarg" refType="primFontSz" fact="0.3"/>
+          <dgm:constr type="tMarg" refType="primFontSz" fact="0.3"/>
+          <dgm:constr type="bMarg" refType="primFontSz" fact="0.3"/>
+        </dgm:constrLst>
+        <dgm:ruleLst>
+          <dgm:rule type="primFontSz" val="5" fact="NaN" max="NaN"/>
+        </dgm:ruleLst>
+      </dgm:layoutNode>
+      <dgm:forEach name="Name4" axis="followSib" ptType="sibTrans" cnt="1">
+        <dgm:layoutNode name="sibTrans">
+          <dgm:alg type="sp"/>
+          <dgm:shape xmlns:r="http://schemas.openxmlformats.org/officeDocument/2006/relationships" r:blip="">
+            <dgm:adjLst/>
+          </dgm:shape>
+          <dgm:presOf/>
+          <dgm:constrLst/>
+          <dgm:ruleLst/>
+        </dgm:layoutNode>
+      </dgm:forEach>
+    </dgm:forEach>
+  </dgm:layoutNode>
+</dgm:layoutDef>
+</file>
+
+<file path=ppt/diagrams/quickStyle1.xml><?xml version="1.0" encoding="utf-8"?>
+<dgm:styleDef xmlns:dgm="http://schemas.openxmlformats.org/drawingml/2006/diagram" xmlns:a="http://schemas.openxmlformats.org/drawingml/2006/main" uniqueId="urn:microsoft.com/office/officeart/2005/8/quickstyle/simple1">
+  <dgm:title val=""/>
+  <dgm:desc val=""/>
+  <dgm:catLst>
+    <dgm:cat type="simple" pri="10100"/>
+  </dgm:catLst>
+  <dgm:scene3d>
+    <a:camera prst="orthographicFront"/>
+    <a:lightRig rig="threePt" dir="t"/>
+  </dgm:scene3d>
+  <dgm:styleLbl name="node0">
+    <dgm:scene3d>
+      <a:camera prst="orthographicFront"/>
+      <a:lightRig rig="threePt" dir="t"/>
+    </dgm:scene3d>
+    <dgm:sp3d/>
+    <dgm:txPr/>
+    <dgm:style>
+      <a:lnRef idx="2">
+        <a:scrgbClr r="0" g="0" b="0"/>
+      </a:lnRef>
+      <a:fillRef idx="1">
+        <a:scrgbClr r="0" g="0" b="0"/>
+      </a:fillRef>
+      <a:effectRef idx="0">
+        <a:scrgbClr r="0" g="0" b="0"/>
+      </a:effectRef>
+      <a:fontRef idx="minor">
+        <a:schemeClr val="lt1"/>
+      </a:fontRef>
+    </dgm:style>
+  </dgm:styleLbl>
+  <dgm:styleLbl name="lnNode1">
+    <dgm:scene3d>
+      <a:camera prst="orthographicFront"/>
+      <a:lightRig rig="threePt" dir="t"/>
+    </dgm:scene3d>
+    <dgm:sp3d/>
+    <dgm:txPr/>
+    <dgm:style>
+      <a:lnRef idx="2">
+        <a:scrgbClr r="0" g="0" b="0"/>
+      </a:lnRef>
+      <a:fillRef idx="1">
+        <a:scrgbClr r="0" g="0" b="0"/>
+      </a:fillRef>
+      <a:effectRef idx="0">
+        <a:scrgbClr r="0" g="0" b="0"/>
+      </a:effectRef>
+      <a:fontRef idx="minor">
+        <a:schemeClr val="lt1"/>
+      </a:fontRef>
+    </dgm:style>
+  </dgm:styleLbl>
+  <dgm:styleLbl name="vennNode1">
+    <dgm:scene3d>
+      <a:camera prst="orthographicFront"/>
+      <a:lightRig rig="threePt" dir="t"/>
+    </dgm:scene3d>
+    <dgm:sp3d/>
+    <dgm:txPr/>
+    <dgm:style>
+      <a:lnRef idx="2">
+        <a:scrgbClr r="0" g="0" b="0"/>
+      </a:lnRef>
+      <a:fillRef idx="1">
+        <a:scrgbClr r="0" g="0" b="0"/>
+      </a:fillRef>
+      <a:effectRef idx="0">
+        <a:scrgbClr r="0" g="0" b="0"/>
+      </a:effectRef>
+      <a:fontRef idx="minor">
+        <a:schemeClr val="tx1"/>
+      </a:fontRef>
+    </dgm:style>
+  </dgm:styleLbl>
+  <dgm:styleLbl name="alignNode1">
+    <dgm:scene3d>
+      <a:camera prst="orthographicFront"/>
+      <a:lightRig rig="threePt" dir="t"/>
+    </dgm:scene3d>
+    <dgm:sp3d/>
+    <dgm:txPr/>
+    <dgm:style>
+      <a:lnRef idx="2">
+        <a:scrgbClr r="0" g="0" b="0"/>
+      </a:lnRef>
+      <a:fillRef idx="1">
+        <a:scrgbClr r="0" g="0" b="0"/>
+      </a:fillRef>
+      <a:effectRef idx="0">
+        <a:scrgbClr r="0" g="0" b="0"/>
+      </a:effectRef>
+      <a:fontRef idx="minor">
+        <a:schemeClr val="lt1"/>
+      </a:fontRef>
+    </dgm:style>
+  </dgm:styleLbl>
+  <dgm:styleLbl name="node1">
+    <dgm:scene3d>
+      <a:camera prst="orthographicFront"/>
+      <a:lightRig rig="threePt" dir="t"/>
+    </dgm:scene3d>
+    <dgm:sp3d/>
+    <dgm:txPr/>
+    <dgm:style>
+      <a:lnRef idx="2">
+        <a:scrgbClr r="0" g="0" b="0"/>
+      </a:lnRef>
+      <a:fillRef idx="1">
+        <a:scrgbClr r="0" g="0" b="0"/>
+      </a:fillRef>
+      <a:effectRef idx="0">
+        <a:scrgbClr r="0" g="0" b="0"/>
+      </a:effectRef>
+      <a:fontRef idx="minor">
+        <a:schemeClr val="lt1"/>
+      </a:fontRef>
+    </dgm:style>
+  </dgm:styleLbl>
+  <dgm:styleLbl name="node2">
+    <dgm:scene3d>
+      <a:camera prst="orthographicFront"/>
+      <a:lightRig rig="threePt" dir="t"/>
+    </dgm:scene3d>
+    <dgm:sp3d/>
+    <dgm:txPr/>
+    <dgm:style>
+      <a:lnRef idx="2">
+        <a:scrgbClr r="0" g="0" b="0"/>
+      </a:lnRef>
+      <a:fillRef idx="1">
+        <a:scrgbClr r="0" g="0" b="0"/>
+      </a:fillRef>
+      <a:effectRef idx="0">
+        <a:scrgbClr r="0" g="0" b="0"/>
+      </a:effectRef>
+      <a:fontRef idx="minor">
+        <a:schemeClr val="lt1"/>
+      </a:fontRef>
+    </dgm:style>
+  </dgm:styleLbl>
+  <dgm:styleLbl name="node3">
+    <dgm:scene3d>
+      <a:camera prst="orthographicFront"/>
+      <a:lightRig rig="threePt" dir="t"/>
+    </dgm:scene3d>
+    <dgm:sp3d/>
+    <dgm:txPr/>
+    <dgm:style>
+      <a:lnRef idx="2">
+        <a:scrgbClr r="0" g="0" b="0"/>
+      </a:lnRef>
+      <a:fillRef idx="1">
+        <a:scrgbClr r="0" g="0" b="0"/>
+      </a:fillRef>
+      <a:effectRef idx="0">
+        <a:scrgbClr r="0" g="0" b="0"/>
+      </a:effectRef>
+      <a:fontRef idx="minor">
+        <a:schemeClr val="lt1"/>
+      </a:fontRef>
+    </dgm:style>
+  </dgm:styleLbl>
+  <dgm:styleLbl name="node4">
+    <dgm:scene3d>
+      <a:camera prst="orthographicFront"/>
+      <a:lightRig rig="threePt" dir="t"/>
+    </dgm:scene3d>
+    <dgm:sp3d/>
+    <dgm:txPr/>
+    <dgm:style>
+      <a:lnRef idx="2">
+        <a:scrgbClr r="0" g="0" b="0"/>
+      </a:lnRef>
+      <a:fillRef idx="1">
+        <a:scrgbClr r="0" g="0" b="0"/>
+      </a:fillRef>
+      <a:effectRef idx="0">
+        <a:scrgbClr r="0" g="0" b="0"/>
+      </a:effectRef>
+      <a:fontRef idx="minor">
+        <a:schemeClr val="lt1"/>
+      </a:fontRef>
+    </dgm:style>
+  </dgm:styleLbl>
+  <dgm:styleLbl name="fgImgPlace1">
+    <dgm:scene3d>
+      <a:camera prst="orthographicFront"/>
+      <a:lightRig rig="threePt" dir="t"/>
+    </dgm:scene3d>
+    <dgm:sp3d/>
+    <dgm:txPr/>
+    <dgm:style>
+      <a:lnRef idx="2">
+        <a:scrgbClr r="0" g="0" b="0"/>
+      </a:lnRef>
+      <a:fillRef idx="1">
+        <a:scrgbClr r="0" g="0" b="0"/>
+      </a:fillRef>
+      <a:effectRef idx="0">
+        <a:scrgbClr r="0" g="0" b="0"/>
+      </a:effectRef>
+      <a:fontRef idx="minor"/>
+    </dgm:style>
+  </dgm:styleLbl>
+  <dgm:styleLbl name="alignImgPlace1">
+    <dgm:scene3d>
+      <a:camera prst="orthographicFront"/>
+      <a:lightRig rig="threePt" dir="t"/>
+    </dgm:scene3d>
+    <dgm:sp3d/>
+    <dgm:txPr/>
+    <dgm:style>
+      <a:lnRef idx="2">
+        <a:scrgbClr r="0" g="0" b="0"/>
+      </a:lnRef>
+      <a:fillRef idx="1">
+        <a:scrgbClr r="0" g="0" b="0"/>
+      </a:fillRef>
+      <a:effectRef idx="0">
+        <a:scrgbClr r="0" g="0" b="0"/>
+      </a:effectRef>
+      <a:fontRef idx="minor"/>
+    </dgm:style>
+  </dgm:styleLbl>
+  <dgm:styleLbl name="bgImgPlace1">
+    <dgm:scene3d>
+      <a:camera prst="orthographicFront"/>
+      <a:lightRig rig="threePt" dir="t"/>
+    </dgm:scene3d>
+    <dgm:sp3d/>
+    <dgm:txPr/>
+    <dgm:style>
+      <a:lnRef idx="2">
+        <a:scrgbClr r="0" g="0" b="0"/>
+      </a:lnRef>
+      <a:fillRef idx="1">
+        <a:scrgbClr r="0" g="0" b="0"/>
+      </a:fillRef>
+      <a:effectRef idx="0">
+        <a:scrgbClr r="0" g="0" b="0"/>
+      </a:effectRef>
+      <a:fontRef idx="minor"/>
+    </dgm:style>
+  </dgm:styleLbl>
+  <dgm:styleLbl name="sibTrans2D1">
+    <dgm:scene3d>
+      <a:camera prst="orthographicFront"/>
+      <a:lightRig rig="threePt" dir="t"/>
+    </dgm:scene3d>
+    <dgm:sp3d/>
+    <dgm:txPr/>
+    <dgm:style>
+      <a:lnRef idx="0">
+        <a:scrgbClr r="0" g="0" b="0"/>
+      </a:lnRef>
+      <a:fillRef idx="1">
+        <a:scrgbClr r="0" g="0" b="0"/>
+      </a:fillRef>
+      <a:effectRef idx="0">
+        <a:scrgbClr r="0" g="0" b="0"/>
+      </a:effectRef>
+      <a:fontRef idx="minor">
+        <a:schemeClr val="lt1"/>
+      </a:fontRef>
+    </dgm:style>
+  </dgm:styleLbl>
+  <dgm:styleLbl name="fgSibTrans2D1">
+    <dgm:scene3d>
+      <a:camera prst="orthographicFront"/>
+      <a:lightRig rig="threePt" dir="t"/>
+    </dgm:scene3d>
+    <dgm:sp3d/>
+    <dgm:txPr/>
+    <dgm:style>
+      <a:lnRef idx="0">
+        <a:scrgbClr r="0" g="0" b="0"/>
+      </a:lnRef>
+      <a:fillRef idx="1">
+        <a:scrgbClr r="0" g="0" b="0"/>
+      </a:fillRef>
+      <a:effectRef idx="0">
+        <a:scrgbClr r="0" g="0" b="0"/>
+      </a:effectRef>
+      <a:fontRef idx="minor">
+        <a:schemeClr val="lt1"/>
+      </a:fontRef>
+    </dgm:style>
+  </dgm:styleLbl>
+  <dgm:styleLbl name="bgSibTrans2D1">
+    <dgm:scene3d>
+      <a:camera prst="orthographicFront"/>
+      <a:lightRig rig="threePt" dir="t"/>
+    </dgm:scene3d>
+    <dgm:sp3d/>
+    <dgm:txPr/>
+    <dgm:style>
+      <a:lnRef idx="0">
+        <a:scrgbClr r="0" g="0" b="0"/>
+      </a:lnRef>
+      <a:fillRef idx="1">
+        <a:scrgbClr r="0" g="0" b="0"/>
+      </a:fillRef>
+      <a:effectRef idx="0">
+        <a:scrgbClr r="0" g="0" b="0"/>
+      </a:effectRef>
+      <a:fontRef idx="minor">
+        <a:schemeClr val="lt1"/>
+      </a:fontRef>
+    </dgm:style>
+  </dgm:styleLbl>
+  <dgm:styleLbl name="sibTrans1D1">
+    <dgm:scene3d>
+      <a:camera prst="orthographicFront"/>
+      <a:lightRig rig="threePt" dir="t"/>
+    </dgm:scene3d>
+    <dgm:sp3d/>
+    <dgm:txPr/>
+    <dgm:style>
+      <a:lnRef idx="1">
+        <a:scrgbClr r="0" g="0" b="0"/>
+      </a:lnRef>
+      <a:fillRef idx="0">
+        <a:scrgbClr r="0" g="0" b="0"/>
+      </a:fillRef>
+      <a:effectRef idx="0">
+        <a:scrgbClr r="0" g="0" b="0"/>
+      </a:effectRef>
+      <a:fontRef idx="minor"/>
+    </dgm:style>
+  </dgm:styleLbl>
+  <dgm:styleLbl name="callout">
+    <dgm:scene3d>
+      <a:camera prst="orthographicFront"/>
+      <a:lightRig rig="threePt" dir="t"/>
+    </dgm:scene3d>
+    <dgm:sp3d/>
+    <dgm:txPr/>
+    <dgm:style>
+      <a:lnRef idx="2">
+        <a:scrgbClr r="0" g="0" b="0"/>
+      </a:lnRef>
+      <a:fillRef idx="1">
+        <a:scrgbClr r="0" g="0" b="0"/>
+      </a:fillRef>
+      <a:effectRef idx="0">
+        <a:scrgbClr r="0" g="0" b="0"/>
+      </a:effectRef>
+      <a:fontRef idx="minor"/>
+    </dgm:style>
+  </dgm:styleLbl>
+  <dgm:styleLbl name="asst0">
+    <dgm:scene3d>
+      <a:camera prst="orthographicFront"/>
+      <a:lightRig rig="threePt" dir="t"/>
+    </dgm:scene3d>
+    <dgm:sp3d/>
+    <dgm:txPr/>
+    <dgm:style>
+      <a:lnRef idx="2">
+        <a:scrgbClr r="0" g="0" b="0"/>
+      </a:lnRef>
+      <a:fillRef idx="1">
+        <a:scrgbClr r="0" g="0" b="0"/>
+      </a:fillRef>
+      <a:effectRef idx="0">
+        <a:scrgbClr r="0" g="0" b="0"/>
+      </a:effectRef>
+      <a:fontRef idx="minor">
+        <a:schemeClr val="lt1"/>
+      </a:fontRef>
+    </dgm:style>
+  </dgm:styleLbl>
+  <dgm:styleLbl name="asst1">
+    <dgm:scene3d>
+      <a:camera prst="orthographicFront"/>
+      <a:lightRig rig="threePt" dir="t"/>
+    </dgm:scene3d>
+    <dgm:sp3d/>
+    <dgm:txPr/>
+    <dgm:style>
+      <a:lnRef idx="2">
+        <a:scrgbClr r="0" g="0" b="0"/>
+      </a:lnRef>
+      <a:fillRef idx="1">
+        <a:scrgbClr r="0" g="0" b="0"/>
+      </a:fillRef>
+      <a:effectRef idx="0">
+        <a:scrgbClr r="0" g="0" b="0"/>
+      </a:effectRef>
+      <a:fontRef idx="minor">
+        <a:schemeClr val="lt1"/>
+      </a:fontRef>
+    </dgm:style>
+  </dgm:styleLbl>
+  <dgm:styleLbl name="asst2">
+    <dgm:scene3d>
+      <a:camera prst="orthographicFront"/>
+      <a:lightRig rig="threePt" dir="t"/>
+    </dgm:scene3d>
+    <dgm:sp3d/>
+    <dgm:txPr/>
+    <dgm:style>
+      <a:lnRef idx="2">
+        <a:scrgbClr r="0" g="0" b="0"/>
+      </a:lnRef>
+      <a:fillRef idx="1">
+        <a:scrgbClr r="0" g="0" b="0"/>
+      </a:fillRef>
+      <a:effectRef idx="0">
+        <a:scrgbClr r="0" g="0" b="0"/>
+      </a:effectRef>
+      <a:fontRef idx="minor">
+        <a:schemeClr val="lt1"/>
+      </a:fontRef>
+    </dgm:style>
+  </dgm:styleLbl>
+  <dgm:styleLbl name="asst3">
+    <dgm:scene3d>
+      <a:camera prst="orthographicFront"/>
+      <a:lightRig rig="threePt" dir="t"/>
+    </dgm:scene3d>
+    <dgm:sp3d/>
+    <dgm:txPr/>
+    <dgm:style>
+      <a:lnRef idx="2">
+        <a:scrgbClr r="0" g="0" b="0"/>
+      </a:lnRef>
+      <a:fillRef idx="1">
+        <a:scrgbClr r="0" g="0" b="0"/>
+      </a:fillRef>
+      <a:effectRef idx="0">
+        <a:scrgbClr r="0" g="0" b="0"/>
+      </a:effectRef>
+      <a:fontRef idx="minor">
+        <a:schemeClr val="lt1"/>
+      </a:fontRef>
+    </dgm:style>
+  </dgm:styleLbl>
+  <dgm:styleLbl name="asst4">
+    <dgm:scene3d>
+      <a:camera prst="orthographicFront"/>
+      <a:lightRig rig="threePt" dir="t"/>
+    </dgm:scene3d>
+    <dgm:sp3d/>
+    <dgm:txPr/>
+    <dgm:style>
+      <a:lnRef idx="2">
+        <a:scrgbClr r="0" g="0" b="0"/>
+      </a:lnRef>
+      <a:fillRef idx="1">
+        <a:scrgbClr r="0" g="0" b="0"/>
+      </a:fillRef>
+      <a:effectRef idx="0">
+        <a:scrgbClr r="0" g="0" b="0"/>
+      </a:effectRef>
+      <a:fontRef idx="minor">
+        <a:schemeClr val="lt1"/>
+      </a:fontRef>
+    </dgm:style>
+  </dgm:styleLbl>
+  <dgm:styleLbl name="parChTrans2D1">
+    <dgm:scene3d>
+      <a:camera prst="orthographicFront"/>
+      <a:lightRig rig="threePt" dir="t"/>
+    </dgm:scene3d>
+    <dgm:sp3d/>
+    <dgm:txPr/>
+    <dgm:style>
+      <a:lnRef idx="2">
+        <a:scrgbClr r="0" g="0" b="0"/>
+      </a:lnRef>
+      <a:fillRef idx="1">
+        <a:scrgbClr r="0" g="0" b="0"/>
+      </a:fillRef>
+      <a:effectRef idx="0">
+        <a:scrgbClr r="0" g="0" b="0"/>
+      </a:effectRef>
+      <a:fontRef idx="minor">
+        <a:schemeClr val="lt1"/>
+      </a:fontRef>
+    </dgm:style>
+  </dgm:styleLbl>
+  <dgm:styleLbl name="parChTrans2D2">
+    <dgm:scene3d>
+      <a:camera prst="orthographicFront"/>
+      <a:lightRig rig="threePt" dir="t"/>
+    </dgm:scene3d>
+    <dgm:sp3d/>
+    <dgm:txPr/>
+    <dgm:style>
+      <a:lnRef idx="2">
+        <a:scrgbClr r="0" g="0" b="0"/>
+      </a:lnRef>
+      <a:fillRef idx="1">
+        <a:scrgbClr r="0" g="0" b="0"/>
+      </a:fillRef>
+      <a:effectRef idx="0">
+        <a:scrgbClr r="0" g="0" b="0"/>
+      </a:effectRef>
+      <a:fontRef idx="minor">
+        <a:schemeClr val="lt1"/>
+      </a:fontRef>
+    </dgm:style>
+  </dgm:styleLbl>
+  <dgm:styleLbl name="parChTrans2D3">
+    <dgm:scene3d>
+      <a:camera prst="orthographicFront"/>
+      <a:lightRig rig="threePt" dir="t"/>
+    </dgm:scene3d>
+    <dgm:sp3d/>
+    <dgm:txPr/>
+    <dgm:style>
+      <a:lnRef idx="2">
+        <a:scrgbClr r="0" g="0" b="0"/>
+      </a:lnRef>
+      <a:fillRef idx="1">
+        <a:scrgbClr r="0" g="0" b="0"/>
+      </a:fillRef>
+      <a:effectRef idx="0">
+        <a:scrgbClr r="0" g="0" b="0"/>
+      </a:effectRef>
+      <a:fontRef idx="minor">
+        <a:schemeClr val="lt1"/>
+      </a:fontRef>
+    </dgm:style>
+  </dgm:styleLbl>
+  <dgm:styleLbl name="parChTrans2D4">
+    <dgm:scene3d>
+      <a:camera prst="orthographicFront"/>
+      <a:lightRig rig="threePt" dir="t"/>
+    </dgm:scene3d>
+    <dgm:sp3d/>
+    <dgm:txPr/>
+    <dgm:style>
+      <a:lnRef idx="2">
+        <a:scrgbClr r="0" g="0" b="0"/>
+      </a:lnRef>
+      <a:fillRef idx="1">
+        <a:scrgbClr r="0" g="0" b="0"/>
+      </a:fillRef>
+      <a:effectRef idx="0">
+        <a:scrgbClr r="0" g="0" b="0"/>
+      </a:effectRef>
+      <a:fontRef idx="minor">
+        <a:schemeClr val="lt1"/>
+      </a:fontRef>
+    </dgm:style>
+  </dgm:styleLbl>
+  <dgm:styleLbl name="parChTrans1D1">
+    <dgm:scene3d>
+      <a:camera prst="orthographicFront"/>
+      <a:lightRig rig="threePt" dir="t"/>
+    </dgm:scene3d>
+    <dgm:sp3d/>
+    <dgm:txPr/>
+    <dgm:style>
+      <a:lnRef idx="2">
+        <a:scrgbClr r="0" g="0" b="0"/>
+      </a:lnRef>
+      <a:fillRef idx="0">
+        <a:scrgbClr r="0" g="0" b="0"/>
+      </a:fillRef>
+      <a:effectRef idx="0">
+        <a:scrgbClr r="0" g="0" b="0"/>
+      </a:effectRef>
+      <a:fontRef idx="minor"/>
+    </dgm:style>
+  </dgm:styleLbl>
+  <dgm:styleLbl name="parChTrans1D2">
+    <dgm:scene3d>
+      <a:camera prst="orthographicFront"/>
+      <a:lightRig rig="threePt" dir="t"/>
+    </dgm:scene3d>
+    <dgm:sp3d/>
+    <dgm:txPr/>
+    <dgm:style>
+      <a:lnRef idx="2">
+        <a:scrgbClr r="0" g="0" b="0"/>
+      </a:lnRef>
+      <a:fillRef idx="0">
+        <a:scrgbClr r="0" g="0" b="0"/>
+      </a:fillRef>
+      <a:effectRef idx="0">
+        <a:scrgbClr r="0" g="0" b="0"/>
+      </a:effectRef>
+      <a:fontRef idx="minor"/>
+    </dgm:style>
+  </dgm:styleLbl>
+  <dgm:styleLbl name="parChTrans1D3">
+    <dgm:scene3d>
+      <a:camera prst="orthographicFront"/>
+      <a:lightRig rig="threePt" dir="t"/>
+    </dgm:scene3d>
+    <dgm:sp3d/>
+    <dgm:txPr/>
+    <dgm:style>
+      <a:lnRef idx="2">
+        <a:scrgbClr r="0" g="0" b="0"/>
+      </a:lnRef>
+      <a:fillRef idx="0">
+        <a:scrgbClr r="0" g="0" b="0"/>
+      </a:fillRef>
+      <a:effectRef idx="0">
+        <a:scrgbClr r="0" g="0" b="0"/>
+      </a:effectRef>
+      <a:fontRef idx="minor"/>
+    </dgm:style>
+  </dgm:styleLbl>
+  <dgm:styleLbl name="parChTrans1D4">
+    <dgm:scene3d>
+      <a:camera prst="orthographicFront"/>
+      <a:lightRig rig="threePt" dir="t"/>
+    </dgm:scene3d>
+    <dgm:sp3d/>
+    <dgm:txPr/>
+    <dgm:style>
+      <a:lnRef idx="2">
+        <a:scrgbClr r="0" g="0" b="0"/>
+      </a:lnRef>
+      <a:fillRef idx="0">
+        <a:scrgbClr r="0" g="0" b="0"/>
+      </a:fillRef>
+      <a:effectRef idx="0">
+        <a:scrgbClr r="0" g="0" b="0"/>
+      </a:effectRef>
+      <a:fontRef idx="minor"/>
+    </dgm:style>
+  </dgm:styleLbl>
+  <dgm:styleLbl name="fgAcc1">
+    <dgm:scene3d>
+      <a:camera prst="orthographicFront"/>
+      <a:lightRig rig="threePt" dir="t"/>
+    </dgm:scene3d>
+    <dgm:sp3d/>
+    <dgm:txPr/>
+    <dgm:style>
+      <a:lnRef idx="2">
+        <a:scrgbClr r="0" g="0" b="0"/>
+      </a:lnRef>
+      <a:fillRef idx="1">
+        <a:scrgbClr r="0" g="0" b="0"/>
+      </a:fillRef>
+      <a:effectRef idx="0">
+        <a:scrgbClr r="0" g="0" b="0"/>
+      </a:effectRef>
+      <a:fontRef idx="minor"/>
+    </dgm:style>
+  </dgm:styleLbl>
+  <dgm:styleLbl name="conFgAcc1">
+    <dgm:scene3d>
+      <a:camera prst="orthographicFront"/>
+      <a:lightRig rig="threePt" dir="t"/>
+    </dgm:scene3d>
+    <dgm:sp3d/>
+    <dgm:txPr/>
+    <dgm:style>
+      <a:lnRef idx="2">
+        <a:scrgbClr r="0" g="0" b="0"/>
+      </a:lnRef>
+      <a:fillRef idx="1">
+        <a:scrgbClr r="0" g="0" b="0"/>
+      </a:fillRef>
+      <a:effectRef idx="0">
+        <a:scrgbClr r="0" g="0" b="0"/>
+      </a:effectRef>
+      <a:fontRef idx="minor"/>
+    </dgm:style>
+  </dgm:styleLbl>
+  <dgm:styleLbl name="alignAcc1">
+    <dgm:scene3d>
+      <a:camera prst="orthographicFront"/>
+      <a:lightRig rig="threePt" dir="t"/>
+    </dgm:scene3d>
+    <dgm:sp3d/>
+    <dgm:txPr/>
+    <dgm:style>
+      <a:lnRef idx="2">
+        <a:scrgbClr r="0" g="0" b="0"/>
+      </a:lnRef>
+      <a:fillRef idx="1">
+        <a:scrgbClr r="0" g="0" b="0"/>
+      </a:fillRef>
+      <a:effectRef idx="0">
+        <a:scrgbClr r="0" g="0" b="0"/>
+      </a:effectRef>
+      <a:fontRef idx="minor"/>
+    </dgm:style>
+  </dgm:styleLbl>
+  <dgm:styleLbl name="trAlignAcc1">
+    <dgm:scene3d>
+      <a:camera prst="orthographicFront"/>
+      <a:lightRig rig="threePt" dir="t"/>
+    </dgm:scene3d>
+    <dgm:sp3d/>
+    <dgm:txPr/>
+    <dgm:style>
+      <a:lnRef idx="1">
+        <a:scrgbClr r="0" g="0" b="0"/>
+      </a:lnRef>
+      <a:fillRef idx="1">
+        <a:scrgbClr r="0" g="0" b="0"/>
+      </a:fillRef>
+      <a:effectRef idx="0">
+        <a:scrgbClr r="0" g="0" b="0"/>
+      </a:effectRef>
+      <a:fontRef idx="minor"/>
+    </dgm:style>
+  </dgm:styleLbl>
+  <dgm:styleLbl name="bgAcc1">
+    <dgm:scene3d>
+      <a:camera prst="orthographicFront"/>
+      <a:lightRig rig="threePt" dir="t"/>
+    </dgm:scene3d>
+    <dgm:sp3d/>
+    <dgm:txPr/>
+    <dgm:style>
+      <a:lnRef idx="2">
+        <a:scrgbClr r="0" g="0" b="0"/>
+      </a:lnRef>
+      <a:fillRef idx="1">
+        <a:scrgbClr r="0" g="0" b="0"/>
+      </a:fillRef>
+      <a:effectRef idx="0">
+        <a:scrgbClr r="0" g="0" b="0"/>
+      </a:effectRef>
+      <a:fontRef idx="minor"/>
+    </dgm:style>
+  </dgm:styleLbl>
+  <dgm:styleLbl name="solidFgAcc1">
+    <dgm:scene3d>
+      <a:camera prst="orthographicFront"/>
+      <a:lightRig rig="threePt" dir="t"/>
+    </dgm:scene3d>
+    <dgm:sp3d/>
+    <dgm:txPr/>
+    <dgm:style>
+      <a:lnRef idx="2">
+        <a:scrgbClr r="0" g="0" b="0"/>
+      </a:lnRef>
+      <a:fillRef idx="1">
+        <a:scrgbClr r="0" g="0" b="0"/>
+      </a:fillRef>
+      <a:effectRef idx="0">
+        <a:scrgbClr r="0" g="0" b="0"/>
+      </a:effectRef>
+      <a:fontRef idx="minor"/>
+    </dgm:style>
+  </dgm:styleLbl>
+  <dgm:styleLbl name="solidAlignAcc1">
+    <dgm:scene3d>
+      <a:camera prst="orthographicFront"/>
+      <a:lightRig rig="threePt" dir="t"/>
+    </dgm:scene3d>
+    <dgm:sp3d/>
+    <dgm:txPr/>
+    <dgm:style>
+      <a:lnRef idx="2">
+        <a:scrgbClr r="0" g="0" b="0"/>
+      </a:lnRef>
+      <a:fillRef idx="1">
+        <a:scrgbClr r="0" g="0" b="0"/>
+      </a:fillRef>
+      <a:effectRef idx="0">
+        <a:scrgbClr r="0" g="0" b="0"/>
+      </a:effectRef>
+      <a:fontRef idx="minor"/>
+    </dgm:style>
+  </dgm:styleLbl>
+  <dgm:styleLbl name="solidBgAcc1">
+    <dgm:scene3d>
+      <a:camera prst="orthographicFront"/>
+      <a:lightRig rig="threePt" dir="t"/>
+    </dgm:scene3d>
+    <dgm:sp3d/>
+    <dgm:txPr/>
+    <dgm:style>
+      <a:lnRef idx="2">
+        <a:scrgbClr r="0" g="0" b="0"/>
+      </a:lnRef>
+      <a:fillRef idx="1">
+        <a:scrgbClr r="0" g="0" b="0"/>
+      </a:fillRef>
+      <a:effectRef idx="0">
+        <a:scrgbClr r="0" g="0" b="0"/>
+      </a:effectRef>
+      <a:fontRef idx="minor"/>
+    </dgm:style>
+  </dgm:styleLbl>
+  <dgm:styleLbl name="fgAccFollowNode1">
+    <dgm:scene3d>
+      <a:camera prst="orthographicFront"/>
+      <a:lightRig rig="threePt" dir="t"/>
+    </dgm:scene3d>
+    <dgm:sp3d/>
+    <dgm:txPr/>
+    <dgm:style>
+      <a:lnRef idx="2">
+        <a:scrgbClr r="0" g="0" b="0"/>
+      </a:lnRef>
+      <a:fillRef idx="1">
+        <a:scrgbClr r="0" g="0" b="0"/>
+      </a:fillRef>
+      <a:effectRef idx="0">
+        <a:scrgbClr r="0" g="0" b="0"/>
+      </a:effectRef>
+      <a:fontRef idx="minor"/>
+    </dgm:style>
+  </dgm:styleLbl>
+  <dgm:styleLbl name="alignAccFollowNode1">
+    <dgm:scene3d>
+      <a:camera prst="orthographicFront"/>
+      <a:lightRig rig="threePt" dir="t"/>
+    </dgm:scene3d>
+    <dgm:sp3d/>
+    <dgm:txPr/>
+    <dgm:style>
+      <a:lnRef idx="2">
+        <a:scrgbClr r="0" g="0" b="0"/>
+      </a:lnRef>
+      <a:fillRef idx="1">
+        <a:scrgbClr r="0" g="0" b="0"/>
+      </a:fillRef>
+      <a:effectRef idx="0">
+        <a:scrgbClr r="0" g="0" b="0"/>
+      </a:effectRef>
+      <a:fontRef idx="minor"/>
+    </dgm:style>
+  </dgm:styleLbl>
+  <dgm:styleLbl name="bgAccFollowNode1">
+    <dgm:scene3d>
+      <a:camera prst="orthographicFront"/>
+      <a:lightRig rig="threePt" dir="t"/>
+    </dgm:scene3d>
+    <dgm:sp3d/>
+    <dgm:txPr/>
+    <dgm:style>
+      <a:lnRef idx="2">
+        <a:scrgbClr r="0" g="0" b="0"/>
+      </a:lnRef>
+      <a:fillRef idx="1">
+        <a:scrgbClr r="0" g="0" b="0"/>
+      </a:fillRef>
+      <a:effectRef idx="0">
+        <a:scrgbClr r="0" g="0" b="0"/>
+      </a:effectRef>
+      <a:fontRef idx="minor"/>
+    </dgm:style>
+  </dgm:styleLbl>
+  <dgm:styleLbl name="fgAcc0">
+    <dgm:scene3d>
+      <a:camera prst="orthographicFront"/>
+      <a:lightRig rig="threePt" dir="t"/>
+    </dgm:scene3d>
+    <dgm:sp3d/>
+    <dgm:txPr/>
+    <dgm:style>
+      <a:lnRef idx="2">
+        <a:scrgbClr r="0" g="0" b="0"/>
+      </a:lnRef>
+      <a:fillRef idx="1">
+        <a:scrgbClr r="0" g="0" b="0"/>
+      </a:fillRef>
+      <a:effectRef idx="0">
+        <a:scrgbClr r="0" g="0" b="0"/>
+      </a:effectRef>
+      <a:fontRef idx="minor"/>
+    </dgm:style>
+  </dgm:styleLbl>
+  <dgm:styleLbl name="fgAcc2">
+    <dgm:scene3d>
+      <a:camera prst="orthographicFront"/>
+      <a:lightRig rig="threePt" dir="t"/>
+    </dgm:scene3d>
+    <dgm:sp3d/>
+    <dgm:txPr/>
+    <dgm:style>
+      <a:lnRef idx="2">
+        <a:scrgbClr r="0" g="0" b="0"/>
+      </a:lnRef>
+      <a:fillRef idx="1">
+        <a:scrgbClr r="0" g="0" b="0"/>
+      </a:fillRef>
+      <a:effectRef idx="0">
+        <a:scrgbClr r="0" g="0" b="0"/>
+      </a:effectRef>
+      <a:fontRef idx="minor"/>
+    </dgm:style>
+  </dgm:styleLbl>
+  <dgm:styleLbl name="fgAcc3">
+    <dgm:scene3d>
+      <a:camera prst="orthographicFront"/>
+      <a:lightRig rig="threePt" dir="t"/>
+    </dgm:scene3d>
+    <dgm:sp3d/>
+    <dgm:txPr/>
+    <dgm:style>
+      <a:lnRef idx="2">
+        <a:scrgbClr r="0" g="0" b="0"/>
+      </a:lnRef>
+      <a:fillRef idx="1">
+        <a:scrgbClr r="0" g="0" b="0"/>
+      </a:fillRef>
+      <a:effectRef idx="0">
+        <a:scrgbClr r="0" g="0" b="0"/>
+      </a:effectRef>
+      <a:fontRef idx="minor"/>
+    </dgm:style>
+  </dgm:styleLbl>
+  <dgm:styleLbl name="fgAcc4">
+    <dgm:scene3d>
+      <a:camera prst="orthographicFront"/>
+      <a:lightRig rig="threePt" dir="t"/>
+    </dgm:scene3d>
+    <dgm:sp3d/>
+    <dgm:txPr/>
+    <dgm:style>
+      <a:lnRef idx="2">
+        <a:scrgbClr r="0" g="0" b="0"/>
+      </a:lnRef>
+      <a:fillRef idx="1">
+        <a:scrgbClr r="0" g="0" b="0"/>
+      </a:fillRef>
+      <a:effectRef idx="0">
+        <a:scrgbClr r="0" g="0" b="0"/>
+      </a:effectRef>
+      <a:fontRef idx="minor"/>
+    </dgm:style>
+  </dgm:styleLbl>
+  <dgm:styleLbl name="bgShp">
+    <dgm:scene3d>
+      <a:camera prst="orthographicFront"/>
+      <a:lightRig rig="threePt" dir="t"/>
+    </dgm:scene3d>
+    <dgm:sp3d/>
+    <dgm:txPr/>
+    <dgm:style>
+      <a:lnRef idx="0">
+        <a:scrgbClr r="0" g="0" b="0"/>
+      </a:lnRef>
+      <a:fillRef idx="1">
+        <a:scrgbClr r="0" g="0" b="0"/>
+      </a:fillRef>
+      <a:effectRef idx="0">
+        <a:scrgbClr r="0" g="0" b="0"/>
+      </a:effectRef>
+      <a:fontRef idx="minor"/>
+    </dgm:style>
+  </dgm:styleLbl>
+  <dgm:styleLbl name="dkBgShp">
+    <dgm:scene3d>
+      <a:camera prst="orthographicFront"/>
+      <a:lightRig rig="threePt" dir="t"/>
+    </dgm:scene3d>
+    <dgm:sp3d/>
+    <dgm:txPr/>
+    <dgm:style>
+      <a:lnRef idx="0">
+        <a:scrgbClr r="0" g="0" b="0"/>
+      </a:lnRef>
+      <a:fillRef idx="1">
+        <a:scrgbClr r="0" g="0" b="0"/>
+      </a:fillRef>
+      <a:effectRef idx="0">
+        <a:scrgbClr r="0" g="0" b="0"/>
+      </a:effectRef>
+      <a:fontRef idx="minor"/>
+    </dgm:style>
+  </dgm:styleLbl>
+  <dgm:styleLbl name="trBgShp">
+    <dgm:scene3d>
+      <a:camera prst="orthographicFront"/>
+      <a:lightRig rig="threePt" dir="t"/>
+    </dgm:scene3d>
+    <dgm:sp3d/>
+    <dgm:txPr/>
+    <dgm:style>
+      <a:lnRef idx="0">
+        <a:scrgbClr r="0" g="0" b="0"/>
+      </a:lnRef>
+      <a:fillRef idx="1">
+        <a:scrgbClr r="0" g="0" b="0"/>
+      </a:fillRef>
+      <a:effectRef idx="0">
+        <a:scrgbClr r="0" g="0" b="0"/>
+      </a:effectRef>
+      <a:fontRef idx="minor"/>
+    </dgm:style>
+  </dgm:styleLbl>
+  <dgm:styleLbl name="fgShp">
+    <dgm:scene3d>
+      <a:camera prst="orthographicFront"/>
+      <a:lightRig rig="threePt" dir="t"/>
+    </dgm:scene3d>
+    <dgm:sp3d/>
+    <dgm:txPr/>
+    <dgm:style>
+      <a:lnRef idx="2">
+        <a:scrgbClr r="0" g="0" b="0"/>
+      </a:lnRef>
+      <a:fillRef idx="1">
+        <a:scrgbClr r="0" g="0" b="0"/>
+      </a:fillRef>
+      <a:effectRef idx="0">
+        <a:scrgbClr r="0" g="0" b="0"/>
+      </a:effectRef>
+      <a:fontRef idx="minor"/>
+    </dgm:style>
+  </dgm:styleLbl>
+  <dgm:styleLbl name="revTx">
+    <dgm:scene3d>
+      <a:camera prst="orthographicFront"/>
+      <a:lightRig rig="threePt" dir="t"/>
+    </dgm:scene3d>
+    <dgm:sp3d/>
+    <dgm:txPr/>
+    <dgm:style>
+      <a:lnRef idx="0">
+        <a:scrgbClr r="0" g="0" b="0"/>
+      </a:lnRef>
+      <a:fillRef idx="0">
+        <a:scrgbClr r="0" g="0" b="0"/>
+      </a:fillRef>
+      <a:effectRef idx="0">
+        <a:scrgbClr r="0" g="0" b="0"/>
+      </a:effectRef>
+      <a:fontRef idx="minor"/>
+    </dgm:style>
+  </dgm:styleLbl>
+</dgm:styleDef>
+</file>
+
+<file path=ppt/diagrams/quickStyle2.xml><?xml version="1.0" encoding="utf-8"?>
+<dgm:styleDef xmlns:dgm="http://schemas.openxmlformats.org/drawingml/2006/diagram" xmlns:a="http://schemas.openxmlformats.org/drawingml/2006/main" uniqueId="urn:microsoft.com/office/officeart/2005/8/quickstyle/simple1">
+  <dgm:title val=""/>
+  <dgm:desc val=""/>
+  <dgm:catLst>
+    <dgm:cat type="simple" pri="10100"/>
+  </dgm:catLst>
+  <dgm:scene3d>
+    <a:camera prst="orthographicFront"/>
+    <a:lightRig rig="threePt" dir="t"/>
+  </dgm:scene3d>
+  <dgm:styleLbl name="node0">
+    <dgm:scene3d>
+      <a:camera prst="orthographicFront"/>
+      <a:lightRig rig="threePt" dir="t"/>
+    </dgm:scene3d>
+    <dgm:sp3d/>
+    <dgm:txPr/>
+    <dgm:style>
+      <a:lnRef idx="2">
+        <a:scrgbClr r="0" g="0" b="0"/>
+      </a:lnRef>
+      <a:fillRef idx="1">
+        <a:scrgbClr r="0" g="0" b="0"/>
+      </a:fillRef>
+      <a:effectRef idx="0">
+        <a:scrgbClr r="0" g="0" b="0"/>
+      </a:effectRef>
+      <a:fontRef idx="minor">
+        <a:schemeClr val="lt1"/>
+      </a:fontRef>
+    </dgm:style>
+  </dgm:styleLbl>
+  <dgm:styleLbl name="lnNode1">
+    <dgm:scene3d>
+      <a:camera prst="orthographicFront"/>
+      <a:lightRig rig="threePt" dir="t"/>
+    </dgm:scene3d>
+    <dgm:sp3d/>
+    <dgm:txPr/>
+    <dgm:style>
+      <a:lnRef idx="2">
+        <a:scrgbClr r="0" g="0" b="0"/>
+      </a:lnRef>
+      <a:fillRef idx="1">
+        <a:scrgbClr r="0" g="0" b="0"/>
+      </a:fillRef>
+      <a:effectRef idx="0">
+        <a:scrgbClr r="0" g="0" b="0"/>
+      </a:effectRef>
+      <a:fontRef idx="minor">
+        <a:schemeClr val="lt1"/>
+      </a:fontRef>
+    </dgm:style>
+  </dgm:styleLbl>
+  <dgm:styleLbl name="vennNode1">
+    <dgm:scene3d>
+      <a:camera prst="orthographicFront"/>
+      <a:lightRig rig="threePt" dir="t"/>
+    </dgm:scene3d>
+    <dgm:sp3d/>
+    <dgm:txPr/>
+    <dgm:style>
+      <a:lnRef idx="2">
+        <a:scrgbClr r="0" g="0" b="0"/>
+      </a:lnRef>
+      <a:fillRef idx="1">
+        <a:scrgbClr r="0" g="0" b="0"/>
+      </a:fillRef>
+      <a:effectRef idx="0">
+        <a:scrgbClr r="0" g="0" b="0"/>
+      </a:effectRef>
+      <a:fontRef idx="minor">
+        <a:schemeClr val="tx1"/>
+      </a:fontRef>
+    </dgm:style>
+  </dgm:styleLbl>
+  <dgm:styleLbl name="alignNode1">
+    <dgm:scene3d>
+      <a:camera prst="orthographicFront"/>
+      <a:lightRig rig="threePt" dir="t"/>
+    </dgm:scene3d>
+    <dgm:sp3d/>
+    <dgm:txPr/>
+    <dgm:style>
+      <a:lnRef idx="2">
+        <a:scrgbClr r="0" g="0" b="0"/>
+      </a:lnRef>
+      <a:fillRef idx="1">
+        <a:scrgbClr r="0" g="0" b="0"/>
+      </a:fillRef>
+      <a:effectRef idx="0">
+        <a:scrgbClr r="0" g="0" b="0"/>
+      </a:effectRef>
+      <a:fontRef idx="minor">
+        <a:schemeClr val="lt1"/>
+      </a:fontRef>
+    </dgm:style>
+  </dgm:styleLbl>
+  <dgm:styleLbl name="node1">
+    <dgm:scene3d>
+      <a:camera prst="orthographicFront"/>
+      <a:lightRig rig="threePt" dir="t"/>
+    </dgm:scene3d>
+    <dgm:sp3d/>
+    <dgm:txPr/>
+    <dgm:style>
+      <a:lnRef idx="2">
+        <a:scrgbClr r="0" g="0" b="0"/>
+      </a:lnRef>
+      <a:fillRef idx="1">
+        <a:scrgbClr r="0" g="0" b="0"/>
+      </a:fillRef>
+      <a:effectRef idx="0">
+        <a:scrgbClr r="0" g="0" b="0"/>
+      </a:effectRef>
+      <a:fontRef idx="minor">
+        <a:schemeClr val="lt1"/>
+      </a:fontRef>
+    </dgm:style>
+  </dgm:styleLbl>
+  <dgm:styleLbl name="node2">
+    <dgm:scene3d>
+      <a:camera prst="orthographicFront"/>
+      <a:lightRig rig="threePt" dir="t"/>
+    </dgm:scene3d>
+    <dgm:sp3d/>
+    <dgm:txPr/>
+    <dgm:style>
+      <a:lnRef idx="2">
+        <a:scrgbClr r="0" g="0" b="0"/>
+      </a:lnRef>
+      <a:fillRef idx="1">
+        <a:scrgbClr r="0" g="0" b="0"/>
+      </a:fillRef>
+      <a:effectRef idx="0">
+        <a:scrgbClr r="0" g="0" b="0"/>
+      </a:effectRef>
+      <a:fontRef idx="minor">
+        <a:schemeClr val="lt1"/>
+      </a:fontRef>
+    </dgm:style>
+  </dgm:styleLbl>
+  <dgm:styleLbl name="node3">
+    <dgm:scene3d>
+      <a:camera prst="orthographicFront"/>
+      <a:lightRig rig="threePt" dir="t"/>
+    </dgm:scene3d>
+    <dgm:sp3d/>
+    <dgm:txPr/>
+    <dgm:style>
+      <a:lnRef idx="2">
+        <a:scrgbClr r="0" g="0" b="0"/>
+      </a:lnRef>
+      <a:fillRef idx="1">
+        <a:scrgbClr r="0" g="0" b="0"/>
+      </a:fillRef>
+      <a:effectRef idx="0">
+        <a:scrgbClr r="0" g="0" b="0"/>
+      </a:effectRef>
+      <a:fontRef idx="minor">
+        <a:schemeClr val="lt1"/>
+      </a:fontRef>
+    </dgm:style>
+  </dgm:styleLbl>
+  <dgm:styleLbl name="node4">
+    <dgm:scene3d>
+      <a:camera prst="orthographicFront"/>
+      <a:lightRig rig="threePt" dir="t"/>
+    </dgm:scene3d>
+    <dgm:sp3d/>
+    <dgm:txPr/>
+    <dgm:style>
+      <a:lnRef idx="2">
+        <a:scrgbClr r="0" g="0" b="0"/>
+      </a:lnRef>
+      <a:fillRef idx="1">
+        <a:scrgbClr r="0" g="0" b="0"/>
+      </a:fillRef>
+      <a:effectRef idx="0">
+        <a:scrgbClr r="0" g="0" b="0"/>
+      </a:effectRef>
+      <a:fontRef idx="minor">
+        <a:schemeClr val="lt1"/>
+      </a:fontRef>
+    </dgm:style>
+  </dgm:styleLbl>
+  <dgm:styleLbl name="fgImgPlace1">
+    <dgm:scene3d>
+      <a:camera prst="orthographicFront"/>
+      <a:lightRig rig="threePt" dir="t"/>
+    </dgm:scene3d>
+    <dgm:sp3d/>
+    <dgm:txPr/>
+    <dgm:style>
+      <a:lnRef idx="2">
+        <a:scrgbClr r="0" g="0" b="0"/>
+      </a:lnRef>
+      <a:fillRef idx="1">
+        <a:scrgbClr r="0" g="0" b="0"/>
+      </a:fillRef>
+      <a:effectRef idx="0">
+        <a:scrgbClr r="0" g="0" b="0"/>
+      </a:effectRef>
+      <a:fontRef idx="minor"/>
+    </dgm:style>
+  </dgm:styleLbl>
+  <dgm:styleLbl name="alignImgPlace1">
+    <dgm:scene3d>
+      <a:camera prst="orthographicFront"/>
+      <a:lightRig rig="threePt" dir="t"/>
+    </dgm:scene3d>
+    <dgm:sp3d/>
+    <dgm:txPr/>
+    <dgm:style>
+      <a:lnRef idx="2">
+        <a:scrgbClr r="0" g="0" b="0"/>
+      </a:lnRef>
+      <a:fillRef idx="1">
+        <a:scrgbClr r="0" g="0" b="0"/>
+      </a:fillRef>
+      <a:effectRef idx="0">
+        <a:scrgbClr r="0" g="0" b="0"/>
+      </a:effectRef>
+      <a:fontRef idx="minor"/>
+    </dgm:style>
+  </dgm:styleLbl>
+  <dgm:styleLbl name="bgImgPlace1">
+    <dgm:scene3d>
+      <a:camera prst="orthographicFront"/>
+      <a:lightRig rig="threePt" dir="t"/>
+    </dgm:scene3d>
+    <dgm:sp3d/>
+    <dgm:txPr/>
+    <dgm:style>
+      <a:lnRef idx="2">
+        <a:scrgbClr r="0" g="0" b="0"/>
+      </a:lnRef>
+      <a:fillRef idx="1">
+        <a:scrgbClr r="0" g="0" b="0"/>
+      </a:fillRef>
+      <a:effectRef idx="0">
+        <a:scrgbClr r="0" g="0" b="0"/>
+      </a:effectRef>
+      <a:fontRef idx="minor"/>
+    </dgm:style>
+  </dgm:styleLbl>
+  <dgm:styleLbl name="sibTrans2D1">
+    <dgm:scene3d>
+      <a:camera prst="orthographicFront"/>
+      <a:lightRig rig="threePt" dir="t"/>
+    </dgm:scene3d>
+    <dgm:sp3d/>
+    <dgm:txPr/>
+    <dgm:style>
+      <a:lnRef idx="0">
+        <a:scrgbClr r="0" g="0" b="0"/>
+      </a:lnRef>
+      <a:fillRef idx="1">
+        <a:scrgbClr r="0" g="0" b="0"/>
+      </a:fillRef>
+      <a:effectRef idx="0">
+        <a:scrgbClr r="0" g="0" b="0"/>
+      </a:effectRef>
+      <a:fontRef idx="minor">
+        <a:schemeClr val="lt1"/>
+      </a:fontRef>
+    </dgm:style>
+  </dgm:styleLbl>
+  <dgm:styleLbl name="fgSibTrans2D1">
+    <dgm:scene3d>
+      <a:camera prst="orthographicFront"/>
+      <a:lightRig rig="threePt" dir="t"/>
+    </dgm:scene3d>
+    <dgm:sp3d/>
+    <dgm:txPr/>
+    <dgm:style>
+      <a:lnRef idx="0">
+        <a:scrgbClr r="0" g="0" b="0"/>
+      </a:lnRef>
+      <a:fillRef idx="1">
+        <a:scrgbClr r="0" g="0" b="0"/>
+      </a:fillRef>
+      <a:effectRef idx="0">
+        <a:scrgbClr r="0" g="0" b="0"/>
+      </a:effectRef>
+      <a:fontRef idx="minor">
+        <a:schemeClr val="lt1"/>
+      </a:fontRef>
+    </dgm:style>
+  </dgm:styleLbl>
+  <dgm:styleLbl name="bgSibTrans2D1">
+    <dgm:scene3d>
+      <a:camera prst="orthographicFront"/>
+      <a:lightRig rig="threePt" dir="t"/>
+    </dgm:scene3d>
+    <dgm:sp3d/>
+    <dgm:txPr/>
+    <dgm:style>
+      <a:lnRef idx="0">
+        <a:scrgbClr r="0" g="0" b="0"/>
+      </a:lnRef>
+      <a:fillRef idx="1">
+        <a:scrgbClr r="0" g="0" b="0"/>
+      </a:fillRef>
+      <a:effectRef idx="0">
+        <a:scrgbClr r="0" g="0" b="0"/>
+      </a:effectRef>
+      <a:fontRef idx="minor">
+        <a:schemeClr val="lt1"/>
+      </a:fontRef>
+    </dgm:style>
+  </dgm:styleLbl>
+  <dgm:styleLbl name="sibTrans1D1">
+    <dgm:scene3d>
+      <a:camera prst="orthographicFront"/>
+      <a:lightRig rig="threePt" dir="t"/>
+    </dgm:scene3d>
+    <dgm:sp3d/>
+    <dgm:txPr/>
+    <dgm:style>
+      <a:lnRef idx="1">
+        <a:scrgbClr r="0" g="0" b="0"/>
+      </a:lnRef>
+      <a:fillRef idx="0">
+        <a:scrgbClr r="0" g="0" b="0"/>
+      </a:fillRef>
+      <a:effectRef idx="0">
+        <a:scrgbClr r="0" g="0" b="0"/>
+      </a:effectRef>
+      <a:fontRef idx="minor"/>
+    </dgm:style>
+  </dgm:styleLbl>
+  <dgm:styleLbl name="callout">
+    <dgm:scene3d>
+      <a:camera prst="orthographicFront"/>
+      <a:lightRig rig="threePt" dir="t"/>
+    </dgm:scene3d>
+    <dgm:sp3d/>
+    <dgm:txPr/>
+    <dgm:style>
+      <a:lnRef idx="2">
+        <a:scrgbClr r="0" g="0" b="0"/>
+      </a:lnRef>
+      <a:fillRef idx="1">
+        <a:scrgbClr r="0" g="0" b="0"/>
+      </a:fillRef>
+      <a:effectRef idx="0">
+        <a:scrgbClr r="0" g="0" b="0"/>
+      </a:effectRef>
+      <a:fontRef idx="minor"/>
+    </dgm:style>
+  </dgm:styleLbl>
+  <dgm:styleLbl name="asst0">
+    <dgm:scene3d>
+      <a:camera prst="orthographicFront"/>
+      <a:lightRig rig="threePt" dir="t"/>
+    </dgm:scene3d>
+    <dgm:sp3d/>
+    <dgm:txPr/>
+    <dgm:style>
+      <a:lnRef idx="2">
+        <a:scrgbClr r="0" g="0" b="0"/>
+      </a:lnRef>
+      <a:fillRef idx="1">
+        <a:scrgbClr r="0" g="0" b="0"/>
+      </a:fillRef>
+      <a:effectRef idx="0">
+        <a:scrgbClr r="0" g="0" b="0"/>
+      </a:effectRef>
+      <a:fontRef idx="minor">
+        <a:schemeClr val="lt1"/>
+      </a:fontRef>
+    </dgm:style>
+  </dgm:styleLbl>
+  <dgm:styleLbl name="asst1">
+    <dgm:scene3d>
+      <a:camera prst="orthographicFront"/>
+      <a:lightRig rig="threePt" dir="t"/>
+    </dgm:scene3d>
+    <dgm:sp3d/>
+    <dgm:txPr/>
+    <dgm:style>
+      <a:lnRef idx="2">
+        <a:scrgbClr r="0" g="0" b="0"/>
+      </a:lnRef>
+      <a:fillRef idx="1">
+        <a:scrgbClr r="0" g="0" b="0"/>
+      </a:fillRef>
+      <a:effectRef idx="0">
+        <a:scrgbClr r="0" g="0" b="0"/>
+      </a:effectRef>
+      <a:fontRef idx="minor">
+        <a:schemeClr val="lt1"/>
+      </a:fontRef>
+    </dgm:style>
+  </dgm:styleLbl>
+  <dgm:styleLbl name="asst2">
+    <dgm:scene3d>
+      <a:camera prst="orthographicFront"/>
+      <a:lightRig rig="threePt" dir="t"/>
+    </dgm:scene3d>
+    <dgm:sp3d/>
+    <dgm:txPr/>
+    <dgm:style>
+      <a:lnRef idx="2">
+        <a:scrgbClr r="0" g="0" b="0"/>
+      </a:lnRef>
+      <a:fillRef idx="1">
+        <a:scrgbClr r="0" g="0" b="0"/>
+      </a:fillRef>
+      <a:effectRef idx="0">
+        <a:scrgbClr r="0" g="0" b="0"/>
+      </a:effectRef>
+      <a:fontRef idx="minor">
+        <a:schemeClr val="lt1"/>
+      </a:fontRef>
+    </dgm:style>
+  </dgm:styleLbl>
+  <dgm:styleLbl name="asst3">
+    <dgm:scene3d>
+      <a:camera prst="orthographicFront"/>
+      <a:lightRig rig="threePt" dir="t"/>
+    </dgm:scene3d>
+    <dgm:sp3d/>
+    <dgm:txPr/>
+    <dgm:style>
+      <a:lnRef idx="2">
+        <a:scrgbClr r="0" g="0" b="0"/>
+      </a:lnRef>
+      <a:fillRef idx="1">
+        <a:scrgbClr r="0" g="0" b="0"/>
+      </a:fillRef>
+      <a:effectRef idx="0">
+        <a:scrgbClr r="0" g="0" b="0"/>
+      </a:effectRef>
+      <a:fontRef idx="minor">
+        <a:schemeClr val="lt1"/>
+      </a:fontRef>
+    </dgm:style>
+  </dgm:styleLbl>
+  <dgm:styleLbl name="asst4">
+    <dgm:scene3d>
+      <a:camera prst="orthographicFront"/>
+      <a:lightRig rig="threePt" dir="t"/>
+    </dgm:scene3d>
+    <dgm:sp3d/>
+    <dgm:txPr/>
+    <dgm:style>
+      <a:lnRef idx="2">
+        <a:scrgbClr r="0" g="0" b="0"/>
+      </a:lnRef>
+      <a:fillRef idx="1">
+        <a:scrgbClr r="0" g="0" b="0"/>
+      </a:fillRef>
+      <a:effectRef idx="0">
+        <a:scrgbClr r="0" g="0" b="0"/>
+      </a:effectRef>
+      <a:fontRef idx="minor">
+        <a:schemeClr val="lt1"/>
+      </a:fontRef>
+    </dgm:style>
+  </dgm:styleLbl>
+  <dgm:styleLbl name="parChTrans2D1">
+    <dgm:scene3d>
+      <a:camera prst="orthographicFront"/>
+      <a:lightRig rig="threePt" dir="t"/>
+    </dgm:scene3d>
+    <dgm:sp3d/>
+    <dgm:txPr/>
+    <dgm:style>
+      <a:lnRef idx="2">
+        <a:scrgbClr r="0" g="0" b="0"/>
+      </a:lnRef>
+      <a:fillRef idx="1">
+        <a:scrgbClr r="0" g="0" b="0"/>
+      </a:fillRef>
+      <a:effectRef idx="0">
+        <a:scrgbClr r="0" g="0" b="0"/>
+      </a:effectRef>
+      <a:fontRef idx="minor">
+        <a:schemeClr val="lt1"/>
+      </a:fontRef>
+    </dgm:style>
+  </dgm:styleLbl>
+  <dgm:styleLbl name="parChTrans2D2">
+    <dgm:scene3d>
+      <a:camera prst="orthographicFront"/>
+      <a:lightRig rig="threePt" dir="t"/>
+    </dgm:scene3d>
+    <dgm:sp3d/>
+    <dgm:txPr/>
+    <dgm:style>
+      <a:lnRef idx="2">
+        <a:scrgbClr r="0" g="0" b="0"/>
+      </a:lnRef>
+      <a:fillRef idx="1">
+        <a:scrgbClr r="0" g="0" b="0"/>
+      </a:fillRef>
+      <a:effectRef idx="0">
+        <a:scrgbClr r="0" g="0" b="0"/>
+      </a:effectRef>
+      <a:fontRef idx="minor">
+        <a:schemeClr val="lt1"/>
+      </a:fontRef>
+    </dgm:style>
+  </dgm:styleLbl>
+  <dgm:styleLbl name="parChTrans2D3">
+    <dgm:scene3d>
+      <a:camera prst="orthographicFront"/>
+      <a:lightRig rig="threePt" dir="t"/>
+    </dgm:scene3d>
+    <dgm:sp3d/>
+    <dgm:txPr/>
+    <dgm:style>
+      <a:lnRef idx="2">
+        <a:scrgbClr r="0" g="0" b="0"/>
+      </a:lnRef>
+      <a:fillRef idx="1">
+        <a:scrgbClr r="0" g="0" b="0"/>
+      </a:fillRef>
+      <a:effectRef idx="0">
+        <a:scrgbClr r="0" g="0" b="0"/>
+      </a:effectRef>
+      <a:fontRef idx="minor">
+        <a:schemeClr val="lt1"/>
+      </a:fontRef>
+    </dgm:style>
+  </dgm:styleLbl>
+  <dgm:styleLbl name="parChTrans2D4">
+    <dgm:scene3d>
+      <a:camera prst="orthographicFront"/>
+      <a:lightRig rig="threePt" dir="t"/>
+    </dgm:scene3d>
+    <dgm:sp3d/>
+    <dgm:txPr/>
+    <dgm:style>
+      <a:lnRef idx="2">
+        <a:scrgbClr r="0" g="0" b="0"/>
+      </a:lnRef>
+      <a:fillRef idx="1">
+        <a:scrgbClr r="0" g="0" b="0"/>
+      </a:fillRef>
+      <a:effectRef idx="0">
+        <a:scrgbClr r="0" g="0" b="0"/>
+      </a:effectRef>
+      <a:fontRef idx="minor">
+        <a:schemeClr val="lt1"/>
+      </a:fontRef>
+    </dgm:style>
+  </dgm:styleLbl>
+  <dgm:styleLbl name="parChTrans1D1">
+    <dgm:scene3d>
+      <a:camera prst="orthographicFront"/>
+      <a:lightRig rig="threePt" dir="t"/>
+    </dgm:scene3d>
+    <dgm:sp3d/>
+    <dgm:txPr/>
+    <dgm:style>
+      <a:lnRef idx="2">
+        <a:scrgbClr r="0" g="0" b="0"/>
+      </a:lnRef>
+      <a:fillRef idx="0">
+        <a:scrgbClr r="0" g="0" b="0"/>
+      </a:fillRef>
+      <a:effectRef idx="0">
+        <a:scrgbClr r="0" g="0" b="0"/>
+      </a:effectRef>
+      <a:fontRef idx="minor"/>
+    </dgm:style>
+  </dgm:styleLbl>
+  <dgm:styleLbl name="parChTrans1D2">
+    <dgm:scene3d>
+      <a:camera prst="orthographicFront"/>
+      <a:lightRig rig="threePt" dir="t"/>
+    </dgm:scene3d>
+    <dgm:sp3d/>
+    <dgm:txPr/>
+    <dgm:style>
+      <a:lnRef idx="2">
+        <a:scrgbClr r="0" g="0" b="0"/>
+      </a:lnRef>
+      <a:fillRef idx="0">
+        <a:scrgbClr r="0" g="0" b="0"/>
+      </a:fillRef>
+      <a:effectRef idx="0">
+        <a:scrgbClr r="0" g="0" b="0"/>
+      </a:effectRef>
+      <a:fontRef idx="minor"/>
+    </dgm:style>
+  </dgm:styleLbl>
+  <dgm:styleLbl name="parChTrans1D3">
+    <dgm:scene3d>
+      <a:camera prst="orthographicFront"/>
+      <a:lightRig rig="threePt" dir="t"/>
+    </dgm:scene3d>
+    <dgm:sp3d/>
+    <dgm:txPr/>
+    <dgm:style>
+      <a:lnRef idx="2">
+        <a:scrgbClr r="0" g="0" b="0"/>
+      </a:lnRef>
+      <a:fillRef idx="0">
+        <a:scrgbClr r="0" g="0" b="0"/>
+      </a:fillRef>
+      <a:effectRef idx="0">
+        <a:scrgbClr r="0" g="0" b="0"/>
+      </a:effectRef>
+      <a:fontRef idx="minor"/>
+    </dgm:style>
+  </dgm:styleLbl>
+  <dgm:styleLbl name="parChTrans1D4">
+    <dgm:scene3d>
+      <a:camera prst="orthographicFront"/>
+      <a:lightRig rig="threePt" dir="t"/>
+    </dgm:scene3d>
+    <dgm:sp3d/>
+    <dgm:txPr/>
+    <dgm:style>
+      <a:lnRef idx="2">
+        <a:scrgbClr r="0" g="0" b="0"/>
+      </a:lnRef>
+      <a:fillRef idx="0">
+        <a:scrgbClr r="0" g="0" b="0"/>
+      </a:fillRef>
+      <a:effectRef idx="0">
+        <a:scrgbClr r="0" g="0" b="0"/>
+      </a:effectRef>
+      <a:fontRef idx="minor"/>
+    </dgm:style>
+  </dgm:styleLbl>
+  <dgm:styleLbl name="fgAcc1">
+    <dgm:scene3d>
+      <a:camera prst="orthographicFront"/>
+      <a:lightRig rig="threePt" dir="t"/>
+    </dgm:scene3d>
+    <dgm:sp3d/>
+    <dgm:txPr/>
+    <dgm:style>
+      <a:lnRef idx="2">
+        <a:scrgbClr r="0" g="0" b="0"/>
+      </a:lnRef>
+      <a:fillRef idx="1">
+        <a:scrgbClr r="0" g="0" b="0"/>
+      </a:fillRef>
+      <a:effectRef idx="0">
+        <a:scrgbClr r="0" g="0" b="0"/>
+      </a:effectRef>
+      <a:fontRef idx="minor"/>
+    </dgm:style>
+  </dgm:styleLbl>
+  <dgm:styleLbl name="conFgAcc1">
+    <dgm:scene3d>
+      <a:camera prst="orthographicFront"/>
+      <a:lightRig rig="threePt" dir="t"/>
+    </dgm:scene3d>
+    <dgm:sp3d/>
+    <dgm:txPr/>
+    <dgm:style>
+      <a:lnRef idx="2">
+        <a:scrgbClr r="0" g="0" b="0"/>
+      </a:lnRef>
+      <a:fillRef idx="1">
+        <a:scrgbClr r="0" g="0" b="0"/>
+      </a:fillRef>
+      <a:effectRef idx="0">
+        <a:scrgbClr r="0" g="0" b="0"/>
+      </a:effectRef>
+      <a:fontRef idx="minor"/>
+    </dgm:style>
+  </dgm:styleLbl>
+  <dgm:styleLbl name="alignAcc1">
+    <dgm:scene3d>
+      <a:camera prst="orthographicFront"/>
+      <a:lightRig rig="threePt" dir="t"/>
+    </dgm:scene3d>
+    <dgm:sp3d/>
+    <dgm:txPr/>
+    <dgm:style>
+      <a:lnRef idx="2">
+        <a:scrgbClr r="0" g="0" b="0"/>
+      </a:lnRef>
+      <a:fillRef idx="1">
+        <a:scrgbClr r="0" g="0" b="0"/>
+      </a:fillRef>
+      <a:effectRef idx="0">
+        <a:scrgbClr r="0" g="0" b="0"/>
+      </a:effectRef>
+      <a:fontRef idx="minor"/>
+    </dgm:style>
+  </dgm:styleLbl>
+  <dgm:styleLbl name="trAlignAcc1">
+    <dgm:scene3d>
+      <a:camera prst="orthographicFront"/>
+      <a:lightRig rig="threePt" dir="t"/>
+    </dgm:scene3d>
+    <dgm:sp3d/>
+    <dgm:txPr/>
+    <dgm:style>
+      <a:lnRef idx="1">
+        <a:scrgbClr r="0" g="0" b="0"/>
+      </a:lnRef>
+      <a:fillRef idx="1">
+        <a:scrgbClr r="0" g="0" b="0"/>
+      </a:fillRef>
+      <a:effectRef idx="0">
+        <a:scrgbClr r="0" g="0" b="0"/>
+      </a:effectRef>
+      <a:fontRef idx="minor"/>
+    </dgm:style>
+  </dgm:styleLbl>
+  <dgm:styleLbl name="bgAcc1">
+    <dgm:scene3d>
+      <a:camera prst="orthographicFront"/>
+      <a:lightRig rig="threePt" dir="t"/>
+    </dgm:scene3d>
+    <dgm:sp3d/>
+    <dgm:txPr/>
+    <dgm:style>
+      <a:lnRef idx="2">
+        <a:scrgbClr r="0" g="0" b="0"/>
+      </a:lnRef>
+      <a:fillRef idx="1">
+        <a:scrgbClr r="0" g="0" b="0"/>
+      </a:fillRef>
+      <a:effectRef idx="0">
+        <a:scrgbClr r="0" g="0" b="0"/>
+      </a:effectRef>
+      <a:fontRef idx="minor"/>
+    </dgm:style>
+  </dgm:styleLbl>
+  <dgm:styleLbl name="solidFgAcc1">
+    <dgm:scene3d>
+      <a:camera prst="orthographicFront"/>
+      <a:lightRig rig="threePt" dir="t"/>
+    </dgm:scene3d>
+    <dgm:sp3d/>
+    <dgm:txPr/>
+    <dgm:style>
+      <a:lnRef idx="2">
+        <a:scrgbClr r="0" g="0" b="0"/>
+      </a:lnRef>
+      <a:fillRef idx="1">
+        <a:scrgbClr r="0" g="0" b="0"/>
+      </a:fillRef>
+      <a:effectRef idx="0">
+        <a:scrgbClr r="0" g="0" b="0"/>
+      </a:effectRef>
+      <a:fontRef idx="minor"/>
+    </dgm:style>
+  </dgm:styleLbl>
+  <dgm:styleLbl name="solidAlignAcc1">
+    <dgm:scene3d>
+      <a:camera prst="orthographicFront"/>
+      <a:lightRig rig="threePt" dir="t"/>
+    </dgm:scene3d>
+    <dgm:sp3d/>
+    <dgm:txPr/>
+    <dgm:style>
+      <a:lnRef idx="2">
+        <a:scrgbClr r="0" g="0" b="0"/>
+      </a:lnRef>
+      <a:fillRef idx="1">
+        <a:scrgbClr r="0" g="0" b="0"/>
+      </a:fillRef>
+      <a:effectRef idx="0">
+        <a:scrgbClr r="0" g="0" b="0"/>
+      </a:effectRef>
+      <a:fontRef idx="minor"/>
+    </dgm:style>
+  </dgm:styleLbl>
+  <dgm:styleLbl name="solidBgAcc1">
+    <dgm:scene3d>
+      <a:camera prst="orthographicFront"/>
+      <a:lightRig rig="threePt" dir="t"/>
+    </dgm:scene3d>
+    <dgm:sp3d/>
+    <dgm:txPr/>
+    <dgm:style>
+      <a:lnRef idx="2">
+        <a:scrgbClr r="0" g="0" b="0"/>
+      </a:lnRef>
+      <a:fillRef idx="1">
+        <a:scrgbClr r="0" g="0" b="0"/>
+      </a:fillRef>
+      <a:effectRef idx="0">
+        <a:scrgbClr r="0" g="0" b="0"/>
+      </a:effectRef>
+      <a:fontRef idx="minor"/>
+    </dgm:style>
+  </dgm:styleLbl>
+  <dgm:styleLbl name="fgAccFollowNode1">
+    <dgm:scene3d>
+      <a:camera prst="orthographicFront"/>
+      <a:lightRig rig="threePt" dir="t"/>
+    </dgm:scene3d>
+    <dgm:sp3d/>
+    <dgm:txPr/>
+    <dgm:style>
+      <a:lnRef idx="2">
+        <a:scrgbClr r="0" g="0" b="0"/>
+      </a:lnRef>
+      <a:fillRef idx="1">
+        <a:scrgbClr r="0" g="0" b="0"/>
+      </a:fillRef>
+      <a:effectRef idx="0">
+        <a:scrgbClr r="0" g="0" b="0"/>
+      </a:effectRef>
+      <a:fontRef idx="minor"/>
+    </dgm:style>
+  </dgm:styleLbl>
+  <dgm:styleLbl name="alignAccFollowNode1">
+    <dgm:scene3d>
+      <a:camera prst="orthographicFront"/>
+      <a:lightRig rig="threePt" dir="t"/>
+    </dgm:scene3d>
+    <dgm:sp3d/>
+    <dgm:txPr/>
+    <dgm:style>
+      <a:lnRef idx="2">
+        <a:scrgbClr r="0" g="0" b="0"/>
+      </a:lnRef>
+      <a:fillRef idx="1">
+        <a:scrgbClr r="0" g="0" b="0"/>
+      </a:fillRef>
+      <a:effectRef idx="0">
+        <a:scrgbClr r="0" g="0" b="0"/>
+      </a:effectRef>
+      <a:fontRef idx="minor"/>
+    </dgm:style>
+  </dgm:styleLbl>
+  <dgm:styleLbl name="bgAccFollowNode1">
+    <dgm:scene3d>
+      <a:camera prst="orthographicFront"/>
+      <a:lightRig rig="threePt" dir="t"/>
+    </dgm:scene3d>
+    <dgm:sp3d/>
+    <dgm:txPr/>
+    <dgm:style>
+      <a:lnRef idx="2">
+        <a:scrgbClr r="0" g="0" b="0"/>
+      </a:lnRef>
+      <a:fillRef idx="1">
+        <a:scrgbClr r="0" g="0" b="0"/>
+      </a:fillRef>
+      <a:effectRef idx="0">
+        <a:scrgbClr r="0" g="0" b="0"/>
+      </a:effectRef>
+      <a:fontRef idx="minor"/>
+    </dgm:style>
+  </dgm:styleLbl>
+  <dgm:styleLbl name="fgAcc0">
+    <dgm:scene3d>
+      <a:camera prst="orthographicFront"/>
+      <a:lightRig rig="threePt" dir="t"/>
+    </dgm:scene3d>
+    <dgm:sp3d/>
+    <dgm:txPr/>
+    <dgm:style>
+      <a:lnRef idx="2">
+        <a:scrgbClr r="0" g="0" b="0"/>
+      </a:lnRef>
+      <a:fillRef idx="1">
+        <a:scrgbClr r="0" g="0" b="0"/>
+      </a:fillRef>
+      <a:effectRef idx="0">
+        <a:scrgbClr r="0" g="0" b="0"/>
+      </a:effectRef>
+      <a:fontRef idx="minor"/>
+    </dgm:style>
+  </dgm:styleLbl>
+  <dgm:styleLbl name="fgAcc2">
+    <dgm:scene3d>
+      <a:camera prst="orthographicFront"/>
+      <a:lightRig rig="threePt" dir="t"/>
+    </dgm:scene3d>
+    <dgm:sp3d/>
+    <dgm:txPr/>
+    <dgm:style>
+      <a:lnRef idx="2">
+        <a:scrgbClr r="0" g="0" b="0"/>
+      </a:lnRef>
+      <a:fillRef idx="1">
+        <a:scrgbClr r="0" g="0" b="0"/>
+      </a:fillRef>
+      <a:effectRef idx="0">
+        <a:scrgbClr r="0" g="0" b="0"/>
+      </a:effectRef>
+      <a:fontRef idx="minor"/>
+    </dgm:style>
+  </dgm:styleLbl>
+  <dgm:styleLbl name="fgAcc3">
+    <dgm:scene3d>
+      <a:camera prst="orthographicFront"/>
+      <a:lightRig rig="threePt" dir="t"/>
+    </dgm:scene3d>
+    <dgm:sp3d/>
+    <dgm:txPr/>
+    <dgm:style>
+      <a:lnRef idx="2">
+        <a:scrgbClr r="0" g="0" b="0"/>
+      </a:lnRef>
+      <a:fillRef idx="1">
+        <a:scrgbClr r="0" g="0" b="0"/>
+      </a:fillRef>
+      <a:effectRef idx="0">
+        <a:scrgbClr r="0" g="0" b="0"/>
+      </a:effectRef>
+      <a:fontRef idx="minor"/>
+    </dgm:style>
+  </dgm:styleLbl>
+  <dgm:styleLbl name="fgAcc4">
+    <dgm:scene3d>
+      <a:camera prst="orthographicFront"/>
+      <a:lightRig rig="threePt" dir="t"/>
+    </dgm:scene3d>
+    <dgm:sp3d/>
+    <dgm:txPr/>
+    <dgm:style>
+      <a:lnRef idx="2">
+        <a:scrgbClr r="0" g="0" b="0"/>
+      </a:lnRef>
+      <a:fillRef idx="1">
+        <a:scrgbClr r="0" g="0" b="0"/>
+      </a:fillRef>
+      <a:effectRef idx="0">
+        <a:scrgbClr r="0" g="0" b="0"/>
+      </a:effectRef>
+      <a:fontRef idx="minor"/>
+    </dgm:style>
+  </dgm:styleLbl>
+  <dgm:styleLbl name="bgShp">
+    <dgm:scene3d>
+      <a:camera prst="orthographicFront"/>
+      <a:lightRig rig="threePt" dir="t"/>
+    </dgm:scene3d>
+    <dgm:sp3d/>
+    <dgm:txPr/>
+    <dgm:style>
+      <a:lnRef idx="0">
+        <a:scrgbClr r="0" g="0" b="0"/>
+      </a:lnRef>
+      <a:fillRef idx="1">
+        <a:scrgbClr r="0" g="0" b="0"/>
+      </a:fillRef>
+      <a:effectRef idx="0">
+        <a:scrgbClr r="0" g="0" b="0"/>
+      </a:effectRef>
+      <a:fontRef idx="minor"/>
+    </dgm:style>
+  </dgm:styleLbl>
+  <dgm:styleLbl name="dkBgShp">
+    <dgm:scene3d>
+      <a:camera prst="orthographicFront"/>
+      <a:lightRig rig="threePt" dir="t"/>
+    </dgm:scene3d>
+    <dgm:sp3d/>
+    <dgm:txPr/>
+    <dgm:style>
+      <a:lnRef idx="0">
+        <a:scrgbClr r="0" g="0" b="0"/>
+      </a:lnRef>
+      <a:fillRef idx="1">
+        <a:scrgbClr r="0" g="0" b="0"/>
+      </a:fillRef>
+      <a:effectRef idx="0">
+        <a:scrgbClr r="0" g="0" b="0"/>
+      </a:effectRef>
+      <a:fontRef idx="minor"/>
+    </dgm:style>
+  </dgm:styleLbl>
+  <dgm:styleLbl name="trBgShp">
+    <dgm:scene3d>
+      <a:camera prst="orthographicFront"/>
+      <a:lightRig rig="threePt" dir="t"/>
+    </dgm:scene3d>
+    <dgm:sp3d/>
+    <dgm:txPr/>
+    <dgm:style>
+      <a:lnRef idx="0">
+        <a:scrgbClr r="0" g="0" b="0"/>
+      </a:lnRef>
+      <a:fillRef idx="1">
+        <a:scrgbClr r="0" g="0" b="0"/>
+      </a:fillRef>
+      <a:effectRef idx="0">
+        <a:scrgbClr r="0" g="0" b="0"/>
+      </a:effectRef>
+      <a:fontRef idx="minor"/>
+    </dgm:style>
+  </dgm:styleLbl>
+  <dgm:styleLbl name="fgShp">
+    <dgm:scene3d>
+      <a:camera prst="orthographicFront"/>
+      <a:lightRig rig="threePt" dir="t"/>
+    </dgm:scene3d>
+    <dgm:sp3d/>
+    <dgm:txPr/>
+    <dgm:style>
+      <a:lnRef idx="2">
+        <a:scrgbClr r="0" g="0" b="0"/>
+      </a:lnRef>
+      <a:fillRef idx="1">
+        <a:scrgbClr r="0" g="0" b="0"/>
+      </a:fillRef>
+      <a:effectRef idx="0">
+        <a:scrgbClr r="0" g="0" b="0"/>
+      </a:effectRef>
+      <a:fontRef idx="minor"/>
+    </dgm:style>
+  </dgm:styleLbl>
+  <dgm:styleLbl name="revTx">
+    <dgm:scene3d>
+      <a:camera prst="orthographicFront"/>
+      <a:lightRig rig="threePt" dir="t"/>
+    </dgm:scene3d>
+    <dgm:sp3d/>
+    <dgm:txPr/>
+    <dgm:style>
+      <a:lnRef idx="0">
+        <a:scrgbClr r="0" g="0" b="0"/>
+      </a:lnRef>
+      <a:fillRef idx="0">
+        <a:scrgbClr r="0" g="0" b="0"/>
+      </a:fillRef>
+      <a:effectRef idx="0">
+        <a:scrgbClr r="0" g="0" b="0"/>
+      </a:effectRef>
+      <a:fontRef idx="minor"/>
+    </dgm:style>
+  </dgm:styleLbl>
+</dgm:styleDef>
 </file>
 
 <file path=ppt/slideLayouts/slideLayout1.xml><?xml version="1.0" encoding="utf-8"?>
@@ -1323,7 +7914,7 @@
             <a:fld id="{9334D819-9F07-4261-B09B-9E467E5D9002}" type="datetimeFigureOut">
               <a:rPr lang="en-US" dirty="0"/>
               <a:pPr/>
-              <a:t>11/18/2021</a:t>
+              <a:t>11/24/2021</a:t>
             </a:fld>
             <a:endParaRPr lang="en-US" dirty="0"/>
           </a:p>
@@ -1557,7 +8148,7 @@
           <a:p>
             <a:fld id="{9334D819-9F07-4261-B09B-9E467E5D9002}" type="datetimeFigureOut">
               <a:rPr lang="en-US" dirty="0"/>
-              <a:t>11/18/2021</a:t>
+              <a:t>11/24/2021</a:t>
             </a:fld>
             <a:endParaRPr lang="en-US" dirty="0"/>
           </a:p>
@@ -1732,7 +8323,7 @@
           <a:p>
             <a:fld id="{9334D819-9F07-4261-B09B-9E467E5D9002}" type="datetimeFigureOut">
               <a:rPr lang="en-US" dirty="0"/>
-              <a:t>11/18/2021</a:t>
+              <a:t>11/24/2021</a:t>
             </a:fld>
             <a:endParaRPr lang="en-US" dirty="0"/>
           </a:p>
@@ -1897,7 +8488,7 @@
           <a:p>
             <a:fld id="{9334D819-9F07-4261-B09B-9E467E5D9002}" type="datetimeFigureOut">
               <a:rPr lang="en-US" dirty="0"/>
-              <a:t>11/18/2021</a:t>
+              <a:t>11/24/2021</a:t>
             </a:fld>
             <a:endParaRPr lang="en-US" dirty="0"/>
           </a:p>
@@ -2166,7 +8757,7 @@
             <a:fld id="{9334D819-9F07-4261-B09B-9E467E5D9002}" type="datetimeFigureOut">
               <a:rPr lang="en-US" dirty="0"/>
               <a:pPr/>
-              <a:t>11/18/2021</a:t>
+              <a:t>11/24/2021</a:t>
             </a:fld>
             <a:endParaRPr lang="en-US" dirty="0"/>
           </a:p>
@@ -3363,7 +9954,7 @@
           <a:p>
             <a:fld id="{9334D819-9F07-4261-B09B-9E467E5D9002}" type="datetimeFigureOut">
               <a:rPr lang="en-US" dirty="0"/>
-              <a:t>11/18/2021</a:t>
+              <a:t>11/24/2021</a:t>
             </a:fld>
             <a:endParaRPr lang="en-US" dirty="0"/>
           </a:p>
@@ -3748,7 +10339,7 @@
           <a:p>
             <a:fld id="{9334D819-9F07-4261-B09B-9E467E5D9002}" type="datetimeFigureOut">
               <a:rPr lang="en-US" dirty="0"/>
-              <a:t>11/18/2021</a:t>
+              <a:t>11/24/2021</a:t>
             </a:fld>
             <a:endParaRPr lang="en-US" dirty="0"/>
           </a:p>
@@ -3866,7 +10457,7 @@
           <a:p>
             <a:fld id="{9334D819-9F07-4261-B09B-9E467E5D9002}" type="datetimeFigureOut">
               <a:rPr lang="en-US" dirty="0"/>
-              <a:t>11/18/2021</a:t>
+              <a:t>11/24/2021</a:t>
             </a:fld>
             <a:endParaRPr lang="en-US" dirty="0"/>
           </a:p>
@@ -3956,7 +10547,7 @@
           <a:p>
             <a:fld id="{9334D819-9F07-4261-B09B-9E467E5D9002}" type="datetimeFigureOut">
               <a:rPr lang="en-US" dirty="0"/>
-              <a:t>11/18/2021</a:t>
+              <a:t>11/24/2021</a:t>
             </a:fld>
             <a:endParaRPr lang="en-US" dirty="0"/>
           </a:p>
@@ -4714,7 +11305,7 @@
           <a:p>
             <a:fld id="{9334D819-9F07-4261-B09B-9E467E5D9002}" type="datetimeFigureOut">
               <a:rPr lang="en-US" dirty="0"/>
-              <a:t>11/18/2021</a:t>
+              <a:t>11/24/2021</a:t>
             </a:fld>
             <a:endParaRPr lang="en-US" dirty="0"/>
           </a:p>
@@ -5549,7 +12140,7 @@
           <a:p>
             <a:fld id="{9334D819-9F07-4261-B09B-9E467E5D9002}" type="datetimeFigureOut">
               <a:rPr lang="en-US" dirty="0"/>
-              <a:t>11/18/2021</a:t>
+              <a:t>11/24/2021</a:t>
             </a:fld>
             <a:endParaRPr lang="en-US" dirty="0"/>
           </a:p>
@@ -5772,7 +12363,7 @@
             <a:fld id="{9334D819-9F07-4261-B09B-9E467E5D9002}" type="datetimeFigureOut">
               <a:rPr lang="en-US" dirty="0"/>
               <a:pPr/>
-              <a:t>11/18/2021</a:t>
+              <a:t>11/24/2021</a:t>
             </a:fld>
             <a:endParaRPr lang="en-US" dirty="0"/>
           </a:p>
@@ -6811,18 +13402,118 @@
             <p:ph type="subTitle" idx="1"/>
           </p:nvPr>
         </p:nvSpPr>
-        <p:spPr/>
+        <p:spPr>
+          <a:xfrm>
+            <a:off x="2073314" y="5796124"/>
+            <a:ext cx="8045373" cy="742279"/>
+          </a:xfrm>
+        </p:spPr>
         <p:txBody>
-          <a:bodyPr/>
+          <a:bodyPr>
+            <a:normAutofit/>
+          </a:bodyPr>
           <a:lstStyle/>
           <a:p>
             <a:r>
-              <a:rPr lang="en-GB" dirty="0"/>
+              <a:rPr lang="en-GB" sz="2400" dirty="0"/>
               <a:t>Alicia Smith    |    A00267161</a:t>
             </a:r>
           </a:p>
         </p:txBody>
       </p:sp>
+      <p:sp>
+        <p:nvSpPr>
+          <p:cNvPr id="4" name="Title 1">
+            <a:extLst>
+              <a:ext uri="{FF2B5EF4-FFF2-40B4-BE49-F238E27FC236}">
+                <a16:creationId xmlns:a16="http://schemas.microsoft.com/office/drawing/2014/main" id="{3F354DFC-EDD7-4998-853B-9EDDF640EFB4}"/>
+              </a:ext>
+            </a:extLst>
+          </p:cNvPr>
+          <p:cNvSpPr txBox="1">
+            <a:spLocks/>
+          </p:cNvSpPr>
+          <p:nvPr/>
+        </p:nvSpPr>
+        <p:spPr>
+          <a:xfrm>
+            <a:off x="2513309" y="5961777"/>
+            <a:ext cx="7165383" cy="896223"/>
+          </a:xfrm>
+          <a:prstGeom prst="rect">
+            <a:avLst/>
+          </a:prstGeom>
+        </p:spPr>
+        <p:txBody>
+          <a:bodyPr vert="horz" lIns="91440" tIns="45720" rIns="91440" bIns="45720" rtlCol="0" anchor="ctr">
+            <a:noAutofit/>
+          </a:bodyPr>
+          <a:lstStyle>
+            <a:lvl1pPr algn="ctr" defTabSz="914400" rtl="0" eaLnBrk="1" latinLnBrk="0" hangingPunct="1">
+              <a:lnSpc>
+                <a:spcPct val="90000"/>
+              </a:lnSpc>
+              <a:spcBef>
+                <a:spcPct val="0"/>
+              </a:spcBef>
+              <a:buNone/>
+              <a:defRPr sz="10000" kern="1200" cap="all" spc="800" baseline="0">
+                <a:solidFill>
+                  <a:schemeClr val="tx2"/>
+                </a:solidFill>
+                <a:latin typeface="+mj-lt"/>
+                <a:ea typeface="+mj-ea"/>
+                <a:cs typeface="+mj-cs"/>
+              </a:defRPr>
+            </a:lvl1pPr>
+          </a:lstStyle>
+          <a:p>
+            <a:r>
+              <a:rPr lang="en-GB" sz="2000" dirty="0">
+                <a:solidFill>
+                  <a:schemeClr val="accent6"/>
+                </a:solidFill>
+              </a:rPr>
+              <a:t>“Spotifriend” / “friendify”</a:t>
+            </a:r>
+            <a:endParaRPr lang="en-GB" sz="1800" dirty="0">
+              <a:solidFill>
+                <a:schemeClr val="accent6"/>
+              </a:solidFill>
+            </a:endParaRPr>
+          </a:p>
+        </p:txBody>
+      </p:sp>
+      <p:pic>
+        <p:nvPicPr>
+          <p:cNvPr id="12" name="Picture 11" descr="Shape&#10;&#10;Description automatically generated with low confidence">
+            <a:extLst>
+              <a:ext uri="{FF2B5EF4-FFF2-40B4-BE49-F238E27FC236}">
+                <a16:creationId xmlns:a16="http://schemas.microsoft.com/office/drawing/2014/main" id="{6DF3B934-ED41-48DA-BB63-1716B3DFA34B}"/>
+              </a:ext>
+            </a:extLst>
+          </p:cNvPr>
+          <p:cNvPicPr>
+            <a:picLocks noChangeAspect="1"/>
+          </p:cNvPicPr>
+          <p:nvPr/>
+        </p:nvPicPr>
+        <p:blipFill>
+          <a:blip r:embed="rId2"/>
+          <a:stretch>
+            <a:fillRect/>
+          </a:stretch>
+        </p:blipFill>
+        <p:spPr>
+          <a:xfrm rot="20806378">
+            <a:off x="942928" y="501399"/>
+            <a:ext cx="2423269" cy="2423269"/>
+          </a:xfrm>
+          <a:prstGeom prst="rect">
+            <a:avLst/>
+          </a:prstGeom>
+        </p:spPr>
+      </p:pic>
     </p:spTree>
     <p:extLst>
       <p:ext uri="{BB962C8B-B14F-4D97-AF65-F5344CB8AC3E}">
@@ -8057,8 +14748,8 @@
         </p:nvSpPr>
         <p:spPr>
           <a:xfrm>
-            <a:off x="4916251" y="1231506"/>
-            <a:ext cx="6338958" cy="4394988"/>
+            <a:off x="4632844" y="897445"/>
+            <a:ext cx="7002477" cy="3012020"/>
           </a:xfrm>
         </p:spPr>
         <p:txBody>
@@ -8067,8 +14758,78 @@
           </a:bodyPr>
           <a:lstStyle/>
           <a:p>
-            <a:pPr algn="ctr"/>
-            <a:endParaRPr lang="en-US" sz="6600"/>
+            <a:pPr marL="342900" indent="-342900">
+              <a:buFont typeface="Arial" panose="020B0604020202020204" pitchFamily="34" charset="0"/>
+              <a:buChar char="•"/>
+            </a:pPr>
+            <a:r>
+              <a:rPr lang="en-US" sz="2400" dirty="0">
+                <a:solidFill>
+                  <a:schemeClr val="bg2"/>
+                </a:solidFill>
+                <a:latin typeface="+mn-lt"/>
+              </a:rPr>
+              <a:t>Android </a:t>
+            </a:r>
+            <a:r>
+              <a:rPr lang="en-US" sz="2400" dirty="0">
+                <a:latin typeface="+mn-lt"/>
+              </a:rPr>
+              <a:t>Application to retrieve </a:t>
+            </a:r>
+            <a:r>
+              <a:rPr lang="en-US" sz="2400" dirty="0">
+                <a:solidFill>
+                  <a:schemeClr val="bg2"/>
+                </a:solidFill>
+                <a:latin typeface="+mn-lt"/>
+              </a:rPr>
+              <a:t>real-time</a:t>
+            </a:r>
+            <a:r>
+              <a:rPr lang="en-US" sz="2400" dirty="0">
+                <a:latin typeface="+mn-lt"/>
+              </a:rPr>
+              <a:t> Spotify song </a:t>
+            </a:r>
+            <a:r>
+              <a:rPr lang="en-US" sz="2400" dirty="0">
+                <a:solidFill>
+                  <a:schemeClr val="bg2"/>
+                </a:solidFill>
+                <a:latin typeface="+mn-lt"/>
+              </a:rPr>
+              <a:t>recommendations</a:t>
+            </a:r>
+            <a:r>
+              <a:rPr lang="en-US" sz="2400" dirty="0">
+                <a:latin typeface="+mn-lt"/>
+              </a:rPr>
+              <a:t> based on another user’s recent</a:t>
+            </a:r>
+            <a:r>
+              <a:rPr lang="en-US" sz="2400" dirty="0">
+                <a:solidFill>
+                  <a:schemeClr val="bg2"/>
+                </a:solidFill>
+                <a:latin typeface="+mn-lt"/>
+              </a:rPr>
+              <a:t> listening history</a:t>
+            </a:r>
+            <a:br>
+              <a:rPr lang="en-US" sz="2400" dirty="0">
+                <a:solidFill>
+                  <a:schemeClr val="bg2"/>
+                </a:solidFill>
+                <a:latin typeface="+mn-lt"/>
+              </a:rPr>
+            </a:br>
+            <a:endParaRPr lang="en-US" sz="2400" dirty="0">
+              <a:solidFill>
+                <a:schemeClr val="bg2"/>
+              </a:solidFill>
+              <a:latin typeface="+mn-lt"/>
+            </a:endParaRPr>
           </a:p>
         </p:txBody>
       </p:sp>
@@ -9284,10 +16045,11 @@
           <a:p>
             <a:pPr algn="ctr"/>
             <a:r>
-              <a:rPr lang="en-US" sz="2800" dirty="0">
+              <a:rPr lang="en-US" sz="4800" dirty="0">
                 <a:solidFill>
                   <a:schemeClr val="tx2"/>
                 </a:solidFill>
+                <a:latin typeface="+mj-lt"/>
               </a:rPr>
               <a:t>What?</a:t>
             </a:r>
@@ -9348,6 +16110,69 @@
             <a:schemeClr val="lt1"/>
           </a:fontRef>
         </p:style>
+      </p:sp>
+      <p:graphicFrame>
+        <p:nvGraphicFramePr>
+          <p:cNvPr id="4" name="Diagram 3">
+            <a:extLst>
+              <a:ext uri="{FF2B5EF4-FFF2-40B4-BE49-F238E27FC236}">
+                <a16:creationId xmlns:a16="http://schemas.microsoft.com/office/drawing/2014/main" id="{6910F70D-8023-4580-8824-BE44134CCB27}"/>
+              </a:ext>
+            </a:extLst>
+          </p:cNvPr>
+          <p:cNvGraphicFramePr/>
+          <p:nvPr>
+            <p:extLst>
+              <p:ext uri="{D42A27DB-BD31-4B8C-83A1-F6EECF244321}">
+                <p14:modId xmlns:p14="http://schemas.microsoft.com/office/powerpoint/2010/main" val="2077743845"/>
+              </p:ext>
+            </p:extLst>
+          </p:nvPr>
+        </p:nvGraphicFramePr>
+        <p:xfrm>
+          <a:off x="4420744" y="4811890"/>
+          <a:ext cx="7623295" cy="1433122"/>
+        </p:xfrm>
+        <a:graphic>
+          <a:graphicData uri="http://schemas.openxmlformats.org/drawingml/2006/diagram">
+            <dgm:relIds xmlns:dgm="http://schemas.openxmlformats.org/drawingml/2006/diagram" xmlns:r="http://schemas.openxmlformats.org/officeDocument/2006/relationships" r:dm="rId2" r:lo="rId3" r:qs="rId4" r:cs="rId5"/>
+          </a:graphicData>
+        </a:graphic>
+      </p:graphicFrame>
+      <p:sp>
+        <p:nvSpPr>
+          <p:cNvPr id="5" name="TextBox 4">
+            <a:extLst>
+              <a:ext uri="{FF2B5EF4-FFF2-40B4-BE49-F238E27FC236}">
+                <a16:creationId xmlns:a16="http://schemas.microsoft.com/office/drawing/2014/main" id="{830350B0-4D78-421F-9096-12BEFF85EA08}"/>
+              </a:ext>
+            </a:extLst>
+          </p:cNvPr>
+          <p:cNvSpPr txBox="1"/>
+          <p:nvPr/>
+        </p:nvSpPr>
+        <p:spPr>
+          <a:xfrm>
+            <a:off x="4388654" y="4714236"/>
+            <a:ext cx="3019707" cy="369332"/>
+          </a:xfrm>
+          <a:prstGeom prst="rect">
+            <a:avLst/>
+          </a:prstGeom>
+          <a:noFill/>
+        </p:spPr>
+        <p:txBody>
+          <a:bodyPr wrap="square" rtlCol="0">
+            <a:spAutoFit/>
+          </a:bodyPr>
+          <a:lstStyle/>
+          <a:p>
+            <a:r>
+              <a:rPr lang="en-GB" dirty="0"/>
+              <a:t>APP PROCESS OVERVIEW:</a:t>
+            </a:r>
+          </a:p>
+        </p:txBody>
       </p:sp>
     </p:spTree>
     <p:extLst>
@@ -10562,39 +17387,6 @@
           <a:p>
             <a:pPr algn="ctr"/>
             <a:endParaRPr lang="en-US"/>
-          </a:p>
-        </p:txBody>
-      </p:sp>
-      <p:sp>
-        <p:nvSpPr>
-          <p:cNvPr id="2" name="Title 1">
-            <a:extLst>
-              <a:ext uri="{FF2B5EF4-FFF2-40B4-BE49-F238E27FC236}">
-                <a16:creationId xmlns:a16="http://schemas.microsoft.com/office/drawing/2014/main" id="{1AE1D47A-D858-462A-A828-67B800454449}"/>
-              </a:ext>
-            </a:extLst>
-          </p:cNvPr>
-          <p:cNvSpPr>
-            <a:spLocks noGrp="1"/>
-          </p:cNvSpPr>
-          <p:nvPr>
-            <p:ph type="title"/>
-          </p:nvPr>
-        </p:nvSpPr>
-        <p:spPr>
-          <a:xfrm>
-            <a:off x="4916251" y="1231506"/>
-            <a:ext cx="6338958" cy="4394988"/>
-          </a:xfrm>
-        </p:spPr>
-        <p:txBody>
-          <a:bodyPr vert="horz" lIns="91440" tIns="45720" rIns="91440" bIns="45720" rtlCol="0" anchor="ctr">
-            <a:normAutofit/>
-          </a:bodyPr>
-          <a:lstStyle/>
-          <a:p>
-            <a:pPr algn="ctr"/>
-            <a:endParaRPr lang="en-US" sz="6600"/>
           </a:p>
         </p:txBody>
       </p:sp>
@@ -11798,25 +18590,141 @@
         </p:nvSpPr>
         <p:spPr>
           <a:xfrm>
-            <a:off x="566929" y="1565556"/>
-            <a:ext cx="3112442" cy="3726888"/>
+            <a:off x="4600788" y="976292"/>
+            <a:ext cx="7137646" cy="4253752"/>
           </a:xfrm>
         </p:spPr>
         <p:txBody>
           <a:bodyPr vert="horz" lIns="91440" tIns="45720" rIns="91440" bIns="45720" rtlCol="0" anchor="ctr">
-            <a:normAutofit/>
+            <a:normAutofit fontScale="92500" lnSpcReduction="10000"/>
           </a:bodyPr>
           <a:lstStyle/>
           <a:p>
-            <a:pPr algn="ctr"/>
+            <a:pPr marL="457200" indent="-457200">
+              <a:buFont typeface="Arial" panose="020B0604020202020204" pitchFamily="34" charset="0"/>
+              <a:buChar char="•"/>
+            </a:pPr>
             <a:r>
-              <a:rPr lang="en-US" sz="2800" dirty="0">
+              <a:rPr lang="en-GB" sz="2400" b="0" dirty="0">
                 <a:solidFill>
                   <a:schemeClr val="tx2"/>
                 </a:solidFill>
               </a:rPr>
-              <a:t>Why?</a:t>
+              <a:t>I chose this field of interest as I believed the </a:t>
             </a:r>
+            <a:r>
+              <a:rPr lang="en-GB" sz="2400" b="0" dirty="0">
+                <a:solidFill>
+                  <a:schemeClr val="bg2"/>
+                </a:solidFill>
+              </a:rPr>
+              <a:t>Spotify API </a:t>
+            </a:r>
+            <a:r>
+              <a:rPr lang="en-GB" sz="2400" b="0" dirty="0">
+                <a:solidFill>
+                  <a:schemeClr val="tx2"/>
+                </a:solidFill>
+              </a:rPr>
+              <a:t>could be used for various use cases</a:t>
+            </a:r>
+            <a:br>
+              <a:rPr lang="en-GB" sz="2400" b="0" dirty="0">
+                <a:solidFill>
+                  <a:schemeClr val="tx2"/>
+                </a:solidFill>
+              </a:rPr>
+            </a:br>
+            <a:endParaRPr lang="en-GB" sz="2400" b="0" dirty="0">
+              <a:solidFill>
+                <a:schemeClr val="tx2"/>
+              </a:solidFill>
+            </a:endParaRPr>
+          </a:p>
+          <a:p>
+            <a:pPr marL="457200" indent="-457200">
+              <a:buFont typeface="Arial" panose="020B0604020202020204" pitchFamily="34" charset="0"/>
+              <a:buChar char="•"/>
+            </a:pPr>
+            <a:r>
+              <a:rPr lang="en-GB" sz="2400" b="0" dirty="0">
+                <a:solidFill>
+                  <a:schemeClr val="tx2"/>
+                </a:solidFill>
+              </a:rPr>
+              <a:t>Upon further investigation I found there was a </a:t>
+            </a:r>
+            <a:r>
+              <a:rPr lang="en-GB" sz="2400" b="0" dirty="0">
+                <a:solidFill>
+                  <a:schemeClr val="bg2"/>
+                </a:solidFill>
+              </a:rPr>
+              <a:t>gap in the market</a:t>
+            </a:r>
+            <a:r>
+              <a:rPr lang="en-GB" sz="2400" b="0" dirty="0">
+                <a:solidFill>
+                  <a:schemeClr val="tx2"/>
+                </a:solidFill>
+              </a:rPr>
+              <a:t> and couldn’t find any similar apps</a:t>
+            </a:r>
+            <a:br>
+              <a:rPr lang="en-GB" sz="2400" b="0" dirty="0">
+                <a:solidFill>
+                  <a:schemeClr val="tx2"/>
+                </a:solidFill>
+              </a:rPr>
+            </a:br>
+            <a:endParaRPr lang="en-GB" sz="2400" b="0" dirty="0">
+              <a:solidFill>
+                <a:schemeClr val="tx2"/>
+              </a:solidFill>
+            </a:endParaRPr>
+          </a:p>
+          <a:p>
+            <a:pPr marL="457200" indent="-457200">
+              <a:buFont typeface="Arial" panose="020B0604020202020204" pitchFamily="34" charset="0"/>
+              <a:buChar char="•"/>
+            </a:pPr>
+            <a:r>
+              <a:rPr lang="en-GB" sz="2400" b="0" dirty="0">
+                <a:solidFill>
+                  <a:schemeClr val="tx2"/>
+                </a:solidFill>
+              </a:rPr>
+              <a:t>Pursuing this project will allow me to </a:t>
+            </a:r>
+            <a:r>
+              <a:rPr lang="en-GB" sz="2400" b="0" dirty="0">
+                <a:solidFill>
+                  <a:schemeClr val="bg2"/>
+                </a:solidFill>
+              </a:rPr>
+              <a:t>challenge myself </a:t>
+            </a:r>
+            <a:r>
+              <a:rPr lang="en-GB" sz="2400" b="0" dirty="0">
+                <a:solidFill>
+                  <a:schemeClr val="tx2"/>
+                </a:solidFill>
+              </a:rPr>
+              <a:t>by implementing many different </a:t>
+            </a:r>
+            <a:r>
+              <a:rPr lang="en-GB" sz="2400" b="0" dirty="0">
+                <a:solidFill>
+                  <a:schemeClr val="bg2"/>
+                </a:solidFill>
+              </a:rPr>
+              <a:t>new technologies</a:t>
+            </a:r>
+            <a:endParaRPr lang="en-US" sz="2400" b="0" dirty="0">
+              <a:solidFill>
+                <a:schemeClr val="bg2"/>
+              </a:solidFill>
+            </a:endParaRPr>
           </a:p>
         </p:txBody>
       </p:sp>
@@ -11875,6 +18783,265 @@
           </a:fontRef>
         </p:style>
       </p:sp>
+      <p:sp>
+        <p:nvSpPr>
+          <p:cNvPr id="2" name="Title 1">
+            <a:extLst>
+              <a:ext uri="{FF2B5EF4-FFF2-40B4-BE49-F238E27FC236}">
+                <a16:creationId xmlns:a16="http://schemas.microsoft.com/office/drawing/2014/main" id="{1AE1D47A-D858-462A-A828-67B800454449}"/>
+              </a:ext>
+            </a:extLst>
+          </p:cNvPr>
+          <p:cNvSpPr>
+            <a:spLocks noGrp="1"/>
+          </p:cNvSpPr>
+          <p:nvPr>
+            <p:ph type="title"/>
+          </p:nvPr>
+        </p:nvSpPr>
+        <p:spPr>
+          <a:xfrm>
+            <a:off x="1060882" y="2673149"/>
+            <a:ext cx="2168130" cy="1582715"/>
+          </a:xfrm>
+        </p:spPr>
+        <p:txBody>
+          <a:bodyPr vert="horz" lIns="91440" tIns="45720" rIns="91440" bIns="45720" rtlCol="0" anchor="ctr">
+            <a:normAutofit/>
+          </a:bodyPr>
+          <a:lstStyle/>
+          <a:p>
+            <a:r>
+              <a:rPr lang="en-US" sz="4800" b="1" dirty="0"/>
+              <a:t>WHY?</a:t>
+            </a:r>
+          </a:p>
+        </p:txBody>
+      </p:sp>
+      <p:grpSp>
+        <p:nvGrpSpPr>
+          <p:cNvPr id="21" name="Group 20">
+            <a:extLst>
+              <a:ext uri="{FF2B5EF4-FFF2-40B4-BE49-F238E27FC236}">
+                <a16:creationId xmlns:a16="http://schemas.microsoft.com/office/drawing/2014/main" id="{9A22FF27-10D6-4024-9D4A-1DE1B04862CB}"/>
+              </a:ext>
+            </a:extLst>
+          </p:cNvPr>
+          <p:cNvGrpSpPr/>
+          <p:nvPr/>
+        </p:nvGrpSpPr>
+        <p:grpSpPr>
+          <a:xfrm>
+            <a:off x="5703535" y="5146389"/>
+            <a:ext cx="4932152" cy="1577174"/>
+            <a:chOff x="5424256" y="5093121"/>
+            <a:chExt cx="4932152" cy="1577174"/>
+          </a:xfrm>
+        </p:grpSpPr>
+        <p:pic>
+          <p:nvPicPr>
+            <p:cNvPr id="5" name="Picture 4" descr="Diagram&#10;&#10;Description automatically generated">
+              <a:extLst>
+                <a:ext uri="{FF2B5EF4-FFF2-40B4-BE49-F238E27FC236}">
+                  <a16:creationId xmlns:a16="http://schemas.microsoft.com/office/drawing/2014/main" id="{90CBC537-EB44-47AA-BD4B-4FE32E2DA322}"/>
+                </a:ext>
+              </a:extLst>
+            </p:cNvPr>
+            <p:cNvPicPr>
+              <a:picLocks noChangeAspect="1"/>
+            </p:cNvPicPr>
+            <p:nvPr/>
+          </p:nvPicPr>
+          <p:blipFill rotWithShape="1">
+            <a:blip r:embed="rId2">
+              <a:extLst>
+                <a:ext uri="{BEBA8EAE-BF5A-486C-A8C5-ECC9F3942E4B}">
+                  <a14:imgProps xmlns:a14="http://schemas.microsoft.com/office/drawing/2010/main">
+                    <a14:imgLayer r:embed="rId3">
+                      <a14:imgEffect>
+                        <a14:backgroundRemoval t="10000" b="90000" l="10000" r="90400">
+                          <a14:foregroundMark x1="90400" y1="21556" x2="90400" y2="24222"/>
+                        </a14:backgroundRemoval>
+                      </a14:imgEffect>
+                    </a14:imgLayer>
+                  </a14:imgProps>
+                </a:ext>
+              </a:extLst>
+            </a:blip>
+            <a:srcRect l="51802"/>
+            <a:stretch/>
+          </p:blipFill>
+          <p:spPr>
+            <a:xfrm>
+              <a:off x="5424256" y="5093121"/>
+              <a:ext cx="1689261" cy="1577174"/>
+            </a:xfrm>
+            <a:prstGeom prst="rect">
+              <a:avLst/>
+            </a:prstGeom>
+          </p:spPr>
+        </p:pic>
+        <p:pic>
+          <p:nvPicPr>
+            <p:cNvPr id="7" name="Picture 6">
+              <a:extLst>
+                <a:ext uri="{FF2B5EF4-FFF2-40B4-BE49-F238E27FC236}">
+                  <a16:creationId xmlns:a16="http://schemas.microsoft.com/office/drawing/2014/main" id="{92F4C8B0-51AD-4D54-B42A-E77D8C0E3927}"/>
+                </a:ext>
+              </a:extLst>
+            </p:cNvPr>
+            <p:cNvPicPr>
+              <a:picLocks noChangeAspect="1"/>
+            </p:cNvPicPr>
+            <p:nvPr/>
+          </p:nvPicPr>
+          <p:blipFill>
+            <a:blip r:embed="rId4"/>
+            <a:stretch>
+              <a:fillRect/>
+            </a:stretch>
+          </p:blipFill>
+          <p:spPr>
+            <a:xfrm>
+              <a:off x="6938692" y="5371129"/>
+              <a:ext cx="1005658" cy="1001468"/>
+            </a:xfrm>
+            <a:prstGeom prst="rect">
+              <a:avLst/>
+            </a:prstGeom>
+          </p:spPr>
+        </p:pic>
+        <p:grpSp>
+          <p:nvGrpSpPr>
+            <p:cNvPr id="18" name="Group 17">
+              <a:extLst>
+                <a:ext uri="{FF2B5EF4-FFF2-40B4-BE49-F238E27FC236}">
+                  <a16:creationId xmlns:a16="http://schemas.microsoft.com/office/drawing/2014/main" id="{06D961F7-811A-4EF7-A00D-1CBDA340C4CE}"/>
+                </a:ext>
+              </a:extLst>
+            </p:cNvPr>
+            <p:cNvGrpSpPr/>
+            <p:nvPr/>
+          </p:nvGrpSpPr>
+          <p:grpSpPr>
+            <a:xfrm>
+              <a:off x="7944704" y="5347724"/>
+              <a:ext cx="1366497" cy="1024873"/>
+              <a:chOff x="7287756" y="5347724"/>
+              <a:chExt cx="1366497" cy="1024873"/>
+            </a:xfrm>
+          </p:grpSpPr>
+          <p:sp>
+            <p:nvSpPr>
+              <p:cNvPr id="17" name="Rectangle 16">
+                <a:extLst>
+                  <a:ext uri="{FF2B5EF4-FFF2-40B4-BE49-F238E27FC236}">
+                    <a16:creationId xmlns:a16="http://schemas.microsoft.com/office/drawing/2014/main" id="{F6E72B3B-9966-4714-96A1-1ECA4E62C2A9}"/>
+                  </a:ext>
+                </a:extLst>
+              </p:cNvPr>
+              <p:cNvSpPr/>
+              <p:nvPr/>
+            </p:nvSpPr>
+            <p:spPr>
+              <a:xfrm>
+                <a:off x="7646796" y="5566787"/>
+                <a:ext cx="572756" cy="638730"/>
+              </a:xfrm>
+              <a:prstGeom prst="rect">
+                <a:avLst/>
+              </a:prstGeom>
+              <a:solidFill>
+                <a:schemeClr val="tx2"/>
+              </a:solidFill>
+            </p:spPr>
+            <p:style>
+              <a:lnRef idx="2">
+                <a:schemeClr val="accent1">
+                  <a:shade val="50000"/>
+                </a:schemeClr>
+              </a:lnRef>
+              <a:fillRef idx="1">
+                <a:schemeClr val="accent1"/>
+              </a:fillRef>
+              <a:effectRef idx="0">
+                <a:schemeClr val="accent1"/>
+              </a:effectRef>
+              <a:fontRef idx="minor">
+                <a:schemeClr val="lt1"/>
+              </a:fontRef>
+            </p:style>
+            <p:txBody>
+              <a:bodyPr rtlCol="0" anchor="ctr"/>
+              <a:lstStyle/>
+              <a:p>
+                <a:pPr algn="ctr"/>
+                <a:endParaRPr lang="en-GB"/>
+              </a:p>
+            </p:txBody>
+          </p:sp>
+          <p:pic>
+            <p:nvPicPr>
+              <p:cNvPr id="15" name="Picture 14" descr="Icon&#10;&#10;Description automatically generated">
+                <a:extLst>
+                  <a:ext uri="{FF2B5EF4-FFF2-40B4-BE49-F238E27FC236}">
+                    <a16:creationId xmlns:a16="http://schemas.microsoft.com/office/drawing/2014/main" id="{ABF6A7DD-6459-413A-AB91-01CF6C4685F7}"/>
+                  </a:ext>
+                </a:extLst>
+              </p:cNvPr>
+              <p:cNvPicPr>
+                <a:picLocks noChangeAspect="1"/>
+              </p:cNvPicPr>
+              <p:nvPr/>
+            </p:nvPicPr>
+            <p:blipFill>
+              <a:blip r:embed="rId5"/>
+              <a:stretch>
+                <a:fillRect/>
+              </a:stretch>
+            </p:blipFill>
+            <p:spPr>
+              <a:xfrm>
+                <a:off x="7287756" y="5347724"/>
+                <a:ext cx="1366497" cy="1024873"/>
+              </a:xfrm>
+              <a:prstGeom prst="rect">
+                <a:avLst/>
+              </a:prstGeom>
+            </p:spPr>
+          </p:pic>
+        </p:grpSp>
+        <p:pic>
+          <p:nvPicPr>
+            <p:cNvPr id="20" name="Picture 19" descr="A picture containing envelope&#10;&#10;Description automatically generated">
+              <a:extLst>
+                <a:ext uri="{FF2B5EF4-FFF2-40B4-BE49-F238E27FC236}">
+                  <a16:creationId xmlns:a16="http://schemas.microsoft.com/office/drawing/2014/main" id="{05E8DDD6-C317-480A-A50A-E2BF7A077226}"/>
+                </a:ext>
+              </a:extLst>
+            </p:cNvPr>
+            <p:cNvPicPr>
+              <a:picLocks noChangeAspect="1"/>
+            </p:cNvPicPr>
+            <p:nvPr/>
+          </p:nvPicPr>
+          <p:blipFill>
+            <a:blip r:embed="rId6"/>
+            <a:stretch>
+              <a:fillRect/>
+            </a:stretch>
+          </p:blipFill>
+          <p:spPr>
+            <a:xfrm>
+              <a:off x="9021117" y="5371129"/>
+              <a:ext cx="1335291" cy="1001468"/>
+            </a:xfrm>
+            <a:prstGeom prst="rect">
+              <a:avLst/>
+            </a:prstGeom>
+          </p:spPr>
+        </p:pic>
+      </p:grpSp>
     </p:spTree>
     <p:extLst>
       <p:ext uri="{BB962C8B-B14F-4D97-AF65-F5344CB8AC3E}">
@@ -13088,39 +20255,6 @@
           <a:p>
             <a:pPr algn="ctr"/>
             <a:endParaRPr lang="en-US"/>
-          </a:p>
-        </p:txBody>
-      </p:sp>
-      <p:sp>
-        <p:nvSpPr>
-          <p:cNvPr id="2" name="Title 1">
-            <a:extLst>
-              <a:ext uri="{FF2B5EF4-FFF2-40B4-BE49-F238E27FC236}">
-                <a16:creationId xmlns:a16="http://schemas.microsoft.com/office/drawing/2014/main" id="{1AE1D47A-D858-462A-A828-67B800454449}"/>
-              </a:ext>
-            </a:extLst>
-          </p:cNvPr>
-          <p:cNvSpPr>
-            <a:spLocks noGrp="1"/>
-          </p:cNvSpPr>
-          <p:nvPr>
-            <p:ph type="title"/>
-          </p:nvPr>
-        </p:nvSpPr>
-        <p:spPr>
-          <a:xfrm>
-            <a:off x="4916251" y="1231506"/>
-            <a:ext cx="6338958" cy="4394988"/>
-          </a:xfrm>
-        </p:spPr>
-        <p:txBody>
-          <a:bodyPr vert="horz" lIns="91440" tIns="45720" rIns="91440" bIns="45720" rtlCol="0" anchor="ctr">
-            <a:normAutofit/>
-          </a:bodyPr>
-          <a:lstStyle/>
-          <a:p>
-            <a:pPr algn="ctr"/>
-            <a:endParaRPr lang="en-US" sz="6600"/>
           </a:p>
         </p:txBody>
       </p:sp>
@@ -14308,6 +21442,41 @@
       </p:sp>
       <p:sp>
         <p:nvSpPr>
+          <p:cNvPr id="2" name="Title 1">
+            <a:extLst>
+              <a:ext uri="{FF2B5EF4-FFF2-40B4-BE49-F238E27FC236}">
+                <a16:creationId xmlns:a16="http://schemas.microsoft.com/office/drawing/2014/main" id="{1AE1D47A-D858-462A-A828-67B800454449}"/>
+              </a:ext>
+            </a:extLst>
+          </p:cNvPr>
+          <p:cNvSpPr>
+            <a:spLocks noGrp="1"/>
+          </p:cNvSpPr>
+          <p:nvPr>
+            <p:ph type="title"/>
+          </p:nvPr>
+        </p:nvSpPr>
+        <p:spPr>
+          <a:xfrm>
+            <a:off x="1028830" y="2637642"/>
+            <a:ext cx="2215124" cy="1582715"/>
+          </a:xfrm>
+        </p:spPr>
+        <p:txBody>
+          <a:bodyPr vert="horz" lIns="91440" tIns="45720" rIns="91440" bIns="45720" rtlCol="0" anchor="ctr">
+            <a:normAutofit/>
+          </a:bodyPr>
+          <a:lstStyle/>
+          <a:p>
+            <a:r>
+              <a:rPr lang="en-US" sz="4800" b="1" dirty="0"/>
+              <a:t>How?</a:t>
+            </a:r>
+          </a:p>
+        </p:txBody>
+      </p:sp>
+      <p:sp>
+        <p:nvSpPr>
           <p:cNvPr id="3" name="Text Placeholder 2">
             <a:extLst>
               <a:ext uri="{FF2B5EF4-FFF2-40B4-BE49-F238E27FC236}">
@@ -14324,24 +21493,245 @@
         </p:nvSpPr>
         <p:spPr>
           <a:xfrm>
-            <a:off x="566929" y="1565556"/>
-            <a:ext cx="3112442" cy="3726888"/>
+            <a:off x="4806776" y="997839"/>
+            <a:ext cx="6814094" cy="5229224"/>
           </a:xfrm>
         </p:spPr>
         <p:txBody>
           <a:bodyPr vert="horz" lIns="91440" tIns="45720" rIns="91440" bIns="45720" rtlCol="0" anchor="ctr">
-            <a:normAutofit/>
+            <a:normAutofit fontScale="85000" lnSpcReduction="20000"/>
           </a:bodyPr>
           <a:lstStyle/>
           <a:p>
-            <a:pPr algn="ctr"/>
+            <a:pPr marL="342900" indent="-342900">
+              <a:buFont typeface="Arial" panose="020B0604020202020204" pitchFamily="34" charset="0"/>
+              <a:buChar char="•"/>
+            </a:pPr>
             <a:r>
-              <a:rPr lang="en-US" sz="2800" dirty="0">
+              <a:rPr lang="en-US" sz="2400" b="0" dirty="0">
+                <a:solidFill>
+                  <a:schemeClr val="bg2"/>
+                </a:solidFill>
+              </a:rPr>
+              <a:t>Backend:</a:t>
+            </a:r>
+          </a:p>
+          <a:p>
+            <a:pPr marL="800100" lvl="1" indent="-342900">
+              <a:buFont typeface="Arial" panose="020B0604020202020204" pitchFamily="34" charset="0"/>
+              <a:buChar char="•"/>
+            </a:pPr>
+            <a:r>
+              <a:rPr lang="en-US" sz="2400" dirty="0">
                 <a:solidFill>
                   <a:schemeClr val="tx2"/>
                 </a:solidFill>
               </a:rPr>
-              <a:t>How?</a:t>
+              <a:t>Spotify API</a:t>
+            </a:r>
+          </a:p>
+          <a:p>
+            <a:pPr marL="800100" lvl="1" indent="-342900">
+              <a:buFont typeface="Arial" panose="020B0604020202020204" pitchFamily="34" charset="0"/>
+              <a:buChar char="•"/>
+            </a:pPr>
+            <a:r>
+              <a:rPr lang="en-US" sz="2400" b="0" dirty="0">
+                <a:solidFill>
+                  <a:schemeClr val="tx2"/>
+                </a:solidFill>
+              </a:rPr>
+              <a:t>Python (Scripting)</a:t>
+            </a:r>
+          </a:p>
+          <a:p>
+            <a:pPr marL="800100" lvl="1" indent="-342900">
+              <a:buFont typeface="Arial" panose="020B0604020202020204" pitchFamily="34" charset="0"/>
+              <a:buChar char="•"/>
+            </a:pPr>
+            <a:r>
+              <a:rPr lang="en-US" sz="2400" dirty="0">
+                <a:solidFill>
+                  <a:schemeClr val="tx2"/>
+                </a:solidFill>
+              </a:rPr>
+              <a:t>MySQL</a:t>
+            </a:r>
+          </a:p>
+          <a:p>
+            <a:pPr marL="800100" lvl="1" indent="-342900">
+              <a:buFont typeface="Arial" panose="020B0604020202020204" pitchFamily="34" charset="0"/>
+              <a:buChar char="•"/>
+            </a:pPr>
+            <a:r>
+              <a:rPr lang="en-US" sz="2400" b="0" dirty="0">
+                <a:solidFill>
+                  <a:schemeClr val="tx2"/>
+                </a:solidFill>
+              </a:rPr>
+              <a:t>Firebase (</a:t>
+            </a:r>
+            <a:r>
+              <a:rPr lang="en-US" sz="2400" dirty="0" err="1">
+                <a:solidFill>
+                  <a:schemeClr val="tx2"/>
+                </a:solidFill>
+              </a:rPr>
+              <a:t>G</a:t>
+            </a:r>
+            <a:r>
+              <a:rPr lang="en-US" sz="2400" b="0" dirty="0" err="1">
+                <a:solidFill>
+                  <a:schemeClr val="tx2"/>
+                </a:solidFill>
+              </a:rPr>
+              <a:t>eoFire</a:t>
+            </a:r>
+            <a:r>
+              <a:rPr lang="en-US" sz="2400" b="0" dirty="0">
+                <a:solidFill>
+                  <a:schemeClr val="tx2"/>
+                </a:solidFill>
+              </a:rPr>
+              <a:t>)</a:t>
+            </a:r>
+          </a:p>
+          <a:p>
+            <a:pPr lvl="1"/>
+            <a:endParaRPr lang="en-US" sz="2400" b="0" dirty="0">
+              <a:solidFill>
+                <a:schemeClr val="bg2"/>
+              </a:solidFill>
+            </a:endParaRPr>
+          </a:p>
+          <a:p>
+            <a:pPr marL="342900" indent="-342900">
+              <a:buFont typeface="Arial" panose="020B0604020202020204" pitchFamily="34" charset="0"/>
+              <a:buChar char="•"/>
+            </a:pPr>
+            <a:r>
+              <a:rPr lang="en-US" sz="2400" b="0" dirty="0">
+                <a:solidFill>
+                  <a:schemeClr val="bg2"/>
+                </a:solidFill>
+              </a:rPr>
+              <a:t>Frontend:</a:t>
+            </a:r>
+          </a:p>
+          <a:p>
+            <a:pPr marL="800100" lvl="1" indent="-342900">
+              <a:buFont typeface="Arial" panose="020B0604020202020204" pitchFamily="34" charset="0"/>
+              <a:buChar char="•"/>
+            </a:pPr>
+            <a:r>
+              <a:rPr lang="en-US" sz="2400" dirty="0">
+                <a:solidFill>
+                  <a:schemeClr val="tx2"/>
+                </a:solidFill>
+              </a:rPr>
+              <a:t>Xamarin (C#)</a:t>
+            </a:r>
+          </a:p>
+          <a:p>
+            <a:pPr marL="800100" lvl="1" indent="-342900">
+              <a:buFont typeface="Arial" panose="020B0604020202020204" pitchFamily="34" charset="0"/>
+              <a:buChar char="•"/>
+            </a:pPr>
+            <a:r>
+              <a:rPr lang="en-US" sz="2400" b="0" dirty="0">
+                <a:solidFill>
+                  <a:schemeClr val="tx2"/>
+                </a:solidFill>
+              </a:rPr>
+              <a:t>Firebase (User Management)</a:t>
+            </a:r>
+          </a:p>
+          <a:p>
+            <a:pPr marL="800100" lvl="1" indent="-342900">
+              <a:buFont typeface="Arial" panose="020B0604020202020204" pitchFamily="34" charset="0"/>
+              <a:buChar char="•"/>
+            </a:pPr>
+            <a:r>
+              <a:rPr lang="en-US" sz="2400" b="0" dirty="0">
+                <a:solidFill>
+                  <a:schemeClr val="tx2"/>
+                </a:solidFill>
+              </a:rPr>
+              <a:t>Python (</a:t>
+            </a:r>
+            <a:r>
+              <a:rPr lang="en-US" sz="2400" dirty="0">
+                <a:solidFill>
+                  <a:schemeClr val="tx2"/>
+                </a:solidFill>
+              </a:rPr>
+              <a:t>d</a:t>
+            </a:r>
+            <a:r>
+              <a:rPr lang="en-US" sz="2400" b="0" dirty="0">
+                <a:solidFill>
+                  <a:schemeClr val="tx2"/>
+                </a:solidFill>
+              </a:rPr>
+              <a:t>ata visualisation)</a:t>
+            </a:r>
+          </a:p>
+          <a:p>
+            <a:pPr lvl="1"/>
+            <a:endParaRPr lang="en-US" sz="2400" b="0" dirty="0">
+              <a:solidFill>
+                <a:schemeClr val="tx2"/>
+              </a:solidFill>
+            </a:endParaRPr>
+          </a:p>
+          <a:p>
+            <a:pPr marL="342900" indent="-342900">
+              <a:buFont typeface="Arial" panose="020B0604020202020204" pitchFamily="34" charset="0"/>
+              <a:buChar char="•"/>
+            </a:pPr>
+            <a:r>
+              <a:rPr lang="en-US" sz="2400" b="0" dirty="0">
+                <a:solidFill>
+                  <a:schemeClr val="bg2"/>
+                </a:solidFill>
+              </a:rPr>
+              <a:t>AR:</a:t>
+            </a:r>
+          </a:p>
+          <a:p>
+            <a:pPr marL="800100" lvl="1" indent="-342900">
+              <a:buFont typeface="Arial" panose="020B0604020202020204" pitchFamily="34" charset="0"/>
+              <a:buChar char="•"/>
+            </a:pPr>
+            <a:r>
+              <a:rPr lang="en-US" sz="2400" dirty="0">
+                <a:solidFill>
+                  <a:schemeClr val="tx2"/>
+                </a:solidFill>
+              </a:rPr>
+              <a:t>Unity (Mockups, background)</a:t>
+            </a:r>
+          </a:p>
+          <a:p>
+            <a:pPr marL="800100" lvl="1" indent="-342900">
+              <a:buFont typeface="Arial" panose="020B0604020202020204" pitchFamily="34" charset="0"/>
+              <a:buChar char="•"/>
+            </a:pPr>
+            <a:r>
+              <a:rPr lang="en-US" sz="2400" b="0" dirty="0" err="1">
+                <a:solidFill>
+                  <a:schemeClr val="tx2"/>
+                </a:solidFill>
+              </a:rPr>
+              <a:t>ARCore</a:t>
+            </a:r>
+            <a:r>
+              <a:rPr lang="en-US" sz="2400" b="0" dirty="0">
+                <a:solidFill>
+                  <a:schemeClr val="tx2"/>
+                </a:solidFill>
+              </a:rPr>
+              <a:t> </a:t>
             </a:r>
           </a:p>
         </p:txBody>
@@ -15638,7 +23028,7 @@
         </p:nvSpPr>
         <p:spPr>
           <a:xfrm>
-            <a:off x="804333" y="643468"/>
+            <a:off x="804332" y="505656"/>
             <a:ext cx="7558609" cy="984365"/>
           </a:xfrm>
         </p:spPr>
@@ -15673,23 +23063,346 @@
         </p:nvSpPr>
         <p:spPr>
           <a:xfrm>
-            <a:off x="804333" y="1640366"/>
-            <a:ext cx="7558609" cy="4665302"/>
+            <a:off x="804333" y="1615300"/>
+            <a:ext cx="9209679" cy="5051829"/>
           </a:xfrm>
         </p:spPr>
         <p:txBody>
-          <a:bodyPr vert="horz" lIns="91440" tIns="45720" rIns="91440" bIns="45720" rtlCol="0" anchor="t">
+          <a:bodyPr vert="horz" lIns="91440" tIns="45720" rIns="91440" bIns="45720" numCol="2" rtlCol="0" anchor="t">
             <a:normAutofit/>
           </a:bodyPr>
           <a:lstStyle/>
           <a:p>
+            <a:pPr marL="342900" indent="-342900">
+              <a:buFont typeface="Arial" panose="020B0604020202020204" pitchFamily="34" charset="0"/>
+              <a:buChar char="•"/>
+            </a:pPr>
             <a:r>
-              <a:rPr lang="en-US" sz="1800" dirty="0">
+              <a:rPr lang="en-US" dirty="0"/>
+              <a:t>January</a:t>
+            </a:r>
+          </a:p>
+          <a:p>
+            <a:pPr marL="800100" lvl="1" indent="-342900">
+              <a:buFont typeface="Arial" panose="020B0604020202020204" pitchFamily="34" charset="0"/>
+              <a:buChar char="•"/>
+            </a:pPr>
+            <a:r>
+              <a:rPr lang="en-US" dirty="0">
                 <a:solidFill>
                   <a:schemeClr val="tx2"/>
                 </a:solidFill>
               </a:rPr>
-              <a:t>The Plan</a:t>
+              <a:t>Finalise plan</a:t>
+            </a:r>
+          </a:p>
+          <a:p>
+            <a:pPr marL="800100" lvl="1" indent="-342900">
+              <a:buFont typeface="Arial" panose="020B0604020202020204" pitchFamily="34" charset="0"/>
+              <a:buChar char="•"/>
+            </a:pPr>
+            <a:r>
+              <a:rPr lang="en-US" dirty="0">
+                <a:solidFill>
+                  <a:schemeClr val="tx2"/>
+                </a:solidFill>
+              </a:rPr>
+              <a:t>Get demo working with other users</a:t>
+            </a:r>
+          </a:p>
+          <a:p>
+            <a:pPr marL="800100" lvl="1" indent="-342900">
+              <a:buFont typeface="Arial" panose="020B0604020202020204" pitchFamily="34" charset="0"/>
+              <a:buChar char="•"/>
+            </a:pPr>
+            <a:r>
+              <a:rPr lang="en-US" dirty="0">
+                <a:solidFill>
+                  <a:schemeClr val="tx2"/>
+                </a:solidFill>
+              </a:rPr>
+              <a:t>Frontend mockup</a:t>
+            </a:r>
+          </a:p>
+          <a:p>
+            <a:pPr marL="800100" lvl="1" indent="-342900">
+              <a:buFont typeface="Arial" panose="020B0604020202020204" pitchFamily="34" charset="0"/>
+              <a:buChar char="•"/>
+            </a:pPr>
+            <a:r>
+              <a:rPr lang="en-US" dirty="0">
+                <a:solidFill>
+                  <a:schemeClr val="tx2"/>
+                </a:solidFill>
+              </a:rPr>
+              <a:t>Start finalising backend</a:t>
+            </a:r>
+          </a:p>
+          <a:p>
+            <a:pPr marL="342900" indent="-342900">
+              <a:buFont typeface="Arial" panose="020B0604020202020204" pitchFamily="34" charset="0"/>
+              <a:buChar char="•"/>
+            </a:pPr>
+            <a:r>
+              <a:rPr lang="en-US" dirty="0"/>
+              <a:t>February</a:t>
+            </a:r>
+          </a:p>
+          <a:p>
+            <a:pPr marL="800100" lvl="1" indent="-342900">
+              <a:buFont typeface="Arial" panose="020B0604020202020204" pitchFamily="34" charset="0"/>
+              <a:buChar char="•"/>
+            </a:pPr>
+            <a:r>
+              <a:rPr lang="en-US" dirty="0">
+                <a:solidFill>
+                  <a:schemeClr val="tx2"/>
+                </a:solidFill>
+              </a:rPr>
+              <a:t>Complete backend</a:t>
+            </a:r>
+          </a:p>
+          <a:p>
+            <a:pPr marL="800100" lvl="1" indent="-342900">
+              <a:buFont typeface="Arial" panose="020B0604020202020204" pitchFamily="34" charset="0"/>
+              <a:buChar char="•"/>
+            </a:pPr>
+            <a:r>
+              <a:rPr lang="en-US" dirty="0">
+                <a:solidFill>
+                  <a:schemeClr val="tx2"/>
+                </a:solidFill>
+              </a:rPr>
+              <a:t>Finalise frontend</a:t>
+            </a:r>
+          </a:p>
+          <a:p>
+            <a:pPr marL="800100" lvl="1" indent="-342900">
+              <a:buFont typeface="Arial" panose="020B0604020202020204" pitchFamily="34" charset="0"/>
+              <a:buChar char="•"/>
+            </a:pPr>
+            <a:r>
+              <a:rPr lang="en-US" dirty="0">
+                <a:solidFill>
+                  <a:schemeClr val="tx2"/>
+                </a:solidFill>
+              </a:rPr>
+              <a:t>7</a:t>
+            </a:r>
+            <a:r>
+              <a:rPr lang="en-US" baseline="30000" dirty="0">
+                <a:solidFill>
+                  <a:schemeClr val="tx2"/>
+                </a:solidFill>
+              </a:rPr>
+              <a:t>th</a:t>
+            </a:r>
+            <a:r>
+              <a:rPr lang="en-US" dirty="0">
+                <a:solidFill>
+                  <a:schemeClr val="tx2"/>
+                </a:solidFill>
+              </a:rPr>
+              <a:t> – Demo 2</a:t>
+            </a:r>
+          </a:p>
+          <a:p>
+            <a:pPr marL="800100" lvl="1" indent="-342900">
+              <a:buFont typeface="Arial" panose="020B0604020202020204" pitchFamily="34" charset="0"/>
+              <a:buChar char="•"/>
+            </a:pPr>
+            <a:r>
+              <a:rPr lang="en-US" dirty="0">
+                <a:solidFill>
+                  <a:schemeClr val="tx2"/>
+                </a:solidFill>
+              </a:rPr>
+              <a:t>Investigate AR implementation</a:t>
+            </a:r>
+          </a:p>
+          <a:p>
+            <a:pPr marL="800100" lvl="1" indent="-342900">
+              <a:buFont typeface="Arial" panose="020B0604020202020204" pitchFamily="34" charset="0"/>
+              <a:buChar char="•"/>
+            </a:pPr>
+            <a:r>
+              <a:rPr lang="en-US" dirty="0">
+                <a:solidFill>
+                  <a:schemeClr val="tx2"/>
+                </a:solidFill>
+              </a:rPr>
+              <a:t>Implement Firebase (</a:t>
+            </a:r>
+            <a:r>
+              <a:rPr lang="en-US" dirty="0" err="1">
+                <a:solidFill>
+                  <a:schemeClr val="tx2"/>
+                </a:solidFill>
+              </a:rPr>
+              <a:t>GeoFire</a:t>
+            </a:r>
+            <a:r>
+              <a:rPr lang="en-US" dirty="0">
+                <a:solidFill>
+                  <a:schemeClr val="tx2"/>
+                </a:solidFill>
+              </a:rPr>
+              <a:t>)</a:t>
+            </a:r>
+          </a:p>
+          <a:p>
+            <a:pPr marL="342900" indent="-342900">
+              <a:buFont typeface="Arial" panose="020B0604020202020204" pitchFamily="34" charset="0"/>
+              <a:buChar char="•"/>
+            </a:pPr>
+            <a:r>
+              <a:rPr lang="en-US" dirty="0"/>
+              <a:t>March</a:t>
+            </a:r>
+          </a:p>
+          <a:p>
+            <a:pPr marL="800100" lvl="1" indent="-342900">
+              <a:buFont typeface="Arial" panose="020B0604020202020204" pitchFamily="34" charset="0"/>
+              <a:buChar char="•"/>
+            </a:pPr>
+            <a:r>
+              <a:rPr lang="en-US" dirty="0">
+                <a:solidFill>
+                  <a:schemeClr val="tx2"/>
+                </a:solidFill>
+              </a:rPr>
+              <a:t>Complete frontend</a:t>
+            </a:r>
+          </a:p>
+          <a:p>
+            <a:pPr marL="800100" lvl="1" indent="-342900">
+              <a:buFont typeface="Arial" panose="020B0604020202020204" pitchFamily="34" charset="0"/>
+              <a:buChar char="•"/>
+            </a:pPr>
+            <a:r>
+              <a:rPr lang="en-US" dirty="0">
+                <a:solidFill>
+                  <a:schemeClr val="tx2"/>
+                </a:solidFill>
+              </a:rPr>
+              <a:t>Finalise Firebase + AR implementation</a:t>
+            </a:r>
+          </a:p>
+          <a:p>
+            <a:pPr marL="800100" lvl="1" indent="-342900">
+              <a:buFont typeface="Arial" panose="020B0604020202020204" pitchFamily="34" charset="0"/>
+              <a:buChar char="•"/>
+            </a:pPr>
+            <a:r>
+              <a:rPr lang="en-US" dirty="0">
+                <a:solidFill>
+                  <a:schemeClr val="tx2"/>
+                </a:solidFill>
+              </a:rPr>
+              <a:t>Complete project</a:t>
+            </a:r>
+          </a:p>
+          <a:p>
+            <a:pPr marL="800100" lvl="1" indent="-342900">
+              <a:buFont typeface="Arial" panose="020B0604020202020204" pitchFamily="34" charset="0"/>
+              <a:buChar char="•"/>
+            </a:pPr>
+            <a:r>
+              <a:rPr lang="en-US" dirty="0">
+                <a:solidFill>
+                  <a:schemeClr val="tx2"/>
+                </a:solidFill>
+              </a:rPr>
+              <a:t>28</a:t>
+            </a:r>
+            <a:r>
+              <a:rPr lang="en-US" baseline="30000" dirty="0">
+                <a:solidFill>
+                  <a:schemeClr val="tx2"/>
+                </a:solidFill>
+              </a:rPr>
+              <a:t>th</a:t>
+            </a:r>
+            <a:r>
+              <a:rPr lang="en-US" dirty="0">
+                <a:solidFill>
+                  <a:schemeClr val="tx2"/>
+                </a:solidFill>
+              </a:rPr>
+              <a:t> – Final Demo</a:t>
+            </a:r>
+          </a:p>
+          <a:p>
+            <a:pPr marL="800100" lvl="1" indent="-342900">
+              <a:buFont typeface="Arial" panose="020B0604020202020204" pitchFamily="34" charset="0"/>
+              <a:buChar char="•"/>
+            </a:pPr>
+            <a:r>
+              <a:rPr lang="en-US" dirty="0">
+                <a:solidFill>
+                  <a:schemeClr val="tx2"/>
+                </a:solidFill>
+              </a:rPr>
+              <a:t>Work on finalising thesis</a:t>
+            </a:r>
+            <a:endParaRPr lang="en-US" dirty="0">
+              <a:solidFill>
+                <a:schemeClr val="accent1"/>
+              </a:solidFill>
+            </a:endParaRPr>
+          </a:p>
+          <a:p>
+            <a:pPr marL="342900" indent="-342900">
+              <a:buFont typeface="Arial" panose="020B0604020202020204" pitchFamily="34" charset="0"/>
+              <a:buChar char="•"/>
+            </a:pPr>
+            <a:r>
+              <a:rPr lang="en-US" dirty="0"/>
+              <a:t>April</a:t>
+            </a:r>
+          </a:p>
+          <a:p>
+            <a:pPr marL="800100" lvl="1" indent="-342900">
+              <a:buFont typeface="Arial" panose="020B0604020202020204" pitchFamily="34" charset="0"/>
+              <a:buChar char="•"/>
+            </a:pPr>
+            <a:r>
+              <a:rPr lang="en-US" dirty="0">
+                <a:solidFill>
+                  <a:schemeClr val="tx2"/>
+                </a:solidFill>
+              </a:rPr>
+              <a:t>Complete thesis</a:t>
+            </a:r>
+          </a:p>
+          <a:p>
+            <a:pPr marL="800100" lvl="1" indent="-342900">
+              <a:buFont typeface="Arial" panose="020B0604020202020204" pitchFamily="34" charset="0"/>
+              <a:buChar char="•"/>
+            </a:pPr>
+            <a:r>
+              <a:rPr lang="en-US" dirty="0">
+                <a:solidFill>
+                  <a:schemeClr val="tx2"/>
+                </a:solidFill>
+              </a:rPr>
+              <a:t>15</a:t>
+            </a:r>
+            <a:r>
+              <a:rPr lang="en-US" baseline="30000" dirty="0">
+                <a:solidFill>
+                  <a:schemeClr val="tx2"/>
+                </a:solidFill>
+              </a:rPr>
+              <a:t>th</a:t>
+            </a:r>
+            <a:r>
+              <a:rPr lang="en-US" dirty="0">
+                <a:solidFill>
+                  <a:schemeClr val="tx2"/>
+                </a:solidFill>
+              </a:rPr>
+              <a:t> – Thesis Submission</a:t>
             </a:r>
           </a:p>
         </p:txBody>
@@ -16640,6 +24353,1516 @@
 </p:sld>
 </file>
 
+<file path=ppt/slides/slide6.xml><?xml version="1.0" encoding="utf-8"?>
+<p:sld xmlns:a="http://schemas.openxmlformats.org/drawingml/2006/main" xmlns:r="http://schemas.openxmlformats.org/officeDocument/2006/relationships" xmlns:p="http://schemas.openxmlformats.org/presentationml/2006/main">
+  <p:cSld>
+    <p:bg>
+      <p:bgPr>
+        <a:solidFill>
+          <a:schemeClr val="bg2"/>
+        </a:solidFill>
+        <a:effectLst/>
+      </p:bgPr>
+    </p:bg>
+    <p:spTree>
+      <p:nvGrpSpPr>
+        <p:cNvPr id="1" name=""/>
+        <p:cNvGrpSpPr/>
+        <p:nvPr/>
+      </p:nvGrpSpPr>
+      <p:grpSpPr>
+        <a:xfrm>
+          <a:off x="0" y="0"/>
+          <a:ext cx="0" cy="0"/>
+          <a:chOff x="0" y="0"/>
+          <a:chExt cx="0" cy="0"/>
+        </a:xfrm>
+      </p:grpSpPr>
+      <p:sp useBgFill="1">
+        <p:nvSpPr>
+          <p:cNvPr id="9" name="Rectangle 8">
+            <a:extLst>
+              <a:ext uri="{FF2B5EF4-FFF2-40B4-BE49-F238E27FC236}">
+                <a16:creationId xmlns:a16="http://schemas.microsoft.com/office/drawing/2014/main" id="{F73EEC40-1E6A-4BA4-90CA-0E9CB6D623B7}"/>
+              </a:ext>
+              <a:ext uri="{C183D7F6-B498-43B3-948B-1728B52AA6E4}">
+                <adec:decorative xmlns:adec="http://schemas.microsoft.com/office/drawing/2017/decorative" val="1"/>
+              </a:ext>
+            </a:extLst>
+          </p:cNvPr>
+          <p:cNvSpPr>
+            <a:spLocks noGrp="1" noRot="1" noChangeAspect="1" noMove="1" noResize="1" noEditPoints="1" noAdjustHandles="1" noChangeArrowheads="1" noChangeShapeType="1" noTextEdit="1"/>
+          </p:cNvSpPr>
+          <p:nvPr>
+            <p:extLst>
+              <p:ext uri="{386F3935-93C4-4BCD-93E2-E3B085C9AB24}">
+                <p16:designElem xmlns:p16="http://schemas.microsoft.com/office/powerpoint/2015/main" val="1"/>
+              </p:ext>
+            </p:extLst>
+          </p:nvPr>
+        </p:nvSpPr>
+        <p:spPr bwMode="white">
+          <a:xfrm>
+            <a:off x="0" y="0"/>
+            <a:ext cx="12192000" cy="6858000"/>
+          </a:xfrm>
+          <a:prstGeom prst="rect">
+            <a:avLst/>
+          </a:prstGeom>
+          <a:ln>
+            <a:noFill/>
+          </a:ln>
+        </p:spPr>
+        <p:style>
+          <a:lnRef idx="2">
+            <a:schemeClr val="accent1">
+              <a:shade val="50000"/>
+            </a:schemeClr>
+          </a:lnRef>
+          <a:fillRef idx="1">
+            <a:schemeClr val="accent1"/>
+          </a:fillRef>
+          <a:effectRef idx="0">
+            <a:schemeClr val="accent1"/>
+          </a:effectRef>
+          <a:fontRef idx="minor">
+            <a:schemeClr val="lt1"/>
+          </a:fontRef>
+        </p:style>
+        <p:txBody>
+          <a:bodyPr rot="0" spcFirstLastPara="0" vert="horz" wrap="square" lIns="91440" tIns="45720" rIns="91440" bIns="45720" numCol="1" spcCol="0" rtlCol="0" fromWordArt="0" anchor="ctr" anchorCtr="0" forceAA="0" compatLnSpc="1">
+            <a:prstTxWarp prst="textNoShape">
+              <a:avLst/>
+            </a:prstTxWarp>
+            <a:noAutofit/>
+          </a:bodyPr>
+          <a:lstStyle>
+            <a:defPPr>
+              <a:defRPr lang="en-US"/>
+            </a:defPPr>
+            <a:lvl1pPr marL="0" algn="l" defTabSz="914400" rtl="0" eaLnBrk="1" latinLnBrk="0" hangingPunct="1">
+              <a:defRPr sz="1800" kern="1200">
+                <a:solidFill>
+                  <a:schemeClr val="lt1"/>
+                </a:solidFill>
+                <a:latin typeface="+mn-lt"/>
+                <a:ea typeface="+mn-ea"/>
+                <a:cs typeface="+mn-cs"/>
+              </a:defRPr>
+            </a:lvl1pPr>
+            <a:lvl2pPr marL="457200" algn="l" defTabSz="914400" rtl="0" eaLnBrk="1" latinLnBrk="0" hangingPunct="1">
+              <a:defRPr sz="1800" kern="1200">
+                <a:solidFill>
+                  <a:schemeClr val="lt1"/>
+                </a:solidFill>
+                <a:latin typeface="+mn-lt"/>
+                <a:ea typeface="+mn-ea"/>
+                <a:cs typeface="+mn-cs"/>
+              </a:defRPr>
+            </a:lvl2pPr>
+            <a:lvl3pPr marL="914400" algn="l" defTabSz="914400" rtl="0" eaLnBrk="1" latinLnBrk="0" hangingPunct="1">
+              <a:defRPr sz="1800" kern="1200">
+                <a:solidFill>
+                  <a:schemeClr val="lt1"/>
+                </a:solidFill>
+                <a:latin typeface="+mn-lt"/>
+                <a:ea typeface="+mn-ea"/>
+                <a:cs typeface="+mn-cs"/>
+              </a:defRPr>
+            </a:lvl3pPr>
+            <a:lvl4pPr marL="1371600" algn="l" defTabSz="914400" rtl="0" eaLnBrk="1" latinLnBrk="0" hangingPunct="1">
+              <a:defRPr sz="1800" kern="1200">
+                <a:solidFill>
+                  <a:schemeClr val="lt1"/>
+                </a:solidFill>
+                <a:latin typeface="+mn-lt"/>
+                <a:ea typeface="+mn-ea"/>
+                <a:cs typeface="+mn-cs"/>
+              </a:defRPr>
+            </a:lvl4pPr>
+            <a:lvl5pPr marL="1828800" algn="l" defTabSz="914400" rtl="0" eaLnBrk="1" latinLnBrk="0" hangingPunct="1">
+              <a:defRPr sz="1800" kern="1200">
+                <a:solidFill>
+                  <a:schemeClr val="lt1"/>
+                </a:solidFill>
+                <a:latin typeface="+mn-lt"/>
+                <a:ea typeface="+mn-ea"/>
+                <a:cs typeface="+mn-cs"/>
+              </a:defRPr>
+            </a:lvl5pPr>
+            <a:lvl6pPr marL="2286000" algn="l" defTabSz="914400" rtl="0" eaLnBrk="1" latinLnBrk="0" hangingPunct="1">
+              <a:defRPr sz="1800" kern="1200">
+                <a:solidFill>
+                  <a:schemeClr val="lt1"/>
+                </a:solidFill>
+                <a:latin typeface="+mn-lt"/>
+                <a:ea typeface="+mn-ea"/>
+                <a:cs typeface="+mn-cs"/>
+              </a:defRPr>
+            </a:lvl6pPr>
+            <a:lvl7pPr marL="2743200" algn="l" defTabSz="914400" rtl="0" eaLnBrk="1" latinLnBrk="0" hangingPunct="1">
+              <a:defRPr sz="1800" kern="1200">
+                <a:solidFill>
+                  <a:schemeClr val="lt1"/>
+                </a:solidFill>
+                <a:latin typeface="+mn-lt"/>
+                <a:ea typeface="+mn-ea"/>
+                <a:cs typeface="+mn-cs"/>
+              </a:defRPr>
+            </a:lvl7pPr>
+            <a:lvl8pPr marL="3200400" algn="l" defTabSz="914400" rtl="0" eaLnBrk="1" latinLnBrk="0" hangingPunct="1">
+              <a:defRPr sz="1800" kern="1200">
+                <a:solidFill>
+                  <a:schemeClr val="lt1"/>
+                </a:solidFill>
+                <a:latin typeface="+mn-lt"/>
+                <a:ea typeface="+mn-ea"/>
+                <a:cs typeface="+mn-cs"/>
+              </a:defRPr>
+            </a:lvl8pPr>
+            <a:lvl9pPr marL="3657600" algn="l" defTabSz="914400" rtl="0" eaLnBrk="1" latinLnBrk="0" hangingPunct="1">
+              <a:defRPr sz="1800" kern="1200">
+                <a:solidFill>
+                  <a:schemeClr val="lt1"/>
+                </a:solidFill>
+                <a:latin typeface="+mn-lt"/>
+                <a:ea typeface="+mn-ea"/>
+                <a:cs typeface="+mn-cs"/>
+              </a:defRPr>
+            </a:lvl9pPr>
+          </a:lstStyle>
+          <a:p>
+            <a:pPr algn="ctr"/>
+            <a:endParaRPr lang="en-US"/>
+          </a:p>
+        </p:txBody>
+      </p:sp>
+      <p:sp>
+        <p:nvSpPr>
+          <p:cNvPr id="2" name="Title 1">
+            <a:extLst>
+              <a:ext uri="{FF2B5EF4-FFF2-40B4-BE49-F238E27FC236}">
+                <a16:creationId xmlns:a16="http://schemas.microsoft.com/office/drawing/2014/main" id="{AA133A0B-787D-4B64-B042-AA3A3F6B7868}"/>
+              </a:ext>
+            </a:extLst>
+          </p:cNvPr>
+          <p:cNvSpPr>
+            <a:spLocks noGrp="1"/>
+          </p:cNvSpPr>
+          <p:nvPr>
+            <p:ph type="title"/>
+          </p:nvPr>
+        </p:nvSpPr>
+        <p:spPr>
+          <a:xfrm>
+            <a:off x="8050787" y="482322"/>
+            <a:ext cx="3656581" cy="5571624"/>
+          </a:xfrm>
+        </p:spPr>
+        <p:txBody>
+          <a:bodyPr anchor="ctr">
+            <a:normAutofit/>
+          </a:bodyPr>
+          <a:lstStyle/>
+          <a:p>
+            <a:r>
+              <a:rPr lang="en-GB" dirty="0"/>
+              <a:t>Features</a:t>
+            </a:r>
+          </a:p>
+        </p:txBody>
+      </p:sp>
+      <p:sp>
+        <p:nvSpPr>
+          <p:cNvPr id="11" name="Freeform 10">
+            <a:extLst>
+              <a:ext uri="{FF2B5EF4-FFF2-40B4-BE49-F238E27FC236}">
+                <a16:creationId xmlns:a16="http://schemas.microsoft.com/office/drawing/2014/main" id="{23E5B0A1-62AF-4842-80C0-74DA087E9C27}"/>
+              </a:ext>
+              <a:ext uri="{C183D7F6-B498-43B3-948B-1728B52AA6E4}">
+                <adec:decorative xmlns:adec="http://schemas.microsoft.com/office/drawing/2017/decorative" val="1"/>
+              </a:ext>
+            </a:extLst>
+          </p:cNvPr>
+          <p:cNvSpPr>
+            <a:spLocks noGrp="1" noRot="1" noChangeAspect="1" noMove="1" noResize="1" noEditPoints="1" noAdjustHandles="1" noChangeArrowheads="1" noChangeShapeType="1" noTextEdit="1"/>
+          </p:cNvSpPr>
+          <p:nvPr>
+            <p:extLst>
+              <p:ext uri="{386F3935-93C4-4BCD-93E2-E3B085C9AB24}">
+                <p16:designElem xmlns:p16="http://schemas.microsoft.com/office/powerpoint/2015/main" val="1"/>
+              </p:ext>
+            </p:extLst>
+          </p:nvPr>
+        </p:nvSpPr>
+        <p:spPr bwMode="ltGray">
+          <a:xfrm>
+            <a:off x="0" y="0"/>
+            <a:ext cx="7569200" cy="6858000"/>
+          </a:xfrm>
+          <a:custGeom>
+            <a:avLst/>
+            <a:gdLst>
+              <a:gd name="connsiteX0" fmla="*/ 0 w 7569200"/>
+              <a:gd name="connsiteY0" fmla="*/ 0 h 6858000"/>
+              <a:gd name="connsiteX1" fmla="*/ 7389812 w 7569200"/>
+              <a:gd name="connsiteY1" fmla="*/ 0 h 6858000"/>
+              <a:gd name="connsiteX2" fmla="*/ 7394575 w 7569200"/>
+              <a:gd name="connsiteY2" fmla="*/ 66675 h 6858000"/>
+              <a:gd name="connsiteX3" fmla="*/ 7402512 w 7569200"/>
+              <a:gd name="connsiteY3" fmla="*/ 122237 h 6858000"/>
+              <a:gd name="connsiteX4" fmla="*/ 7412037 w 7569200"/>
+              <a:gd name="connsiteY4" fmla="*/ 174625 h 6858000"/>
+              <a:gd name="connsiteX5" fmla="*/ 7427912 w 7569200"/>
+              <a:gd name="connsiteY5" fmla="*/ 217487 h 6858000"/>
+              <a:gd name="connsiteX6" fmla="*/ 7443787 w 7569200"/>
+              <a:gd name="connsiteY6" fmla="*/ 260350 h 6858000"/>
+              <a:gd name="connsiteX7" fmla="*/ 7462837 w 7569200"/>
+              <a:gd name="connsiteY7" fmla="*/ 296862 h 6858000"/>
+              <a:gd name="connsiteX8" fmla="*/ 7481887 w 7569200"/>
+              <a:gd name="connsiteY8" fmla="*/ 334962 h 6858000"/>
+              <a:gd name="connsiteX9" fmla="*/ 7499350 w 7569200"/>
+              <a:gd name="connsiteY9" fmla="*/ 369887 h 6858000"/>
+              <a:gd name="connsiteX10" fmla="*/ 7516812 w 7569200"/>
+              <a:gd name="connsiteY10" fmla="*/ 409575 h 6858000"/>
+              <a:gd name="connsiteX11" fmla="*/ 7532687 w 7569200"/>
+              <a:gd name="connsiteY11" fmla="*/ 450850 h 6858000"/>
+              <a:gd name="connsiteX12" fmla="*/ 7546975 w 7569200"/>
+              <a:gd name="connsiteY12" fmla="*/ 496887 h 6858000"/>
+              <a:gd name="connsiteX13" fmla="*/ 7558087 w 7569200"/>
+              <a:gd name="connsiteY13" fmla="*/ 546100 h 6858000"/>
+              <a:gd name="connsiteX14" fmla="*/ 7566025 w 7569200"/>
+              <a:gd name="connsiteY14" fmla="*/ 606425 h 6858000"/>
+              <a:gd name="connsiteX15" fmla="*/ 7569200 w 7569200"/>
+              <a:gd name="connsiteY15" fmla="*/ 673100 h 6858000"/>
+              <a:gd name="connsiteX16" fmla="*/ 7566025 w 7569200"/>
+              <a:gd name="connsiteY16" fmla="*/ 744537 h 6858000"/>
+              <a:gd name="connsiteX17" fmla="*/ 7558087 w 7569200"/>
+              <a:gd name="connsiteY17" fmla="*/ 801687 h 6858000"/>
+              <a:gd name="connsiteX18" fmla="*/ 7546975 w 7569200"/>
+              <a:gd name="connsiteY18" fmla="*/ 854075 h 6858000"/>
+              <a:gd name="connsiteX19" fmla="*/ 7532687 w 7569200"/>
+              <a:gd name="connsiteY19" fmla="*/ 901700 h 6858000"/>
+              <a:gd name="connsiteX20" fmla="*/ 7516812 w 7569200"/>
+              <a:gd name="connsiteY20" fmla="*/ 942975 h 6858000"/>
+              <a:gd name="connsiteX21" fmla="*/ 7497762 w 7569200"/>
+              <a:gd name="connsiteY21" fmla="*/ 981075 h 6858000"/>
+              <a:gd name="connsiteX22" fmla="*/ 7478712 w 7569200"/>
+              <a:gd name="connsiteY22" fmla="*/ 1017587 h 6858000"/>
+              <a:gd name="connsiteX23" fmla="*/ 7459662 w 7569200"/>
+              <a:gd name="connsiteY23" fmla="*/ 1055687 h 6858000"/>
+              <a:gd name="connsiteX24" fmla="*/ 7442200 w 7569200"/>
+              <a:gd name="connsiteY24" fmla="*/ 1095375 h 6858000"/>
+              <a:gd name="connsiteX25" fmla="*/ 7424737 w 7569200"/>
+              <a:gd name="connsiteY25" fmla="*/ 1136650 h 6858000"/>
+              <a:gd name="connsiteX26" fmla="*/ 7410450 w 7569200"/>
+              <a:gd name="connsiteY26" fmla="*/ 1182687 h 6858000"/>
+              <a:gd name="connsiteX27" fmla="*/ 7400925 w 7569200"/>
+              <a:gd name="connsiteY27" fmla="*/ 1235075 h 6858000"/>
+              <a:gd name="connsiteX28" fmla="*/ 7391400 w 7569200"/>
+              <a:gd name="connsiteY28" fmla="*/ 1295400 h 6858000"/>
+              <a:gd name="connsiteX29" fmla="*/ 7389812 w 7569200"/>
+              <a:gd name="connsiteY29" fmla="*/ 1363662 h 6858000"/>
+              <a:gd name="connsiteX30" fmla="*/ 7391400 w 7569200"/>
+              <a:gd name="connsiteY30" fmla="*/ 1431925 h 6858000"/>
+              <a:gd name="connsiteX31" fmla="*/ 7400925 w 7569200"/>
+              <a:gd name="connsiteY31" fmla="*/ 1492250 h 6858000"/>
+              <a:gd name="connsiteX32" fmla="*/ 7410450 w 7569200"/>
+              <a:gd name="connsiteY32" fmla="*/ 1544637 h 6858000"/>
+              <a:gd name="connsiteX33" fmla="*/ 7424737 w 7569200"/>
+              <a:gd name="connsiteY33" fmla="*/ 1589087 h 6858000"/>
+              <a:gd name="connsiteX34" fmla="*/ 7442200 w 7569200"/>
+              <a:gd name="connsiteY34" fmla="*/ 1631950 h 6858000"/>
+              <a:gd name="connsiteX35" fmla="*/ 7459662 w 7569200"/>
+              <a:gd name="connsiteY35" fmla="*/ 1671637 h 6858000"/>
+              <a:gd name="connsiteX36" fmla="*/ 7478712 w 7569200"/>
+              <a:gd name="connsiteY36" fmla="*/ 1708150 h 6858000"/>
+              <a:gd name="connsiteX37" fmla="*/ 7497762 w 7569200"/>
+              <a:gd name="connsiteY37" fmla="*/ 1743075 h 6858000"/>
+              <a:gd name="connsiteX38" fmla="*/ 7516812 w 7569200"/>
+              <a:gd name="connsiteY38" fmla="*/ 1782762 h 6858000"/>
+              <a:gd name="connsiteX39" fmla="*/ 7532687 w 7569200"/>
+              <a:gd name="connsiteY39" fmla="*/ 1824037 h 6858000"/>
+              <a:gd name="connsiteX40" fmla="*/ 7546975 w 7569200"/>
+              <a:gd name="connsiteY40" fmla="*/ 1870075 h 6858000"/>
+              <a:gd name="connsiteX41" fmla="*/ 7558087 w 7569200"/>
+              <a:gd name="connsiteY41" fmla="*/ 1922462 h 6858000"/>
+              <a:gd name="connsiteX42" fmla="*/ 7566025 w 7569200"/>
+              <a:gd name="connsiteY42" fmla="*/ 1982787 h 6858000"/>
+              <a:gd name="connsiteX43" fmla="*/ 7569200 w 7569200"/>
+              <a:gd name="connsiteY43" fmla="*/ 2051050 h 6858000"/>
+              <a:gd name="connsiteX44" fmla="*/ 7566025 w 7569200"/>
+              <a:gd name="connsiteY44" fmla="*/ 2119312 h 6858000"/>
+              <a:gd name="connsiteX45" fmla="*/ 7558087 w 7569200"/>
+              <a:gd name="connsiteY45" fmla="*/ 2179637 h 6858000"/>
+              <a:gd name="connsiteX46" fmla="*/ 7546975 w 7569200"/>
+              <a:gd name="connsiteY46" fmla="*/ 2232025 h 6858000"/>
+              <a:gd name="connsiteX47" fmla="*/ 7532687 w 7569200"/>
+              <a:gd name="connsiteY47" fmla="*/ 2278062 h 6858000"/>
+              <a:gd name="connsiteX48" fmla="*/ 7516812 w 7569200"/>
+              <a:gd name="connsiteY48" fmla="*/ 2319337 h 6858000"/>
+              <a:gd name="connsiteX49" fmla="*/ 7497762 w 7569200"/>
+              <a:gd name="connsiteY49" fmla="*/ 2359025 h 6858000"/>
+              <a:gd name="connsiteX50" fmla="*/ 7478712 w 7569200"/>
+              <a:gd name="connsiteY50" fmla="*/ 2395537 h 6858000"/>
+              <a:gd name="connsiteX51" fmla="*/ 7459662 w 7569200"/>
+              <a:gd name="connsiteY51" fmla="*/ 2433637 h 6858000"/>
+              <a:gd name="connsiteX52" fmla="*/ 7442200 w 7569200"/>
+              <a:gd name="connsiteY52" fmla="*/ 2471737 h 6858000"/>
+              <a:gd name="connsiteX53" fmla="*/ 7424737 w 7569200"/>
+              <a:gd name="connsiteY53" fmla="*/ 2513012 h 6858000"/>
+              <a:gd name="connsiteX54" fmla="*/ 7410450 w 7569200"/>
+              <a:gd name="connsiteY54" fmla="*/ 2560637 h 6858000"/>
+              <a:gd name="connsiteX55" fmla="*/ 7400925 w 7569200"/>
+              <a:gd name="connsiteY55" fmla="*/ 2613025 h 6858000"/>
+              <a:gd name="connsiteX56" fmla="*/ 7391400 w 7569200"/>
+              <a:gd name="connsiteY56" fmla="*/ 2671762 h 6858000"/>
+              <a:gd name="connsiteX57" fmla="*/ 7389812 w 7569200"/>
+              <a:gd name="connsiteY57" fmla="*/ 2741612 h 6858000"/>
+              <a:gd name="connsiteX58" fmla="*/ 7391400 w 7569200"/>
+              <a:gd name="connsiteY58" fmla="*/ 2809875 h 6858000"/>
+              <a:gd name="connsiteX59" fmla="*/ 7400925 w 7569200"/>
+              <a:gd name="connsiteY59" fmla="*/ 2868612 h 6858000"/>
+              <a:gd name="connsiteX60" fmla="*/ 7410450 w 7569200"/>
+              <a:gd name="connsiteY60" fmla="*/ 2922587 h 6858000"/>
+              <a:gd name="connsiteX61" fmla="*/ 7424737 w 7569200"/>
+              <a:gd name="connsiteY61" fmla="*/ 2967037 h 6858000"/>
+              <a:gd name="connsiteX62" fmla="*/ 7442200 w 7569200"/>
+              <a:gd name="connsiteY62" fmla="*/ 3009900 h 6858000"/>
+              <a:gd name="connsiteX63" fmla="*/ 7459662 w 7569200"/>
+              <a:gd name="connsiteY63" fmla="*/ 3046412 h 6858000"/>
+              <a:gd name="connsiteX64" fmla="*/ 7478712 w 7569200"/>
+              <a:gd name="connsiteY64" fmla="*/ 3084512 h 6858000"/>
+              <a:gd name="connsiteX65" fmla="*/ 7497762 w 7569200"/>
+              <a:gd name="connsiteY65" fmla="*/ 3121025 h 6858000"/>
+              <a:gd name="connsiteX66" fmla="*/ 7516812 w 7569200"/>
+              <a:gd name="connsiteY66" fmla="*/ 3160712 h 6858000"/>
+              <a:gd name="connsiteX67" fmla="*/ 7532687 w 7569200"/>
+              <a:gd name="connsiteY67" fmla="*/ 3201987 h 6858000"/>
+              <a:gd name="connsiteX68" fmla="*/ 7546975 w 7569200"/>
+              <a:gd name="connsiteY68" fmla="*/ 3248025 h 6858000"/>
+              <a:gd name="connsiteX69" fmla="*/ 7558087 w 7569200"/>
+              <a:gd name="connsiteY69" fmla="*/ 3300412 h 6858000"/>
+              <a:gd name="connsiteX70" fmla="*/ 7566025 w 7569200"/>
+              <a:gd name="connsiteY70" fmla="*/ 3360737 h 6858000"/>
+              <a:gd name="connsiteX71" fmla="*/ 7569200 w 7569200"/>
+              <a:gd name="connsiteY71" fmla="*/ 3427412 h 6858000"/>
+              <a:gd name="connsiteX72" fmla="*/ 7566025 w 7569200"/>
+              <a:gd name="connsiteY72" fmla="*/ 3497262 h 6858000"/>
+              <a:gd name="connsiteX73" fmla="*/ 7558087 w 7569200"/>
+              <a:gd name="connsiteY73" fmla="*/ 3557587 h 6858000"/>
+              <a:gd name="connsiteX74" fmla="*/ 7546975 w 7569200"/>
+              <a:gd name="connsiteY74" fmla="*/ 3609975 h 6858000"/>
+              <a:gd name="connsiteX75" fmla="*/ 7532687 w 7569200"/>
+              <a:gd name="connsiteY75" fmla="*/ 3656012 h 6858000"/>
+              <a:gd name="connsiteX76" fmla="*/ 7516812 w 7569200"/>
+              <a:gd name="connsiteY76" fmla="*/ 3697287 h 6858000"/>
+              <a:gd name="connsiteX77" fmla="*/ 7497762 w 7569200"/>
+              <a:gd name="connsiteY77" fmla="*/ 3736975 h 6858000"/>
+              <a:gd name="connsiteX78" fmla="*/ 7459662 w 7569200"/>
+              <a:gd name="connsiteY78" fmla="*/ 3811587 h 6858000"/>
+              <a:gd name="connsiteX79" fmla="*/ 7442200 w 7569200"/>
+              <a:gd name="connsiteY79" fmla="*/ 3848100 h 6858000"/>
+              <a:gd name="connsiteX80" fmla="*/ 7424737 w 7569200"/>
+              <a:gd name="connsiteY80" fmla="*/ 3890962 h 6858000"/>
+              <a:gd name="connsiteX81" fmla="*/ 7410450 w 7569200"/>
+              <a:gd name="connsiteY81" fmla="*/ 3935412 h 6858000"/>
+              <a:gd name="connsiteX82" fmla="*/ 7400925 w 7569200"/>
+              <a:gd name="connsiteY82" fmla="*/ 3987800 h 6858000"/>
+              <a:gd name="connsiteX83" fmla="*/ 7391400 w 7569200"/>
+              <a:gd name="connsiteY83" fmla="*/ 4048125 h 6858000"/>
+              <a:gd name="connsiteX84" fmla="*/ 7389812 w 7569200"/>
+              <a:gd name="connsiteY84" fmla="*/ 4116387 h 6858000"/>
+              <a:gd name="connsiteX85" fmla="*/ 7391400 w 7569200"/>
+              <a:gd name="connsiteY85" fmla="*/ 4186237 h 6858000"/>
+              <a:gd name="connsiteX86" fmla="*/ 7400925 w 7569200"/>
+              <a:gd name="connsiteY86" fmla="*/ 4244975 h 6858000"/>
+              <a:gd name="connsiteX87" fmla="*/ 7410450 w 7569200"/>
+              <a:gd name="connsiteY87" fmla="*/ 4297362 h 6858000"/>
+              <a:gd name="connsiteX88" fmla="*/ 7424737 w 7569200"/>
+              <a:gd name="connsiteY88" fmla="*/ 4343400 h 6858000"/>
+              <a:gd name="connsiteX89" fmla="*/ 7442200 w 7569200"/>
+              <a:gd name="connsiteY89" fmla="*/ 4386262 h 6858000"/>
+              <a:gd name="connsiteX90" fmla="*/ 7459662 w 7569200"/>
+              <a:gd name="connsiteY90" fmla="*/ 4424362 h 6858000"/>
+              <a:gd name="connsiteX91" fmla="*/ 7497762 w 7569200"/>
+              <a:gd name="connsiteY91" fmla="*/ 4498975 h 6858000"/>
+              <a:gd name="connsiteX92" fmla="*/ 7516812 w 7569200"/>
+              <a:gd name="connsiteY92" fmla="*/ 4537075 h 6858000"/>
+              <a:gd name="connsiteX93" fmla="*/ 7532687 w 7569200"/>
+              <a:gd name="connsiteY93" fmla="*/ 4579937 h 6858000"/>
+              <a:gd name="connsiteX94" fmla="*/ 7546975 w 7569200"/>
+              <a:gd name="connsiteY94" fmla="*/ 4625975 h 6858000"/>
+              <a:gd name="connsiteX95" fmla="*/ 7558087 w 7569200"/>
+              <a:gd name="connsiteY95" fmla="*/ 4678362 h 6858000"/>
+              <a:gd name="connsiteX96" fmla="*/ 7566025 w 7569200"/>
+              <a:gd name="connsiteY96" fmla="*/ 4738687 h 6858000"/>
+              <a:gd name="connsiteX97" fmla="*/ 7569200 w 7569200"/>
+              <a:gd name="connsiteY97" fmla="*/ 4806950 h 6858000"/>
+              <a:gd name="connsiteX98" fmla="*/ 7566025 w 7569200"/>
+              <a:gd name="connsiteY98" fmla="*/ 4875212 h 6858000"/>
+              <a:gd name="connsiteX99" fmla="*/ 7558087 w 7569200"/>
+              <a:gd name="connsiteY99" fmla="*/ 4935537 h 6858000"/>
+              <a:gd name="connsiteX100" fmla="*/ 7546975 w 7569200"/>
+              <a:gd name="connsiteY100" fmla="*/ 4987925 h 6858000"/>
+              <a:gd name="connsiteX101" fmla="*/ 7532687 w 7569200"/>
+              <a:gd name="connsiteY101" fmla="*/ 5033962 h 6858000"/>
+              <a:gd name="connsiteX102" fmla="*/ 7516812 w 7569200"/>
+              <a:gd name="connsiteY102" fmla="*/ 5075237 h 6858000"/>
+              <a:gd name="connsiteX103" fmla="*/ 7497762 w 7569200"/>
+              <a:gd name="connsiteY103" fmla="*/ 5114925 h 6858000"/>
+              <a:gd name="connsiteX104" fmla="*/ 7478712 w 7569200"/>
+              <a:gd name="connsiteY104" fmla="*/ 5149850 h 6858000"/>
+              <a:gd name="connsiteX105" fmla="*/ 7459662 w 7569200"/>
+              <a:gd name="connsiteY105" fmla="*/ 5186362 h 6858000"/>
+              <a:gd name="connsiteX106" fmla="*/ 7442200 w 7569200"/>
+              <a:gd name="connsiteY106" fmla="*/ 5226050 h 6858000"/>
+              <a:gd name="connsiteX107" fmla="*/ 7424737 w 7569200"/>
+              <a:gd name="connsiteY107" fmla="*/ 5268912 h 6858000"/>
+              <a:gd name="connsiteX108" fmla="*/ 7410450 w 7569200"/>
+              <a:gd name="connsiteY108" fmla="*/ 5313362 h 6858000"/>
+              <a:gd name="connsiteX109" fmla="*/ 7400925 w 7569200"/>
+              <a:gd name="connsiteY109" fmla="*/ 5365750 h 6858000"/>
+              <a:gd name="connsiteX110" fmla="*/ 7391400 w 7569200"/>
+              <a:gd name="connsiteY110" fmla="*/ 5426075 h 6858000"/>
+              <a:gd name="connsiteX111" fmla="*/ 7389812 w 7569200"/>
+              <a:gd name="connsiteY111" fmla="*/ 5494337 h 6858000"/>
+              <a:gd name="connsiteX112" fmla="*/ 7391400 w 7569200"/>
+              <a:gd name="connsiteY112" fmla="*/ 5562600 h 6858000"/>
+              <a:gd name="connsiteX113" fmla="*/ 7400925 w 7569200"/>
+              <a:gd name="connsiteY113" fmla="*/ 5622925 h 6858000"/>
+              <a:gd name="connsiteX114" fmla="*/ 7410450 w 7569200"/>
+              <a:gd name="connsiteY114" fmla="*/ 5675312 h 6858000"/>
+              <a:gd name="connsiteX115" fmla="*/ 7424737 w 7569200"/>
+              <a:gd name="connsiteY115" fmla="*/ 5721350 h 6858000"/>
+              <a:gd name="connsiteX116" fmla="*/ 7442200 w 7569200"/>
+              <a:gd name="connsiteY116" fmla="*/ 5762625 h 6858000"/>
+              <a:gd name="connsiteX117" fmla="*/ 7459662 w 7569200"/>
+              <a:gd name="connsiteY117" fmla="*/ 5802312 h 6858000"/>
+              <a:gd name="connsiteX118" fmla="*/ 7478712 w 7569200"/>
+              <a:gd name="connsiteY118" fmla="*/ 5840412 h 6858000"/>
+              <a:gd name="connsiteX119" fmla="*/ 7497762 w 7569200"/>
+              <a:gd name="connsiteY119" fmla="*/ 5876925 h 6858000"/>
+              <a:gd name="connsiteX120" fmla="*/ 7516812 w 7569200"/>
+              <a:gd name="connsiteY120" fmla="*/ 5915025 h 6858000"/>
+              <a:gd name="connsiteX121" fmla="*/ 7532687 w 7569200"/>
+              <a:gd name="connsiteY121" fmla="*/ 5956300 h 6858000"/>
+              <a:gd name="connsiteX122" fmla="*/ 7546975 w 7569200"/>
+              <a:gd name="connsiteY122" fmla="*/ 6003925 h 6858000"/>
+              <a:gd name="connsiteX123" fmla="*/ 7558087 w 7569200"/>
+              <a:gd name="connsiteY123" fmla="*/ 6056312 h 6858000"/>
+              <a:gd name="connsiteX124" fmla="*/ 7566025 w 7569200"/>
+              <a:gd name="connsiteY124" fmla="*/ 6113462 h 6858000"/>
+              <a:gd name="connsiteX125" fmla="*/ 7569200 w 7569200"/>
+              <a:gd name="connsiteY125" fmla="*/ 6183312 h 6858000"/>
+              <a:gd name="connsiteX126" fmla="*/ 7566025 w 7569200"/>
+              <a:gd name="connsiteY126" fmla="*/ 6251575 h 6858000"/>
+              <a:gd name="connsiteX127" fmla="*/ 7558087 w 7569200"/>
+              <a:gd name="connsiteY127" fmla="*/ 6311900 h 6858000"/>
+              <a:gd name="connsiteX128" fmla="*/ 7546975 w 7569200"/>
+              <a:gd name="connsiteY128" fmla="*/ 6361112 h 6858000"/>
+              <a:gd name="connsiteX129" fmla="*/ 7532687 w 7569200"/>
+              <a:gd name="connsiteY129" fmla="*/ 6407150 h 6858000"/>
+              <a:gd name="connsiteX130" fmla="*/ 7516812 w 7569200"/>
+              <a:gd name="connsiteY130" fmla="*/ 6448425 h 6858000"/>
+              <a:gd name="connsiteX131" fmla="*/ 7499350 w 7569200"/>
+              <a:gd name="connsiteY131" fmla="*/ 6488112 h 6858000"/>
+              <a:gd name="connsiteX132" fmla="*/ 7481887 w 7569200"/>
+              <a:gd name="connsiteY132" fmla="*/ 6523037 h 6858000"/>
+              <a:gd name="connsiteX133" fmla="*/ 7462837 w 7569200"/>
+              <a:gd name="connsiteY133" fmla="*/ 6561137 h 6858000"/>
+              <a:gd name="connsiteX134" fmla="*/ 7443787 w 7569200"/>
+              <a:gd name="connsiteY134" fmla="*/ 6597650 h 6858000"/>
+              <a:gd name="connsiteX135" fmla="*/ 7427912 w 7569200"/>
+              <a:gd name="connsiteY135" fmla="*/ 6640512 h 6858000"/>
+              <a:gd name="connsiteX136" fmla="*/ 7412037 w 7569200"/>
+              <a:gd name="connsiteY136" fmla="*/ 6683375 h 6858000"/>
+              <a:gd name="connsiteX137" fmla="*/ 7402512 w 7569200"/>
+              <a:gd name="connsiteY137" fmla="*/ 6735762 h 6858000"/>
+              <a:gd name="connsiteX138" fmla="*/ 7394575 w 7569200"/>
+              <a:gd name="connsiteY138" fmla="*/ 6791325 h 6858000"/>
+              <a:gd name="connsiteX139" fmla="*/ 7389812 w 7569200"/>
+              <a:gd name="connsiteY139" fmla="*/ 6858000 h 6858000"/>
+              <a:gd name="connsiteX140" fmla="*/ 0 w 7569200"/>
+              <a:gd name="connsiteY140" fmla="*/ 6858000 h 6858000"/>
+              <a:gd name="connsiteX141" fmla="*/ 0 w 7569200"/>
+              <a:gd name="connsiteY141" fmla="*/ 0 h 6858000"/>
+            </a:gdLst>
+            <a:ahLst/>
+            <a:cxnLst>
+              <a:cxn ang="0">
+                <a:pos x="connsiteX0" y="connsiteY0"/>
+              </a:cxn>
+              <a:cxn ang="0">
+                <a:pos x="connsiteX1" y="connsiteY1"/>
+              </a:cxn>
+              <a:cxn ang="0">
+                <a:pos x="connsiteX2" y="connsiteY2"/>
+              </a:cxn>
+              <a:cxn ang="0">
+                <a:pos x="connsiteX3" y="connsiteY3"/>
+              </a:cxn>
+              <a:cxn ang="0">
+                <a:pos x="connsiteX4" y="connsiteY4"/>
+              </a:cxn>
+              <a:cxn ang="0">
+                <a:pos x="connsiteX5" y="connsiteY5"/>
+              </a:cxn>
+              <a:cxn ang="0">
+                <a:pos x="connsiteX6" y="connsiteY6"/>
+              </a:cxn>
+              <a:cxn ang="0">
+                <a:pos x="connsiteX7" y="connsiteY7"/>
+              </a:cxn>
+              <a:cxn ang="0">
+                <a:pos x="connsiteX8" y="connsiteY8"/>
+              </a:cxn>
+              <a:cxn ang="0">
+                <a:pos x="connsiteX9" y="connsiteY9"/>
+              </a:cxn>
+              <a:cxn ang="0">
+                <a:pos x="connsiteX10" y="connsiteY10"/>
+              </a:cxn>
+              <a:cxn ang="0">
+                <a:pos x="connsiteX11" y="connsiteY11"/>
+              </a:cxn>
+              <a:cxn ang="0">
+                <a:pos x="connsiteX12" y="connsiteY12"/>
+              </a:cxn>
+              <a:cxn ang="0">
+                <a:pos x="connsiteX13" y="connsiteY13"/>
+              </a:cxn>
+              <a:cxn ang="0">
+                <a:pos x="connsiteX14" y="connsiteY14"/>
+              </a:cxn>
+              <a:cxn ang="0">
+                <a:pos x="connsiteX15" y="connsiteY15"/>
+              </a:cxn>
+              <a:cxn ang="0">
+                <a:pos x="connsiteX16" y="connsiteY16"/>
+              </a:cxn>
+              <a:cxn ang="0">
+                <a:pos x="connsiteX17" y="connsiteY17"/>
+              </a:cxn>
+              <a:cxn ang="0">
+                <a:pos x="connsiteX18" y="connsiteY18"/>
+              </a:cxn>
+              <a:cxn ang="0">
+                <a:pos x="connsiteX19" y="connsiteY19"/>
+              </a:cxn>
+              <a:cxn ang="0">
+                <a:pos x="connsiteX20" y="connsiteY20"/>
+              </a:cxn>
+              <a:cxn ang="0">
+                <a:pos x="connsiteX21" y="connsiteY21"/>
+              </a:cxn>
+              <a:cxn ang="0">
+                <a:pos x="connsiteX22" y="connsiteY22"/>
+              </a:cxn>
+              <a:cxn ang="0">
+                <a:pos x="connsiteX23" y="connsiteY23"/>
+              </a:cxn>
+              <a:cxn ang="0">
+                <a:pos x="connsiteX24" y="connsiteY24"/>
+              </a:cxn>
+              <a:cxn ang="0">
+                <a:pos x="connsiteX25" y="connsiteY25"/>
+              </a:cxn>
+              <a:cxn ang="0">
+                <a:pos x="connsiteX26" y="connsiteY26"/>
+              </a:cxn>
+              <a:cxn ang="0">
+                <a:pos x="connsiteX27" y="connsiteY27"/>
+              </a:cxn>
+              <a:cxn ang="0">
+                <a:pos x="connsiteX28" y="connsiteY28"/>
+              </a:cxn>
+              <a:cxn ang="0">
+                <a:pos x="connsiteX29" y="connsiteY29"/>
+              </a:cxn>
+              <a:cxn ang="0">
+                <a:pos x="connsiteX30" y="connsiteY30"/>
+              </a:cxn>
+              <a:cxn ang="0">
+                <a:pos x="connsiteX31" y="connsiteY31"/>
+              </a:cxn>
+              <a:cxn ang="0">
+                <a:pos x="connsiteX32" y="connsiteY32"/>
+              </a:cxn>
+              <a:cxn ang="0">
+                <a:pos x="connsiteX33" y="connsiteY33"/>
+              </a:cxn>
+              <a:cxn ang="0">
+                <a:pos x="connsiteX34" y="connsiteY34"/>
+              </a:cxn>
+              <a:cxn ang="0">
+                <a:pos x="connsiteX35" y="connsiteY35"/>
+              </a:cxn>
+              <a:cxn ang="0">
+                <a:pos x="connsiteX36" y="connsiteY36"/>
+              </a:cxn>
+              <a:cxn ang="0">
+                <a:pos x="connsiteX37" y="connsiteY37"/>
+              </a:cxn>
+              <a:cxn ang="0">
+                <a:pos x="connsiteX38" y="connsiteY38"/>
+              </a:cxn>
+              <a:cxn ang="0">
+                <a:pos x="connsiteX39" y="connsiteY39"/>
+              </a:cxn>
+              <a:cxn ang="0">
+                <a:pos x="connsiteX40" y="connsiteY40"/>
+              </a:cxn>
+              <a:cxn ang="0">
+                <a:pos x="connsiteX41" y="connsiteY41"/>
+              </a:cxn>
+              <a:cxn ang="0">
+                <a:pos x="connsiteX42" y="connsiteY42"/>
+              </a:cxn>
+              <a:cxn ang="0">
+                <a:pos x="connsiteX43" y="connsiteY43"/>
+              </a:cxn>
+              <a:cxn ang="0">
+                <a:pos x="connsiteX44" y="connsiteY44"/>
+              </a:cxn>
+              <a:cxn ang="0">
+                <a:pos x="connsiteX45" y="connsiteY45"/>
+              </a:cxn>
+              <a:cxn ang="0">
+                <a:pos x="connsiteX46" y="connsiteY46"/>
+              </a:cxn>
+              <a:cxn ang="0">
+                <a:pos x="connsiteX47" y="connsiteY47"/>
+              </a:cxn>
+              <a:cxn ang="0">
+                <a:pos x="connsiteX48" y="connsiteY48"/>
+              </a:cxn>
+              <a:cxn ang="0">
+                <a:pos x="connsiteX49" y="connsiteY49"/>
+              </a:cxn>
+              <a:cxn ang="0">
+                <a:pos x="connsiteX50" y="connsiteY50"/>
+              </a:cxn>
+              <a:cxn ang="0">
+                <a:pos x="connsiteX51" y="connsiteY51"/>
+              </a:cxn>
+              <a:cxn ang="0">
+                <a:pos x="connsiteX52" y="connsiteY52"/>
+              </a:cxn>
+              <a:cxn ang="0">
+                <a:pos x="connsiteX53" y="connsiteY53"/>
+              </a:cxn>
+              <a:cxn ang="0">
+                <a:pos x="connsiteX54" y="connsiteY54"/>
+              </a:cxn>
+              <a:cxn ang="0">
+                <a:pos x="connsiteX55" y="connsiteY55"/>
+              </a:cxn>
+              <a:cxn ang="0">
+                <a:pos x="connsiteX56" y="connsiteY56"/>
+              </a:cxn>
+              <a:cxn ang="0">
+                <a:pos x="connsiteX57" y="connsiteY57"/>
+              </a:cxn>
+              <a:cxn ang="0">
+                <a:pos x="connsiteX58" y="connsiteY58"/>
+              </a:cxn>
+              <a:cxn ang="0">
+                <a:pos x="connsiteX59" y="connsiteY59"/>
+              </a:cxn>
+              <a:cxn ang="0">
+                <a:pos x="connsiteX60" y="connsiteY60"/>
+              </a:cxn>
+              <a:cxn ang="0">
+                <a:pos x="connsiteX61" y="connsiteY61"/>
+              </a:cxn>
+              <a:cxn ang="0">
+                <a:pos x="connsiteX62" y="connsiteY62"/>
+              </a:cxn>
+              <a:cxn ang="0">
+                <a:pos x="connsiteX63" y="connsiteY63"/>
+              </a:cxn>
+              <a:cxn ang="0">
+                <a:pos x="connsiteX64" y="connsiteY64"/>
+              </a:cxn>
+              <a:cxn ang="0">
+                <a:pos x="connsiteX65" y="connsiteY65"/>
+              </a:cxn>
+              <a:cxn ang="0">
+                <a:pos x="connsiteX66" y="connsiteY66"/>
+              </a:cxn>
+              <a:cxn ang="0">
+                <a:pos x="connsiteX67" y="connsiteY67"/>
+              </a:cxn>
+              <a:cxn ang="0">
+                <a:pos x="connsiteX68" y="connsiteY68"/>
+              </a:cxn>
+              <a:cxn ang="0">
+                <a:pos x="connsiteX69" y="connsiteY69"/>
+              </a:cxn>
+              <a:cxn ang="0">
+                <a:pos x="connsiteX70" y="connsiteY70"/>
+              </a:cxn>
+              <a:cxn ang="0">
+                <a:pos x="connsiteX71" y="connsiteY71"/>
+              </a:cxn>
+              <a:cxn ang="0">
+                <a:pos x="connsiteX72" y="connsiteY72"/>
+              </a:cxn>
+              <a:cxn ang="0">
+                <a:pos x="connsiteX73" y="connsiteY73"/>
+              </a:cxn>
+              <a:cxn ang="0">
+                <a:pos x="connsiteX74" y="connsiteY74"/>
+              </a:cxn>
+              <a:cxn ang="0">
+                <a:pos x="connsiteX75" y="connsiteY75"/>
+              </a:cxn>
+              <a:cxn ang="0">
+                <a:pos x="connsiteX76" y="connsiteY76"/>
+              </a:cxn>
+              <a:cxn ang="0">
+                <a:pos x="connsiteX77" y="connsiteY77"/>
+              </a:cxn>
+              <a:cxn ang="0">
+                <a:pos x="connsiteX78" y="connsiteY78"/>
+              </a:cxn>
+              <a:cxn ang="0">
+                <a:pos x="connsiteX79" y="connsiteY79"/>
+              </a:cxn>
+              <a:cxn ang="0">
+                <a:pos x="connsiteX80" y="connsiteY80"/>
+              </a:cxn>
+              <a:cxn ang="0">
+                <a:pos x="connsiteX81" y="connsiteY81"/>
+              </a:cxn>
+              <a:cxn ang="0">
+                <a:pos x="connsiteX82" y="connsiteY82"/>
+              </a:cxn>
+              <a:cxn ang="0">
+                <a:pos x="connsiteX83" y="connsiteY83"/>
+              </a:cxn>
+              <a:cxn ang="0">
+                <a:pos x="connsiteX84" y="connsiteY84"/>
+              </a:cxn>
+              <a:cxn ang="0">
+                <a:pos x="connsiteX85" y="connsiteY85"/>
+              </a:cxn>
+              <a:cxn ang="0">
+                <a:pos x="connsiteX86" y="connsiteY86"/>
+              </a:cxn>
+              <a:cxn ang="0">
+                <a:pos x="connsiteX87" y="connsiteY87"/>
+              </a:cxn>
+              <a:cxn ang="0">
+                <a:pos x="connsiteX88" y="connsiteY88"/>
+              </a:cxn>
+              <a:cxn ang="0">
+                <a:pos x="connsiteX89" y="connsiteY89"/>
+              </a:cxn>
+              <a:cxn ang="0">
+                <a:pos x="connsiteX90" y="connsiteY90"/>
+              </a:cxn>
+              <a:cxn ang="0">
+                <a:pos x="connsiteX91" y="connsiteY91"/>
+              </a:cxn>
+              <a:cxn ang="0">
+                <a:pos x="connsiteX92" y="connsiteY92"/>
+              </a:cxn>
+              <a:cxn ang="0">
+                <a:pos x="connsiteX93" y="connsiteY93"/>
+              </a:cxn>
+              <a:cxn ang="0">
+                <a:pos x="connsiteX94" y="connsiteY94"/>
+              </a:cxn>
+              <a:cxn ang="0">
+                <a:pos x="connsiteX95" y="connsiteY95"/>
+              </a:cxn>
+              <a:cxn ang="0">
+                <a:pos x="connsiteX96" y="connsiteY96"/>
+              </a:cxn>
+              <a:cxn ang="0">
+                <a:pos x="connsiteX97" y="connsiteY97"/>
+              </a:cxn>
+              <a:cxn ang="0">
+                <a:pos x="connsiteX98" y="connsiteY98"/>
+              </a:cxn>
+              <a:cxn ang="0">
+                <a:pos x="connsiteX99" y="connsiteY99"/>
+              </a:cxn>
+              <a:cxn ang="0">
+                <a:pos x="connsiteX100" y="connsiteY100"/>
+              </a:cxn>
+              <a:cxn ang="0">
+                <a:pos x="connsiteX101" y="connsiteY101"/>
+              </a:cxn>
+              <a:cxn ang="0">
+                <a:pos x="connsiteX102" y="connsiteY102"/>
+              </a:cxn>
+              <a:cxn ang="0">
+                <a:pos x="connsiteX103" y="connsiteY103"/>
+              </a:cxn>
+              <a:cxn ang="0">
+                <a:pos x="connsiteX104" y="connsiteY104"/>
+              </a:cxn>
+              <a:cxn ang="0">
+                <a:pos x="connsiteX105" y="connsiteY105"/>
+              </a:cxn>
+              <a:cxn ang="0">
+                <a:pos x="connsiteX106" y="connsiteY106"/>
+              </a:cxn>
+              <a:cxn ang="0">
+                <a:pos x="connsiteX107" y="connsiteY107"/>
+              </a:cxn>
+              <a:cxn ang="0">
+                <a:pos x="connsiteX108" y="connsiteY108"/>
+              </a:cxn>
+              <a:cxn ang="0">
+                <a:pos x="connsiteX109" y="connsiteY109"/>
+              </a:cxn>
+              <a:cxn ang="0">
+                <a:pos x="connsiteX110" y="connsiteY110"/>
+              </a:cxn>
+              <a:cxn ang="0">
+                <a:pos x="connsiteX111" y="connsiteY111"/>
+              </a:cxn>
+              <a:cxn ang="0">
+                <a:pos x="connsiteX112" y="connsiteY112"/>
+              </a:cxn>
+              <a:cxn ang="0">
+                <a:pos x="connsiteX113" y="connsiteY113"/>
+              </a:cxn>
+              <a:cxn ang="0">
+                <a:pos x="connsiteX114" y="connsiteY114"/>
+              </a:cxn>
+              <a:cxn ang="0">
+                <a:pos x="connsiteX115" y="connsiteY115"/>
+              </a:cxn>
+              <a:cxn ang="0">
+                <a:pos x="connsiteX116" y="connsiteY116"/>
+              </a:cxn>
+              <a:cxn ang="0">
+                <a:pos x="connsiteX117" y="connsiteY117"/>
+              </a:cxn>
+              <a:cxn ang="0">
+                <a:pos x="connsiteX118" y="connsiteY118"/>
+              </a:cxn>
+              <a:cxn ang="0">
+                <a:pos x="connsiteX119" y="connsiteY119"/>
+              </a:cxn>
+              <a:cxn ang="0">
+                <a:pos x="connsiteX120" y="connsiteY120"/>
+              </a:cxn>
+              <a:cxn ang="0">
+                <a:pos x="connsiteX121" y="connsiteY121"/>
+              </a:cxn>
+              <a:cxn ang="0">
+                <a:pos x="connsiteX122" y="connsiteY122"/>
+              </a:cxn>
+              <a:cxn ang="0">
+                <a:pos x="connsiteX123" y="connsiteY123"/>
+              </a:cxn>
+              <a:cxn ang="0">
+                <a:pos x="connsiteX124" y="connsiteY124"/>
+              </a:cxn>
+              <a:cxn ang="0">
+                <a:pos x="connsiteX125" y="connsiteY125"/>
+              </a:cxn>
+              <a:cxn ang="0">
+                <a:pos x="connsiteX126" y="connsiteY126"/>
+              </a:cxn>
+              <a:cxn ang="0">
+                <a:pos x="connsiteX127" y="connsiteY127"/>
+              </a:cxn>
+              <a:cxn ang="0">
+                <a:pos x="connsiteX128" y="connsiteY128"/>
+              </a:cxn>
+              <a:cxn ang="0">
+                <a:pos x="connsiteX129" y="connsiteY129"/>
+              </a:cxn>
+              <a:cxn ang="0">
+                <a:pos x="connsiteX130" y="connsiteY130"/>
+              </a:cxn>
+              <a:cxn ang="0">
+                <a:pos x="connsiteX131" y="connsiteY131"/>
+              </a:cxn>
+              <a:cxn ang="0">
+                <a:pos x="connsiteX132" y="connsiteY132"/>
+              </a:cxn>
+              <a:cxn ang="0">
+                <a:pos x="connsiteX133" y="connsiteY133"/>
+              </a:cxn>
+              <a:cxn ang="0">
+                <a:pos x="connsiteX134" y="connsiteY134"/>
+              </a:cxn>
+              <a:cxn ang="0">
+                <a:pos x="connsiteX135" y="connsiteY135"/>
+              </a:cxn>
+              <a:cxn ang="0">
+                <a:pos x="connsiteX136" y="connsiteY136"/>
+              </a:cxn>
+              <a:cxn ang="0">
+                <a:pos x="connsiteX137" y="connsiteY137"/>
+              </a:cxn>
+              <a:cxn ang="0">
+                <a:pos x="connsiteX138" y="connsiteY138"/>
+              </a:cxn>
+              <a:cxn ang="0">
+                <a:pos x="connsiteX139" y="connsiteY139"/>
+              </a:cxn>
+              <a:cxn ang="0">
+                <a:pos x="connsiteX140" y="connsiteY140"/>
+              </a:cxn>
+              <a:cxn ang="0">
+                <a:pos x="connsiteX141" y="connsiteY141"/>
+              </a:cxn>
+            </a:cxnLst>
+            <a:rect l="l" t="t" r="r" b="b"/>
+            <a:pathLst>
+              <a:path w="7569200" h="6858000">
+                <a:moveTo>
+                  <a:pt x="0" y="0"/>
+                </a:moveTo>
+                <a:lnTo>
+                  <a:pt x="7389812" y="0"/>
+                </a:lnTo>
+                <a:lnTo>
+                  <a:pt x="7394575" y="66675"/>
+                </a:lnTo>
+                <a:lnTo>
+                  <a:pt x="7402512" y="122237"/>
+                </a:lnTo>
+                <a:lnTo>
+                  <a:pt x="7412037" y="174625"/>
+                </a:lnTo>
+                <a:lnTo>
+                  <a:pt x="7427912" y="217487"/>
+                </a:lnTo>
+                <a:lnTo>
+                  <a:pt x="7443787" y="260350"/>
+                </a:lnTo>
+                <a:lnTo>
+                  <a:pt x="7462837" y="296862"/>
+                </a:lnTo>
+                <a:lnTo>
+                  <a:pt x="7481887" y="334962"/>
+                </a:lnTo>
+                <a:lnTo>
+                  <a:pt x="7499350" y="369887"/>
+                </a:lnTo>
+                <a:lnTo>
+                  <a:pt x="7516812" y="409575"/>
+                </a:lnTo>
+                <a:lnTo>
+                  <a:pt x="7532687" y="450850"/>
+                </a:lnTo>
+                <a:lnTo>
+                  <a:pt x="7546975" y="496887"/>
+                </a:lnTo>
+                <a:lnTo>
+                  <a:pt x="7558087" y="546100"/>
+                </a:lnTo>
+                <a:lnTo>
+                  <a:pt x="7566025" y="606425"/>
+                </a:lnTo>
+                <a:lnTo>
+                  <a:pt x="7569200" y="673100"/>
+                </a:lnTo>
+                <a:lnTo>
+                  <a:pt x="7566025" y="744537"/>
+                </a:lnTo>
+                <a:lnTo>
+                  <a:pt x="7558087" y="801687"/>
+                </a:lnTo>
+                <a:lnTo>
+                  <a:pt x="7546975" y="854075"/>
+                </a:lnTo>
+                <a:lnTo>
+                  <a:pt x="7532687" y="901700"/>
+                </a:lnTo>
+                <a:lnTo>
+                  <a:pt x="7516812" y="942975"/>
+                </a:lnTo>
+                <a:lnTo>
+                  <a:pt x="7497762" y="981075"/>
+                </a:lnTo>
+                <a:lnTo>
+                  <a:pt x="7478712" y="1017587"/>
+                </a:lnTo>
+                <a:lnTo>
+                  <a:pt x="7459662" y="1055687"/>
+                </a:lnTo>
+                <a:lnTo>
+                  <a:pt x="7442200" y="1095375"/>
+                </a:lnTo>
+                <a:lnTo>
+                  <a:pt x="7424737" y="1136650"/>
+                </a:lnTo>
+                <a:lnTo>
+                  <a:pt x="7410450" y="1182687"/>
+                </a:lnTo>
+                <a:lnTo>
+                  <a:pt x="7400925" y="1235075"/>
+                </a:lnTo>
+                <a:lnTo>
+                  <a:pt x="7391400" y="1295400"/>
+                </a:lnTo>
+                <a:lnTo>
+                  <a:pt x="7389812" y="1363662"/>
+                </a:lnTo>
+                <a:lnTo>
+                  <a:pt x="7391400" y="1431925"/>
+                </a:lnTo>
+                <a:lnTo>
+                  <a:pt x="7400925" y="1492250"/>
+                </a:lnTo>
+                <a:lnTo>
+                  <a:pt x="7410450" y="1544637"/>
+                </a:lnTo>
+                <a:lnTo>
+                  <a:pt x="7424737" y="1589087"/>
+                </a:lnTo>
+                <a:lnTo>
+                  <a:pt x="7442200" y="1631950"/>
+                </a:lnTo>
+                <a:lnTo>
+                  <a:pt x="7459662" y="1671637"/>
+                </a:lnTo>
+                <a:lnTo>
+                  <a:pt x="7478712" y="1708150"/>
+                </a:lnTo>
+                <a:lnTo>
+                  <a:pt x="7497762" y="1743075"/>
+                </a:lnTo>
+                <a:lnTo>
+                  <a:pt x="7516812" y="1782762"/>
+                </a:lnTo>
+                <a:lnTo>
+                  <a:pt x="7532687" y="1824037"/>
+                </a:lnTo>
+                <a:lnTo>
+                  <a:pt x="7546975" y="1870075"/>
+                </a:lnTo>
+                <a:lnTo>
+                  <a:pt x="7558087" y="1922462"/>
+                </a:lnTo>
+                <a:lnTo>
+                  <a:pt x="7566025" y="1982787"/>
+                </a:lnTo>
+                <a:lnTo>
+                  <a:pt x="7569200" y="2051050"/>
+                </a:lnTo>
+                <a:lnTo>
+                  <a:pt x="7566025" y="2119312"/>
+                </a:lnTo>
+                <a:lnTo>
+                  <a:pt x="7558087" y="2179637"/>
+                </a:lnTo>
+                <a:lnTo>
+                  <a:pt x="7546975" y="2232025"/>
+                </a:lnTo>
+                <a:lnTo>
+                  <a:pt x="7532687" y="2278062"/>
+                </a:lnTo>
+                <a:lnTo>
+                  <a:pt x="7516812" y="2319337"/>
+                </a:lnTo>
+                <a:lnTo>
+                  <a:pt x="7497762" y="2359025"/>
+                </a:lnTo>
+                <a:lnTo>
+                  <a:pt x="7478712" y="2395537"/>
+                </a:lnTo>
+                <a:lnTo>
+                  <a:pt x="7459662" y="2433637"/>
+                </a:lnTo>
+                <a:lnTo>
+                  <a:pt x="7442200" y="2471737"/>
+                </a:lnTo>
+                <a:lnTo>
+                  <a:pt x="7424737" y="2513012"/>
+                </a:lnTo>
+                <a:lnTo>
+                  <a:pt x="7410450" y="2560637"/>
+                </a:lnTo>
+                <a:lnTo>
+                  <a:pt x="7400925" y="2613025"/>
+                </a:lnTo>
+                <a:lnTo>
+                  <a:pt x="7391400" y="2671762"/>
+                </a:lnTo>
+                <a:lnTo>
+                  <a:pt x="7389812" y="2741612"/>
+                </a:lnTo>
+                <a:lnTo>
+                  <a:pt x="7391400" y="2809875"/>
+                </a:lnTo>
+                <a:lnTo>
+                  <a:pt x="7400925" y="2868612"/>
+                </a:lnTo>
+                <a:lnTo>
+                  <a:pt x="7410450" y="2922587"/>
+                </a:lnTo>
+                <a:lnTo>
+                  <a:pt x="7424737" y="2967037"/>
+                </a:lnTo>
+                <a:lnTo>
+                  <a:pt x="7442200" y="3009900"/>
+                </a:lnTo>
+                <a:lnTo>
+                  <a:pt x="7459662" y="3046412"/>
+                </a:lnTo>
+                <a:lnTo>
+                  <a:pt x="7478712" y="3084512"/>
+                </a:lnTo>
+                <a:lnTo>
+                  <a:pt x="7497762" y="3121025"/>
+                </a:lnTo>
+                <a:lnTo>
+                  <a:pt x="7516812" y="3160712"/>
+                </a:lnTo>
+                <a:lnTo>
+                  <a:pt x="7532687" y="3201987"/>
+                </a:lnTo>
+                <a:lnTo>
+                  <a:pt x="7546975" y="3248025"/>
+                </a:lnTo>
+                <a:lnTo>
+                  <a:pt x="7558087" y="3300412"/>
+                </a:lnTo>
+                <a:lnTo>
+                  <a:pt x="7566025" y="3360737"/>
+                </a:lnTo>
+                <a:lnTo>
+                  <a:pt x="7569200" y="3427412"/>
+                </a:lnTo>
+                <a:lnTo>
+                  <a:pt x="7566025" y="3497262"/>
+                </a:lnTo>
+                <a:lnTo>
+                  <a:pt x="7558087" y="3557587"/>
+                </a:lnTo>
+                <a:lnTo>
+                  <a:pt x="7546975" y="3609975"/>
+                </a:lnTo>
+                <a:lnTo>
+                  <a:pt x="7532687" y="3656012"/>
+                </a:lnTo>
+                <a:lnTo>
+                  <a:pt x="7516812" y="3697287"/>
+                </a:lnTo>
+                <a:lnTo>
+                  <a:pt x="7497762" y="3736975"/>
+                </a:lnTo>
+                <a:lnTo>
+                  <a:pt x="7459662" y="3811587"/>
+                </a:lnTo>
+                <a:lnTo>
+                  <a:pt x="7442200" y="3848100"/>
+                </a:lnTo>
+                <a:lnTo>
+                  <a:pt x="7424737" y="3890962"/>
+                </a:lnTo>
+                <a:lnTo>
+                  <a:pt x="7410450" y="3935412"/>
+                </a:lnTo>
+                <a:lnTo>
+                  <a:pt x="7400925" y="3987800"/>
+                </a:lnTo>
+                <a:lnTo>
+                  <a:pt x="7391400" y="4048125"/>
+                </a:lnTo>
+                <a:lnTo>
+                  <a:pt x="7389812" y="4116387"/>
+                </a:lnTo>
+                <a:lnTo>
+                  <a:pt x="7391400" y="4186237"/>
+                </a:lnTo>
+                <a:lnTo>
+                  <a:pt x="7400925" y="4244975"/>
+                </a:lnTo>
+                <a:lnTo>
+                  <a:pt x="7410450" y="4297362"/>
+                </a:lnTo>
+                <a:lnTo>
+                  <a:pt x="7424737" y="4343400"/>
+                </a:lnTo>
+                <a:lnTo>
+                  <a:pt x="7442200" y="4386262"/>
+                </a:lnTo>
+                <a:lnTo>
+                  <a:pt x="7459662" y="4424362"/>
+                </a:lnTo>
+                <a:lnTo>
+                  <a:pt x="7497762" y="4498975"/>
+                </a:lnTo>
+                <a:lnTo>
+                  <a:pt x="7516812" y="4537075"/>
+                </a:lnTo>
+                <a:lnTo>
+                  <a:pt x="7532687" y="4579937"/>
+                </a:lnTo>
+                <a:lnTo>
+                  <a:pt x="7546975" y="4625975"/>
+                </a:lnTo>
+                <a:lnTo>
+                  <a:pt x="7558087" y="4678362"/>
+                </a:lnTo>
+                <a:lnTo>
+                  <a:pt x="7566025" y="4738687"/>
+                </a:lnTo>
+                <a:lnTo>
+                  <a:pt x="7569200" y="4806950"/>
+                </a:lnTo>
+                <a:lnTo>
+                  <a:pt x="7566025" y="4875212"/>
+                </a:lnTo>
+                <a:lnTo>
+                  <a:pt x="7558087" y="4935537"/>
+                </a:lnTo>
+                <a:lnTo>
+                  <a:pt x="7546975" y="4987925"/>
+                </a:lnTo>
+                <a:lnTo>
+                  <a:pt x="7532687" y="5033962"/>
+                </a:lnTo>
+                <a:lnTo>
+                  <a:pt x="7516812" y="5075237"/>
+                </a:lnTo>
+                <a:lnTo>
+                  <a:pt x="7497762" y="5114925"/>
+                </a:lnTo>
+                <a:lnTo>
+                  <a:pt x="7478712" y="5149850"/>
+                </a:lnTo>
+                <a:lnTo>
+                  <a:pt x="7459662" y="5186362"/>
+                </a:lnTo>
+                <a:lnTo>
+                  <a:pt x="7442200" y="5226050"/>
+                </a:lnTo>
+                <a:lnTo>
+                  <a:pt x="7424737" y="5268912"/>
+                </a:lnTo>
+                <a:lnTo>
+                  <a:pt x="7410450" y="5313362"/>
+                </a:lnTo>
+                <a:lnTo>
+                  <a:pt x="7400925" y="5365750"/>
+                </a:lnTo>
+                <a:lnTo>
+                  <a:pt x="7391400" y="5426075"/>
+                </a:lnTo>
+                <a:lnTo>
+                  <a:pt x="7389812" y="5494337"/>
+                </a:lnTo>
+                <a:lnTo>
+                  <a:pt x="7391400" y="5562600"/>
+                </a:lnTo>
+                <a:lnTo>
+                  <a:pt x="7400925" y="5622925"/>
+                </a:lnTo>
+                <a:lnTo>
+                  <a:pt x="7410450" y="5675312"/>
+                </a:lnTo>
+                <a:lnTo>
+                  <a:pt x="7424737" y="5721350"/>
+                </a:lnTo>
+                <a:lnTo>
+                  <a:pt x="7442200" y="5762625"/>
+                </a:lnTo>
+                <a:lnTo>
+                  <a:pt x="7459662" y="5802312"/>
+                </a:lnTo>
+                <a:lnTo>
+                  <a:pt x="7478712" y="5840412"/>
+                </a:lnTo>
+                <a:lnTo>
+                  <a:pt x="7497762" y="5876925"/>
+                </a:lnTo>
+                <a:lnTo>
+                  <a:pt x="7516812" y="5915025"/>
+                </a:lnTo>
+                <a:lnTo>
+                  <a:pt x="7532687" y="5956300"/>
+                </a:lnTo>
+                <a:lnTo>
+                  <a:pt x="7546975" y="6003925"/>
+                </a:lnTo>
+                <a:lnTo>
+                  <a:pt x="7558087" y="6056312"/>
+                </a:lnTo>
+                <a:lnTo>
+                  <a:pt x="7566025" y="6113462"/>
+                </a:lnTo>
+                <a:lnTo>
+                  <a:pt x="7569200" y="6183312"/>
+                </a:lnTo>
+                <a:lnTo>
+                  <a:pt x="7566025" y="6251575"/>
+                </a:lnTo>
+                <a:lnTo>
+                  <a:pt x="7558087" y="6311900"/>
+                </a:lnTo>
+                <a:lnTo>
+                  <a:pt x="7546975" y="6361112"/>
+                </a:lnTo>
+                <a:lnTo>
+                  <a:pt x="7532687" y="6407150"/>
+                </a:lnTo>
+                <a:lnTo>
+                  <a:pt x="7516812" y="6448425"/>
+                </a:lnTo>
+                <a:lnTo>
+                  <a:pt x="7499350" y="6488112"/>
+                </a:lnTo>
+                <a:lnTo>
+                  <a:pt x="7481887" y="6523037"/>
+                </a:lnTo>
+                <a:lnTo>
+                  <a:pt x="7462837" y="6561137"/>
+                </a:lnTo>
+                <a:lnTo>
+                  <a:pt x="7443787" y="6597650"/>
+                </a:lnTo>
+                <a:lnTo>
+                  <a:pt x="7427912" y="6640512"/>
+                </a:lnTo>
+                <a:lnTo>
+                  <a:pt x="7412037" y="6683375"/>
+                </a:lnTo>
+                <a:lnTo>
+                  <a:pt x="7402512" y="6735762"/>
+                </a:lnTo>
+                <a:lnTo>
+                  <a:pt x="7394575" y="6791325"/>
+                </a:lnTo>
+                <a:lnTo>
+                  <a:pt x="7389812" y="6858000"/>
+                </a:lnTo>
+                <a:lnTo>
+                  <a:pt x="0" y="6858000"/>
+                </a:lnTo>
+                <a:lnTo>
+                  <a:pt x="0" y="0"/>
+                </a:lnTo>
+                <a:close/>
+              </a:path>
+            </a:pathLst>
+          </a:custGeom>
+          <a:solidFill>
+            <a:schemeClr val="bg2">
+              <a:lumMod val="90000"/>
+            </a:schemeClr>
+          </a:solidFill>
+          <a:ln w="0">
+            <a:noFill/>
+            <a:prstDash val="solid"/>
+            <a:round/>
+            <a:headEnd/>
+            <a:tailEnd/>
+          </a:ln>
+        </p:spPr>
+      </p:sp>
+      <p:sp>
+        <p:nvSpPr>
+          <p:cNvPr id="13" name="Rectangle 12">
+            <a:extLst>
+              <a:ext uri="{FF2B5EF4-FFF2-40B4-BE49-F238E27FC236}">
+                <a16:creationId xmlns:a16="http://schemas.microsoft.com/office/drawing/2014/main" id="{42AB6772-4EB6-467C-BDF3-6F1E3D1252C1}"/>
+              </a:ext>
+              <a:ext uri="{C183D7F6-B498-43B3-948B-1728B52AA6E4}">
+                <adec:decorative xmlns:adec="http://schemas.microsoft.com/office/drawing/2017/decorative" val="1"/>
+              </a:ext>
+            </a:extLst>
+          </p:cNvPr>
+          <p:cNvSpPr>
+            <a:spLocks noGrp="1" noRot="1" noChangeAspect="1" noMove="1" noResize="1" noEditPoints="1" noAdjustHandles="1" noChangeArrowheads="1" noChangeShapeType="1" noTextEdit="1"/>
+          </p:cNvSpPr>
+          <p:nvPr>
+            <p:extLst>
+              <p:ext uri="{386F3935-93C4-4BCD-93E2-E3B085C9AB24}">
+                <p16:designElem xmlns:p16="http://schemas.microsoft.com/office/powerpoint/2015/main" val="1"/>
+              </p:ext>
+            </p:extLst>
+          </p:nvPr>
+        </p:nvSpPr>
+        <p:spPr>
+          <a:xfrm>
+            <a:off x="0" y="0"/>
+            <a:ext cx="283464" cy="6858000"/>
+          </a:xfrm>
+          <a:prstGeom prst="rect">
+            <a:avLst/>
+          </a:prstGeom>
+          <a:solidFill>
+            <a:schemeClr val="accent1"/>
+          </a:solidFill>
+          <a:ln>
+            <a:noFill/>
+          </a:ln>
+        </p:spPr>
+        <p:style>
+          <a:lnRef idx="2">
+            <a:schemeClr val="accent1">
+              <a:shade val="50000"/>
+            </a:schemeClr>
+          </a:lnRef>
+          <a:fillRef idx="1">
+            <a:schemeClr val="accent1"/>
+          </a:fillRef>
+          <a:effectRef idx="0">
+            <a:schemeClr val="accent1"/>
+          </a:effectRef>
+          <a:fontRef idx="minor">
+            <a:schemeClr val="lt1"/>
+          </a:fontRef>
+        </p:style>
+      </p:sp>
+      <p:graphicFrame>
+        <p:nvGraphicFramePr>
+          <p:cNvPr id="5" name="Content Placeholder 2">
+            <a:extLst>
+              <a:ext uri="{FF2B5EF4-FFF2-40B4-BE49-F238E27FC236}">
+                <a16:creationId xmlns:a16="http://schemas.microsoft.com/office/drawing/2014/main" id="{09DA4755-FCFF-4FC1-A36D-BDD51EDA35C2}"/>
+              </a:ext>
+            </a:extLst>
+          </p:cNvPr>
+          <p:cNvGraphicFramePr>
+            <a:graphicFrameLocks noGrp="1"/>
+          </p:cNvGraphicFramePr>
+          <p:nvPr>
+            <p:ph idx="1"/>
+            <p:extLst>
+              <p:ext uri="{D42A27DB-BD31-4B8C-83A1-F6EECF244321}">
+                <p14:modId xmlns:p14="http://schemas.microsoft.com/office/powerpoint/2010/main" val="3034593359"/>
+              </p:ext>
+            </p:extLst>
+          </p:nvPr>
+        </p:nvGraphicFramePr>
+        <p:xfrm>
+          <a:off x="765175" y="481013"/>
+          <a:ext cx="6305550" cy="5573283"/>
+        </p:xfrm>
+        <a:graphic>
+          <a:graphicData uri="http://schemas.openxmlformats.org/drawingml/2006/diagram">
+            <dgm:relIds xmlns:dgm="http://schemas.openxmlformats.org/drawingml/2006/diagram" xmlns:r="http://schemas.openxmlformats.org/officeDocument/2006/relationships" r:dm="rId2" r:lo="rId3" r:qs="rId4" r:cs="rId5"/>
+          </a:graphicData>
+        </a:graphic>
+      </p:graphicFrame>
+    </p:spTree>
+    <p:extLst>
+      <p:ext uri="{BB962C8B-B14F-4D97-AF65-F5344CB8AC3E}">
+        <p14:creationId xmlns:p14="http://schemas.microsoft.com/office/powerpoint/2010/main" val="3392426577"/>
+      </p:ext>
+    </p:extLst>
+  </p:cSld>
+  <p:clrMapOvr>
+    <a:masterClrMapping/>
+  </p:clrMapOvr>
+</p:sld>
+</file>
+
 <file path=ppt/theme/theme1.xml><?xml version="1.0" encoding="utf-8"?>
 <a:theme xmlns:a="http://schemas.openxmlformats.org/drawingml/2006/main" name="Badge">
   <a:themeElements>
